--- a/Study of Effective Java™.pptx
+++ b/Study of Effective Java™.pptx
@@ -5,7 +5,7 @@
     <p:sldMasterId id="2147483659" r:id="rId1"/>
   </p:sldMasterIdLst>
   <p:notesMasterIdLst>
-    <p:notesMasterId r:id="rId21"/>
+    <p:notesMasterId r:id="rId22"/>
   </p:notesMasterIdLst>
   <p:sldIdLst>
     <p:sldId id="256" r:id="rId2"/>
@@ -27,6 +27,7 @@
     <p:sldId id="272" r:id="rId18"/>
     <p:sldId id="273" r:id="rId19"/>
     <p:sldId id="274" r:id="rId20"/>
+    <p:sldId id="275" r:id="rId21"/>
   </p:sldIdLst>
   <p:sldSz cx="12192000" cy="6858000"/>
   <p:notesSz cx="6858000" cy="9144000"/>
@@ -15213,6 +15214,74 @@
         </p:txBody>
       </p:sp>
     </p:spTree>
+  </p:cSld>
+  <p:clrMapOvr>
+    <a:masterClrMapping/>
+  </p:clrMapOvr>
+</p:sld>
+</file>
+
+<file path=ppt/slides/slide20.xml><?xml version="1.0" encoding="utf-8"?>
+<p:sld xmlns:a="http://schemas.openxmlformats.org/drawingml/2006/main" xmlns:r="http://schemas.openxmlformats.org/officeDocument/2006/relationships" xmlns:p="http://schemas.openxmlformats.org/presentationml/2006/main">
+  <p:cSld>
+    <p:spTree>
+      <p:nvGrpSpPr>
+        <p:cNvPr id="1" name=""/>
+        <p:cNvGrpSpPr/>
+        <p:nvPr/>
+      </p:nvGrpSpPr>
+      <p:grpSpPr>
+        <a:xfrm>
+          <a:off x="0" y="0"/>
+          <a:ext cx="0" cy="0"/>
+          <a:chOff x="0" y="0"/>
+          <a:chExt cx="0" cy="0"/>
+        </a:xfrm>
+      </p:grpSpPr>
+      <p:sp>
+        <p:nvSpPr>
+          <p:cNvPr id="2" name="Title 1"/>
+          <p:cNvSpPr>
+            <a:spLocks noGrp="1"/>
+          </p:cNvSpPr>
+          <p:nvPr>
+            <p:ph type="title"/>
+          </p:nvPr>
+        </p:nvSpPr>
+        <p:spPr/>
+        <p:txBody>
+          <a:bodyPr/>
+          <a:lstStyle/>
+          <a:p>
+            <a:endParaRPr lang="en-US" dirty="0"/>
+          </a:p>
+        </p:txBody>
+      </p:sp>
+      <p:sp>
+        <p:nvSpPr>
+          <p:cNvPr id="3" name="Text Placeholder 2"/>
+          <p:cNvSpPr>
+            <a:spLocks noGrp="1"/>
+          </p:cNvSpPr>
+          <p:nvPr>
+            <p:ph type="body" idx="1"/>
+          </p:nvPr>
+        </p:nvSpPr>
+        <p:spPr/>
+        <p:txBody>
+          <a:bodyPr/>
+          <a:lstStyle/>
+          <a:p>
+            <a:endParaRPr lang="en-US" dirty="0"/>
+          </a:p>
+        </p:txBody>
+      </p:sp>
+    </p:spTree>
+    <p:extLst>
+      <p:ext uri="{BB962C8B-B14F-4D97-AF65-F5344CB8AC3E}">
+        <p14:creationId xmlns:p14="http://schemas.microsoft.com/office/powerpoint/2010/main" val="3615658039"/>
+      </p:ext>
+    </p:extLst>
   </p:cSld>
   <p:clrMapOvr>
     <a:masterClrMapping/>

--- a/Study of Effective Java™.pptx
+++ b/Study of Effective Java™.pptx
@@ -5,7 +5,7 @@
     <p:sldMasterId id="2147483659" r:id="rId1"/>
   </p:sldMasterIdLst>
   <p:notesMasterIdLst>
-    <p:notesMasterId r:id="rId22"/>
+    <p:notesMasterId r:id="rId24"/>
   </p:notesMasterIdLst>
   <p:sldIdLst>
     <p:sldId id="256" r:id="rId2"/>
@@ -28,6 +28,8 @@
     <p:sldId id="273" r:id="rId19"/>
     <p:sldId id="274" r:id="rId20"/>
     <p:sldId id="275" r:id="rId21"/>
+    <p:sldId id="276" r:id="rId22"/>
+    <p:sldId id="277" r:id="rId23"/>
   </p:sldIdLst>
   <p:sldSz cx="12192000" cy="6858000"/>
   <p:notesSz cx="6858000" cy="9144000"/>
@@ -15253,6 +15255,10 @@
           <a:bodyPr/>
           <a:lstStyle/>
           <a:p>
+            <a:r>
+              <a:rPr lang="en-US" b="1" dirty="0"/>
+              <a:t>Item 13: Minimize the accessibility of classes and members</a:t>
+            </a:r>
             <a:endParaRPr lang="en-US" dirty="0"/>
           </a:p>
         </p:txBody>
@@ -15272,6 +15278,43 @@
           <a:bodyPr/>
           <a:lstStyle/>
           <a:p>
+            <a:r>
+              <a:rPr lang="en-US" b="1" dirty="0"/>
+              <a:t>make each class or member as inaccessible </a:t>
+            </a:r>
+            <a:r>
+              <a:rPr lang="en-US" b="1" dirty="0" smtClean="0"/>
+              <a:t>as possible</a:t>
+            </a:r>
+            <a:r>
+              <a:rPr lang="en-US" b="1" dirty="0"/>
+              <a:t>.</a:t>
+            </a:r>
+            <a:endParaRPr lang="en-US" b="1" dirty="0" smtClean="0"/>
+          </a:p>
+          <a:p>
+            <a:r>
+              <a:rPr lang="en-US" b="1" dirty="0" smtClean="0"/>
+              <a:t>Instance </a:t>
+            </a:r>
+            <a:r>
+              <a:rPr lang="en-US" b="1" dirty="0"/>
+              <a:t>fields should never be </a:t>
+            </a:r>
+            <a:r>
+              <a:rPr lang="en-US" b="1" dirty="0" smtClean="0"/>
+              <a:t>public</a:t>
+            </a:r>
+          </a:p>
+          <a:p>
+            <a:r>
+              <a:rPr lang="en-US" b="1" dirty="0" smtClean="0"/>
+              <a:t>Classes with </a:t>
+            </a:r>
+            <a:r>
+              <a:rPr lang="en-US" b="1" dirty="0"/>
+              <a:t>public mutable fields are not thread-safe</a:t>
+            </a:r>
             <a:endParaRPr lang="en-US" dirty="0"/>
           </a:p>
         </p:txBody>
@@ -15280,6 +15323,421 @@
     <p:extLst>
       <p:ext uri="{BB962C8B-B14F-4D97-AF65-F5344CB8AC3E}">
         <p14:creationId xmlns:p14="http://schemas.microsoft.com/office/powerpoint/2010/main" val="3615658039"/>
+      </p:ext>
+    </p:extLst>
+  </p:cSld>
+  <p:clrMapOvr>
+    <a:masterClrMapping/>
+  </p:clrMapOvr>
+</p:sld>
+</file>
+
+<file path=ppt/slides/slide21.xml><?xml version="1.0" encoding="utf-8"?>
+<p:sld xmlns:a="http://schemas.openxmlformats.org/drawingml/2006/main" xmlns:r="http://schemas.openxmlformats.org/officeDocument/2006/relationships" xmlns:p="http://schemas.openxmlformats.org/presentationml/2006/main">
+  <p:cSld>
+    <p:spTree>
+      <p:nvGrpSpPr>
+        <p:cNvPr id="1" name=""/>
+        <p:cNvGrpSpPr/>
+        <p:nvPr/>
+      </p:nvGrpSpPr>
+      <p:grpSpPr>
+        <a:xfrm>
+          <a:off x="0" y="0"/>
+          <a:ext cx="0" cy="0"/>
+          <a:chOff x="0" y="0"/>
+          <a:chExt cx="0" cy="0"/>
+        </a:xfrm>
+      </p:grpSpPr>
+      <p:sp>
+        <p:nvSpPr>
+          <p:cNvPr id="2" name="Title 1"/>
+          <p:cNvSpPr>
+            <a:spLocks noGrp="1"/>
+          </p:cNvSpPr>
+          <p:nvPr>
+            <p:ph type="title"/>
+          </p:nvPr>
+        </p:nvSpPr>
+        <p:spPr/>
+        <p:txBody>
+          <a:bodyPr/>
+          <a:lstStyle/>
+          <a:p>
+            <a:r>
+              <a:rPr lang="en-US" b="1" dirty="0"/>
+              <a:t>Item 14: In public classes, use accessor methods, not public fields</a:t>
+            </a:r>
+            <a:endParaRPr lang="en-US" dirty="0"/>
+          </a:p>
+        </p:txBody>
+      </p:sp>
+      <p:sp>
+        <p:nvSpPr>
+          <p:cNvPr id="3" name="Text Placeholder 2"/>
+          <p:cNvSpPr>
+            <a:spLocks noGrp="1"/>
+          </p:cNvSpPr>
+          <p:nvPr>
+            <p:ph type="body" idx="1"/>
+          </p:nvPr>
+        </p:nvSpPr>
+        <p:spPr/>
+        <p:txBody>
+          <a:bodyPr/>
+          <a:lstStyle/>
+          <a:p>
+            <a:r>
+              <a:rPr lang="en-US" dirty="0"/>
+              <a:t>In summary, public classes should never expose mutable fields. It is </a:t>
+            </a:r>
+            <a:r>
+              <a:rPr lang="en-US" dirty="0" smtClean="0"/>
+              <a:t>less harmful</a:t>
+            </a:r>
+            <a:r>
+              <a:rPr lang="en-US" dirty="0"/>
+              <a:t>, though still questionable, for public classes to expose immutable fields.</a:t>
+            </a:r>
+          </a:p>
+          <a:p>
+            <a:r>
+              <a:rPr lang="en-US" dirty="0"/>
+              <a:t>It is, however, sometimes desirable for package-private or private nested classes </a:t>
+            </a:r>
+            <a:r>
+              <a:rPr lang="en-US" dirty="0" smtClean="0"/>
+              <a:t>to expose </a:t>
+            </a:r>
+            <a:r>
+              <a:rPr lang="en-US" dirty="0"/>
+              <a:t>fields, whether mutable or immutable.</a:t>
+            </a:r>
+            <a:endParaRPr lang="en-US" dirty="0"/>
+          </a:p>
+        </p:txBody>
+      </p:sp>
+    </p:spTree>
+    <p:extLst>
+      <p:ext uri="{BB962C8B-B14F-4D97-AF65-F5344CB8AC3E}">
+        <p14:creationId xmlns:p14="http://schemas.microsoft.com/office/powerpoint/2010/main" val="2604472192"/>
+      </p:ext>
+    </p:extLst>
+  </p:cSld>
+  <p:clrMapOvr>
+    <a:masterClrMapping/>
+  </p:clrMapOvr>
+</p:sld>
+</file>
+
+<file path=ppt/slides/slide22.xml><?xml version="1.0" encoding="utf-8"?>
+<p:sld xmlns:a="http://schemas.openxmlformats.org/drawingml/2006/main" xmlns:r="http://schemas.openxmlformats.org/officeDocument/2006/relationships" xmlns:p="http://schemas.openxmlformats.org/presentationml/2006/main">
+  <p:cSld>
+    <p:spTree>
+      <p:nvGrpSpPr>
+        <p:cNvPr id="1" name=""/>
+        <p:cNvGrpSpPr/>
+        <p:nvPr/>
+      </p:nvGrpSpPr>
+      <p:grpSpPr>
+        <a:xfrm>
+          <a:off x="0" y="0"/>
+          <a:ext cx="0" cy="0"/>
+          <a:chOff x="0" y="0"/>
+          <a:chExt cx="0" cy="0"/>
+        </a:xfrm>
+      </p:grpSpPr>
+      <p:sp>
+        <p:nvSpPr>
+          <p:cNvPr id="2" name="Title 1"/>
+          <p:cNvSpPr>
+            <a:spLocks noGrp="1"/>
+          </p:cNvSpPr>
+          <p:nvPr>
+            <p:ph type="title"/>
+          </p:nvPr>
+        </p:nvSpPr>
+        <p:spPr/>
+        <p:txBody>
+          <a:bodyPr/>
+          <a:lstStyle/>
+          <a:p>
+            <a:r>
+              <a:rPr lang="en-US" b="1" dirty="0"/>
+              <a:t>Item 15: Minimize mutability</a:t>
+            </a:r>
+            <a:endParaRPr lang="en-US" dirty="0"/>
+          </a:p>
+        </p:txBody>
+      </p:sp>
+      <p:sp>
+        <p:nvSpPr>
+          <p:cNvPr id="3" name="Text Placeholder 2"/>
+          <p:cNvSpPr>
+            <a:spLocks noGrp="1"/>
+          </p:cNvSpPr>
+          <p:nvPr>
+            <p:ph type="body" idx="1"/>
+          </p:nvPr>
+        </p:nvSpPr>
+        <p:spPr>
+          <a:xfrm>
+            <a:off x="838199" y="1503122"/>
+            <a:ext cx="10515599" cy="5185775"/>
+          </a:xfrm>
+        </p:spPr>
+        <p:txBody>
+          <a:bodyPr/>
+          <a:lstStyle/>
+          <a:p>
+            <a:r>
+              <a:rPr lang="en-US" sz="1800" dirty="0"/>
+              <a:t>1. </a:t>
+            </a:r>
+            <a:r>
+              <a:rPr lang="en-US" sz="1800" b="1" dirty="0"/>
+              <a:t>Don’t provide any methods that modify the object’s state </a:t>
+            </a:r>
+            <a:r>
+              <a:rPr lang="en-US" sz="1800" dirty="0"/>
+              <a:t>(known as </a:t>
+            </a:r>
+            <a:r>
+              <a:rPr lang="en-US" sz="1800" i="1" dirty="0" err="1"/>
+              <a:t>mutators</a:t>
+            </a:r>
+            <a:r>
+              <a:rPr lang="en-US" sz="1800" dirty="0"/>
+              <a:t>).</a:t>
+            </a:r>
+          </a:p>
+          <a:p>
+            <a:r>
+              <a:rPr lang="en-US" sz="1800" dirty="0"/>
+              <a:t>2. </a:t>
+            </a:r>
+            <a:r>
+              <a:rPr lang="en-US" sz="1800" b="1" dirty="0"/>
+              <a:t>Ensure that the class can’t be extended. </a:t>
+            </a:r>
+            <a:r>
+              <a:rPr lang="en-US" sz="1800" dirty="0"/>
+              <a:t>This prevents careless or </a:t>
+            </a:r>
+            <a:r>
+              <a:rPr lang="en-US" sz="1800" dirty="0" smtClean="0"/>
+              <a:t>malicious subclasses </a:t>
+            </a:r>
+            <a:r>
+              <a:rPr lang="en-US" sz="1800" dirty="0"/>
+              <a:t>from compromising the immutable behavior of the class by </a:t>
+            </a:r>
+            <a:r>
+              <a:rPr lang="en-US" sz="1800" dirty="0" smtClean="0"/>
+              <a:t>behaving as </a:t>
+            </a:r>
+            <a:r>
+              <a:rPr lang="en-US" sz="1800" dirty="0"/>
+              <a:t>if the object’s state has changed. Preventing </a:t>
+            </a:r>
+            <a:r>
+              <a:rPr lang="en-US" sz="1800" dirty="0" err="1"/>
+              <a:t>subclassing</a:t>
+            </a:r>
+            <a:r>
+              <a:rPr lang="en-US" sz="1800" dirty="0"/>
+              <a:t> is generally </a:t>
+            </a:r>
+            <a:r>
+              <a:rPr lang="en-US" sz="1800" dirty="0" smtClean="0"/>
+              <a:t>accomplished by </a:t>
+            </a:r>
+            <a:r>
+              <a:rPr lang="en-US" sz="1800" dirty="0"/>
+              <a:t>making the class final, but there is an alternative that </a:t>
+            </a:r>
+            <a:r>
+              <a:rPr lang="en-US" sz="1800" dirty="0" smtClean="0"/>
+              <a:t>we’ll discuss </a:t>
+            </a:r>
+            <a:r>
+              <a:rPr lang="en-US" sz="1800" dirty="0"/>
+              <a:t>later.</a:t>
+            </a:r>
+          </a:p>
+          <a:p>
+            <a:r>
+              <a:rPr lang="en-US" sz="1800" dirty="0"/>
+              <a:t>3. </a:t>
+            </a:r>
+            <a:r>
+              <a:rPr lang="en-US" sz="1800" b="1" dirty="0"/>
+              <a:t>Make all fields final. </a:t>
+            </a:r>
+            <a:r>
+              <a:rPr lang="en-US" sz="1800" dirty="0"/>
+              <a:t>This clearly expresses your intent in a manner that is </a:t>
+            </a:r>
+            <a:r>
+              <a:rPr lang="en-US" sz="1800" dirty="0" smtClean="0"/>
+              <a:t>enforced by </a:t>
+            </a:r>
+            <a:r>
+              <a:rPr lang="en-US" sz="1800" dirty="0"/>
+              <a:t>the system. Also, it is necessary to ensure correct behavior if a </a:t>
+            </a:r>
+            <a:r>
+              <a:rPr lang="en-US" sz="1800" dirty="0" smtClean="0"/>
+              <a:t>reference to </a:t>
+            </a:r>
+            <a:r>
+              <a:rPr lang="en-US" sz="1800" dirty="0"/>
+              <a:t>a newly created instance is passed from one thread to another </a:t>
+            </a:r>
+            <a:r>
+              <a:rPr lang="en-US" sz="1800" dirty="0" smtClean="0"/>
+              <a:t>without synchronization</a:t>
+            </a:r>
+            <a:r>
+              <a:rPr lang="en-US" sz="1800" dirty="0"/>
+              <a:t>, as spelled out in the </a:t>
+            </a:r>
+            <a:r>
+              <a:rPr lang="en-US" sz="1800" i="1" dirty="0"/>
+              <a:t>memory model </a:t>
+            </a:r>
+            <a:r>
+              <a:rPr lang="en-US" sz="1800" dirty="0"/>
+              <a:t>[JLS, 17.5; Goetz06 16].</a:t>
+            </a:r>
+          </a:p>
+          <a:p>
+            <a:r>
+              <a:rPr lang="en-US" sz="1800" dirty="0"/>
+              <a:t>4. </a:t>
+            </a:r>
+            <a:r>
+              <a:rPr lang="en-US" sz="1800" b="1" dirty="0"/>
+              <a:t>Make all fields private. </a:t>
+            </a:r>
+            <a:r>
+              <a:rPr lang="en-US" sz="1800" dirty="0"/>
+              <a:t>This prevents clients from obtaining access to </a:t>
+            </a:r>
+            <a:r>
+              <a:rPr lang="en-US" sz="1800" dirty="0" smtClean="0"/>
+              <a:t>mutable objects </a:t>
+            </a:r>
+            <a:r>
+              <a:rPr lang="en-US" sz="1800" dirty="0"/>
+              <a:t>referred to by fields and modifying these objects directly. While </a:t>
+            </a:r>
+            <a:r>
+              <a:rPr lang="en-US" sz="1800" dirty="0" smtClean="0"/>
+              <a:t>it is </a:t>
+            </a:r>
+            <a:r>
+              <a:rPr lang="en-US" sz="1800" dirty="0"/>
+              <a:t>technically permissible for immutable classes to have public final fields </a:t>
+            </a:r>
+            <a:r>
+              <a:rPr lang="en-US" sz="1800" dirty="0" smtClean="0"/>
+              <a:t>containing primitive </a:t>
+            </a:r>
+            <a:r>
+              <a:rPr lang="en-US" sz="1800" dirty="0"/>
+              <a:t>values or references to immutable objects, it is not </a:t>
+            </a:r>
+            <a:r>
+              <a:rPr lang="en-US" sz="1800" dirty="0" smtClean="0"/>
+              <a:t>recommended because </a:t>
+            </a:r>
+            <a:r>
+              <a:rPr lang="en-US" sz="1800" dirty="0"/>
+              <a:t>it precludes changing the internal representation in a </a:t>
+            </a:r>
+            <a:r>
+              <a:rPr lang="en-US" sz="1800" dirty="0" smtClean="0"/>
+              <a:t>later release </a:t>
+            </a:r>
+            <a:r>
+              <a:rPr lang="en-US" sz="1800" dirty="0"/>
+              <a:t>(Item 13).</a:t>
+            </a:r>
+          </a:p>
+          <a:p>
+            <a:r>
+              <a:rPr lang="en-US" sz="1800" dirty="0"/>
+              <a:t>5. </a:t>
+            </a:r>
+            <a:r>
+              <a:rPr lang="en-US" sz="1800" b="1" dirty="0"/>
+              <a:t>Ensure exclusive access to any mutable components. </a:t>
+            </a:r>
+            <a:r>
+              <a:rPr lang="en-US" sz="1800" dirty="0"/>
+              <a:t>If your class has </a:t>
+            </a:r>
+            <a:r>
+              <a:rPr lang="en-US" sz="1800" dirty="0" smtClean="0"/>
+              <a:t>any fields </a:t>
+            </a:r>
+            <a:r>
+              <a:rPr lang="en-US" sz="1800" dirty="0"/>
+              <a:t>that refer to mutable objects, ensure that clients of the class cannot </a:t>
+            </a:r>
+            <a:r>
+              <a:rPr lang="en-US" sz="1800" dirty="0" smtClean="0"/>
+              <a:t>obtain references </a:t>
+            </a:r>
+            <a:r>
+              <a:rPr lang="en-US" sz="1800" dirty="0"/>
+              <a:t>to these objects. Never initialize such a field to a client-provided </a:t>
+            </a:r>
+            <a:r>
+              <a:rPr lang="en-US" sz="1800" dirty="0" smtClean="0"/>
+              <a:t>object reference </a:t>
+            </a:r>
+            <a:r>
+              <a:rPr lang="en-US" sz="1800" dirty="0"/>
+              <a:t>or return the object reference from an accessor. Make </a:t>
+            </a:r>
+            <a:r>
+              <a:rPr lang="en-US" sz="1800" i="1" dirty="0" smtClean="0"/>
+              <a:t>defensive copies </a:t>
+            </a:r>
+            <a:r>
+              <a:rPr lang="en-US" sz="1800" dirty="0"/>
+              <a:t>(Item 39) in constructors, accessors, and </a:t>
+            </a:r>
+            <a:r>
+              <a:rPr lang="en-US" sz="1800" dirty="0" err="1" smtClean="0"/>
+              <a:t>readObject</a:t>
+            </a:r>
+            <a:r>
+              <a:rPr lang="en-US" sz="1800" dirty="0" smtClean="0"/>
+              <a:t> </a:t>
+            </a:r>
+            <a:r>
+              <a:rPr lang="en-US" sz="1800" dirty="0"/>
+              <a:t>methods (</a:t>
+            </a:r>
+            <a:r>
+              <a:rPr lang="en-US" sz="1800" dirty="0" smtClean="0"/>
+              <a:t>Item 76</a:t>
+            </a:r>
+            <a:r>
+              <a:rPr lang="en-US" sz="1800" dirty="0"/>
+              <a:t>).</a:t>
+            </a:r>
+            <a:endParaRPr lang="en-US" sz="1800" dirty="0"/>
+          </a:p>
+        </p:txBody>
+      </p:sp>
+    </p:spTree>
+    <p:extLst>
+      <p:ext uri="{BB962C8B-B14F-4D97-AF65-F5344CB8AC3E}">
+        <p14:creationId xmlns:p14="http://schemas.microsoft.com/office/powerpoint/2010/main" val="308354317"/>
       </p:ext>
     </p:extLst>
   </p:cSld>

--- a/Study of Effective Java™.pptx
+++ b/Study of Effective Java™.pptx
@@ -5,7 +5,7 @@
     <p:sldMasterId id="2147483659" r:id="rId1"/>
   </p:sldMasterIdLst>
   <p:notesMasterIdLst>
-    <p:notesMasterId r:id="rId24"/>
+    <p:notesMasterId r:id="rId25"/>
   </p:notesMasterIdLst>
   <p:sldIdLst>
     <p:sldId id="256" r:id="rId2"/>
@@ -30,6 +30,7 @@
     <p:sldId id="275" r:id="rId21"/>
     <p:sldId id="276" r:id="rId22"/>
     <p:sldId id="277" r:id="rId23"/>
+    <p:sldId id="278" r:id="rId24"/>
   </p:sldIdLst>
   <p:sldSz cx="12192000" cy="6858000"/>
   <p:notesSz cx="6858000" cy="9144000"/>
@@ -15413,7 +15414,6 @@
               <a:rPr lang="en-US" dirty="0"/>
               <a:t>fields, whether mutable or immutable.</a:t>
             </a:r>
-            <a:endParaRPr lang="en-US" dirty="0"/>
           </a:p>
         </p:txBody>
       </p:sp>
@@ -15730,7 +15730,6 @@
               <a:rPr lang="en-US" sz="1800" dirty="0"/>
               <a:t>).</a:t>
             </a:r>
-            <a:endParaRPr lang="en-US" sz="1800" dirty="0"/>
           </a:p>
         </p:txBody>
       </p:sp>
@@ -15738,6 +15737,128 @@
     <p:extLst>
       <p:ext uri="{BB962C8B-B14F-4D97-AF65-F5344CB8AC3E}">
         <p14:creationId xmlns:p14="http://schemas.microsoft.com/office/powerpoint/2010/main" val="308354317"/>
+      </p:ext>
+    </p:extLst>
+  </p:cSld>
+  <p:clrMapOvr>
+    <a:masterClrMapping/>
+  </p:clrMapOvr>
+</p:sld>
+</file>
+
+<file path=ppt/slides/slide23.xml><?xml version="1.0" encoding="utf-8"?>
+<p:sld xmlns:a="http://schemas.openxmlformats.org/drawingml/2006/main" xmlns:r="http://schemas.openxmlformats.org/officeDocument/2006/relationships" xmlns:p="http://schemas.openxmlformats.org/presentationml/2006/main">
+  <p:cSld>
+    <p:spTree>
+      <p:nvGrpSpPr>
+        <p:cNvPr id="1" name=""/>
+        <p:cNvGrpSpPr/>
+        <p:nvPr/>
+      </p:nvGrpSpPr>
+      <p:grpSpPr>
+        <a:xfrm>
+          <a:off x="0" y="0"/>
+          <a:ext cx="0" cy="0"/>
+          <a:chOff x="0" y="0"/>
+          <a:chExt cx="0" cy="0"/>
+        </a:xfrm>
+      </p:grpSpPr>
+      <p:sp>
+        <p:nvSpPr>
+          <p:cNvPr id="2" name="Title 1"/>
+          <p:cNvSpPr>
+            <a:spLocks noGrp="1"/>
+          </p:cNvSpPr>
+          <p:nvPr>
+            <p:ph type="title"/>
+          </p:nvPr>
+        </p:nvSpPr>
+        <p:spPr/>
+        <p:txBody>
+          <a:bodyPr/>
+          <a:lstStyle/>
+          <a:p>
+            <a:endParaRPr lang="en-US"/>
+          </a:p>
+        </p:txBody>
+      </p:sp>
+      <p:sp>
+        <p:nvSpPr>
+          <p:cNvPr id="3" name="Text Placeholder 2"/>
+          <p:cNvSpPr>
+            <a:spLocks noGrp="1"/>
+          </p:cNvSpPr>
+          <p:nvPr>
+            <p:ph type="body" idx="1"/>
+          </p:nvPr>
+        </p:nvSpPr>
+        <p:spPr/>
+        <p:txBody>
+          <a:bodyPr/>
+          <a:lstStyle/>
+          <a:p>
+            <a:r>
+              <a:rPr lang="en-US" b="1" dirty="0"/>
+              <a:t>Immutable objects </a:t>
+            </a:r>
+            <a:r>
+              <a:rPr lang="en-US" b="1" dirty="0" smtClean="0"/>
+              <a:t>are simple</a:t>
+            </a:r>
+          </a:p>
+          <a:p>
+            <a:pPr marL="177800" indent="0">
+              <a:buNone/>
+            </a:pPr>
+            <a:r>
+              <a:rPr lang="en-US" b="1" dirty="0" smtClean="0"/>
+              <a:t>Immutable </a:t>
+            </a:r>
+            <a:r>
+              <a:rPr lang="en-US" b="1" dirty="0"/>
+              <a:t>objects are inherently thread-safe; they require no synchronization</a:t>
+            </a:r>
+            <a:r>
+              <a:rPr lang="en-US" b="1" dirty="0" smtClean="0"/>
+              <a:t>.</a:t>
+            </a:r>
+          </a:p>
+          <a:p>
+            <a:r>
+              <a:rPr lang="en-US" b="1" dirty="0"/>
+              <a:t>Immutable objects make great building blocks for other objects</a:t>
+            </a:r>
+            <a:r>
+              <a:rPr lang="en-US" smtClean="0"/>
+              <a:t>, whether mutable </a:t>
+            </a:r>
+            <a:r>
+              <a:rPr lang="en-US" dirty="0"/>
+              <a:t>or immutable</a:t>
+            </a:r>
+            <a:endParaRPr lang="en-US" dirty="0" smtClean="0"/>
+          </a:p>
+          <a:p>
+            <a:r>
+              <a:rPr lang="en-US" b="1" dirty="0"/>
+              <a:t>The only real disadvantage of immutable classes is that they require </a:t>
+            </a:r>
+            <a:r>
+              <a:rPr lang="en-US" b="1" dirty="0" smtClean="0"/>
+              <a:t>a separate </a:t>
+            </a:r>
+            <a:r>
+              <a:rPr lang="en-US" b="1" dirty="0"/>
+              <a:t>object for each distinct value</a:t>
+            </a:r>
+            <a:endParaRPr lang="en-US" dirty="0"/>
+          </a:p>
+        </p:txBody>
+      </p:sp>
+    </p:spTree>
+    <p:extLst>
+      <p:ext uri="{BB962C8B-B14F-4D97-AF65-F5344CB8AC3E}">
+        <p14:creationId xmlns:p14="http://schemas.microsoft.com/office/powerpoint/2010/main" val="1770996060"/>
       </p:ext>
     </p:extLst>
   </p:cSld>

--- a/Study of Effective Java™.pptx
+++ b/Study of Effective Java™.pptx
@@ -5,7 +5,7 @@
     <p:sldMasterId id="2147483659" r:id="rId1"/>
   </p:sldMasterIdLst>
   <p:notesMasterIdLst>
-    <p:notesMasterId r:id="rId21"/>
+    <p:notesMasterId r:id="rId25"/>
   </p:notesMasterIdLst>
   <p:sldIdLst>
     <p:sldId id="256" r:id="rId2"/>
@@ -27,6 +27,10 @@
     <p:sldId id="272" r:id="rId18"/>
     <p:sldId id="273" r:id="rId19"/>
     <p:sldId id="274" r:id="rId20"/>
+    <p:sldId id="275" r:id="rId21"/>
+    <p:sldId id="276" r:id="rId22"/>
+    <p:sldId id="277" r:id="rId23"/>
+    <p:sldId id="278" r:id="rId24"/>
   </p:sldIdLst>
   <p:sldSz cx="12192000" cy="6858000"/>
   <p:notesSz cx="6858000" cy="9144000"/>
@@ -15213,6 +15217,650 @@
         </p:txBody>
       </p:sp>
     </p:spTree>
+  </p:cSld>
+  <p:clrMapOvr>
+    <a:masterClrMapping/>
+  </p:clrMapOvr>
+</p:sld>
+</file>
+
+<file path=ppt/slides/slide20.xml><?xml version="1.0" encoding="utf-8"?>
+<p:sld xmlns:a="http://schemas.openxmlformats.org/drawingml/2006/main" xmlns:r="http://schemas.openxmlformats.org/officeDocument/2006/relationships" xmlns:p="http://schemas.openxmlformats.org/presentationml/2006/main">
+  <p:cSld>
+    <p:spTree>
+      <p:nvGrpSpPr>
+        <p:cNvPr id="1" name=""/>
+        <p:cNvGrpSpPr/>
+        <p:nvPr/>
+      </p:nvGrpSpPr>
+      <p:grpSpPr>
+        <a:xfrm>
+          <a:off x="0" y="0"/>
+          <a:ext cx="0" cy="0"/>
+          <a:chOff x="0" y="0"/>
+          <a:chExt cx="0" cy="0"/>
+        </a:xfrm>
+      </p:grpSpPr>
+      <p:sp>
+        <p:nvSpPr>
+          <p:cNvPr id="2" name="Title 1"/>
+          <p:cNvSpPr>
+            <a:spLocks noGrp="1"/>
+          </p:cNvSpPr>
+          <p:nvPr>
+            <p:ph type="title"/>
+          </p:nvPr>
+        </p:nvSpPr>
+        <p:spPr/>
+        <p:txBody>
+          <a:bodyPr/>
+          <a:lstStyle/>
+          <a:p>
+            <a:r>
+              <a:rPr lang="en-US" b="1" dirty="0"/>
+              <a:t>Item 13: Minimize the accessibility of classes and members</a:t>
+            </a:r>
+            <a:endParaRPr lang="en-US" dirty="0"/>
+          </a:p>
+        </p:txBody>
+      </p:sp>
+      <p:sp>
+        <p:nvSpPr>
+          <p:cNvPr id="3" name="Text Placeholder 2"/>
+          <p:cNvSpPr>
+            <a:spLocks noGrp="1"/>
+          </p:cNvSpPr>
+          <p:nvPr>
+            <p:ph type="body" idx="1"/>
+          </p:nvPr>
+        </p:nvSpPr>
+        <p:spPr/>
+        <p:txBody>
+          <a:bodyPr/>
+          <a:lstStyle/>
+          <a:p>
+            <a:r>
+              <a:rPr lang="en-US" b="1" dirty="0"/>
+              <a:t>make each class or member as inaccessible </a:t>
+            </a:r>
+            <a:r>
+              <a:rPr lang="en-US" b="1" dirty="0" smtClean="0"/>
+              <a:t>as possible</a:t>
+            </a:r>
+            <a:r>
+              <a:rPr lang="en-US" b="1" dirty="0"/>
+              <a:t>.</a:t>
+            </a:r>
+            <a:endParaRPr lang="en-US" b="1" dirty="0" smtClean="0"/>
+          </a:p>
+          <a:p>
+            <a:r>
+              <a:rPr lang="en-US" b="1" dirty="0" smtClean="0"/>
+              <a:t>Instance </a:t>
+            </a:r>
+            <a:r>
+              <a:rPr lang="en-US" b="1" dirty="0"/>
+              <a:t>fields should never be </a:t>
+            </a:r>
+            <a:r>
+              <a:rPr lang="en-US" b="1" dirty="0" smtClean="0"/>
+              <a:t>public</a:t>
+            </a:r>
+          </a:p>
+          <a:p>
+            <a:r>
+              <a:rPr lang="en-US" b="1" dirty="0" smtClean="0"/>
+              <a:t>Classes with </a:t>
+            </a:r>
+            <a:r>
+              <a:rPr lang="en-US" b="1" dirty="0"/>
+              <a:t>public mutable fields are not thread-safe</a:t>
+            </a:r>
+            <a:endParaRPr lang="en-US" dirty="0"/>
+          </a:p>
+        </p:txBody>
+      </p:sp>
+    </p:spTree>
+    <p:extLst>
+      <p:ext uri="{BB962C8B-B14F-4D97-AF65-F5344CB8AC3E}">
+        <p14:creationId xmlns:p14="http://schemas.microsoft.com/office/powerpoint/2010/main" val="3615658039"/>
+      </p:ext>
+    </p:extLst>
+  </p:cSld>
+  <p:clrMapOvr>
+    <a:masterClrMapping/>
+  </p:clrMapOvr>
+</p:sld>
+</file>
+
+<file path=ppt/slides/slide21.xml><?xml version="1.0" encoding="utf-8"?>
+<p:sld xmlns:a="http://schemas.openxmlformats.org/drawingml/2006/main" xmlns:r="http://schemas.openxmlformats.org/officeDocument/2006/relationships" xmlns:p="http://schemas.openxmlformats.org/presentationml/2006/main">
+  <p:cSld>
+    <p:spTree>
+      <p:nvGrpSpPr>
+        <p:cNvPr id="1" name=""/>
+        <p:cNvGrpSpPr/>
+        <p:nvPr/>
+      </p:nvGrpSpPr>
+      <p:grpSpPr>
+        <a:xfrm>
+          <a:off x="0" y="0"/>
+          <a:ext cx="0" cy="0"/>
+          <a:chOff x="0" y="0"/>
+          <a:chExt cx="0" cy="0"/>
+        </a:xfrm>
+      </p:grpSpPr>
+      <p:sp>
+        <p:nvSpPr>
+          <p:cNvPr id="2" name="Title 1"/>
+          <p:cNvSpPr>
+            <a:spLocks noGrp="1"/>
+          </p:cNvSpPr>
+          <p:nvPr>
+            <p:ph type="title"/>
+          </p:nvPr>
+        </p:nvSpPr>
+        <p:spPr/>
+        <p:txBody>
+          <a:bodyPr/>
+          <a:lstStyle/>
+          <a:p>
+            <a:r>
+              <a:rPr lang="en-US" b="1" dirty="0"/>
+              <a:t>Item 14: In public classes, use accessor methods, not public fields</a:t>
+            </a:r>
+            <a:endParaRPr lang="en-US" dirty="0"/>
+          </a:p>
+        </p:txBody>
+      </p:sp>
+      <p:sp>
+        <p:nvSpPr>
+          <p:cNvPr id="3" name="Text Placeholder 2"/>
+          <p:cNvSpPr>
+            <a:spLocks noGrp="1"/>
+          </p:cNvSpPr>
+          <p:nvPr>
+            <p:ph type="body" idx="1"/>
+          </p:nvPr>
+        </p:nvSpPr>
+        <p:spPr/>
+        <p:txBody>
+          <a:bodyPr/>
+          <a:lstStyle/>
+          <a:p>
+            <a:r>
+              <a:rPr lang="en-US" dirty="0"/>
+              <a:t>In summary, public classes should never expose mutable fields. It is </a:t>
+            </a:r>
+            <a:r>
+              <a:rPr lang="en-US" dirty="0" smtClean="0"/>
+              <a:t>less harmful</a:t>
+            </a:r>
+            <a:r>
+              <a:rPr lang="en-US" dirty="0"/>
+              <a:t>, though still questionable, for public classes to expose immutable fields.</a:t>
+            </a:r>
+          </a:p>
+          <a:p>
+            <a:r>
+              <a:rPr lang="en-US" dirty="0"/>
+              <a:t>It is, however, sometimes desirable for package-private or private nested classes </a:t>
+            </a:r>
+            <a:r>
+              <a:rPr lang="en-US" dirty="0" smtClean="0"/>
+              <a:t>to expose </a:t>
+            </a:r>
+            <a:r>
+              <a:rPr lang="en-US" dirty="0"/>
+              <a:t>fields, whether mutable or immutable.</a:t>
+            </a:r>
+          </a:p>
+        </p:txBody>
+      </p:sp>
+    </p:spTree>
+    <p:extLst>
+      <p:ext uri="{BB962C8B-B14F-4D97-AF65-F5344CB8AC3E}">
+        <p14:creationId xmlns:p14="http://schemas.microsoft.com/office/powerpoint/2010/main" val="2604472192"/>
+      </p:ext>
+    </p:extLst>
+  </p:cSld>
+  <p:clrMapOvr>
+    <a:masterClrMapping/>
+  </p:clrMapOvr>
+</p:sld>
+</file>
+
+<file path=ppt/slides/slide22.xml><?xml version="1.0" encoding="utf-8"?>
+<p:sld xmlns:a="http://schemas.openxmlformats.org/drawingml/2006/main" xmlns:r="http://schemas.openxmlformats.org/officeDocument/2006/relationships" xmlns:p="http://schemas.openxmlformats.org/presentationml/2006/main">
+  <p:cSld>
+    <p:spTree>
+      <p:nvGrpSpPr>
+        <p:cNvPr id="1" name=""/>
+        <p:cNvGrpSpPr/>
+        <p:nvPr/>
+      </p:nvGrpSpPr>
+      <p:grpSpPr>
+        <a:xfrm>
+          <a:off x="0" y="0"/>
+          <a:ext cx="0" cy="0"/>
+          <a:chOff x="0" y="0"/>
+          <a:chExt cx="0" cy="0"/>
+        </a:xfrm>
+      </p:grpSpPr>
+      <p:sp>
+        <p:nvSpPr>
+          <p:cNvPr id="2" name="Title 1"/>
+          <p:cNvSpPr>
+            <a:spLocks noGrp="1"/>
+          </p:cNvSpPr>
+          <p:nvPr>
+            <p:ph type="title"/>
+          </p:nvPr>
+        </p:nvSpPr>
+        <p:spPr/>
+        <p:txBody>
+          <a:bodyPr/>
+          <a:lstStyle/>
+          <a:p>
+            <a:r>
+              <a:rPr lang="en-US" b="1" dirty="0"/>
+              <a:t>Item 15: Minimize mutability</a:t>
+            </a:r>
+            <a:endParaRPr lang="en-US" dirty="0"/>
+          </a:p>
+        </p:txBody>
+      </p:sp>
+      <p:sp>
+        <p:nvSpPr>
+          <p:cNvPr id="3" name="Text Placeholder 2"/>
+          <p:cNvSpPr>
+            <a:spLocks noGrp="1"/>
+          </p:cNvSpPr>
+          <p:nvPr>
+            <p:ph type="body" idx="1"/>
+          </p:nvPr>
+        </p:nvSpPr>
+        <p:spPr>
+          <a:xfrm>
+            <a:off x="838199" y="1503122"/>
+            <a:ext cx="10515599" cy="5185775"/>
+          </a:xfrm>
+        </p:spPr>
+        <p:txBody>
+          <a:bodyPr/>
+          <a:lstStyle/>
+          <a:p>
+            <a:r>
+              <a:rPr lang="en-US" sz="1800" dirty="0"/>
+              <a:t>1. </a:t>
+            </a:r>
+            <a:r>
+              <a:rPr lang="en-US" sz="1800" b="1" dirty="0"/>
+              <a:t>Don’t provide any methods that modify the object’s state </a:t>
+            </a:r>
+            <a:r>
+              <a:rPr lang="en-US" sz="1800" dirty="0"/>
+              <a:t>(known as </a:t>
+            </a:r>
+            <a:r>
+              <a:rPr lang="en-US" sz="1800" i="1" dirty="0" err="1"/>
+              <a:t>mutators</a:t>
+            </a:r>
+            <a:r>
+              <a:rPr lang="en-US" sz="1800" dirty="0"/>
+              <a:t>).</a:t>
+            </a:r>
+          </a:p>
+          <a:p>
+            <a:r>
+              <a:rPr lang="en-US" sz="1800" dirty="0"/>
+              <a:t>2. </a:t>
+            </a:r>
+            <a:r>
+              <a:rPr lang="en-US" sz="1800" b="1" dirty="0"/>
+              <a:t>Ensure that the class can’t be extended. </a:t>
+            </a:r>
+            <a:r>
+              <a:rPr lang="en-US" sz="1800" dirty="0"/>
+              <a:t>This prevents careless or </a:t>
+            </a:r>
+            <a:r>
+              <a:rPr lang="en-US" sz="1800" dirty="0" smtClean="0"/>
+              <a:t>malicious subclasses </a:t>
+            </a:r>
+            <a:r>
+              <a:rPr lang="en-US" sz="1800" dirty="0"/>
+              <a:t>from compromising the immutable behavior of the class by </a:t>
+            </a:r>
+            <a:r>
+              <a:rPr lang="en-US" sz="1800" dirty="0" smtClean="0"/>
+              <a:t>behaving as </a:t>
+            </a:r>
+            <a:r>
+              <a:rPr lang="en-US" sz="1800" dirty="0"/>
+              <a:t>if the object’s state has changed. Preventing </a:t>
+            </a:r>
+            <a:r>
+              <a:rPr lang="en-US" sz="1800" dirty="0" err="1"/>
+              <a:t>subclassing</a:t>
+            </a:r>
+            <a:r>
+              <a:rPr lang="en-US" sz="1800" dirty="0"/>
+              <a:t> is generally </a:t>
+            </a:r>
+            <a:r>
+              <a:rPr lang="en-US" sz="1800" dirty="0" smtClean="0"/>
+              <a:t>accomplished by </a:t>
+            </a:r>
+            <a:r>
+              <a:rPr lang="en-US" sz="1800" dirty="0"/>
+              <a:t>making the class final, but there is an alternative that </a:t>
+            </a:r>
+            <a:r>
+              <a:rPr lang="en-US" sz="1800" dirty="0" smtClean="0"/>
+              <a:t>we’ll discuss </a:t>
+            </a:r>
+            <a:r>
+              <a:rPr lang="en-US" sz="1800" dirty="0"/>
+              <a:t>later.</a:t>
+            </a:r>
+          </a:p>
+          <a:p>
+            <a:r>
+              <a:rPr lang="en-US" sz="1800" dirty="0"/>
+              <a:t>3. </a:t>
+            </a:r>
+            <a:r>
+              <a:rPr lang="en-US" sz="1800" b="1" dirty="0"/>
+              <a:t>Make all fields final. </a:t>
+            </a:r>
+            <a:r>
+              <a:rPr lang="en-US" sz="1800" dirty="0"/>
+              <a:t>This clearly expresses your intent in a manner that is </a:t>
+            </a:r>
+            <a:r>
+              <a:rPr lang="en-US" sz="1800" dirty="0" smtClean="0"/>
+              <a:t>enforced by </a:t>
+            </a:r>
+            <a:r>
+              <a:rPr lang="en-US" sz="1800" dirty="0"/>
+              <a:t>the system. Also, it is necessary to ensure correct behavior if a </a:t>
+            </a:r>
+            <a:r>
+              <a:rPr lang="en-US" sz="1800" dirty="0" smtClean="0"/>
+              <a:t>reference to </a:t>
+            </a:r>
+            <a:r>
+              <a:rPr lang="en-US" sz="1800" dirty="0"/>
+              <a:t>a newly created instance is passed from one thread to another </a:t>
+            </a:r>
+            <a:r>
+              <a:rPr lang="en-US" sz="1800" dirty="0" smtClean="0"/>
+              <a:t>without synchronization</a:t>
+            </a:r>
+            <a:r>
+              <a:rPr lang="en-US" sz="1800" dirty="0"/>
+              <a:t>, as spelled out in the </a:t>
+            </a:r>
+            <a:r>
+              <a:rPr lang="en-US" sz="1800" i="1" dirty="0"/>
+              <a:t>memory model </a:t>
+            </a:r>
+            <a:r>
+              <a:rPr lang="en-US" sz="1800" dirty="0"/>
+              <a:t>[JLS, 17.5; Goetz06 16].</a:t>
+            </a:r>
+          </a:p>
+          <a:p>
+            <a:r>
+              <a:rPr lang="en-US" sz="1800" dirty="0"/>
+              <a:t>4. </a:t>
+            </a:r>
+            <a:r>
+              <a:rPr lang="en-US" sz="1800" b="1" dirty="0"/>
+              <a:t>Make all fields private. </a:t>
+            </a:r>
+            <a:r>
+              <a:rPr lang="en-US" sz="1800" dirty="0"/>
+              <a:t>This prevents clients from obtaining access to </a:t>
+            </a:r>
+            <a:r>
+              <a:rPr lang="en-US" sz="1800" dirty="0" smtClean="0"/>
+              <a:t>mutable objects </a:t>
+            </a:r>
+            <a:r>
+              <a:rPr lang="en-US" sz="1800" dirty="0"/>
+              <a:t>referred to by fields and modifying these objects directly. While </a:t>
+            </a:r>
+            <a:r>
+              <a:rPr lang="en-US" sz="1800" dirty="0" smtClean="0"/>
+              <a:t>it is </a:t>
+            </a:r>
+            <a:r>
+              <a:rPr lang="en-US" sz="1800" dirty="0"/>
+              <a:t>technically permissible for immutable classes to have public final fields </a:t>
+            </a:r>
+            <a:r>
+              <a:rPr lang="en-US" sz="1800" dirty="0" smtClean="0"/>
+              <a:t>containing primitive </a:t>
+            </a:r>
+            <a:r>
+              <a:rPr lang="en-US" sz="1800" dirty="0"/>
+              <a:t>values or references to immutable objects, it is not </a:t>
+            </a:r>
+            <a:r>
+              <a:rPr lang="en-US" sz="1800" dirty="0" smtClean="0"/>
+              <a:t>recommended because </a:t>
+            </a:r>
+            <a:r>
+              <a:rPr lang="en-US" sz="1800" dirty="0"/>
+              <a:t>it precludes changing the internal representation in a </a:t>
+            </a:r>
+            <a:r>
+              <a:rPr lang="en-US" sz="1800" dirty="0" smtClean="0"/>
+              <a:t>later release </a:t>
+            </a:r>
+            <a:r>
+              <a:rPr lang="en-US" sz="1800" dirty="0"/>
+              <a:t>(Item 13).</a:t>
+            </a:r>
+          </a:p>
+          <a:p>
+            <a:r>
+              <a:rPr lang="en-US" sz="1800" dirty="0"/>
+              <a:t>5. </a:t>
+            </a:r>
+            <a:r>
+              <a:rPr lang="en-US" sz="1800" b="1" dirty="0"/>
+              <a:t>Ensure exclusive access to any mutable components. </a:t>
+            </a:r>
+            <a:r>
+              <a:rPr lang="en-US" sz="1800" dirty="0"/>
+              <a:t>If your class has </a:t>
+            </a:r>
+            <a:r>
+              <a:rPr lang="en-US" sz="1800" dirty="0" smtClean="0"/>
+              <a:t>any fields </a:t>
+            </a:r>
+            <a:r>
+              <a:rPr lang="en-US" sz="1800" dirty="0"/>
+              <a:t>that refer to mutable objects, ensure that clients of the class cannot </a:t>
+            </a:r>
+            <a:r>
+              <a:rPr lang="en-US" sz="1800" dirty="0" smtClean="0"/>
+              <a:t>obtain references </a:t>
+            </a:r>
+            <a:r>
+              <a:rPr lang="en-US" sz="1800" dirty="0"/>
+              <a:t>to these objects. Never initialize such a field to a client-provided </a:t>
+            </a:r>
+            <a:r>
+              <a:rPr lang="en-US" sz="1800" dirty="0" smtClean="0"/>
+              <a:t>object reference </a:t>
+            </a:r>
+            <a:r>
+              <a:rPr lang="en-US" sz="1800" dirty="0"/>
+              <a:t>or return the object reference from an accessor. Make </a:t>
+            </a:r>
+            <a:r>
+              <a:rPr lang="en-US" sz="1800" i="1" dirty="0" smtClean="0"/>
+              <a:t>defensive copies </a:t>
+            </a:r>
+            <a:r>
+              <a:rPr lang="en-US" sz="1800" dirty="0"/>
+              <a:t>(Item 39) in constructors, accessors, and </a:t>
+            </a:r>
+            <a:r>
+              <a:rPr lang="en-US" sz="1800" dirty="0" err="1" smtClean="0"/>
+              <a:t>readObject</a:t>
+            </a:r>
+            <a:r>
+              <a:rPr lang="en-US" sz="1800" dirty="0" smtClean="0"/>
+              <a:t> </a:t>
+            </a:r>
+            <a:r>
+              <a:rPr lang="en-US" sz="1800" dirty="0"/>
+              <a:t>methods (</a:t>
+            </a:r>
+            <a:r>
+              <a:rPr lang="en-US" sz="1800" dirty="0" smtClean="0"/>
+              <a:t>Item 76</a:t>
+            </a:r>
+            <a:r>
+              <a:rPr lang="en-US" sz="1800" dirty="0"/>
+              <a:t>).</a:t>
+            </a:r>
+          </a:p>
+        </p:txBody>
+      </p:sp>
+    </p:spTree>
+    <p:extLst>
+      <p:ext uri="{BB962C8B-B14F-4D97-AF65-F5344CB8AC3E}">
+        <p14:creationId xmlns:p14="http://schemas.microsoft.com/office/powerpoint/2010/main" val="308354317"/>
+      </p:ext>
+    </p:extLst>
+  </p:cSld>
+  <p:clrMapOvr>
+    <a:masterClrMapping/>
+  </p:clrMapOvr>
+</p:sld>
+</file>
+
+<file path=ppt/slides/slide23.xml><?xml version="1.0" encoding="utf-8"?>
+<p:sld xmlns:a="http://schemas.openxmlformats.org/drawingml/2006/main" xmlns:r="http://schemas.openxmlformats.org/officeDocument/2006/relationships" xmlns:p="http://schemas.openxmlformats.org/presentationml/2006/main">
+  <p:cSld>
+    <p:spTree>
+      <p:nvGrpSpPr>
+        <p:cNvPr id="1" name=""/>
+        <p:cNvGrpSpPr/>
+        <p:nvPr/>
+      </p:nvGrpSpPr>
+      <p:grpSpPr>
+        <a:xfrm>
+          <a:off x="0" y="0"/>
+          <a:ext cx="0" cy="0"/>
+          <a:chOff x="0" y="0"/>
+          <a:chExt cx="0" cy="0"/>
+        </a:xfrm>
+      </p:grpSpPr>
+      <p:sp>
+        <p:nvSpPr>
+          <p:cNvPr id="2" name="Title 1"/>
+          <p:cNvSpPr>
+            <a:spLocks noGrp="1"/>
+          </p:cNvSpPr>
+          <p:nvPr>
+            <p:ph type="title"/>
+          </p:nvPr>
+        </p:nvSpPr>
+        <p:spPr/>
+        <p:txBody>
+          <a:bodyPr/>
+          <a:lstStyle/>
+          <a:p>
+            <a:endParaRPr lang="en-US"/>
+          </a:p>
+        </p:txBody>
+      </p:sp>
+      <p:sp>
+        <p:nvSpPr>
+          <p:cNvPr id="3" name="Text Placeholder 2"/>
+          <p:cNvSpPr>
+            <a:spLocks noGrp="1"/>
+          </p:cNvSpPr>
+          <p:nvPr>
+            <p:ph type="body" idx="1"/>
+          </p:nvPr>
+        </p:nvSpPr>
+        <p:spPr/>
+        <p:txBody>
+          <a:bodyPr/>
+          <a:lstStyle/>
+          <a:p>
+            <a:r>
+              <a:rPr lang="en-US" b="1" dirty="0"/>
+              <a:t>Immutable objects </a:t>
+            </a:r>
+            <a:r>
+              <a:rPr lang="en-US" b="1" dirty="0" smtClean="0"/>
+              <a:t>are simple</a:t>
+            </a:r>
+          </a:p>
+          <a:p>
+            <a:pPr marL="177800" indent="0">
+              <a:buNone/>
+            </a:pPr>
+            <a:r>
+              <a:rPr lang="en-US" b="1" dirty="0" smtClean="0"/>
+              <a:t>Immutable </a:t>
+            </a:r>
+            <a:r>
+              <a:rPr lang="en-US" b="1" dirty="0"/>
+              <a:t>objects are inherently thread-safe; they require no synchronization</a:t>
+            </a:r>
+            <a:r>
+              <a:rPr lang="en-US" b="1" dirty="0" smtClean="0"/>
+              <a:t>.</a:t>
+            </a:r>
+          </a:p>
+          <a:p>
+            <a:r>
+              <a:rPr lang="en-US" b="1" dirty="0"/>
+              <a:t>Immutable objects make great building blocks for other objects</a:t>
+            </a:r>
+            <a:r>
+              <a:rPr lang="en-US" smtClean="0"/>
+              <a:t>, whether mutable </a:t>
+            </a:r>
+            <a:r>
+              <a:rPr lang="en-US" dirty="0"/>
+              <a:t>or immutable</a:t>
+            </a:r>
+            <a:endParaRPr lang="en-US" dirty="0" smtClean="0"/>
+          </a:p>
+          <a:p>
+            <a:r>
+              <a:rPr lang="en-US" b="1" dirty="0"/>
+              <a:t>The only real disadvantage of immutable classes is that they require </a:t>
+            </a:r>
+            <a:r>
+              <a:rPr lang="en-US" b="1" dirty="0" smtClean="0"/>
+              <a:t>a separate </a:t>
+            </a:r>
+            <a:r>
+              <a:rPr lang="en-US" b="1" dirty="0"/>
+              <a:t>object for each distinct value</a:t>
+            </a:r>
+            <a:endParaRPr lang="en-US" dirty="0"/>
+          </a:p>
+        </p:txBody>
+      </p:sp>
+    </p:spTree>
+    <p:extLst>
+      <p:ext uri="{BB962C8B-B14F-4D97-AF65-F5344CB8AC3E}">
+        <p14:creationId xmlns:p14="http://schemas.microsoft.com/office/powerpoint/2010/main" val="1770996060"/>
+      </p:ext>
+    </p:extLst>
   </p:cSld>
   <p:clrMapOvr>
     <a:masterClrMapping/>

--- a/Study of Effective Java™.pptx
+++ b/Study of Effective Java™.pptx
@@ -5,7 +5,7 @@
     <p:sldMasterId id="2147483659" r:id="rId1"/>
   </p:sldMasterIdLst>
   <p:notesMasterIdLst>
-    <p:notesMasterId r:id="rId25"/>
+    <p:notesMasterId r:id="rId26"/>
   </p:notesMasterIdLst>
   <p:sldIdLst>
     <p:sldId id="256" r:id="rId2"/>
@@ -31,6 +31,7 @@
     <p:sldId id="276" r:id="rId22"/>
     <p:sldId id="277" r:id="rId23"/>
     <p:sldId id="278" r:id="rId24"/>
+    <p:sldId id="279" r:id="rId25"/>
   </p:sldIdLst>
   <p:sldSz cx="12192000" cy="6858000"/>
   <p:notesSz cx="6858000" cy="9144000"/>
@@ -15798,8 +15799,12 @@
           <a:lstStyle/>
           <a:p>
             <a:r>
+              <a:rPr lang="en-US" b="1" dirty="0" smtClean="0"/>
+              <a:t> Immutable </a:t>
+            </a:r>
+            <a:r>
               <a:rPr lang="en-US" b="1" dirty="0"/>
-              <a:t>Immutable objects </a:t>
+              <a:t>objects </a:t>
             </a:r>
             <a:r>
               <a:rPr lang="en-US" b="1" dirty="0" smtClean="0"/>
@@ -15807,12 +15812,13 @@
             </a:r>
           </a:p>
           <a:p>
-            <a:pPr marL="177800" indent="0">
-              <a:buNone/>
+            <a:pPr>
+              <a:buFont typeface="Arial" panose="020B0604020202020204" pitchFamily="34" charset="0"/>
+              <a:buChar char="•"/>
             </a:pPr>
             <a:r>
               <a:rPr lang="en-US" b="1" dirty="0" smtClean="0"/>
-              <a:t>Immutable </a:t>
+              <a:t> Immutable </a:t>
             </a:r>
             <a:r>
               <a:rPr lang="en-US" b="1" dirty="0"/>
@@ -15824,12 +15830,31 @@
             </a:r>
           </a:p>
           <a:p>
+            <a:pPr>
+              <a:buFont typeface="Arial" panose="020B0604020202020204" pitchFamily="34" charset="0"/>
+              <a:buChar char="•"/>
+            </a:pPr>
+            <a:r>
+              <a:rPr lang="en-US" b="1" dirty="0" smtClean="0"/>
+              <a:t> Not </a:t>
+            </a:r>
             <a:r>
               <a:rPr lang="en-US" b="1" dirty="0"/>
-              <a:t>Immutable objects make great building blocks for other objects</a:t>
-            </a:r>
-            <a:r>
-              <a:rPr lang="en-US" smtClean="0"/>
+              <a:t>only can you share immutable objects, but you can share their internals.</a:t>
+            </a:r>
+            <a:endParaRPr lang="en-US" b="1" dirty="0" smtClean="0"/>
+          </a:p>
+          <a:p>
+            <a:r>
+              <a:rPr lang="en-US" b="1" dirty="0" smtClean="0"/>
+              <a:t> Immutable </a:t>
+            </a:r>
+            <a:r>
+              <a:rPr lang="en-US" b="1" dirty="0"/>
+              <a:t>objects make great building blocks for other objects</a:t>
+            </a:r>
+            <a:r>
+              <a:rPr lang="en-US" dirty="0" smtClean="0"/>
               <a:t>, whether mutable </a:t>
             </a:r>
             <a:r>
@@ -15840,8 +15865,12 @@
           </a:p>
           <a:p>
             <a:r>
+              <a:rPr lang="en-US" b="1" dirty="0" smtClean="0"/>
+              <a:t> The </a:t>
+            </a:r>
+            <a:r>
               <a:rPr lang="en-US" b="1" dirty="0"/>
-              <a:t>The only real disadvantage of immutable classes is that they require </a:t>
+              <a:t>only real disadvantage of immutable classes is that they require </a:t>
             </a:r>
             <a:r>
               <a:rPr lang="en-US" b="1" dirty="0" smtClean="0"/>
@@ -15859,6 +15888,78 @@
     <p:extLst>
       <p:ext uri="{BB962C8B-B14F-4D97-AF65-F5344CB8AC3E}">
         <p14:creationId xmlns:p14="http://schemas.microsoft.com/office/powerpoint/2010/main" val="1770996060"/>
+      </p:ext>
+    </p:extLst>
+  </p:cSld>
+  <p:clrMapOvr>
+    <a:masterClrMapping/>
+  </p:clrMapOvr>
+</p:sld>
+</file>
+
+<file path=ppt/slides/slide24.xml><?xml version="1.0" encoding="utf-8"?>
+<p:sld xmlns:a="http://schemas.openxmlformats.org/drawingml/2006/main" xmlns:r="http://schemas.openxmlformats.org/officeDocument/2006/relationships" xmlns:p="http://schemas.openxmlformats.org/presentationml/2006/main">
+  <p:cSld>
+    <p:spTree>
+      <p:nvGrpSpPr>
+        <p:cNvPr id="1" name=""/>
+        <p:cNvGrpSpPr/>
+        <p:nvPr/>
+      </p:nvGrpSpPr>
+      <p:grpSpPr>
+        <a:xfrm>
+          <a:off x="0" y="0"/>
+          <a:ext cx="0" cy="0"/>
+          <a:chOff x="0" y="0"/>
+          <a:chExt cx="0" cy="0"/>
+        </a:xfrm>
+      </p:grpSpPr>
+      <p:sp>
+        <p:nvSpPr>
+          <p:cNvPr id="2" name="Title 1"/>
+          <p:cNvSpPr>
+            <a:spLocks noGrp="1"/>
+          </p:cNvSpPr>
+          <p:nvPr>
+            <p:ph type="title"/>
+          </p:nvPr>
+        </p:nvSpPr>
+        <p:spPr/>
+        <p:txBody>
+          <a:bodyPr/>
+          <a:lstStyle/>
+          <a:p>
+            <a:r>
+              <a:rPr lang="en-US" b="1" dirty="0"/>
+              <a:t>Item 16: Favor composition over inheritance</a:t>
+            </a:r>
+            <a:endParaRPr lang="en-US" dirty="0"/>
+          </a:p>
+        </p:txBody>
+      </p:sp>
+      <p:sp>
+        <p:nvSpPr>
+          <p:cNvPr id="3" name="Text Placeholder 2"/>
+          <p:cNvSpPr>
+            <a:spLocks noGrp="1"/>
+          </p:cNvSpPr>
+          <p:nvPr>
+            <p:ph type="body" idx="1"/>
+          </p:nvPr>
+        </p:nvSpPr>
+        <p:spPr/>
+        <p:txBody>
+          <a:bodyPr/>
+          <a:lstStyle/>
+          <a:p>
+            <a:endParaRPr lang="en-US"/>
+          </a:p>
+        </p:txBody>
+      </p:sp>
+    </p:spTree>
+    <p:extLst>
+      <p:ext uri="{BB962C8B-B14F-4D97-AF65-F5344CB8AC3E}">
+        <p14:creationId xmlns:p14="http://schemas.microsoft.com/office/powerpoint/2010/main" val="3192385934"/>
       </p:ext>
     </p:extLst>
   </p:cSld>

--- a/Study of Effective Java™.pptx
+++ b/Study of Effective Java™.pptx
@@ -5,7 +5,7 @@
     <p:sldMasterId id="2147483659" r:id="rId1"/>
   </p:sldMasterIdLst>
   <p:notesMasterIdLst>
-    <p:notesMasterId r:id="rId29"/>
+    <p:notesMasterId r:id="rId54"/>
   </p:notesMasterIdLst>
   <p:sldIdLst>
     <p:sldId id="256" r:id="rId2"/>
@@ -35,6 +35,31 @@
     <p:sldId id="280" r:id="rId26"/>
     <p:sldId id="281" r:id="rId27"/>
     <p:sldId id="282" r:id="rId28"/>
+    <p:sldId id="283" r:id="rId29"/>
+    <p:sldId id="284" r:id="rId30"/>
+    <p:sldId id="285" r:id="rId31"/>
+    <p:sldId id="286" r:id="rId32"/>
+    <p:sldId id="293" r:id="rId33"/>
+    <p:sldId id="294" r:id="rId34"/>
+    <p:sldId id="295" r:id="rId35"/>
+    <p:sldId id="296" r:id="rId36"/>
+    <p:sldId id="297" r:id="rId37"/>
+    <p:sldId id="298" r:id="rId38"/>
+    <p:sldId id="299" r:id="rId39"/>
+    <p:sldId id="287" r:id="rId40"/>
+    <p:sldId id="300" r:id="rId41"/>
+    <p:sldId id="301" r:id="rId42"/>
+    <p:sldId id="302" r:id="rId43"/>
+    <p:sldId id="303" r:id="rId44"/>
+    <p:sldId id="304" r:id="rId45"/>
+    <p:sldId id="305" r:id="rId46"/>
+    <p:sldId id="306" r:id="rId47"/>
+    <p:sldId id="307" r:id="rId48"/>
+    <p:sldId id="288" r:id="rId49"/>
+    <p:sldId id="289" r:id="rId50"/>
+    <p:sldId id="290" r:id="rId51"/>
+    <p:sldId id="291" r:id="rId52"/>
+    <p:sldId id="292" r:id="rId53"/>
   </p:sldIdLst>
   <p:sldSz cx="12192000" cy="6858000"/>
   <p:notesSz cx="6858000" cy="9144000"/>
@@ -1060,6 +1085,666 @@
 </p:notes>
 </file>
 
+<file path=ppt/notesSlides/notesSlide14.xml><?xml version="1.0" encoding="utf-8"?>
+<p:notes xmlns:a="http://schemas.openxmlformats.org/drawingml/2006/main" xmlns:r="http://schemas.openxmlformats.org/officeDocument/2006/relationships" xmlns:p="http://schemas.openxmlformats.org/presentationml/2006/main" showMasterSp="0" showMasterPhAnim="0">
+  <p:cSld>
+    <p:spTree>
+      <p:nvGrpSpPr>
+        <p:cNvPr id="1" name="Shape 86"/>
+        <p:cNvGrpSpPr/>
+        <p:nvPr/>
+      </p:nvGrpSpPr>
+      <p:grpSpPr>
+        <a:xfrm>
+          <a:off x="0" y="0"/>
+          <a:ext cx="0" cy="0"/>
+          <a:chOff x="0" y="0"/>
+          <a:chExt cx="0" cy="0"/>
+        </a:xfrm>
+      </p:grpSpPr>
+      <p:sp>
+        <p:nvSpPr>
+          <p:cNvPr id="87" name="Shape 87"/>
+          <p:cNvSpPr txBox="1">
+            <a:spLocks noGrp="1"/>
+          </p:cNvSpPr>
+          <p:nvPr>
+            <p:ph type="body" idx="1"/>
+          </p:nvPr>
+        </p:nvSpPr>
+        <p:spPr>
+          <a:xfrm>
+            <a:off x="685800" y="4343400"/>
+            <a:ext cx="5486399" cy="4114800"/>
+          </a:xfrm>
+          <a:prstGeom prst="rect">
+            <a:avLst/>
+          </a:prstGeom>
+          <a:noFill/>
+          <a:ln>
+            <a:noFill/>
+          </a:ln>
+        </p:spPr>
+        <p:txBody>
+          <a:bodyPr lIns="91425" tIns="91425" rIns="91425" bIns="91425" anchor="ctr" anchorCtr="0">
+            <a:noAutofit/>
+          </a:bodyPr>
+          <a:lstStyle/>
+          <a:p>
+            <a:pPr lvl="0">
+              <a:spcBef>
+                <a:spcPts val="0"/>
+              </a:spcBef>
+              <a:buNone/>
+            </a:pPr>
+            <a:endParaRPr/>
+          </a:p>
+        </p:txBody>
+      </p:sp>
+      <p:sp>
+        <p:nvSpPr>
+          <p:cNvPr id="88" name="Shape 88"/>
+          <p:cNvSpPr>
+            <a:spLocks noGrp="1" noRot="1" noChangeAspect="1"/>
+          </p:cNvSpPr>
+          <p:nvPr>
+            <p:ph type="sldImg" idx="2"/>
+          </p:nvPr>
+        </p:nvSpPr>
+        <p:spPr>
+          <a:xfrm>
+            <a:off x="381000" y="685800"/>
+            <a:ext cx="6096000" cy="3429000"/>
+          </a:xfrm>
+          <a:custGeom>
+            <a:avLst/>
+            <a:gdLst/>
+            <a:ahLst/>
+            <a:cxnLst/>
+            <a:rect l="0" t="0" r="0" b="0"/>
+            <a:pathLst>
+              <a:path w="120000" h="120000" extrusionOk="0">
+                <a:moveTo>
+                  <a:pt x="0" y="0"/>
+                </a:moveTo>
+                <a:lnTo>
+                  <a:pt x="120000" y="0"/>
+                </a:lnTo>
+                <a:lnTo>
+                  <a:pt x="120000" y="120000"/>
+                </a:lnTo>
+                <a:lnTo>
+                  <a:pt x="0" y="120000"/>
+                </a:lnTo>
+                <a:close/>
+              </a:path>
+            </a:pathLst>
+          </a:custGeom>
+        </p:spPr>
+      </p:sp>
+    </p:spTree>
+    <p:extLst>
+      <p:ext uri="{BB962C8B-B14F-4D97-AF65-F5344CB8AC3E}">
+        <p14:creationId xmlns:p14="http://schemas.microsoft.com/office/powerpoint/2010/main" val="1922810644"/>
+      </p:ext>
+    </p:extLst>
+  </p:cSld>
+  <p:clrMapOvr>
+    <a:masterClrMapping/>
+  </p:clrMapOvr>
+</p:notes>
+</file>
+
+<file path=ppt/notesSlides/notesSlide15.xml><?xml version="1.0" encoding="utf-8"?>
+<p:notes xmlns:a="http://schemas.openxmlformats.org/drawingml/2006/main" xmlns:r="http://schemas.openxmlformats.org/officeDocument/2006/relationships" xmlns:p="http://schemas.openxmlformats.org/presentationml/2006/main" showMasterSp="0" showMasterPhAnim="0">
+  <p:cSld>
+    <p:spTree>
+      <p:nvGrpSpPr>
+        <p:cNvPr id="1" name="Shape 86"/>
+        <p:cNvGrpSpPr/>
+        <p:nvPr/>
+      </p:nvGrpSpPr>
+      <p:grpSpPr>
+        <a:xfrm>
+          <a:off x="0" y="0"/>
+          <a:ext cx="0" cy="0"/>
+          <a:chOff x="0" y="0"/>
+          <a:chExt cx="0" cy="0"/>
+        </a:xfrm>
+      </p:grpSpPr>
+      <p:sp>
+        <p:nvSpPr>
+          <p:cNvPr id="87" name="Shape 87"/>
+          <p:cNvSpPr txBox="1">
+            <a:spLocks noGrp="1"/>
+          </p:cNvSpPr>
+          <p:nvPr>
+            <p:ph type="body" idx="1"/>
+          </p:nvPr>
+        </p:nvSpPr>
+        <p:spPr>
+          <a:xfrm>
+            <a:off x="685800" y="4343400"/>
+            <a:ext cx="5486399" cy="4114800"/>
+          </a:xfrm>
+          <a:prstGeom prst="rect">
+            <a:avLst/>
+          </a:prstGeom>
+          <a:noFill/>
+          <a:ln>
+            <a:noFill/>
+          </a:ln>
+        </p:spPr>
+        <p:txBody>
+          <a:bodyPr lIns="91425" tIns="91425" rIns="91425" bIns="91425" anchor="ctr" anchorCtr="0">
+            <a:noAutofit/>
+          </a:bodyPr>
+          <a:lstStyle/>
+          <a:p>
+            <a:pPr lvl="0">
+              <a:spcBef>
+                <a:spcPts val="0"/>
+              </a:spcBef>
+              <a:buNone/>
+            </a:pPr>
+            <a:endParaRPr/>
+          </a:p>
+        </p:txBody>
+      </p:sp>
+      <p:sp>
+        <p:nvSpPr>
+          <p:cNvPr id="88" name="Shape 88"/>
+          <p:cNvSpPr>
+            <a:spLocks noGrp="1" noRot="1" noChangeAspect="1"/>
+          </p:cNvSpPr>
+          <p:nvPr>
+            <p:ph type="sldImg" idx="2"/>
+          </p:nvPr>
+        </p:nvSpPr>
+        <p:spPr>
+          <a:xfrm>
+            <a:off x="381000" y="685800"/>
+            <a:ext cx="6096000" cy="3429000"/>
+          </a:xfrm>
+          <a:custGeom>
+            <a:avLst/>
+            <a:gdLst/>
+            <a:ahLst/>
+            <a:cxnLst/>
+            <a:rect l="0" t="0" r="0" b="0"/>
+            <a:pathLst>
+              <a:path w="120000" h="120000" extrusionOk="0">
+                <a:moveTo>
+                  <a:pt x="0" y="0"/>
+                </a:moveTo>
+                <a:lnTo>
+                  <a:pt x="120000" y="0"/>
+                </a:lnTo>
+                <a:lnTo>
+                  <a:pt x="120000" y="120000"/>
+                </a:lnTo>
+                <a:lnTo>
+                  <a:pt x="0" y="120000"/>
+                </a:lnTo>
+                <a:close/>
+              </a:path>
+            </a:pathLst>
+          </a:custGeom>
+        </p:spPr>
+      </p:sp>
+    </p:spTree>
+    <p:extLst>
+      <p:ext uri="{BB962C8B-B14F-4D97-AF65-F5344CB8AC3E}">
+        <p14:creationId xmlns:p14="http://schemas.microsoft.com/office/powerpoint/2010/main" val="274060909"/>
+      </p:ext>
+    </p:extLst>
+  </p:cSld>
+  <p:clrMapOvr>
+    <a:masterClrMapping/>
+  </p:clrMapOvr>
+</p:notes>
+</file>
+
+<file path=ppt/notesSlides/notesSlide16.xml><?xml version="1.0" encoding="utf-8"?>
+<p:notes xmlns:a="http://schemas.openxmlformats.org/drawingml/2006/main" xmlns:r="http://schemas.openxmlformats.org/officeDocument/2006/relationships" xmlns:p="http://schemas.openxmlformats.org/presentationml/2006/main" showMasterSp="0" showMasterPhAnim="0">
+  <p:cSld>
+    <p:spTree>
+      <p:nvGrpSpPr>
+        <p:cNvPr id="1" name="Shape 86"/>
+        <p:cNvGrpSpPr/>
+        <p:nvPr/>
+      </p:nvGrpSpPr>
+      <p:grpSpPr>
+        <a:xfrm>
+          <a:off x="0" y="0"/>
+          <a:ext cx="0" cy="0"/>
+          <a:chOff x="0" y="0"/>
+          <a:chExt cx="0" cy="0"/>
+        </a:xfrm>
+      </p:grpSpPr>
+      <p:sp>
+        <p:nvSpPr>
+          <p:cNvPr id="87" name="Shape 87"/>
+          <p:cNvSpPr txBox="1">
+            <a:spLocks noGrp="1"/>
+          </p:cNvSpPr>
+          <p:nvPr>
+            <p:ph type="body" idx="1"/>
+          </p:nvPr>
+        </p:nvSpPr>
+        <p:spPr>
+          <a:xfrm>
+            <a:off x="685800" y="4343400"/>
+            <a:ext cx="5486399" cy="4114800"/>
+          </a:xfrm>
+          <a:prstGeom prst="rect">
+            <a:avLst/>
+          </a:prstGeom>
+          <a:noFill/>
+          <a:ln>
+            <a:noFill/>
+          </a:ln>
+        </p:spPr>
+        <p:txBody>
+          <a:bodyPr lIns="91425" tIns="91425" rIns="91425" bIns="91425" anchor="ctr" anchorCtr="0">
+            <a:noAutofit/>
+          </a:bodyPr>
+          <a:lstStyle/>
+          <a:p>
+            <a:pPr lvl="0">
+              <a:spcBef>
+                <a:spcPts val="0"/>
+              </a:spcBef>
+              <a:buNone/>
+            </a:pPr>
+            <a:endParaRPr/>
+          </a:p>
+        </p:txBody>
+      </p:sp>
+      <p:sp>
+        <p:nvSpPr>
+          <p:cNvPr id="88" name="Shape 88"/>
+          <p:cNvSpPr>
+            <a:spLocks noGrp="1" noRot="1" noChangeAspect="1"/>
+          </p:cNvSpPr>
+          <p:nvPr>
+            <p:ph type="sldImg" idx="2"/>
+          </p:nvPr>
+        </p:nvSpPr>
+        <p:spPr>
+          <a:xfrm>
+            <a:off x="381000" y="685800"/>
+            <a:ext cx="6096000" cy="3429000"/>
+          </a:xfrm>
+          <a:custGeom>
+            <a:avLst/>
+            <a:gdLst/>
+            <a:ahLst/>
+            <a:cxnLst/>
+            <a:rect l="0" t="0" r="0" b="0"/>
+            <a:pathLst>
+              <a:path w="120000" h="120000" extrusionOk="0">
+                <a:moveTo>
+                  <a:pt x="0" y="0"/>
+                </a:moveTo>
+                <a:lnTo>
+                  <a:pt x="120000" y="0"/>
+                </a:lnTo>
+                <a:lnTo>
+                  <a:pt x="120000" y="120000"/>
+                </a:lnTo>
+                <a:lnTo>
+                  <a:pt x="0" y="120000"/>
+                </a:lnTo>
+                <a:close/>
+              </a:path>
+            </a:pathLst>
+          </a:custGeom>
+        </p:spPr>
+      </p:sp>
+    </p:spTree>
+    <p:extLst>
+      <p:ext uri="{BB962C8B-B14F-4D97-AF65-F5344CB8AC3E}">
+        <p14:creationId xmlns:p14="http://schemas.microsoft.com/office/powerpoint/2010/main" val="766944822"/>
+      </p:ext>
+    </p:extLst>
+  </p:cSld>
+  <p:clrMapOvr>
+    <a:masterClrMapping/>
+  </p:clrMapOvr>
+</p:notes>
+</file>
+
+<file path=ppt/notesSlides/notesSlide17.xml><?xml version="1.0" encoding="utf-8"?>
+<p:notes xmlns:a="http://schemas.openxmlformats.org/drawingml/2006/main" xmlns:r="http://schemas.openxmlformats.org/officeDocument/2006/relationships" xmlns:p="http://schemas.openxmlformats.org/presentationml/2006/main" showMasterSp="0" showMasterPhAnim="0">
+  <p:cSld>
+    <p:spTree>
+      <p:nvGrpSpPr>
+        <p:cNvPr id="1" name="Shape 86"/>
+        <p:cNvGrpSpPr/>
+        <p:nvPr/>
+      </p:nvGrpSpPr>
+      <p:grpSpPr>
+        <a:xfrm>
+          <a:off x="0" y="0"/>
+          <a:ext cx="0" cy="0"/>
+          <a:chOff x="0" y="0"/>
+          <a:chExt cx="0" cy="0"/>
+        </a:xfrm>
+      </p:grpSpPr>
+      <p:sp>
+        <p:nvSpPr>
+          <p:cNvPr id="87" name="Shape 87"/>
+          <p:cNvSpPr txBox="1">
+            <a:spLocks noGrp="1"/>
+          </p:cNvSpPr>
+          <p:nvPr>
+            <p:ph type="body" idx="1"/>
+          </p:nvPr>
+        </p:nvSpPr>
+        <p:spPr>
+          <a:xfrm>
+            <a:off x="685800" y="4343400"/>
+            <a:ext cx="5486399" cy="4114800"/>
+          </a:xfrm>
+          <a:prstGeom prst="rect">
+            <a:avLst/>
+          </a:prstGeom>
+          <a:noFill/>
+          <a:ln>
+            <a:noFill/>
+          </a:ln>
+        </p:spPr>
+        <p:txBody>
+          <a:bodyPr lIns="91425" tIns="91425" rIns="91425" bIns="91425" anchor="ctr" anchorCtr="0">
+            <a:noAutofit/>
+          </a:bodyPr>
+          <a:lstStyle/>
+          <a:p>
+            <a:pPr lvl="0">
+              <a:spcBef>
+                <a:spcPts val="0"/>
+              </a:spcBef>
+              <a:buNone/>
+            </a:pPr>
+            <a:endParaRPr/>
+          </a:p>
+        </p:txBody>
+      </p:sp>
+      <p:sp>
+        <p:nvSpPr>
+          <p:cNvPr id="88" name="Shape 88"/>
+          <p:cNvSpPr>
+            <a:spLocks noGrp="1" noRot="1" noChangeAspect="1"/>
+          </p:cNvSpPr>
+          <p:nvPr>
+            <p:ph type="sldImg" idx="2"/>
+          </p:nvPr>
+        </p:nvSpPr>
+        <p:spPr>
+          <a:xfrm>
+            <a:off x="381000" y="685800"/>
+            <a:ext cx="6096000" cy="3429000"/>
+          </a:xfrm>
+          <a:custGeom>
+            <a:avLst/>
+            <a:gdLst/>
+            <a:ahLst/>
+            <a:cxnLst/>
+            <a:rect l="0" t="0" r="0" b="0"/>
+            <a:pathLst>
+              <a:path w="120000" h="120000" extrusionOk="0">
+                <a:moveTo>
+                  <a:pt x="0" y="0"/>
+                </a:moveTo>
+                <a:lnTo>
+                  <a:pt x="120000" y="0"/>
+                </a:lnTo>
+                <a:lnTo>
+                  <a:pt x="120000" y="120000"/>
+                </a:lnTo>
+                <a:lnTo>
+                  <a:pt x="0" y="120000"/>
+                </a:lnTo>
+                <a:close/>
+              </a:path>
+            </a:pathLst>
+          </a:custGeom>
+        </p:spPr>
+      </p:sp>
+    </p:spTree>
+    <p:extLst>
+      <p:ext uri="{BB962C8B-B14F-4D97-AF65-F5344CB8AC3E}">
+        <p14:creationId xmlns:p14="http://schemas.microsoft.com/office/powerpoint/2010/main" val="2729152003"/>
+      </p:ext>
+    </p:extLst>
+  </p:cSld>
+  <p:clrMapOvr>
+    <a:masterClrMapping/>
+  </p:clrMapOvr>
+</p:notes>
+</file>
+
+<file path=ppt/notesSlides/notesSlide18.xml><?xml version="1.0" encoding="utf-8"?>
+<p:notes xmlns:a="http://schemas.openxmlformats.org/drawingml/2006/main" xmlns:r="http://schemas.openxmlformats.org/officeDocument/2006/relationships" xmlns:p="http://schemas.openxmlformats.org/presentationml/2006/main" showMasterSp="0" showMasterPhAnim="0">
+  <p:cSld>
+    <p:spTree>
+      <p:nvGrpSpPr>
+        <p:cNvPr id="1" name="Shape 86"/>
+        <p:cNvGrpSpPr/>
+        <p:nvPr/>
+      </p:nvGrpSpPr>
+      <p:grpSpPr>
+        <a:xfrm>
+          <a:off x="0" y="0"/>
+          <a:ext cx="0" cy="0"/>
+          <a:chOff x="0" y="0"/>
+          <a:chExt cx="0" cy="0"/>
+        </a:xfrm>
+      </p:grpSpPr>
+      <p:sp>
+        <p:nvSpPr>
+          <p:cNvPr id="87" name="Shape 87"/>
+          <p:cNvSpPr txBox="1">
+            <a:spLocks noGrp="1"/>
+          </p:cNvSpPr>
+          <p:nvPr>
+            <p:ph type="body" idx="1"/>
+          </p:nvPr>
+        </p:nvSpPr>
+        <p:spPr>
+          <a:xfrm>
+            <a:off x="685800" y="4343400"/>
+            <a:ext cx="5486399" cy="4114800"/>
+          </a:xfrm>
+          <a:prstGeom prst="rect">
+            <a:avLst/>
+          </a:prstGeom>
+          <a:noFill/>
+          <a:ln>
+            <a:noFill/>
+          </a:ln>
+        </p:spPr>
+        <p:txBody>
+          <a:bodyPr lIns="91425" tIns="91425" rIns="91425" bIns="91425" anchor="ctr" anchorCtr="0">
+            <a:noAutofit/>
+          </a:bodyPr>
+          <a:lstStyle/>
+          <a:p>
+            <a:pPr lvl="0">
+              <a:spcBef>
+                <a:spcPts val="0"/>
+              </a:spcBef>
+              <a:buNone/>
+            </a:pPr>
+            <a:endParaRPr/>
+          </a:p>
+        </p:txBody>
+      </p:sp>
+      <p:sp>
+        <p:nvSpPr>
+          <p:cNvPr id="88" name="Shape 88"/>
+          <p:cNvSpPr>
+            <a:spLocks noGrp="1" noRot="1" noChangeAspect="1"/>
+          </p:cNvSpPr>
+          <p:nvPr>
+            <p:ph type="sldImg" idx="2"/>
+          </p:nvPr>
+        </p:nvSpPr>
+        <p:spPr>
+          <a:xfrm>
+            <a:off x="381000" y="685800"/>
+            <a:ext cx="6096000" cy="3429000"/>
+          </a:xfrm>
+          <a:custGeom>
+            <a:avLst/>
+            <a:gdLst/>
+            <a:ahLst/>
+            <a:cxnLst/>
+            <a:rect l="0" t="0" r="0" b="0"/>
+            <a:pathLst>
+              <a:path w="120000" h="120000" extrusionOk="0">
+                <a:moveTo>
+                  <a:pt x="0" y="0"/>
+                </a:moveTo>
+                <a:lnTo>
+                  <a:pt x="120000" y="0"/>
+                </a:lnTo>
+                <a:lnTo>
+                  <a:pt x="120000" y="120000"/>
+                </a:lnTo>
+                <a:lnTo>
+                  <a:pt x="0" y="120000"/>
+                </a:lnTo>
+                <a:close/>
+              </a:path>
+            </a:pathLst>
+          </a:custGeom>
+        </p:spPr>
+      </p:sp>
+    </p:spTree>
+    <p:extLst>
+      <p:ext uri="{BB962C8B-B14F-4D97-AF65-F5344CB8AC3E}">
+        <p14:creationId xmlns:p14="http://schemas.microsoft.com/office/powerpoint/2010/main" val="182344499"/>
+      </p:ext>
+    </p:extLst>
+  </p:cSld>
+  <p:clrMapOvr>
+    <a:masterClrMapping/>
+  </p:clrMapOvr>
+</p:notes>
+</file>
+
+<file path=ppt/notesSlides/notesSlide19.xml><?xml version="1.0" encoding="utf-8"?>
+<p:notes xmlns:a="http://schemas.openxmlformats.org/drawingml/2006/main" xmlns:r="http://schemas.openxmlformats.org/officeDocument/2006/relationships" xmlns:p="http://schemas.openxmlformats.org/presentationml/2006/main" showMasterSp="0" showMasterPhAnim="0">
+  <p:cSld>
+    <p:spTree>
+      <p:nvGrpSpPr>
+        <p:cNvPr id="1" name="Shape 86"/>
+        <p:cNvGrpSpPr/>
+        <p:nvPr/>
+      </p:nvGrpSpPr>
+      <p:grpSpPr>
+        <a:xfrm>
+          <a:off x="0" y="0"/>
+          <a:ext cx="0" cy="0"/>
+          <a:chOff x="0" y="0"/>
+          <a:chExt cx="0" cy="0"/>
+        </a:xfrm>
+      </p:grpSpPr>
+      <p:sp>
+        <p:nvSpPr>
+          <p:cNvPr id="87" name="Shape 87"/>
+          <p:cNvSpPr txBox="1">
+            <a:spLocks noGrp="1"/>
+          </p:cNvSpPr>
+          <p:nvPr>
+            <p:ph type="body" idx="1"/>
+          </p:nvPr>
+        </p:nvSpPr>
+        <p:spPr>
+          <a:xfrm>
+            <a:off x="685800" y="4343400"/>
+            <a:ext cx="5486399" cy="4114800"/>
+          </a:xfrm>
+          <a:prstGeom prst="rect">
+            <a:avLst/>
+          </a:prstGeom>
+          <a:noFill/>
+          <a:ln>
+            <a:noFill/>
+          </a:ln>
+        </p:spPr>
+        <p:txBody>
+          <a:bodyPr lIns="91425" tIns="91425" rIns="91425" bIns="91425" anchor="ctr" anchorCtr="0">
+            <a:noAutofit/>
+          </a:bodyPr>
+          <a:lstStyle/>
+          <a:p>
+            <a:pPr lvl="0">
+              <a:spcBef>
+                <a:spcPts val="0"/>
+              </a:spcBef>
+              <a:buNone/>
+            </a:pPr>
+            <a:endParaRPr/>
+          </a:p>
+        </p:txBody>
+      </p:sp>
+      <p:sp>
+        <p:nvSpPr>
+          <p:cNvPr id="88" name="Shape 88"/>
+          <p:cNvSpPr>
+            <a:spLocks noGrp="1" noRot="1" noChangeAspect="1"/>
+          </p:cNvSpPr>
+          <p:nvPr>
+            <p:ph type="sldImg" idx="2"/>
+          </p:nvPr>
+        </p:nvSpPr>
+        <p:spPr>
+          <a:xfrm>
+            <a:off x="381000" y="685800"/>
+            <a:ext cx="6096000" cy="3429000"/>
+          </a:xfrm>
+          <a:custGeom>
+            <a:avLst/>
+            <a:gdLst/>
+            <a:ahLst/>
+            <a:cxnLst/>
+            <a:rect l="0" t="0" r="0" b="0"/>
+            <a:pathLst>
+              <a:path w="120000" h="120000" extrusionOk="0">
+                <a:moveTo>
+                  <a:pt x="0" y="0"/>
+                </a:moveTo>
+                <a:lnTo>
+                  <a:pt x="120000" y="0"/>
+                </a:lnTo>
+                <a:lnTo>
+                  <a:pt x="120000" y="120000"/>
+                </a:lnTo>
+                <a:lnTo>
+                  <a:pt x="0" y="120000"/>
+                </a:lnTo>
+                <a:close/>
+              </a:path>
+            </a:pathLst>
+          </a:custGeom>
+        </p:spPr>
+      </p:sp>
+    </p:spTree>
+    <p:extLst>
+      <p:ext uri="{BB962C8B-B14F-4D97-AF65-F5344CB8AC3E}">
+        <p14:creationId xmlns:p14="http://schemas.microsoft.com/office/powerpoint/2010/main" val="175506301"/>
+      </p:ext>
+    </p:extLst>
+  </p:cSld>
+  <p:clrMapOvr>
+    <a:masterClrMapping/>
+  </p:clrMapOvr>
+</p:notes>
+</file>
+
 <file path=ppt/notesSlides/notesSlide2.xml><?xml version="1.0" encoding="utf-8"?>
 <p:notes xmlns:a="http://schemas.openxmlformats.org/drawingml/2006/main" xmlns:r="http://schemas.openxmlformats.org/officeDocument/2006/relationships" xmlns:p="http://schemas.openxmlformats.org/presentationml/2006/main" showMasterSp="0" showMasterPhAnim="0">
   <p:cSld>
@@ -1161,6 +1846,116 @@
     <p:extLst>
       <p:ext uri="{BB962C8B-B14F-4D97-AF65-F5344CB8AC3E}">
         <p14:creationId xmlns:p14="http://schemas.microsoft.com/office/powerpoint/2010/main" val="11697430"/>
+      </p:ext>
+    </p:extLst>
+  </p:cSld>
+  <p:clrMapOvr>
+    <a:masterClrMapping/>
+  </p:clrMapOvr>
+</p:notes>
+</file>
+
+<file path=ppt/notesSlides/notesSlide20.xml><?xml version="1.0" encoding="utf-8"?>
+<p:notes xmlns:a="http://schemas.openxmlformats.org/drawingml/2006/main" xmlns:r="http://schemas.openxmlformats.org/officeDocument/2006/relationships" xmlns:p="http://schemas.openxmlformats.org/presentationml/2006/main" showMasterSp="0" showMasterPhAnim="0">
+  <p:cSld>
+    <p:spTree>
+      <p:nvGrpSpPr>
+        <p:cNvPr id="1" name="Shape 86"/>
+        <p:cNvGrpSpPr/>
+        <p:nvPr/>
+      </p:nvGrpSpPr>
+      <p:grpSpPr>
+        <a:xfrm>
+          <a:off x="0" y="0"/>
+          <a:ext cx="0" cy="0"/>
+          <a:chOff x="0" y="0"/>
+          <a:chExt cx="0" cy="0"/>
+        </a:xfrm>
+      </p:grpSpPr>
+      <p:sp>
+        <p:nvSpPr>
+          <p:cNvPr id="87" name="Shape 87"/>
+          <p:cNvSpPr txBox="1">
+            <a:spLocks noGrp="1"/>
+          </p:cNvSpPr>
+          <p:nvPr>
+            <p:ph type="body" idx="1"/>
+          </p:nvPr>
+        </p:nvSpPr>
+        <p:spPr>
+          <a:xfrm>
+            <a:off x="685800" y="4343400"/>
+            <a:ext cx="5486399" cy="4114800"/>
+          </a:xfrm>
+          <a:prstGeom prst="rect">
+            <a:avLst/>
+          </a:prstGeom>
+          <a:noFill/>
+          <a:ln>
+            <a:noFill/>
+          </a:ln>
+        </p:spPr>
+        <p:txBody>
+          <a:bodyPr lIns="91425" tIns="91425" rIns="91425" bIns="91425" anchor="ctr" anchorCtr="0">
+            <a:noAutofit/>
+          </a:bodyPr>
+          <a:lstStyle/>
+          <a:p>
+            <a:pPr lvl="0">
+              <a:spcBef>
+                <a:spcPts val="0"/>
+              </a:spcBef>
+              <a:buNone/>
+            </a:pPr>
+            <a:endParaRPr/>
+          </a:p>
+        </p:txBody>
+      </p:sp>
+      <p:sp>
+        <p:nvSpPr>
+          <p:cNvPr id="88" name="Shape 88"/>
+          <p:cNvSpPr>
+            <a:spLocks noGrp="1" noRot="1" noChangeAspect="1"/>
+          </p:cNvSpPr>
+          <p:nvPr>
+            <p:ph type="sldImg" idx="2"/>
+          </p:nvPr>
+        </p:nvSpPr>
+        <p:spPr>
+          <a:xfrm>
+            <a:off x="381000" y="685800"/>
+            <a:ext cx="6096000" cy="3429000"/>
+          </a:xfrm>
+          <a:custGeom>
+            <a:avLst/>
+            <a:gdLst/>
+            <a:ahLst/>
+            <a:cxnLst/>
+            <a:rect l="0" t="0" r="0" b="0"/>
+            <a:pathLst>
+              <a:path w="120000" h="120000" extrusionOk="0">
+                <a:moveTo>
+                  <a:pt x="0" y="0"/>
+                </a:moveTo>
+                <a:lnTo>
+                  <a:pt x="120000" y="0"/>
+                </a:lnTo>
+                <a:lnTo>
+                  <a:pt x="120000" y="120000"/>
+                </a:lnTo>
+                <a:lnTo>
+                  <a:pt x="0" y="120000"/>
+                </a:lnTo>
+                <a:close/>
+              </a:path>
+            </a:pathLst>
+          </a:custGeom>
+        </p:spPr>
+      </p:sp>
+    </p:spTree>
+    <p:extLst>
+      <p:ext uri="{BB962C8B-B14F-4D97-AF65-F5344CB8AC3E}">
+        <p14:creationId xmlns:p14="http://schemas.microsoft.com/office/powerpoint/2010/main" val="2288628748"/>
       </p:ext>
     </p:extLst>
   </p:cSld>
@@ -16080,10 +16875,10 @@
           <a:lstStyle/>
           <a:p>
             <a:r>
-              <a:rPr lang="en-US" sz="3600" b="1" dirty="0"/>
+              <a:rPr lang="en-US" sz="4000" b="1" dirty="0"/>
               <a:t>Item 17: Design and document for inheritance or else prohibit it</a:t>
             </a:r>
-            <a:endParaRPr lang="en-US" sz="3600" dirty="0"/>
+            <a:endParaRPr lang="en-US" sz="4000" dirty="0"/>
           </a:p>
         </p:txBody>
       </p:sp>
@@ -16391,6 +17186,29 @@
           <a:bodyPr/>
           <a:lstStyle/>
           <a:p>
+            <a:pPr marL="177800" indent="0">
+              <a:buNone/>
+            </a:pPr>
+            <a:r>
+              <a:rPr lang="en-US" dirty="0"/>
+              <a:t>I</a:t>
+            </a:r>
+            <a:r>
+              <a:rPr lang="en-US" dirty="0" smtClean="0"/>
+              <a:t>nterfaces </a:t>
+            </a:r>
+            <a:r>
+              <a:rPr lang="en-US" dirty="0"/>
+              <a:t>should be used only to define types. They should </a:t>
+            </a:r>
+            <a:r>
+              <a:rPr lang="en-US" dirty="0" smtClean="0"/>
+              <a:t>not be </a:t>
+            </a:r>
+            <a:r>
+              <a:rPr lang="en-US" dirty="0"/>
+              <a:t>used to export constants.</a:t>
+            </a:r>
             <a:endParaRPr lang="en-US" dirty="0"/>
           </a:p>
         </p:txBody>
@@ -16399,6 +17217,251 @@
     <p:extLst>
       <p:ext uri="{BB962C8B-B14F-4D97-AF65-F5344CB8AC3E}">
         <p14:creationId xmlns:p14="http://schemas.microsoft.com/office/powerpoint/2010/main" val="2705400680"/>
+      </p:ext>
+    </p:extLst>
+  </p:cSld>
+  <p:clrMapOvr>
+    <a:masterClrMapping/>
+  </p:clrMapOvr>
+</p:sld>
+</file>
+
+<file path=ppt/slides/slide28.xml><?xml version="1.0" encoding="utf-8"?>
+<p:sld xmlns:a="http://schemas.openxmlformats.org/drawingml/2006/main" xmlns:r="http://schemas.openxmlformats.org/officeDocument/2006/relationships" xmlns:p="http://schemas.openxmlformats.org/presentationml/2006/main">
+  <p:cSld>
+    <p:spTree>
+      <p:nvGrpSpPr>
+        <p:cNvPr id="1" name=""/>
+        <p:cNvGrpSpPr/>
+        <p:nvPr/>
+      </p:nvGrpSpPr>
+      <p:grpSpPr>
+        <a:xfrm>
+          <a:off x="0" y="0"/>
+          <a:ext cx="0" cy="0"/>
+          <a:chOff x="0" y="0"/>
+          <a:chExt cx="0" cy="0"/>
+        </a:xfrm>
+      </p:grpSpPr>
+      <p:sp>
+        <p:nvSpPr>
+          <p:cNvPr id="2" name="Title 1"/>
+          <p:cNvSpPr>
+            <a:spLocks noGrp="1"/>
+          </p:cNvSpPr>
+          <p:nvPr>
+            <p:ph type="title"/>
+          </p:nvPr>
+        </p:nvSpPr>
+        <p:spPr/>
+        <p:txBody>
+          <a:bodyPr/>
+          <a:lstStyle/>
+          <a:p>
+            <a:r>
+              <a:rPr lang="en-US" b="1" dirty="0"/>
+              <a:t>Item 20: Prefer class hierarchies to tagged classes</a:t>
+            </a:r>
+            <a:endParaRPr lang="en-US" dirty="0"/>
+          </a:p>
+        </p:txBody>
+      </p:sp>
+      <p:sp>
+        <p:nvSpPr>
+          <p:cNvPr id="3" name="Text Placeholder 2"/>
+          <p:cNvSpPr>
+            <a:spLocks noGrp="1"/>
+          </p:cNvSpPr>
+          <p:nvPr>
+            <p:ph type="body" idx="1"/>
+          </p:nvPr>
+        </p:nvSpPr>
+        <p:spPr/>
+        <p:txBody>
+          <a:bodyPr/>
+          <a:lstStyle/>
+          <a:p>
+            <a:pPr marL="177800" indent="0">
+              <a:buNone/>
+            </a:pPr>
+            <a:r>
+              <a:rPr lang="en-US" dirty="0"/>
+              <a:t>T</a:t>
+            </a:r>
+            <a:r>
+              <a:rPr lang="en-US" dirty="0" smtClean="0"/>
+              <a:t>agged </a:t>
+            </a:r>
+            <a:r>
+              <a:rPr lang="en-US" dirty="0"/>
+              <a:t>classes are seldom appropriate. If you’re tempted to </a:t>
+            </a:r>
+            <a:r>
+              <a:rPr lang="en-US" dirty="0" smtClean="0"/>
+              <a:t>write a </a:t>
+            </a:r>
+            <a:r>
+              <a:rPr lang="en-US" dirty="0"/>
+              <a:t>class with an explicit tag field, think about whether the tag could be </a:t>
+            </a:r>
+            <a:r>
+              <a:rPr lang="en-US" dirty="0" smtClean="0"/>
+              <a:t>eliminated and </a:t>
+            </a:r>
+            <a:r>
+              <a:rPr lang="en-US" dirty="0"/>
+              <a:t>the class replaced by a hierarchy. When you encounter an existing class with </a:t>
+            </a:r>
+            <a:r>
+              <a:rPr lang="en-US" dirty="0" smtClean="0"/>
+              <a:t>a tag </a:t>
+            </a:r>
+            <a:r>
+              <a:rPr lang="en-US" dirty="0"/>
+              <a:t>field, consider refactoring it into a hierarchy.</a:t>
+            </a:r>
+            <a:endParaRPr lang="en-US" dirty="0"/>
+          </a:p>
+        </p:txBody>
+      </p:sp>
+    </p:spTree>
+    <p:extLst>
+      <p:ext uri="{BB962C8B-B14F-4D97-AF65-F5344CB8AC3E}">
+        <p14:creationId xmlns:p14="http://schemas.microsoft.com/office/powerpoint/2010/main" val="527107248"/>
+      </p:ext>
+    </p:extLst>
+  </p:cSld>
+  <p:clrMapOvr>
+    <a:masterClrMapping/>
+  </p:clrMapOvr>
+</p:sld>
+</file>
+
+<file path=ppt/slides/slide29.xml><?xml version="1.0" encoding="utf-8"?>
+<p:sld xmlns:a="http://schemas.openxmlformats.org/drawingml/2006/main" xmlns:r="http://schemas.openxmlformats.org/officeDocument/2006/relationships" xmlns:p="http://schemas.openxmlformats.org/presentationml/2006/main">
+  <p:cSld>
+    <p:spTree>
+      <p:nvGrpSpPr>
+        <p:cNvPr id="1" name=""/>
+        <p:cNvGrpSpPr/>
+        <p:nvPr/>
+      </p:nvGrpSpPr>
+      <p:grpSpPr>
+        <a:xfrm>
+          <a:off x="0" y="0"/>
+          <a:ext cx="0" cy="0"/>
+          <a:chOff x="0" y="0"/>
+          <a:chExt cx="0" cy="0"/>
+        </a:xfrm>
+      </p:grpSpPr>
+      <p:sp>
+        <p:nvSpPr>
+          <p:cNvPr id="2" name="Title 1"/>
+          <p:cNvSpPr>
+            <a:spLocks noGrp="1"/>
+          </p:cNvSpPr>
+          <p:nvPr>
+            <p:ph type="title"/>
+          </p:nvPr>
+        </p:nvSpPr>
+        <p:spPr/>
+        <p:txBody>
+          <a:bodyPr/>
+          <a:lstStyle/>
+          <a:p>
+            <a:r>
+              <a:rPr lang="en-US" b="1" dirty="0"/>
+              <a:t>Item 21: Use function objects to represent strategies</a:t>
+            </a:r>
+            <a:endParaRPr lang="en-US" dirty="0"/>
+          </a:p>
+        </p:txBody>
+      </p:sp>
+      <p:sp>
+        <p:nvSpPr>
+          <p:cNvPr id="3" name="Text Placeholder 2"/>
+          <p:cNvSpPr>
+            <a:spLocks noGrp="1"/>
+          </p:cNvSpPr>
+          <p:nvPr>
+            <p:ph type="body" idx="1"/>
+          </p:nvPr>
+        </p:nvSpPr>
+        <p:spPr/>
+        <p:txBody>
+          <a:bodyPr/>
+          <a:lstStyle/>
+          <a:p>
+            <a:pPr marL="177800" indent="0">
+              <a:buNone/>
+            </a:pPr>
+            <a:r>
+              <a:rPr lang="en-US" dirty="0"/>
+              <a:t>To implement this pattern in Java, declare an interface to represent </a:t>
+            </a:r>
+            <a:r>
+              <a:rPr lang="en-US" dirty="0" smtClean="0"/>
+              <a:t>the strategy</a:t>
+            </a:r>
+            <a:r>
+              <a:rPr lang="en-US" dirty="0"/>
+              <a:t>, and a class that implements this interface for each concrete strategy.</a:t>
+            </a:r>
+          </a:p>
+          <a:p>
+            <a:pPr marL="177800" indent="0">
+              <a:buNone/>
+            </a:pPr>
+            <a:r>
+              <a:rPr lang="en-US" dirty="0"/>
+              <a:t>When a concrete strategy is used only once, it is typically declared and </a:t>
+            </a:r>
+            <a:r>
+              <a:rPr lang="en-US" dirty="0" smtClean="0"/>
+              <a:t>instantiated as </a:t>
+            </a:r>
+            <a:r>
+              <a:rPr lang="en-US" dirty="0"/>
+              <a:t>an anonymous class. </a:t>
+            </a:r>
+            <a:endParaRPr lang="en-US" dirty="0" smtClean="0"/>
+          </a:p>
+          <a:p>
+            <a:pPr marL="177800" indent="0">
+              <a:buNone/>
+            </a:pPr>
+            <a:r>
+              <a:rPr lang="en-US" dirty="0" smtClean="0"/>
+              <a:t>When </a:t>
+            </a:r>
+            <a:r>
+              <a:rPr lang="en-US" dirty="0"/>
+              <a:t>a concrete strategy is designed for </a:t>
+            </a:r>
+            <a:r>
+              <a:rPr lang="en-US" dirty="0" smtClean="0"/>
+              <a:t>repeated use</a:t>
+            </a:r>
+            <a:r>
+              <a:rPr lang="en-US" dirty="0"/>
+              <a:t>, it is generally implemented as a private static member class and exported in </a:t>
+            </a:r>
+            <a:r>
+              <a:rPr lang="en-US" dirty="0" smtClean="0"/>
+              <a:t>a public </a:t>
+            </a:r>
+            <a:r>
+              <a:rPr lang="en-US" dirty="0"/>
+              <a:t>static final field whose type is the strategy interface.</a:t>
+            </a:r>
+            <a:endParaRPr lang="en-US" dirty="0"/>
+          </a:p>
+        </p:txBody>
+      </p:sp>
+    </p:spTree>
+    <p:extLst>
+      <p:ext uri="{BB962C8B-B14F-4D97-AF65-F5344CB8AC3E}">
+        <p14:creationId xmlns:p14="http://schemas.microsoft.com/office/powerpoint/2010/main" val="3726522978"/>
       </p:ext>
     </p:extLst>
   </p:cSld>
@@ -16911,6 +17974,1316 @@
 </p:sld>
 </file>
 
+<file path=ppt/slides/slide30.xml><?xml version="1.0" encoding="utf-8"?>
+<p:sld xmlns:a="http://schemas.openxmlformats.org/drawingml/2006/main" xmlns:r="http://schemas.openxmlformats.org/officeDocument/2006/relationships" xmlns:p="http://schemas.openxmlformats.org/presentationml/2006/main">
+  <p:cSld>
+    <p:spTree>
+      <p:nvGrpSpPr>
+        <p:cNvPr id="1" name=""/>
+        <p:cNvGrpSpPr/>
+        <p:nvPr/>
+      </p:nvGrpSpPr>
+      <p:grpSpPr>
+        <a:xfrm>
+          <a:off x="0" y="0"/>
+          <a:ext cx="0" cy="0"/>
+          <a:chOff x="0" y="0"/>
+          <a:chExt cx="0" cy="0"/>
+        </a:xfrm>
+      </p:grpSpPr>
+      <p:sp>
+        <p:nvSpPr>
+          <p:cNvPr id="2" name="Title 1"/>
+          <p:cNvSpPr>
+            <a:spLocks noGrp="1"/>
+          </p:cNvSpPr>
+          <p:nvPr>
+            <p:ph type="title"/>
+          </p:nvPr>
+        </p:nvSpPr>
+        <p:spPr/>
+        <p:txBody>
+          <a:bodyPr/>
+          <a:lstStyle/>
+          <a:p>
+            <a:r>
+              <a:rPr lang="en-US" b="1" dirty="0"/>
+              <a:t>Item 22: Favor static member classes over </a:t>
+            </a:r>
+            <a:r>
+              <a:rPr lang="en-US" b="1" dirty="0" err="1"/>
+              <a:t>nonstatic</a:t>
+            </a:r>
+            <a:endParaRPr lang="en-US" dirty="0"/>
+          </a:p>
+        </p:txBody>
+      </p:sp>
+      <p:sp>
+        <p:nvSpPr>
+          <p:cNvPr id="3" name="Text Placeholder 2"/>
+          <p:cNvSpPr>
+            <a:spLocks noGrp="1"/>
+          </p:cNvSpPr>
+          <p:nvPr>
+            <p:ph type="body" idx="1"/>
+          </p:nvPr>
+        </p:nvSpPr>
+        <p:spPr>
+          <a:xfrm>
+            <a:off x="838200" y="1841326"/>
+            <a:ext cx="10515599" cy="5016674"/>
+          </a:xfrm>
+        </p:spPr>
+        <p:txBody>
+          <a:bodyPr/>
+          <a:lstStyle/>
+          <a:p>
+            <a:pPr marL="177800" indent="0">
+              <a:buNone/>
+            </a:pPr>
+            <a:r>
+              <a:rPr lang="en-US" dirty="0"/>
+              <a:t>There are four kinds of nested classes:</a:t>
+            </a:r>
+          </a:p>
+          <a:p>
+            <a:pPr marL="177800" indent="0">
+              <a:buNone/>
+            </a:pPr>
+            <a:r>
+              <a:rPr lang="en-US" sz="2000" i="1" dirty="0" smtClean="0"/>
+              <a:t>	static </a:t>
+            </a:r>
+            <a:r>
+              <a:rPr lang="en-US" sz="2000" i="1" dirty="0"/>
+              <a:t>member classes</a:t>
+            </a:r>
+            <a:r>
+              <a:rPr lang="en-US" sz="2000" dirty="0"/>
+              <a:t>, </a:t>
+            </a:r>
+            <a:endParaRPr lang="en-US" sz="2000" dirty="0" smtClean="0"/>
+          </a:p>
+          <a:p>
+            <a:pPr marL="177800" indent="0">
+              <a:buNone/>
+            </a:pPr>
+            <a:r>
+              <a:rPr lang="en-US" sz="2000" dirty="0" smtClean="0"/>
+              <a:t>If </a:t>
+            </a:r>
+            <a:r>
+              <a:rPr lang="en-US" sz="2000" dirty="0"/>
+              <a:t>a nested class needs to be visible outside of a single method or is too </a:t>
+            </a:r>
+            <a:r>
+              <a:rPr lang="en-US" sz="2000" dirty="0" smtClean="0"/>
+              <a:t>long to </a:t>
+            </a:r>
+            <a:r>
+              <a:rPr lang="en-US" sz="2000" dirty="0"/>
+              <a:t>fit comfortably inside a method, use a member class. </a:t>
+            </a:r>
+            <a:endParaRPr lang="en-US" sz="2000" dirty="0" smtClean="0"/>
+          </a:p>
+          <a:p>
+            <a:pPr marL="177800" indent="0">
+              <a:buNone/>
+            </a:pPr>
+            <a:r>
+              <a:rPr lang="en-US" sz="2000" i="1" dirty="0"/>
+              <a:t>	</a:t>
+            </a:r>
+            <a:r>
+              <a:rPr lang="en-US" sz="2000" i="1" dirty="0" err="1"/>
+              <a:t>nonstatic</a:t>
+            </a:r>
+            <a:r>
+              <a:rPr lang="en-US" sz="2000" i="1" dirty="0"/>
+              <a:t> member classes</a:t>
+            </a:r>
+            <a:r>
+              <a:rPr lang="en-US" sz="2000" dirty="0"/>
+              <a:t>, </a:t>
+            </a:r>
+            <a:endParaRPr lang="en-US" sz="2000" dirty="0" smtClean="0"/>
+          </a:p>
+          <a:p>
+            <a:pPr marL="177800" indent="0">
+              <a:buNone/>
+            </a:pPr>
+            <a:r>
+              <a:rPr lang="en-US" sz="2000" dirty="0" smtClean="0"/>
+              <a:t>If </a:t>
+            </a:r>
+            <a:r>
+              <a:rPr lang="en-US" sz="2000" dirty="0"/>
+              <a:t>each instance of </a:t>
+            </a:r>
+            <a:r>
+              <a:rPr lang="en-US" sz="2000" dirty="0" smtClean="0"/>
+              <a:t>the member </a:t>
+            </a:r>
+            <a:r>
+              <a:rPr lang="en-US" sz="2000" dirty="0"/>
+              <a:t>class needs a reference to its enclosing instance, make it </a:t>
+            </a:r>
+            <a:r>
+              <a:rPr lang="en-US" sz="2000" dirty="0" err="1"/>
+              <a:t>nonstatic</a:t>
+            </a:r>
+            <a:r>
+              <a:rPr lang="en-US" sz="2000" dirty="0"/>
+              <a:t>; </a:t>
+            </a:r>
+            <a:endParaRPr lang="en-US" sz="2000" dirty="0" smtClean="0"/>
+          </a:p>
+          <a:p>
+            <a:pPr marL="177800" indent="0">
+              <a:buNone/>
+            </a:pPr>
+            <a:r>
+              <a:rPr lang="en-US" sz="2000" i="1" dirty="0"/>
+              <a:t>	anonymous </a:t>
+            </a:r>
+            <a:r>
+              <a:rPr lang="en-US" sz="2000" i="1" dirty="0" smtClean="0"/>
+              <a:t>classes</a:t>
+            </a:r>
+            <a:endParaRPr lang="en-US" sz="2000" dirty="0" smtClean="0"/>
+          </a:p>
+          <a:p>
+            <a:pPr marL="177800" indent="0">
+              <a:buNone/>
+            </a:pPr>
+            <a:r>
+              <a:rPr lang="en-US" sz="2000" dirty="0" smtClean="0"/>
+              <a:t>Otherwise, make </a:t>
+            </a:r>
+            <a:r>
+              <a:rPr lang="en-US" sz="2000" dirty="0"/>
+              <a:t>it static. Assuming the class belongs inside a method, if you need </a:t>
+            </a:r>
+            <a:r>
+              <a:rPr lang="en-US" sz="2000" dirty="0" smtClean="0"/>
+              <a:t>to create </a:t>
+            </a:r>
+            <a:r>
+              <a:rPr lang="en-US" sz="2000" dirty="0"/>
+              <a:t>instances from only one location and there is a preexisting type that </a:t>
+            </a:r>
+            <a:r>
+              <a:rPr lang="en-US" sz="2000" dirty="0" smtClean="0"/>
+              <a:t>characterizes the </a:t>
+            </a:r>
+            <a:r>
+              <a:rPr lang="en-US" sz="2000" dirty="0"/>
+              <a:t>class, make it an anonymous class; </a:t>
+            </a:r>
+            <a:endParaRPr lang="en-US" sz="2000" dirty="0" smtClean="0"/>
+          </a:p>
+          <a:p>
+            <a:pPr marL="177800" indent="0">
+              <a:buNone/>
+            </a:pPr>
+            <a:r>
+              <a:rPr lang="en-US" sz="2000" i="1" dirty="0"/>
+              <a:t>	local </a:t>
+            </a:r>
+            <a:r>
+              <a:rPr lang="en-US" sz="2000" i="1" dirty="0" smtClean="0"/>
+              <a:t>classes</a:t>
+            </a:r>
+            <a:endParaRPr lang="en-US" sz="2000" dirty="0" smtClean="0"/>
+          </a:p>
+          <a:p>
+            <a:pPr marL="177800" indent="0">
+              <a:buNone/>
+            </a:pPr>
+            <a:r>
+              <a:rPr lang="en-US" sz="2000" dirty="0" smtClean="0"/>
+              <a:t>otherwise</a:t>
+            </a:r>
+            <a:r>
+              <a:rPr lang="en-US" sz="2000" dirty="0"/>
+              <a:t>, make it a local </a:t>
+            </a:r>
+            <a:r>
+              <a:rPr lang="en-US" sz="2000" dirty="0" smtClean="0"/>
+              <a:t>class.</a:t>
+            </a:r>
+            <a:endParaRPr lang="en-US" sz="2000" i="1" dirty="0"/>
+          </a:p>
+        </p:txBody>
+      </p:sp>
+    </p:spTree>
+    <p:extLst>
+      <p:ext uri="{BB962C8B-B14F-4D97-AF65-F5344CB8AC3E}">
+        <p14:creationId xmlns:p14="http://schemas.microsoft.com/office/powerpoint/2010/main" val="186580217"/>
+      </p:ext>
+    </p:extLst>
+  </p:cSld>
+  <p:clrMapOvr>
+    <a:masterClrMapping/>
+  </p:clrMapOvr>
+</p:sld>
+</file>
+
+<file path=ppt/slides/slide31.xml><?xml version="1.0" encoding="utf-8"?>
+<p:sld xmlns:a="http://schemas.openxmlformats.org/drawingml/2006/main" xmlns:r="http://schemas.openxmlformats.org/officeDocument/2006/relationships" xmlns:p="http://schemas.openxmlformats.org/presentationml/2006/main">
+  <p:cSld>
+    <p:spTree>
+      <p:nvGrpSpPr>
+        <p:cNvPr id="1" name="Shape 89"/>
+        <p:cNvGrpSpPr/>
+        <p:nvPr/>
+      </p:nvGrpSpPr>
+      <p:grpSpPr>
+        <a:xfrm>
+          <a:off x="0" y="0"/>
+          <a:ext cx="0" cy="0"/>
+          <a:chOff x="0" y="0"/>
+          <a:chExt cx="0" cy="0"/>
+        </a:xfrm>
+      </p:grpSpPr>
+      <p:sp>
+        <p:nvSpPr>
+          <p:cNvPr id="90" name="Shape 90"/>
+          <p:cNvSpPr txBox="1">
+            <a:spLocks noGrp="1"/>
+          </p:cNvSpPr>
+          <p:nvPr>
+            <p:ph type="title"/>
+          </p:nvPr>
+        </p:nvSpPr>
+        <p:spPr>
+          <a:xfrm>
+            <a:off x="838200" y="365125"/>
+            <a:ext cx="10515599" cy="1325562"/>
+          </a:xfrm>
+          <a:prstGeom prst="rect">
+            <a:avLst/>
+          </a:prstGeom>
+          <a:noFill/>
+          <a:ln>
+            <a:noFill/>
+          </a:ln>
+        </p:spPr>
+        <p:txBody>
+          <a:bodyPr lIns="91425" tIns="45700" rIns="91425" bIns="45700" anchor="ctr" anchorCtr="0">
+            <a:noAutofit/>
+          </a:bodyPr>
+          <a:lstStyle/>
+          <a:p>
+            <a:pPr marL="0" marR="0" lvl="0" indent="0" algn="r" rtl="0">
+              <a:lnSpc>
+                <a:spcPct val="90000"/>
+              </a:lnSpc>
+              <a:spcBef>
+                <a:spcPts val="0"/>
+              </a:spcBef>
+              <a:buClr>
+                <a:schemeClr val="dk1"/>
+              </a:buClr>
+              <a:buSzPct val="25000"/>
+              <a:buFont typeface="Calibri"/>
+              <a:buNone/>
+            </a:pPr>
+            <a:r>
+              <a:rPr lang="en-US" sz="4400" b="0" i="0" u="none" strike="noStrike" cap="none" dirty="0">
+                <a:solidFill>
+                  <a:schemeClr val="dk1"/>
+                </a:solidFill>
+                <a:latin typeface="Calibri"/>
+                <a:ea typeface="Calibri"/>
+                <a:cs typeface="Calibri"/>
+                <a:sym typeface="Calibri"/>
+              </a:rPr>
+              <a:t>C H A P T E R </a:t>
+            </a:r>
+            <a:r>
+              <a:rPr lang="en-US" dirty="0"/>
+              <a:t>5</a:t>
+            </a:r>
+            <a:endParaRPr lang="en-US" sz="4400" b="0" i="0" u="none" strike="noStrike" cap="none" dirty="0">
+              <a:solidFill>
+                <a:schemeClr val="dk1"/>
+              </a:solidFill>
+              <a:latin typeface="Calibri"/>
+              <a:ea typeface="Calibri"/>
+              <a:cs typeface="Calibri"/>
+              <a:sym typeface="Calibri"/>
+            </a:endParaRPr>
+          </a:p>
+        </p:txBody>
+      </p:sp>
+      <p:sp>
+        <p:nvSpPr>
+          <p:cNvPr id="91" name="Shape 91"/>
+          <p:cNvSpPr txBox="1">
+            <a:spLocks noGrp="1"/>
+          </p:cNvSpPr>
+          <p:nvPr>
+            <p:ph type="body" idx="1"/>
+          </p:nvPr>
+        </p:nvSpPr>
+        <p:spPr>
+          <a:xfrm>
+            <a:off x="838200" y="1825625"/>
+            <a:ext cx="10515599" cy="4723221"/>
+          </a:xfrm>
+          <a:prstGeom prst="rect">
+            <a:avLst/>
+          </a:prstGeom>
+          <a:noFill/>
+          <a:ln>
+            <a:noFill/>
+          </a:ln>
+        </p:spPr>
+        <p:txBody>
+          <a:bodyPr lIns="91425" tIns="45700" rIns="91425" bIns="45700" anchor="t" anchorCtr="0">
+            <a:noAutofit/>
+          </a:bodyPr>
+          <a:lstStyle/>
+          <a:p>
+            <a:pPr marL="0" lvl="0" indent="0">
+              <a:spcBef>
+                <a:spcPts val="0"/>
+              </a:spcBef>
+              <a:buSzPct val="25000"/>
+              <a:buNone/>
+            </a:pPr>
+            <a:r>
+              <a:rPr lang="en-US" sz="5400" b="1" dirty="0"/>
+              <a:t>Generics </a:t>
+            </a:r>
+            <a:endParaRPr lang="en-US" sz="5400" b="1" dirty="0" smtClean="0"/>
+          </a:p>
+          <a:p>
+            <a:pPr marL="177800" indent="0">
+              <a:buNone/>
+            </a:pPr>
+            <a:r>
+              <a:rPr lang="en-US" sz="3200" dirty="0"/>
+              <a:t>With generics, you tell the </a:t>
+            </a:r>
+            <a:r>
+              <a:rPr lang="en-US" sz="3200" dirty="0" smtClean="0"/>
+              <a:t>compiler what </a:t>
+            </a:r>
+            <a:r>
+              <a:rPr lang="en-US" sz="3200" dirty="0"/>
+              <a:t>types of objects are permitted in each collection. The compiler inserts </a:t>
+            </a:r>
+            <a:r>
+              <a:rPr lang="en-US" sz="3200" dirty="0" smtClean="0"/>
+              <a:t>casts for </a:t>
+            </a:r>
+            <a:r>
+              <a:rPr lang="en-US" sz="3200" dirty="0"/>
+              <a:t>you automatically and tells you at compile time if you try to insert an object </a:t>
+            </a:r>
+            <a:r>
+              <a:rPr lang="en-US" sz="3200" dirty="0" smtClean="0"/>
+              <a:t>of the </a:t>
+            </a:r>
+            <a:r>
+              <a:rPr lang="en-US" sz="3200" dirty="0"/>
+              <a:t>wrong type. </a:t>
+            </a:r>
+            <a:endParaRPr lang="en-US" sz="3200" dirty="0" smtClean="0"/>
+          </a:p>
+          <a:p>
+            <a:pPr marL="177800" indent="0">
+              <a:buNone/>
+            </a:pPr>
+            <a:r>
+              <a:rPr lang="en-US" sz="3200" dirty="0" smtClean="0"/>
+              <a:t>This </a:t>
+            </a:r>
+            <a:r>
+              <a:rPr lang="en-US" sz="3200" dirty="0"/>
+              <a:t>results in programs that are both safer and clearer, but </a:t>
+            </a:r>
+            <a:r>
+              <a:rPr lang="en-US" sz="3200" dirty="0" smtClean="0"/>
+              <a:t>these benefits </a:t>
+            </a:r>
+            <a:r>
+              <a:rPr lang="en-US" sz="3200" dirty="0"/>
+              <a:t>come with complications</a:t>
+            </a:r>
+            <a:r>
+              <a:rPr lang="en-US" sz="2000" dirty="0"/>
+              <a:t>.</a:t>
+            </a:r>
+            <a:endParaRPr lang="en-US" sz="2000" b="0" i="0" u="none" strike="noStrike" cap="none" dirty="0">
+              <a:solidFill>
+                <a:schemeClr val="dk1"/>
+              </a:solidFill>
+              <a:latin typeface="Calibri"/>
+              <a:ea typeface="Calibri"/>
+              <a:cs typeface="Calibri"/>
+              <a:sym typeface="Calibri"/>
+            </a:endParaRPr>
+          </a:p>
+        </p:txBody>
+      </p:sp>
+    </p:spTree>
+    <p:extLst>
+      <p:ext uri="{BB962C8B-B14F-4D97-AF65-F5344CB8AC3E}">
+        <p14:creationId xmlns:p14="http://schemas.microsoft.com/office/powerpoint/2010/main" val="3415770342"/>
+      </p:ext>
+    </p:extLst>
+  </p:cSld>
+  <p:clrMapOvr>
+    <a:masterClrMapping/>
+  </p:clrMapOvr>
+</p:sld>
+</file>
+
+<file path=ppt/slides/slide32.xml><?xml version="1.0" encoding="utf-8"?>
+<p:sld xmlns:a="http://schemas.openxmlformats.org/drawingml/2006/main" xmlns:r="http://schemas.openxmlformats.org/officeDocument/2006/relationships" xmlns:p="http://schemas.openxmlformats.org/presentationml/2006/main">
+  <p:cSld>
+    <p:spTree>
+      <p:nvGrpSpPr>
+        <p:cNvPr id="1" name=""/>
+        <p:cNvGrpSpPr/>
+        <p:nvPr/>
+      </p:nvGrpSpPr>
+      <p:grpSpPr>
+        <a:xfrm>
+          <a:off x="0" y="0"/>
+          <a:ext cx="0" cy="0"/>
+          <a:chOff x="0" y="0"/>
+          <a:chExt cx="0" cy="0"/>
+        </a:xfrm>
+      </p:grpSpPr>
+      <p:sp>
+        <p:nvSpPr>
+          <p:cNvPr id="2" name="Title 1"/>
+          <p:cNvSpPr>
+            <a:spLocks noGrp="1"/>
+          </p:cNvSpPr>
+          <p:nvPr>
+            <p:ph type="title"/>
+          </p:nvPr>
+        </p:nvSpPr>
+        <p:spPr/>
+        <p:txBody>
+          <a:bodyPr/>
+          <a:lstStyle/>
+          <a:p>
+            <a:r>
+              <a:rPr lang="en-US" dirty="0"/>
+              <a:t>Item 23: Don’t use raw types in new </a:t>
+            </a:r>
+            <a:r>
+              <a:rPr lang="en-US" dirty="0" smtClean="0"/>
+              <a:t>code</a:t>
+            </a:r>
+            <a:endParaRPr lang="en-US" dirty="0"/>
+          </a:p>
+        </p:txBody>
+      </p:sp>
+      <p:sp>
+        <p:nvSpPr>
+          <p:cNvPr id="3" name="Text Placeholder 2"/>
+          <p:cNvSpPr>
+            <a:spLocks noGrp="1"/>
+          </p:cNvSpPr>
+          <p:nvPr>
+            <p:ph type="body" idx="1"/>
+          </p:nvPr>
+        </p:nvSpPr>
+        <p:spPr/>
+        <p:txBody>
+          <a:bodyPr/>
+          <a:lstStyle/>
+          <a:p>
+            <a:pPr marL="177800" indent="0">
+              <a:buNone/>
+            </a:pPr>
+            <a:r>
+              <a:rPr lang="en-US" b="1" dirty="0"/>
+              <a:t>Y</a:t>
+            </a:r>
+            <a:r>
+              <a:rPr lang="en-US" b="1" dirty="0" smtClean="0"/>
+              <a:t>ou </a:t>
+            </a:r>
+            <a:r>
+              <a:rPr lang="en-US" b="1" dirty="0"/>
+              <a:t>lose type safety if you use a raw type like List, but not if you </a:t>
+            </a:r>
+            <a:r>
+              <a:rPr lang="en-US" b="1" dirty="0" smtClean="0"/>
+              <a:t>use a </a:t>
+            </a:r>
+            <a:r>
+              <a:rPr lang="en-US" b="1" dirty="0"/>
+              <a:t>parameterized type like List&lt;Object&gt;.</a:t>
+            </a:r>
+            <a:endParaRPr lang="en-US" dirty="0"/>
+          </a:p>
+        </p:txBody>
+      </p:sp>
+    </p:spTree>
+    <p:extLst>
+      <p:ext uri="{BB962C8B-B14F-4D97-AF65-F5344CB8AC3E}">
+        <p14:creationId xmlns:p14="http://schemas.microsoft.com/office/powerpoint/2010/main" val="127729657"/>
+      </p:ext>
+    </p:extLst>
+  </p:cSld>
+  <p:clrMapOvr>
+    <a:masterClrMapping/>
+  </p:clrMapOvr>
+</p:sld>
+</file>
+
+<file path=ppt/slides/slide33.xml><?xml version="1.0" encoding="utf-8"?>
+<p:sld xmlns:a="http://schemas.openxmlformats.org/drawingml/2006/main" xmlns:r="http://schemas.openxmlformats.org/officeDocument/2006/relationships" xmlns:p="http://schemas.openxmlformats.org/presentationml/2006/main">
+  <p:cSld>
+    <p:spTree>
+      <p:nvGrpSpPr>
+        <p:cNvPr id="1" name=""/>
+        <p:cNvGrpSpPr/>
+        <p:nvPr/>
+      </p:nvGrpSpPr>
+      <p:grpSpPr>
+        <a:xfrm>
+          <a:off x="0" y="0"/>
+          <a:ext cx="0" cy="0"/>
+          <a:chOff x="0" y="0"/>
+          <a:chExt cx="0" cy="0"/>
+        </a:xfrm>
+      </p:grpSpPr>
+      <p:sp>
+        <p:nvSpPr>
+          <p:cNvPr id="2" name="Title 1"/>
+          <p:cNvSpPr>
+            <a:spLocks noGrp="1"/>
+          </p:cNvSpPr>
+          <p:nvPr>
+            <p:ph type="title"/>
+          </p:nvPr>
+        </p:nvSpPr>
+        <p:spPr/>
+        <p:txBody>
+          <a:bodyPr/>
+          <a:lstStyle/>
+          <a:p>
+            <a:r>
+              <a:rPr lang="en-US" dirty="0"/>
+              <a:t>Item 24: Eliminate unchecked </a:t>
+            </a:r>
+            <a:r>
+              <a:rPr lang="en-US" dirty="0" smtClean="0"/>
+              <a:t>warnings</a:t>
+            </a:r>
+            <a:endParaRPr lang="en-US" dirty="0"/>
+          </a:p>
+        </p:txBody>
+      </p:sp>
+      <p:sp>
+        <p:nvSpPr>
+          <p:cNvPr id="3" name="Text Placeholder 2"/>
+          <p:cNvSpPr>
+            <a:spLocks noGrp="1"/>
+          </p:cNvSpPr>
+          <p:nvPr>
+            <p:ph type="body" idx="1"/>
+          </p:nvPr>
+        </p:nvSpPr>
+        <p:spPr/>
+        <p:txBody>
+          <a:bodyPr/>
+          <a:lstStyle/>
+          <a:p>
+            <a:pPr marL="177800" indent="0">
+              <a:buNone/>
+            </a:pPr>
+            <a:r>
+              <a:rPr lang="en-US" b="1" dirty="0"/>
+              <a:t>If you can’t eliminate a warning, and you can prove that the code </a:t>
+            </a:r>
+            <a:r>
+              <a:rPr lang="en-US" b="1" dirty="0" smtClean="0"/>
+              <a:t>that provoked </a:t>
+            </a:r>
+            <a:r>
+              <a:rPr lang="en-US" b="1" dirty="0"/>
+              <a:t>the warning is </a:t>
+            </a:r>
+            <a:r>
+              <a:rPr lang="en-US" b="1" dirty="0" err="1"/>
+              <a:t>typesafe</a:t>
+            </a:r>
+            <a:r>
+              <a:rPr lang="en-US" b="1" dirty="0"/>
+              <a:t>, then (and only then) suppress the </a:t>
+            </a:r>
+            <a:r>
+              <a:rPr lang="en-US" b="1" dirty="0" smtClean="0"/>
+              <a:t>warning with </a:t>
+            </a:r>
+            <a:r>
+              <a:rPr lang="en-US" b="1" dirty="0"/>
+              <a:t>an </a:t>
+            </a:r>
+            <a:r>
+              <a:rPr lang="en-US" b="1" dirty="0">
+                <a:solidFill>
+                  <a:srgbClr val="FF0000"/>
+                </a:solidFill>
+              </a:rPr>
+              <a:t>@</a:t>
+            </a:r>
+            <a:r>
+              <a:rPr lang="en-US" b="1" dirty="0" err="1">
+                <a:solidFill>
+                  <a:srgbClr val="FF0000"/>
+                </a:solidFill>
+              </a:rPr>
+              <a:t>SuppressWarnings</a:t>
+            </a:r>
+            <a:r>
+              <a:rPr lang="en-US" b="1" dirty="0">
+                <a:solidFill>
+                  <a:srgbClr val="FF0000"/>
+                </a:solidFill>
+              </a:rPr>
+              <a:t>("unchecked"</a:t>
+            </a:r>
+            <a:r>
+              <a:rPr lang="en-US" b="1" dirty="0"/>
+              <a:t>) </a:t>
+            </a:r>
+            <a:r>
+              <a:rPr lang="en-US" b="1" dirty="0" smtClean="0"/>
+              <a:t>annotation</a:t>
+            </a:r>
+          </a:p>
+          <a:p>
+            <a:pPr marL="177800" indent="0">
+              <a:buNone/>
+            </a:pPr>
+            <a:r>
+              <a:rPr lang="en-US" b="1" dirty="0"/>
+              <a:t>Always use the </a:t>
+            </a:r>
+            <a:r>
+              <a:rPr lang="en-US" b="1" dirty="0" err="1" smtClean="0"/>
+              <a:t>SuppressWarnings</a:t>
+            </a:r>
+            <a:r>
+              <a:rPr lang="en-US" b="1" dirty="0" smtClean="0"/>
+              <a:t> </a:t>
+            </a:r>
+            <a:r>
+              <a:rPr lang="en-US" b="1" dirty="0"/>
+              <a:t>annotation on the smallest scope </a:t>
+            </a:r>
+            <a:r>
+              <a:rPr lang="en-US" b="1" dirty="0" smtClean="0"/>
+              <a:t>possible</a:t>
+            </a:r>
+          </a:p>
+          <a:p>
+            <a:pPr marL="177800" indent="0">
+              <a:buNone/>
+            </a:pPr>
+            <a:r>
+              <a:rPr lang="en-US" dirty="0"/>
+              <a:t>unchecked warnings are important. Don’t ignore them. </a:t>
+            </a:r>
+            <a:r>
+              <a:rPr lang="en-US" dirty="0" smtClean="0"/>
+              <a:t>Every unchecked </a:t>
+            </a:r>
+            <a:r>
+              <a:rPr lang="en-US" dirty="0"/>
+              <a:t>warning represents the potential for a </a:t>
+            </a:r>
+            <a:r>
+              <a:rPr lang="en-US" dirty="0" err="1"/>
+              <a:t>ClassCastException</a:t>
+            </a:r>
+            <a:r>
+              <a:rPr lang="en-US" dirty="0"/>
+              <a:t> at </a:t>
+            </a:r>
+            <a:r>
+              <a:rPr lang="en-US" dirty="0" smtClean="0"/>
+              <a:t>runtime. </a:t>
+            </a:r>
+          </a:p>
+          <a:p>
+            <a:pPr marL="177800" indent="0">
+              <a:buNone/>
+            </a:pPr>
+            <a:r>
+              <a:rPr lang="en-US" dirty="0" smtClean="0"/>
+              <a:t>Do </a:t>
+            </a:r>
+            <a:r>
+              <a:rPr lang="en-US" dirty="0"/>
+              <a:t>your best to eliminate these warnings</a:t>
+            </a:r>
+            <a:endParaRPr lang="en-US" dirty="0"/>
+          </a:p>
+        </p:txBody>
+      </p:sp>
+    </p:spTree>
+    <p:extLst>
+      <p:ext uri="{BB962C8B-B14F-4D97-AF65-F5344CB8AC3E}">
+        <p14:creationId xmlns:p14="http://schemas.microsoft.com/office/powerpoint/2010/main" val="2304232474"/>
+      </p:ext>
+    </p:extLst>
+  </p:cSld>
+  <p:clrMapOvr>
+    <a:masterClrMapping/>
+  </p:clrMapOvr>
+</p:sld>
+</file>
+
+<file path=ppt/slides/slide34.xml><?xml version="1.0" encoding="utf-8"?>
+<p:sld xmlns:a="http://schemas.openxmlformats.org/drawingml/2006/main" xmlns:r="http://schemas.openxmlformats.org/officeDocument/2006/relationships" xmlns:p="http://schemas.openxmlformats.org/presentationml/2006/main">
+  <p:cSld>
+    <p:spTree>
+      <p:nvGrpSpPr>
+        <p:cNvPr id="1" name=""/>
+        <p:cNvGrpSpPr/>
+        <p:nvPr/>
+      </p:nvGrpSpPr>
+      <p:grpSpPr>
+        <a:xfrm>
+          <a:off x="0" y="0"/>
+          <a:ext cx="0" cy="0"/>
+          <a:chOff x="0" y="0"/>
+          <a:chExt cx="0" cy="0"/>
+        </a:xfrm>
+      </p:grpSpPr>
+      <p:sp>
+        <p:nvSpPr>
+          <p:cNvPr id="2" name="Title 1"/>
+          <p:cNvSpPr>
+            <a:spLocks noGrp="1"/>
+          </p:cNvSpPr>
+          <p:nvPr>
+            <p:ph type="title"/>
+          </p:nvPr>
+        </p:nvSpPr>
+        <p:spPr/>
+        <p:txBody>
+          <a:bodyPr/>
+          <a:lstStyle/>
+          <a:p>
+            <a:r>
+              <a:rPr lang="en-US" dirty="0"/>
+              <a:t>Item 25: Prefer lists to arrays</a:t>
+            </a:r>
+            <a:endParaRPr lang="en-US" dirty="0"/>
+          </a:p>
+        </p:txBody>
+      </p:sp>
+      <p:sp>
+        <p:nvSpPr>
+          <p:cNvPr id="3" name="Text Placeholder 2"/>
+          <p:cNvSpPr>
+            <a:spLocks noGrp="1"/>
+          </p:cNvSpPr>
+          <p:nvPr>
+            <p:ph type="body" idx="1"/>
+          </p:nvPr>
+        </p:nvSpPr>
+        <p:spPr/>
+        <p:txBody>
+          <a:bodyPr/>
+          <a:lstStyle/>
+          <a:p>
+            <a:endParaRPr lang="en-US" dirty="0"/>
+          </a:p>
+        </p:txBody>
+      </p:sp>
+    </p:spTree>
+    <p:extLst>
+      <p:ext uri="{BB962C8B-B14F-4D97-AF65-F5344CB8AC3E}">
+        <p14:creationId xmlns:p14="http://schemas.microsoft.com/office/powerpoint/2010/main" val="2076458"/>
+      </p:ext>
+    </p:extLst>
+  </p:cSld>
+  <p:clrMapOvr>
+    <a:masterClrMapping/>
+  </p:clrMapOvr>
+</p:sld>
+</file>
+
+<file path=ppt/slides/slide35.xml><?xml version="1.0" encoding="utf-8"?>
+<p:sld xmlns:a="http://schemas.openxmlformats.org/drawingml/2006/main" xmlns:r="http://schemas.openxmlformats.org/officeDocument/2006/relationships" xmlns:p="http://schemas.openxmlformats.org/presentationml/2006/main">
+  <p:cSld>
+    <p:spTree>
+      <p:nvGrpSpPr>
+        <p:cNvPr id="1" name=""/>
+        <p:cNvGrpSpPr/>
+        <p:nvPr/>
+      </p:nvGrpSpPr>
+      <p:grpSpPr>
+        <a:xfrm>
+          <a:off x="0" y="0"/>
+          <a:ext cx="0" cy="0"/>
+          <a:chOff x="0" y="0"/>
+          <a:chExt cx="0" cy="0"/>
+        </a:xfrm>
+      </p:grpSpPr>
+      <p:sp>
+        <p:nvSpPr>
+          <p:cNvPr id="2" name="Title 1"/>
+          <p:cNvSpPr>
+            <a:spLocks noGrp="1"/>
+          </p:cNvSpPr>
+          <p:nvPr>
+            <p:ph type="title"/>
+          </p:nvPr>
+        </p:nvSpPr>
+        <p:spPr/>
+        <p:txBody>
+          <a:bodyPr/>
+          <a:lstStyle/>
+          <a:p>
+            <a:r>
+              <a:rPr lang="en-US" dirty="0"/>
+              <a:t>Item 26: Favor generic </a:t>
+            </a:r>
+            <a:r>
+              <a:rPr lang="en-US" dirty="0" smtClean="0"/>
+              <a:t>types</a:t>
+            </a:r>
+            <a:endParaRPr lang="en-US" dirty="0"/>
+          </a:p>
+        </p:txBody>
+      </p:sp>
+      <p:sp>
+        <p:nvSpPr>
+          <p:cNvPr id="3" name="Text Placeholder 2"/>
+          <p:cNvSpPr>
+            <a:spLocks noGrp="1"/>
+          </p:cNvSpPr>
+          <p:nvPr>
+            <p:ph type="body" idx="1"/>
+          </p:nvPr>
+        </p:nvSpPr>
+        <p:spPr/>
+        <p:txBody>
+          <a:bodyPr/>
+          <a:lstStyle/>
+          <a:p>
+            <a:endParaRPr lang="en-US"/>
+          </a:p>
+        </p:txBody>
+      </p:sp>
+    </p:spTree>
+    <p:extLst>
+      <p:ext uri="{BB962C8B-B14F-4D97-AF65-F5344CB8AC3E}">
+        <p14:creationId xmlns:p14="http://schemas.microsoft.com/office/powerpoint/2010/main" val="162420150"/>
+      </p:ext>
+    </p:extLst>
+  </p:cSld>
+  <p:clrMapOvr>
+    <a:masterClrMapping/>
+  </p:clrMapOvr>
+</p:sld>
+</file>
+
+<file path=ppt/slides/slide36.xml><?xml version="1.0" encoding="utf-8"?>
+<p:sld xmlns:a="http://schemas.openxmlformats.org/drawingml/2006/main" xmlns:r="http://schemas.openxmlformats.org/officeDocument/2006/relationships" xmlns:p="http://schemas.openxmlformats.org/presentationml/2006/main">
+  <p:cSld>
+    <p:spTree>
+      <p:nvGrpSpPr>
+        <p:cNvPr id="1" name=""/>
+        <p:cNvGrpSpPr/>
+        <p:nvPr/>
+      </p:nvGrpSpPr>
+      <p:grpSpPr>
+        <a:xfrm>
+          <a:off x="0" y="0"/>
+          <a:ext cx="0" cy="0"/>
+          <a:chOff x="0" y="0"/>
+          <a:chExt cx="0" cy="0"/>
+        </a:xfrm>
+      </p:grpSpPr>
+      <p:sp>
+        <p:nvSpPr>
+          <p:cNvPr id="2" name="Title 1"/>
+          <p:cNvSpPr>
+            <a:spLocks noGrp="1"/>
+          </p:cNvSpPr>
+          <p:nvPr>
+            <p:ph type="title"/>
+          </p:nvPr>
+        </p:nvSpPr>
+        <p:spPr/>
+        <p:txBody>
+          <a:bodyPr/>
+          <a:lstStyle/>
+          <a:p>
+            <a:r>
+              <a:rPr lang="en-US" dirty="0"/>
+              <a:t>Item 27: Favor generic methods</a:t>
+            </a:r>
+            <a:endParaRPr lang="en-US" dirty="0"/>
+          </a:p>
+        </p:txBody>
+      </p:sp>
+      <p:sp>
+        <p:nvSpPr>
+          <p:cNvPr id="3" name="Text Placeholder 2"/>
+          <p:cNvSpPr>
+            <a:spLocks noGrp="1"/>
+          </p:cNvSpPr>
+          <p:nvPr>
+            <p:ph type="body" idx="1"/>
+          </p:nvPr>
+        </p:nvSpPr>
+        <p:spPr/>
+        <p:txBody>
+          <a:bodyPr/>
+          <a:lstStyle/>
+          <a:p>
+            <a:endParaRPr lang="en-US"/>
+          </a:p>
+        </p:txBody>
+      </p:sp>
+    </p:spTree>
+    <p:extLst>
+      <p:ext uri="{BB962C8B-B14F-4D97-AF65-F5344CB8AC3E}">
+        <p14:creationId xmlns:p14="http://schemas.microsoft.com/office/powerpoint/2010/main" val="714898070"/>
+      </p:ext>
+    </p:extLst>
+  </p:cSld>
+  <p:clrMapOvr>
+    <a:masterClrMapping/>
+  </p:clrMapOvr>
+</p:sld>
+</file>
+
+<file path=ppt/slides/slide37.xml><?xml version="1.0" encoding="utf-8"?>
+<p:sld xmlns:a="http://schemas.openxmlformats.org/drawingml/2006/main" xmlns:r="http://schemas.openxmlformats.org/officeDocument/2006/relationships" xmlns:p="http://schemas.openxmlformats.org/presentationml/2006/main">
+  <p:cSld>
+    <p:spTree>
+      <p:nvGrpSpPr>
+        <p:cNvPr id="1" name=""/>
+        <p:cNvGrpSpPr/>
+        <p:nvPr/>
+      </p:nvGrpSpPr>
+      <p:grpSpPr>
+        <a:xfrm>
+          <a:off x="0" y="0"/>
+          <a:ext cx="0" cy="0"/>
+          <a:chOff x="0" y="0"/>
+          <a:chExt cx="0" cy="0"/>
+        </a:xfrm>
+      </p:grpSpPr>
+      <p:sp>
+        <p:nvSpPr>
+          <p:cNvPr id="2" name="Title 1"/>
+          <p:cNvSpPr>
+            <a:spLocks noGrp="1"/>
+          </p:cNvSpPr>
+          <p:nvPr>
+            <p:ph type="title"/>
+          </p:nvPr>
+        </p:nvSpPr>
+        <p:spPr/>
+        <p:txBody>
+          <a:bodyPr/>
+          <a:lstStyle/>
+          <a:p>
+            <a:r>
+              <a:rPr lang="en-US" dirty="0"/>
+              <a:t>Item 28: Use bounded wildcards to increase API </a:t>
+            </a:r>
+            <a:r>
+              <a:rPr lang="en-US" dirty="0" smtClean="0"/>
+              <a:t>flexibility</a:t>
+            </a:r>
+            <a:endParaRPr lang="en-US" dirty="0"/>
+          </a:p>
+        </p:txBody>
+      </p:sp>
+      <p:sp>
+        <p:nvSpPr>
+          <p:cNvPr id="3" name="Text Placeholder 2"/>
+          <p:cNvSpPr>
+            <a:spLocks noGrp="1"/>
+          </p:cNvSpPr>
+          <p:nvPr>
+            <p:ph type="body" idx="1"/>
+          </p:nvPr>
+        </p:nvSpPr>
+        <p:spPr/>
+        <p:txBody>
+          <a:bodyPr/>
+          <a:lstStyle/>
+          <a:p>
+            <a:endParaRPr lang="en-US"/>
+          </a:p>
+        </p:txBody>
+      </p:sp>
+    </p:spTree>
+    <p:extLst>
+      <p:ext uri="{BB962C8B-B14F-4D97-AF65-F5344CB8AC3E}">
+        <p14:creationId xmlns:p14="http://schemas.microsoft.com/office/powerpoint/2010/main" val="590232958"/>
+      </p:ext>
+    </p:extLst>
+  </p:cSld>
+  <p:clrMapOvr>
+    <a:masterClrMapping/>
+  </p:clrMapOvr>
+</p:sld>
+</file>
+
+<file path=ppt/slides/slide38.xml><?xml version="1.0" encoding="utf-8"?>
+<p:sld xmlns:a="http://schemas.openxmlformats.org/drawingml/2006/main" xmlns:r="http://schemas.openxmlformats.org/officeDocument/2006/relationships" xmlns:p="http://schemas.openxmlformats.org/presentationml/2006/main">
+  <p:cSld>
+    <p:spTree>
+      <p:nvGrpSpPr>
+        <p:cNvPr id="1" name=""/>
+        <p:cNvGrpSpPr/>
+        <p:nvPr/>
+      </p:nvGrpSpPr>
+      <p:grpSpPr>
+        <a:xfrm>
+          <a:off x="0" y="0"/>
+          <a:ext cx="0" cy="0"/>
+          <a:chOff x="0" y="0"/>
+          <a:chExt cx="0" cy="0"/>
+        </a:xfrm>
+      </p:grpSpPr>
+      <p:sp>
+        <p:nvSpPr>
+          <p:cNvPr id="2" name="Title 1"/>
+          <p:cNvSpPr>
+            <a:spLocks noGrp="1"/>
+          </p:cNvSpPr>
+          <p:nvPr>
+            <p:ph type="title"/>
+          </p:nvPr>
+        </p:nvSpPr>
+        <p:spPr/>
+        <p:txBody>
+          <a:bodyPr/>
+          <a:lstStyle/>
+          <a:p>
+            <a:r>
+              <a:rPr lang="en-US" dirty="0"/>
+              <a:t>Item 29: Consider </a:t>
+            </a:r>
+            <a:r>
+              <a:rPr lang="en-US" dirty="0" err="1"/>
+              <a:t>typesafe</a:t>
+            </a:r>
+            <a:r>
+              <a:rPr lang="en-US" dirty="0"/>
+              <a:t> heterogeneous containers</a:t>
+            </a:r>
+            <a:endParaRPr lang="en-US" dirty="0"/>
+          </a:p>
+        </p:txBody>
+      </p:sp>
+      <p:sp>
+        <p:nvSpPr>
+          <p:cNvPr id="3" name="Text Placeholder 2"/>
+          <p:cNvSpPr>
+            <a:spLocks noGrp="1"/>
+          </p:cNvSpPr>
+          <p:nvPr>
+            <p:ph type="body" idx="1"/>
+          </p:nvPr>
+        </p:nvSpPr>
+        <p:spPr/>
+        <p:txBody>
+          <a:bodyPr/>
+          <a:lstStyle/>
+          <a:p>
+            <a:endParaRPr lang="en-US"/>
+          </a:p>
+        </p:txBody>
+      </p:sp>
+    </p:spTree>
+    <p:extLst>
+      <p:ext uri="{BB962C8B-B14F-4D97-AF65-F5344CB8AC3E}">
+        <p14:creationId xmlns:p14="http://schemas.microsoft.com/office/powerpoint/2010/main" val="1741777670"/>
+      </p:ext>
+    </p:extLst>
+  </p:cSld>
+  <p:clrMapOvr>
+    <a:masterClrMapping/>
+  </p:clrMapOvr>
+</p:sld>
+</file>
+
+<file path=ppt/slides/slide39.xml><?xml version="1.0" encoding="utf-8"?>
+<p:sld xmlns:a="http://schemas.openxmlformats.org/drawingml/2006/main" xmlns:r="http://schemas.openxmlformats.org/officeDocument/2006/relationships" xmlns:p="http://schemas.openxmlformats.org/presentationml/2006/main">
+  <p:cSld>
+    <p:spTree>
+      <p:nvGrpSpPr>
+        <p:cNvPr id="1" name="Shape 89"/>
+        <p:cNvGrpSpPr/>
+        <p:nvPr/>
+      </p:nvGrpSpPr>
+      <p:grpSpPr>
+        <a:xfrm>
+          <a:off x="0" y="0"/>
+          <a:ext cx="0" cy="0"/>
+          <a:chOff x="0" y="0"/>
+          <a:chExt cx="0" cy="0"/>
+        </a:xfrm>
+      </p:grpSpPr>
+      <p:sp>
+        <p:nvSpPr>
+          <p:cNvPr id="90" name="Shape 90"/>
+          <p:cNvSpPr txBox="1">
+            <a:spLocks noGrp="1"/>
+          </p:cNvSpPr>
+          <p:nvPr>
+            <p:ph type="title"/>
+          </p:nvPr>
+        </p:nvSpPr>
+        <p:spPr>
+          <a:xfrm>
+            <a:off x="838200" y="365125"/>
+            <a:ext cx="10515599" cy="1325562"/>
+          </a:xfrm>
+          <a:prstGeom prst="rect">
+            <a:avLst/>
+          </a:prstGeom>
+          <a:noFill/>
+          <a:ln>
+            <a:noFill/>
+          </a:ln>
+        </p:spPr>
+        <p:txBody>
+          <a:bodyPr lIns="91425" tIns="45700" rIns="91425" bIns="45700" anchor="ctr" anchorCtr="0">
+            <a:noAutofit/>
+          </a:bodyPr>
+          <a:lstStyle/>
+          <a:p>
+            <a:pPr marL="0" marR="0" lvl="0" indent="0" algn="r" rtl="0">
+              <a:lnSpc>
+                <a:spcPct val="90000"/>
+              </a:lnSpc>
+              <a:spcBef>
+                <a:spcPts val="0"/>
+              </a:spcBef>
+              <a:buClr>
+                <a:schemeClr val="dk1"/>
+              </a:buClr>
+              <a:buSzPct val="25000"/>
+              <a:buFont typeface="Calibri"/>
+              <a:buNone/>
+            </a:pPr>
+            <a:r>
+              <a:rPr lang="en-US" sz="4400" b="0" i="0" u="none" strike="noStrike" cap="none" dirty="0">
+                <a:solidFill>
+                  <a:schemeClr val="dk1"/>
+                </a:solidFill>
+                <a:latin typeface="Calibri"/>
+                <a:ea typeface="Calibri"/>
+                <a:cs typeface="Calibri"/>
+                <a:sym typeface="Calibri"/>
+              </a:rPr>
+              <a:t>C H A P T E R </a:t>
+            </a:r>
+            <a:r>
+              <a:rPr lang="en-US" dirty="0" smtClean="0"/>
+              <a:t>6</a:t>
+            </a:r>
+            <a:endParaRPr lang="en-US" sz="4400" b="0" i="0" u="none" strike="noStrike" cap="none" dirty="0">
+              <a:solidFill>
+                <a:schemeClr val="dk1"/>
+              </a:solidFill>
+              <a:latin typeface="Calibri"/>
+              <a:ea typeface="Calibri"/>
+              <a:cs typeface="Calibri"/>
+              <a:sym typeface="Calibri"/>
+            </a:endParaRPr>
+          </a:p>
+        </p:txBody>
+      </p:sp>
+      <p:sp>
+        <p:nvSpPr>
+          <p:cNvPr id="91" name="Shape 91"/>
+          <p:cNvSpPr txBox="1">
+            <a:spLocks noGrp="1"/>
+          </p:cNvSpPr>
+          <p:nvPr>
+            <p:ph type="body" idx="1"/>
+          </p:nvPr>
+        </p:nvSpPr>
+        <p:spPr>
+          <a:xfrm>
+            <a:off x="838200" y="1825625"/>
+            <a:ext cx="10515599" cy="4723221"/>
+          </a:xfrm>
+          <a:prstGeom prst="rect">
+            <a:avLst/>
+          </a:prstGeom>
+          <a:noFill/>
+          <a:ln>
+            <a:noFill/>
+          </a:ln>
+        </p:spPr>
+        <p:txBody>
+          <a:bodyPr lIns="91425" tIns="45700" rIns="91425" bIns="45700" anchor="t" anchorCtr="0">
+            <a:noAutofit/>
+          </a:bodyPr>
+          <a:lstStyle/>
+          <a:p>
+            <a:pPr marL="0" lvl="0" indent="0">
+              <a:spcBef>
+                <a:spcPts val="0"/>
+              </a:spcBef>
+              <a:buSzPct val="25000"/>
+              <a:buNone/>
+            </a:pPr>
+            <a:r>
+              <a:rPr lang="en-US" sz="5400" b="1" dirty="0" err="1"/>
+              <a:t>Enums</a:t>
+            </a:r>
+            <a:r>
+              <a:rPr lang="en-US" sz="5400" b="1" dirty="0"/>
+              <a:t> and </a:t>
+            </a:r>
+            <a:r>
+              <a:rPr lang="en-US" sz="5400" b="1" dirty="0" smtClean="0"/>
+              <a:t>Annotations</a:t>
+            </a:r>
+            <a:endParaRPr lang="en-US" sz="2000" b="0" i="0" u="none" strike="noStrike" cap="none" dirty="0">
+              <a:solidFill>
+                <a:schemeClr val="dk1"/>
+              </a:solidFill>
+              <a:latin typeface="Calibri"/>
+              <a:ea typeface="Calibri"/>
+              <a:cs typeface="Calibri"/>
+              <a:sym typeface="Calibri"/>
+            </a:endParaRPr>
+          </a:p>
+        </p:txBody>
+      </p:sp>
+    </p:spTree>
+    <p:extLst>
+      <p:ext uri="{BB962C8B-B14F-4D97-AF65-F5344CB8AC3E}">
+        <p14:creationId xmlns:p14="http://schemas.microsoft.com/office/powerpoint/2010/main" val="676294108"/>
+      </p:ext>
+    </p:extLst>
+  </p:cSld>
+  <p:clrMapOvr>
+    <a:masterClrMapping/>
+  </p:clrMapOvr>
+</p:sld>
+</file>
+
 <file path=ppt/slides/slide4.xml><?xml version="1.0" encoding="utf-8"?>
 <p:sld xmlns:a="http://schemas.openxmlformats.org/drawingml/2006/main" xmlns:r="http://schemas.openxmlformats.org/officeDocument/2006/relationships" xmlns:p="http://schemas.openxmlformats.org/presentationml/2006/main">
   <p:cSld>
@@ -17172,6 +19545,940 @@
     <p:extLst>
       <p:ext uri="{BB962C8B-B14F-4D97-AF65-F5344CB8AC3E}">
         <p14:creationId xmlns:p14="http://schemas.microsoft.com/office/powerpoint/2010/main" val="1827729985"/>
+      </p:ext>
+    </p:extLst>
+  </p:cSld>
+  <p:clrMapOvr>
+    <a:masterClrMapping/>
+  </p:clrMapOvr>
+</p:sld>
+</file>
+
+<file path=ppt/slides/slide40.xml><?xml version="1.0" encoding="utf-8"?>
+<p:sld xmlns:a="http://schemas.openxmlformats.org/drawingml/2006/main" xmlns:r="http://schemas.openxmlformats.org/officeDocument/2006/relationships" xmlns:p="http://schemas.openxmlformats.org/presentationml/2006/main">
+  <p:cSld>
+    <p:spTree>
+      <p:nvGrpSpPr>
+        <p:cNvPr id="1" name=""/>
+        <p:cNvGrpSpPr/>
+        <p:nvPr/>
+      </p:nvGrpSpPr>
+      <p:grpSpPr>
+        <a:xfrm>
+          <a:off x="0" y="0"/>
+          <a:ext cx="0" cy="0"/>
+          <a:chOff x="0" y="0"/>
+          <a:chExt cx="0" cy="0"/>
+        </a:xfrm>
+      </p:grpSpPr>
+      <p:sp>
+        <p:nvSpPr>
+          <p:cNvPr id="2" name="Title 1"/>
+          <p:cNvSpPr>
+            <a:spLocks noGrp="1"/>
+          </p:cNvSpPr>
+          <p:nvPr>
+            <p:ph type="title"/>
+          </p:nvPr>
+        </p:nvSpPr>
+        <p:spPr/>
+        <p:txBody>
+          <a:bodyPr/>
+          <a:lstStyle/>
+          <a:p>
+            <a:r>
+              <a:rPr lang="en-US" dirty="0"/>
+              <a:t>Item 30: Use </a:t>
+            </a:r>
+            <a:r>
+              <a:rPr lang="en-US" dirty="0" err="1"/>
+              <a:t>enums</a:t>
+            </a:r>
+            <a:r>
+              <a:rPr lang="en-US" dirty="0"/>
+              <a:t> instead of </a:t>
+            </a:r>
+            <a:r>
+              <a:rPr lang="en-US" dirty="0" err="1"/>
+              <a:t>int</a:t>
+            </a:r>
+            <a:r>
+              <a:rPr lang="en-US" dirty="0"/>
+              <a:t> </a:t>
+            </a:r>
+            <a:r>
+              <a:rPr lang="en-US" dirty="0" smtClean="0"/>
+              <a:t>constants</a:t>
+            </a:r>
+            <a:endParaRPr lang="en-US" dirty="0"/>
+          </a:p>
+        </p:txBody>
+      </p:sp>
+      <p:sp>
+        <p:nvSpPr>
+          <p:cNvPr id="3" name="Text Placeholder 2"/>
+          <p:cNvSpPr>
+            <a:spLocks noGrp="1"/>
+          </p:cNvSpPr>
+          <p:nvPr>
+            <p:ph type="body" idx="1"/>
+          </p:nvPr>
+        </p:nvSpPr>
+        <p:spPr/>
+        <p:txBody>
+          <a:bodyPr/>
+          <a:lstStyle/>
+          <a:p>
+            <a:endParaRPr lang="en-US"/>
+          </a:p>
+        </p:txBody>
+      </p:sp>
+    </p:spTree>
+    <p:extLst>
+      <p:ext uri="{BB962C8B-B14F-4D97-AF65-F5344CB8AC3E}">
+        <p14:creationId xmlns:p14="http://schemas.microsoft.com/office/powerpoint/2010/main" val="2980106016"/>
+      </p:ext>
+    </p:extLst>
+  </p:cSld>
+  <p:clrMapOvr>
+    <a:masterClrMapping/>
+  </p:clrMapOvr>
+</p:sld>
+</file>
+
+<file path=ppt/slides/slide41.xml><?xml version="1.0" encoding="utf-8"?>
+<p:sld xmlns:a="http://schemas.openxmlformats.org/drawingml/2006/main" xmlns:r="http://schemas.openxmlformats.org/officeDocument/2006/relationships" xmlns:p="http://schemas.openxmlformats.org/presentationml/2006/main">
+  <p:cSld>
+    <p:spTree>
+      <p:nvGrpSpPr>
+        <p:cNvPr id="1" name=""/>
+        <p:cNvGrpSpPr/>
+        <p:nvPr/>
+      </p:nvGrpSpPr>
+      <p:grpSpPr>
+        <a:xfrm>
+          <a:off x="0" y="0"/>
+          <a:ext cx="0" cy="0"/>
+          <a:chOff x="0" y="0"/>
+          <a:chExt cx="0" cy="0"/>
+        </a:xfrm>
+      </p:grpSpPr>
+      <p:sp>
+        <p:nvSpPr>
+          <p:cNvPr id="2" name="Title 1"/>
+          <p:cNvSpPr>
+            <a:spLocks noGrp="1"/>
+          </p:cNvSpPr>
+          <p:nvPr>
+            <p:ph type="title"/>
+          </p:nvPr>
+        </p:nvSpPr>
+        <p:spPr/>
+        <p:txBody>
+          <a:bodyPr/>
+          <a:lstStyle/>
+          <a:p>
+            <a:r>
+              <a:rPr lang="en-US" dirty="0"/>
+              <a:t>Item 31: Use instance fields instead of ordinals</a:t>
+            </a:r>
+            <a:endParaRPr lang="en-US" dirty="0"/>
+          </a:p>
+        </p:txBody>
+      </p:sp>
+      <p:sp>
+        <p:nvSpPr>
+          <p:cNvPr id="3" name="Text Placeholder 2"/>
+          <p:cNvSpPr>
+            <a:spLocks noGrp="1"/>
+          </p:cNvSpPr>
+          <p:nvPr>
+            <p:ph type="body" idx="1"/>
+          </p:nvPr>
+        </p:nvSpPr>
+        <p:spPr/>
+        <p:txBody>
+          <a:bodyPr/>
+          <a:lstStyle/>
+          <a:p>
+            <a:endParaRPr lang="en-US"/>
+          </a:p>
+        </p:txBody>
+      </p:sp>
+    </p:spTree>
+    <p:extLst>
+      <p:ext uri="{BB962C8B-B14F-4D97-AF65-F5344CB8AC3E}">
+        <p14:creationId xmlns:p14="http://schemas.microsoft.com/office/powerpoint/2010/main" val="3338768838"/>
+      </p:ext>
+    </p:extLst>
+  </p:cSld>
+  <p:clrMapOvr>
+    <a:masterClrMapping/>
+  </p:clrMapOvr>
+</p:sld>
+</file>
+
+<file path=ppt/slides/slide42.xml><?xml version="1.0" encoding="utf-8"?>
+<p:sld xmlns:a="http://schemas.openxmlformats.org/drawingml/2006/main" xmlns:r="http://schemas.openxmlformats.org/officeDocument/2006/relationships" xmlns:p="http://schemas.openxmlformats.org/presentationml/2006/main">
+  <p:cSld>
+    <p:spTree>
+      <p:nvGrpSpPr>
+        <p:cNvPr id="1" name=""/>
+        <p:cNvGrpSpPr/>
+        <p:nvPr/>
+      </p:nvGrpSpPr>
+      <p:grpSpPr>
+        <a:xfrm>
+          <a:off x="0" y="0"/>
+          <a:ext cx="0" cy="0"/>
+          <a:chOff x="0" y="0"/>
+          <a:chExt cx="0" cy="0"/>
+        </a:xfrm>
+      </p:grpSpPr>
+      <p:sp>
+        <p:nvSpPr>
+          <p:cNvPr id="2" name="Title 1"/>
+          <p:cNvSpPr>
+            <a:spLocks noGrp="1"/>
+          </p:cNvSpPr>
+          <p:nvPr>
+            <p:ph type="title"/>
+          </p:nvPr>
+        </p:nvSpPr>
+        <p:spPr/>
+        <p:txBody>
+          <a:bodyPr/>
+          <a:lstStyle/>
+          <a:p>
+            <a:r>
+              <a:rPr lang="en-US" dirty="0"/>
+              <a:t>Item 32: Use </a:t>
+            </a:r>
+            <a:r>
+              <a:rPr lang="en-US" dirty="0" err="1"/>
+              <a:t>EnumSet</a:t>
+            </a:r>
+            <a:r>
+              <a:rPr lang="en-US" dirty="0"/>
+              <a:t> instead of bit fields</a:t>
+            </a:r>
+            <a:endParaRPr lang="en-US" dirty="0"/>
+          </a:p>
+        </p:txBody>
+      </p:sp>
+      <p:sp>
+        <p:nvSpPr>
+          <p:cNvPr id="3" name="Text Placeholder 2"/>
+          <p:cNvSpPr>
+            <a:spLocks noGrp="1"/>
+          </p:cNvSpPr>
+          <p:nvPr>
+            <p:ph type="body" idx="1"/>
+          </p:nvPr>
+        </p:nvSpPr>
+        <p:spPr/>
+        <p:txBody>
+          <a:bodyPr/>
+          <a:lstStyle/>
+          <a:p>
+            <a:endParaRPr lang="en-US"/>
+          </a:p>
+        </p:txBody>
+      </p:sp>
+    </p:spTree>
+    <p:extLst>
+      <p:ext uri="{BB962C8B-B14F-4D97-AF65-F5344CB8AC3E}">
+        <p14:creationId xmlns:p14="http://schemas.microsoft.com/office/powerpoint/2010/main" val="4170478601"/>
+      </p:ext>
+    </p:extLst>
+  </p:cSld>
+  <p:clrMapOvr>
+    <a:masterClrMapping/>
+  </p:clrMapOvr>
+</p:sld>
+</file>
+
+<file path=ppt/slides/slide43.xml><?xml version="1.0" encoding="utf-8"?>
+<p:sld xmlns:a="http://schemas.openxmlformats.org/drawingml/2006/main" xmlns:r="http://schemas.openxmlformats.org/officeDocument/2006/relationships" xmlns:p="http://schemas.openxmlformats.org/presentationml/2006/main">
+  <p:cSld>
+    <p:spTree>
+      <p:nvGrpSpPr>
+        <p:cNvPr id="1" name=""/>
+        <p:cNvGrpSpPr/>
+        <p:nvPr/>
+      </p:nvGrpSpPr>
+      <p:grpSpPr>
+        <a:xfrm>
+          <a:off x="0" y="0"/>
+          <a:ext cx="0" cy="0"/>
+          <a:chOff x="0" y="0"/>
+          <a:chExt cx="0" cy="0"/>
+        </a:xfrm>
+      </p:grpSpPr>
+      <p:sp>
+        <p:nvSpPr>
+          <p:cNvPr id="2" name="Title 1"/>
+          <p:cNvSpPr>
+            <a:spLocks noGrp="1"/>
+          </p:cNvSpPr>
+          <p:nvPr>
+            <p:ph type="title"/>
+          </p:nvPr>
+        </p:nvSpPr>
+        <p:spPr/>
+        <p:txBody>
+          <a:bodyPr/>
+          <a:lstStyle/>
+          <a:p>
+            <a:r>
+              <a:rPr lang="en-US" dirty="0"/>
+              <a:t>Item 33: Use </a:t>
+            </a:r>
+            <a:r>
+              <a:rPr lang="en-US" dirty="0" err="1"/>
+              <a:t>EnumMap</a:t>
+            </a:r>
+            <a:r>
+              <a:rPr lang="en-US" dirty="0"/>
+              <a:t> instead of ordinal </a:t>
+            </a:r>
+            <a:r>
+              <a:rPr lang="en-US" dirty="0" smtClean="0"/>
+              <a:t>indexing</a:t>
+            </a:r>
+            <a:endParaRPr lang="en-US" dirty="0"/>
+          </a:p>
+        </p:txBody>
+      </p:sp>
+      <p:sp>
+        <p:nvSpPr>
+          <p:cNvPr id="3" name="Text Placeholder 2"/>
+          <p:cNvSpPr>
+            <a:spLocks noGrp="1"/>
+          </p:cNvSpPr>
+          <p:nvPr>
+            <p:ph type="body" idx="1"/>
+          </p:nvPr>
+        </p:nvSpPr>
+        <p:spPr/>
+        <p:txBody>
+          <a:bodyPr/>
+          <a:lstStyle/>
+          <a:p>
+            <a:endParaRPr lang="en-US"/>
+          </a:p>
+        </p:txBody>
+      </p:sp>
+    </p:spTree>
+    <p:extLst>
+      <p:ext uri="{BB962C8B-B14F-4D97-AF65-F5344CB8AC3E}">
+        <p14:creationId xmlns:p14="http://schemas.microsoft.com/office/powerpoint/2010/main" val="4225000691"/>
+      </p:ext>
+    </p:extLst>
+  </p:cSld>
+  <p:clrMapOvr>
+    <a:masterClrMapping/>
+  </p:clrMapOvr>
+</p:sld>
+</file>
+
+<file path=ppt/slides/slide44.xml><?xml version="1.0" encoding="utf-8"?>
+<p:sld xmlns:a="http://schemas.openxmlformats.org/drawingml/2006/main" xmlns:r="http://schemas.openxmlformats.org/officeDocument/2006/relationships" xmlns:p="http://schemas.openxmlformats.org/presentationml/2006/main">
+  <p:cSld>
+    <p:spTree>
+      <p:nvGrpSpPr>
+        <p:cNvPr id="1" name=""/>
+        <p:cNvGrpSpPr/>
+        <p:nvPr/>
+      </p:nvGrpSpPr>
+      <p:grpSpPr>
+        <a:xfrm>
+          <a:off x="0" y="0"/>
+          <a:ext cx="0" cy="0"/>
+          <a:chOff x="0" y="0"/>
+          <a:chExt cx="0" cy="0"/>
+        </a:xfrm>
+      </p:grpSpPr>
+      <p:sp>
+        <p:nvSpPr>
+          <p:cNvPr id="2" name="Title 1"/>
+          <p:cNvSpPr>
+            <a:spLocks noGrp="1"/>
+          </p:cNvSpPr>
+          <p:nvPr>
+            <p:ph type="title"/>
+          </p:nvPr>
+        </p:nvSpPr>
+        <p:spPr/>
+        <p:txBody>
+          <a:bodyPr/>
+          <a:lstStyle/>
+          <a:p>
+            <a:r>
+              <a:rPr lang="en-US" dirty="0"/>
+              <a:t>Item 34: Emulate extensible </a:t>
+            </a:r>
+            <a:r>
+              <a:rPr lang="en-US" dirty="0" err="1"/>
+              <a:t>enums</a:t>
+            </a:r>
+            <a:r>
+              <a:rPr lang="en-US" dirty="0"/>
+              <a:t> with interfaces</a:t>
+            </a:r>
+            <a:endParaRPr lang="en-US" dirty="0"/>
+          </a:p>
+        </p:txBody>
+      </p:sp>
+      <p:sp>
+        <p:nvSpPr>
+          <p:cNvPr id="3" name="Text Placeholder 2"/>
+          <p:cNvSpPr>
+            <a:spLocks noGrp="1"/>
+          </p:cNvSpPr>
+          <p:nvPr>
+            <p:ph type="body" idx="1"/>
+          </p:nvPr>
+        </p:nvSpPr>
+        <p:spPr/>
+        <p:txBody>
+          <a:bodyPr/>
+          <a:lstStyle/>
+          <a:p>
+            <a:endParaRPr lang="en-US"/>
+          </a:p>
+        </p:txBody>
+      </p:sp>
+    </p:spTree>
+    <p:extLst>
+      <p:ext uri="{BB962C8B-B14F-4D97-AF65-F5344CB8AC3E}">
+        <p14:creationId xmlns:p14="http://schemas.microsoft.com/office/powerpoint/2010/main" val="4261766108"/>
+      </p:ext>
+    </p:extLst>
+  </p:cSld>
+  <p:clrMapOvr>
+    <a:masterClrMapping/>
+  </p:clrMapOvr>
+</p:sld>
+</file>
+
+<file path=ppt/slides/slide45.xml><?xml version="1.0" encoding="utf-8"?>
+<p:sld xmlns:a="http://schemas.openxmlformats.org/drawingml/2006/main" xmlns:r="http://schemas.openxmlformats.org/officeDocument/2006/relationships" xmlns:p="http://schemas.openxmlformats.org/presentationml/2006/main">
+  <p:cSld>
+    <p:spTree>
+      <p:nvGrpSpPr>
+        <p:cNvPr id="1" name=""/>
+        <p:cNvGrpSpPr/>
+        <p:nvPr/>
+      </p:nvGrpSpPr>
+      <p:grpSpPr>
+        <a:xfrm>
+          <a:off x="0" y="0"/>
+          <a:ext cx="0" cy="0"/>
+          <a:chOff x="0" y="0"/>
+          <a:chExt cx="0" cy="0"/>
+        </a:xfrm>
+      </p:grpSpPr>
+      <p:sp>
+        <p:nvSpPr>
+          <p:cNvPr id="2" name="Title 1"/>
+          <p:cNvSpPr>
+            <a:spLocks noGrp="1"/>
+          </p:cNvSpPr>
+          <p:nvPr>
+            <p:ph type="title"/>
+          </p:nvPr>
+        </p:nvSpPr>
+        <p:spPr/>
+        <p:txBody>
+          <a:bodyPr/>
+          <a:lstStyle/>
+          <a:p>
+            <a:r>
+              <a:rPr lang="en-US" dirty="0"/>
+              <a:t>Item 35: Prefer annotations to naming patterns</a:t>
+            </a:r>
+            <a:endParaRPr lang="en-US" dirty="0"/>
+          </a:p>
+        </p:txBody>
+      </p:sp>
+      <p:sp>
+        <p:nvSpPr>
+          <p:cNvPr id="3" name="Text Placeholder 2"/>
+          <p:cNvSpPr>
+            <a:spLocks noGrp="1"/>
+          </p:cNvSpPr>
+          <p:nvPr>
+            <p:ph type="body" idx="1"/>
+          </p:nvPr>
+        </p:nvSpPr>
+        <p:spPr/>
+        <p:txBody>
+          <a:bodyPr/>
+          <a:lstStyle/>
+          <a:p>
+            <a:endParaRPr lang="en-US"/>
+          </a:p>
+        </p:txBody>
+      </p:sp>
+    </p:spTree>
+    <p:extLst>
+      <p:ext uri="{BB962C8B-B14F-4D97-AF65-F5344CB8AC3E}">
+        <p14:creationId xmlns:p14="http://schemas.microsoft.com/office/powerpoint/2010/main" val="1665738936"/>
+      </p:ext>
+    </p:extLst>
+  </p:cSld>
+  <p:clrMapOvr>
+    <a:masterClrMapping/>
+  </p:clrMapOvr>
+</p:sld>
+</file>
+
+<file path=ppt/slides/slide46.xml><?xml version="1.0" encoding="utf-8"?>
+<p:sld xmlns:a="http://schemas.openxmlformats.org/drawingml/2006/main" xmlns:r="http://schemas.openxmlformats.org/officeDocument/2006/relationships" xmlns:p="http://schemas.openxmlformats.org/presentationml/2006/main">
+  <p:cSld>
+    <p:spTree>
+      <p:nvGrpSpPr>
+        <p:cNvPr id="1" name=""/>
+        <p:cNvGrpSpPr/>
+        <p:nvPr/>
+      </p:nvGrpSpPr>
+      <p:grpSpPr>
+        <a:xfrm>
+          <a:off x="0" y="0"/>
+          <a:ext cx="0" cy="0"/>
+          <a:chOff x="0" y="0"/>
+          <a:chExt cx="0" cy="0"/>
+        </a:xfrm>
+      </p:grpSpPr>
+      <p:sp>
+        <p:nvSpPr>
+          <p:cNvPr id="2" name="Title 1"/>
+          <p:cNvSpPr>
+            <a:spLocks noGrp="1"/>
+          </p:cNvSpPr>
+          <p:nvPr>
+            <p:ph type="title"/>
+          </p:nvPr>
+        </p:nvSpPr>
+        <p:spPr/>
+        <p:txBody>
+          <a:bodyPr/>
+          <a:lstStyle/>
+          <a:p>
+            <a:r>
+              <a:rPr lang="en-US" dirty="0"/>
+              <a:t>Item 36: Consistently use the Override </a:t>
+            </a:r>
+            <a:r>
+              <a:rPr lang="en-US" dirty="0" smtClean="0"/>
+              <a:t>annotation</a:t>
+            </a:r>
+            <a:endParaRPr lang="en-US" dirty="0"/>
+          </a:p>
+        </p:txBody>
+      </p:sp>
+      <p:sp>
+        <p:nvSpPr>
+          <p:cNvPr id="3" name="Text Placeholder 2"/>
+          <p:cNvSpPr>
+            <a:spLocks noGrp="1"/>
+          </p:cNvSpPr>
+          <p:nvPr>
+            <p:ph type="body" idx="1"/>
+          </p:nvPr>
+        </p:nvSpPr>
+        <p:spPr/>
+        <p:txBody>
+          <a:bodyPr/>
+          <a:lstStyle/>
+          <a:p>
+            <a:endParaRPr lang="en-US"/>
+          </a:p>
+        </p:txBody>
+      </p:sp>
+    </p:spTree>
+    <p:extLst>
+      <p:ext uri="{BB962C8B-B14F-4D97-AF65-F5344CB8AC3E}">
+        <p14:creationId xmlns:p14="http://schemas.microsoft.com/office/powerpoint/2010/main" val="312285261"/>
+      </p:ext>
+    </p:extLst>
+  </p:cSld>
+  <p:clrMapOvr>
+    <a:masterClrMapping/>
+  </p:clrMapOvr>
+</p:sld>
+</file>
+
+<file path=ppt/slides/slide47.xml><?xml version="1.0" encoding="utf-8"?>
+<p:sld xmlns:a="http://schemas.openxmlformats.org/drawingml/2006/main" xmlns:r="http://schemas.openxmlformats.org/officeDocument/2006/relationships" xmlns:p="http://schemas.openxmlformats.org/presentationml/2006/main">
+  <p:cSld>
+    <p:spTree>
+      <p:nvGrpSpPr>
+        <p:cNvPr id="1" name=""/>
+        <p:cNvGrpSpPr/>
+        <p:nvPr/>
+      </p:nvGrpSpPr>
+      <p:grpSpPr>
+        <a:xfrm>
+          <a:off x="0" y="0"/>
+          <a:ext cx="0" cy="0"/>
+          <a:chOff x="0" y="0"/>
+          <a:chExt cx="0" cy="0"/>
+        </a:xfrm>
+      </p:grpSpPr>
+      <p:sp>
+        <p:nvSpPr>
+          <p:cNvPr id="2" name="Title 1"/>
+          <p:cNvSpPr>
+            <a:spLocks noGrp="1"/>
+          </p:cNvSpPr>
+          <p:nvPr>
+            <p:ph type="title"/>
+          </p:nvPr>
+        </p:nvSpPr>
+        <p:spPr/>
+        <p:txBody>
+          <a:bodyPr/>
+          <a:lstStyle/>
+          <a:p>
+            <a:r>
+              <a:rPr lang="en-US" dirty="0"/>
+              <a:t>Item 37: Use marker interfaces to define types</a:t>
+            </a:r>
+            <a:endParaRPr lang="en-US" dirty="0"/>
+          </a:p>
+        </p:txBody>
+      </p:sp>
+      <p:sp>
+        <p:nvSpPr>
+          <p:cNvPr id="3" name="Text Placeholder 2"/>
+          <p:cNvSpPr>
+            <a:spLocks noGrp="1"/>
+          </p:cNvSpPr>
+          <p:nvPr>
+            <p:ph type="body" idx="1"/>
+          </p:nvPr>
+        </p:nvSpPr>
+        <p:spPr/>
+        <p:txBody>
+          <a:bodyPr/>
+          <a:lstStyle/>
+          <a:p>
+            <a:endParaRPr lang="en-US"/>
+          </a:p>
+        </p:txBody>
+      </p:sp>
+    </p:spTree>
+    <p:extLst>
+      <p:ext uri="{BB962C8B-B14F-4D97-AF65-F5344CB8AC3E}">
+        <p14:creationId xmlns:p14="http://schemas.microsoft.com/office/powerpoint/2010/main" val="1625613959"/>
+      </p:ext>
+    </p:extLst>
+  </p:cSld>
+  <p:clrMapOvr>
+    <a:masterClrMapping/>
+  </p:clrMapOvr>
+</p:sld>
+</file>
+
+<file path=ppt/slides/slide48.xml><?xml version="1.0" encoding="utf-8"?>
+<p:sld xmlns:a="http://schemas.openxmlformats.org/drawingml/2006/main" xmlns:r="http://schemas.openxmlformats.org/officeDocument/2006/relationships" xmlns:p="http://schemas.openxmlformats.org/presentationml/2006/main">
+  <p:cSld>
+    <p:spTree>
+      <p:nvGrpSpPr>
+        <p:cNvPr id="1" name="Shape 89"/>
+        <p:cNvGrpSpPr/>
+        <p:nvPr/>
+      </p:nvGrpSpPr>
+      <p:grpSpPr>
+        <a:xfrm>
+          <a:off x="0" y="0"/>
+          <a:ext cx="0" cy="0"/>
+          <a:chOff x="0" y="0"/>
+          <a:chExt cx="0" cy="0"/>
+        </a:xfrm>
+      </p:grpSpPr>
+      <p:sp>
+        <p:nvSpPr>
+          <p:cNvPr id="90" name="Shape 90"/>
+          <p:cNvSpPr txBox="1">
+            <a:spLocks noGrp="1"/>
+          </p:cNvSpPr>
+          <p:nvPr>
+            <p:ph type="title"/>
+          </p:nvPr>
+        </p:nvSpPr>
+        <p:spPr>
+          <a:xfrm>
+            <a:off x="838200" y="365125"/>
+            <a:ext cx="10515599" cy="1325562"/>
+          </a:xfrm>
+          <a:prstGeom prst="rect">
+            <a:avLst/>
+          </a:prstGeom>
+          <a:noFill/>
+          <a:ln>
+            <a:noFill/>
+          </a:ln>
+        </p:spPr>
+        <p:txBody>
+          <a:bodyPr lIns="91425" tIns="45700" rIns="91425" bIns="45700" anchor="ctr" anchorCtr="0">
+            <a:noAutofit/>
+          </a:bodyPr>
+          <a:lstStyle/>
+          <a:p>
+            <a:pPr marL="0" marR="0" lvl="0" indent="0" algn="r" rtl="0">
+              <a:lnSpc>
+                <a:spcPct val="90000"/>
+              </a:lnSpc>
+              <a:spcBef>
+                <a:spcPts val="0"/>
+              </a:spcBef>
+              <a:buClr>
+                <a:schemeClr val="dk1"/>
+              </a:buClr>
+              <a:buSzPct val="25000"/>
+              <a:buFont typeface="Calibri"/>
+              <a:buNone/>
+            </a:pPr>
+            <a:r>
+              <a:rPr lang="en-US" sz="4400" b="0" i="0" u="none" strike="noStrike" cap="none" dirty="0">
+                <a:solidFill>
+                  <a:schemeClr val="dk1"/>
+                </a:solidFill>
+                <a:latin typeface="Calibri"/>
+                <a:ea typeface="Calibri"/>
+                <a:cs typeface="Calibri"/>
+                <a:sym typeface="Calibri"/>
+              </a:rPr>
+              <a:t>C H A P T E R </a:t>
+            </a:r>
+            <a:r>
+              <a:rPr lang="en-US" dirty="0" smtClean="0"/>
+              <a:t>7</a:t>
+            </a:r>
+            <a:endParaRPr lang="en-US" sz="4400" b="0" i="0" u="none" strike="noStrike" cap="none" dirty="0">
+              <a:solidFill>
+                <a:schemeClr val="dk1"/>
+              </a:solidFill>
+              <a:latin typeface="Calibri"/>
+              <a:ea typeface="Calibri"/>
+              <a:cs typeface="Calibri"/>
+              <a:sym typeface="Calibri"/>
+            </a:endParaRPr>
+          </a:p>
+        </p:txBody>
+      </p:sp>
+      <p:sp>
+        <p:nvSpPr>
+          <p:cNvPr id="91" name="Shape 91"/>
+          <p:cNvSpPr txBox="1">
+            <a:spLocks noGrp="1"/>
+          </p:cNvSpPr>
+          <p:nvPr>
+            <p:ph type="body" idx="1"/>
+          </p:nvPr>
+        </p:nvSpPr>
+        <p:spPr>
+          <a:xfrm>
+            <a:off x="838200" y="1825625"/>
+            <a:ext cx="10515599" cy="4723221"/>
+          </a:xfrm>
+          <a:prstGeom prst="rect">
+            <a:avLst/>
+          </a:prstGeom>
+          <a:noFill/>
+          <a:ln>
+            <a:noFill/>
+          </a:ln>
+        </p:spPr>
+        <p:txBody>
+          <a:bodyPr lIns="91425" tIns="45700" rIns="91425" bIns="45700" anchor="t" anchorCtr="0">
+            <a:noAutofit/>
+          </a:bodyPr>
+          <a:lstStyle/>
+          <a:p>
+            <a:pPr marL="0" lvl="0" indent="0">
+              <a:spcBef>
+                <a:spcPts val="0"/>
+              </a:spcBef>
+              <a:buSzPct val="25000"/>
+              <a:buNone/>
+            </a:pPr>
+            <a:r>
+              <a:rPr lang="en-US" sz="5400" b="1" dirty="0"/>
+              <a:t>Methods</a:t>
+            </a:r>
+            <a:endParaRPr lang="en-US" sz="2000" b="0" i="0" u="none" strike="noStrike" cap="none" dirty="0">
+              <a:solidFill>
+                <a:schemeClr val="dk1"/>
+              </a:solidFill>
+              <a:latin typeface="Calibri"/>
+              <a:ea typeface="Calibri"/>
+              <a:cs typeface="Calibri"/>
+              <a:sym typeface="Calibri"/>
+            </a:endParaRPr>
+          </a:p>
+        </p:txBody>
+      </p:sp>
+    </p:spTree>
+    <p:extLst>
+      <p:ext uri="{BB962C8B-B14F-4D97-AF65-F5344CB8AC3E}">
+        <p14:creationId xmlns:p14="http://schemas.microsoft.com/office/powerpoint/2010/main" val="1097271654"/>
+      </p:ext>
+    </p:extLst>
+  </p:cSld>
+  <p:clrMapOvr>
+    <a:masterClrMapping/>
+  </p:clrMapOvr>
+</p:sld>
+</file>
+
+<file path=ppt/slides/slide49.xml><?xml version="1.0" encoding="utf-8"?>
+<p:sld xmlns:a="http://schemas.openxmlformats.org/drawingml/2006/main" xmlns:r="http://schemas.openxmlformats.org/officeDocument/2006/relationships" xmlns:p="http://schemas.openxmlformats.org/presentationml/2006/main">
+  <p:cSld>
+    <p:spTree>
+      <p:nvGrpSpPr>
+        <p:cNvPr id="1" name="Shape 89"/>
+        <p:cNvGrpSpPr/>
+        <p:nvPr/>
+      </p:nvGrpSpPr>
+      <p:grpSpPr>
+        <a:xfrm>
+          <a:off x="0" y="0"/>
+          <a:ext cx="0" cy="0"/>
+          <a:chOff x="0" y="0"/>
+          <a:chExt cx="0" cy="0"/>
+        </a:xfrm>
+      </p:grpSpPr>
+      <p:sp>
+        <p:nvSpPr>
+          <p:cNvPr id="90" name="Shape 90"/>
+          <p:cNvSpPr txBox="1">
+            <a:spLocks noGrp="1"/>
+          </p:cNvSpPr>
+          <p:nvPr>
+            <p:ph type="title"/>
+          </p:nvPr>
+        </p:nvSpPr>
+        <p:spPr>
+          <a:xfrm>
+            <a:off x="838200" y="365125"/>
+            <a:ext cx="10515599" cy="1325562"/>
+          </a:xfrm>
+          <a:prstGeom prst="rect">
+            <a:avLst/>
+          </a:prstGeom>
+          <a:noFill/>
+          <a:ln>
+            <a:noFill/>
+          </a:ln>
+        </p:spPr>
+        <p:txBody>
+          <a:bodyPr lIns="91425" tIns="45700" rIns="91425" bIns="45700" anchor="ctr" anchorCtr="0">
+            <a:noAutofit/>
+          </a:bodyPr>
+          <a:lstStyle/>
+          <a:p>
+            <a:pPr marL="0" marR="0" lvl="0" indent="0" algn="r" rtl="0">
+              <a:lnSpc>
+                <a:spcPct val="90000"/>
+              </a:lnSpc>
+              <a:spcBef>
+                <a:spcPts val="0"/>
+              </a:spcBef>
+              <a:buClr>
+                <a:schemeClr val="dk1"/>
+              </a:buClr>
+              <a:buSzPct val="25000"/>
+              <a:buFont typeface="Calibri"/>
+              <a:buNone/>
+            </a:pPr>
+            <a:r>
+              <a:rPr lang="en-US" sz="4400" b="0" i="0" u="none" strike="noStrike" cap="none" dirty="0">
+                <a:solidFill>
+                  <a:schemeClr val="dk1"/>
+                </a:solidFill>
+                <a:latin typeface="Calibri"/>
+                <a:ea typeface="Calibri"/>
+                <a:cs typeface="Calibri"/>
+                <a:sym typeface="Calibri"/>
+              </a:rPr>
+              <a:t>C H A P T E R </a:t>
+            </a:r>
+            <a:r>
+              <a:rPr lang="en-US" dirty="0"/>
+              <a:t>8</a:t>
+            </a:r>
+            <a:endParaRPr lang="en-US" sz="4400" b="0" i="0" u="none" strike="noStrike" cap="none" dirty="0">
+              <a:solidFill>
+                <a:schemeClr val="dk1"/>
+              </a:solidFill>
+              <a:latin typeface="Calibri"/>
+              <a:ea typeface="Calibri"/>
+              <a:cs typeface="Calibri"/>
+              <a:sym typeface="Calibri"/>
+            </a:endParaRPr>
+          </a:p>
+        </p:txBody>
+      </p:sp>
+      <p:sp>
+        <p:nvSpPr>
+          <p:cNvPr id="91" name="Shape 91"/>
+          <p:cNvSpPr txBox="1">
+            <a:spLocks noGrp="1"/>
+          </p:cNvSpPr>
+          <p:nvPr>
+            <p:ph type="body" idx="1"/>
+          </p:nvPr>
+        </p:nvSpPr>
+        <p:spPr>
+          <a:xfrm>
+            <a:off x="838200" y="1825625"/>
+            <a:ext cx="10515599" cy="4723221"/>
+          </a:xfrm>
+          <a:prstGeom prst="rect">
+            <a:avLst/>
+          </a:prstGeom>
+          <a:noFill/>
+          <a:ln>
+            <a:noFill/>
+          </a:ln>
+        </p:spPr>
+        <p:txBody>
+          <a:bodyPr lIns="91425" tIns="45700" rIns="91425" bIns="45700" anchor="t" anchorCtr="0">
+            <a:noAutofit/>
+          </a:bodyPr>
+          <a:lstStyle/>
+          <a:p>
+            <a:pPr marL="0" lvl="0" indent="0">
+              <a:spcBef>
+                <a:spcPts val="0"/>
+              </a:spcBef>
+              <a:buSzPct val="25000"/>
+              <a:buNone/>
+            </a:pPr>
+            <a:r>
+              <a:rPr lang="en-US" sz="5400" b="1" dirty="0"/>
+              <a:t>General Programming </a:t>
+            </a:r>
+            <a:endParaRPr lang="en-US" sz="2000" b="0" i="0" u="none" strike="noStrike" cap="none" dirty="0">
+              <a:solidFill>
+                <a:schemeClr val="dk1"/>
+              </a:solidFill>
+              <a:latin typeface="Calibri"/>
+              <a:ea typeface="Calibri"/>
+              <a:cs typeface="Calibri"/>
+              <a:sym typeface="Calibri"/>
+            </a:endParaRPr>
+          </a:p>
+        </p:txBody>
+      </p:sp>
+    </p:spTree>
+    <p:extLst>
+      <p:ext uri="{BB962C8B-B14F-4D97-AF65-F5344CB8AC3E}">
+        <p14:creationId xmlns:p14="http://schemas.microsoft.com/office/powerpoint/2010/main" val="2530650110"/>
       </p:ext>
     </p:extLst>
   </p:cSld>
@@ -17564,6 +20871,465 @@
     <p:extLst>
       <p:ext uri="{BB962C8B-B14F-4D97-AF65-F5344CB8AC3E}">
         <p14:creationId xmlns:p14="http://schemas.microsoft.com/office/powerpoint/2010/main" val="1302478070"/>
+      </p:ext>
+    </p:extLst>
+  </p:cSld>
+  <p:clrMapOvr>
+    <a:masterClrMapping/>
+  </p:clrMapOvr>
+</p:sld>
+</file>
+
+<file path=ppt/slides/slide50.xml><?xml version="1.0" encoding="utf-8"?>
+<p:sld xmlns:a="http://schemas.openxmlformats.org/drawingml/2006/main" xmlns:r="http://schemas.openxmlformats.org/officeDocument/2006/relationships" xmlns:p="http://schemas.openxmlformats.org/presentationml/2006/main">
+  <p:cSld>
+    <p:spTree>
+      <p:nvGrpSpPr>
+        <p:cNvPr id="1" name="Shape 89"/>
+        <p:cNvGrpSpPr/>
+        <p:nvPr/>
+      </p:nvGrpSpPr>
+      <p:grpSpPr>
+        <a:xfrm>
+          <a:off x="0" y="0"/>
+          <a:ext cx="0" cy="0"/>
+          <a:chOff x="0" y="0"/>
+          <a:chExt cx="0" cy="0"/>
+        </a:xfrm>
+      </p:grpSpPr>
+      <p:sp>
+        <p:nvSpPr>
+          <p:cNvPr id="90" name="Shape 90"/>
+          <p:cNvSpPr txBox="1">
+            <a:spLocks noGrp="1"/>
+          </p:cNvSpPr>
+          <p:nvPr>
+            <p:ph type="title"/>
+          </p:nvPr>
+        </p:nvSpPr>
+        <p:spPr>
+          <a:xfrm>
+            <a:off x="838200" y="365125"/>
+            <a:ext cx="10515599" cy="1325562"/>
+          </a:xfrm>
+          <a:prstGeom prst="rect">
+            <a:avLst/>
+          </a:prstGeom>
+          <a:noFill/>
+          <a:ln>
+            <a:noFill/>
+          </a:ln>
+        </p:spPr>
+        <p:txBody>
+          <a:bodyPr lIns="91425" tIns="45700" rIns="91425" bIns="45700" anchor="ctr" anchorCtr="0">
+            <a:noAutofit/>
+          </a:bodyPr>
+          <a:lstStyle/>
+          <a:p>
+            <a:pPr marL="0" marR="0" lvl="0" indent="0" algn="r" rtl="0">
+              <a:lnSpc>
+                <a:spcPct val="90000"/>
+              </a:lnSpc>
+              <a:spcBef>
+                <a:spcPts val="0"/>
+              </a:spcBef>
+              <a:buClr>
+                <a:schemeClr val="dk1"/>
+              </a:buClr>
+              <a:buSzPct val="25000"/>
+              <a:buFont typeface="Calibri"/>
+              <a:buNone/>
+            </a:pPr>
+            <a:r>
+              <a:rPr lang="en-US" sz="4400" b="0" i="0" u="none" strike="noStrike" cap="none" dirty="0">
+                <a:solidFill>
+                  <a:schemeClr val="dk1"/>
+                </a:solidFill>
+                <a:latin typeface="Calibri"/>
+                <a:ea typeface="Calibri"/>
+                <a:cs typeface="Calibri"/>
+                <a:sym typeface="Calibri"/>
+              </a:rPr>
+              <a:t>C H A P T E R </a:t>
+            </a:r>
+            <a:r>
+              <a:rPr lang="en-US" dirty="0"/>
+              <a:t>9</a:t>
+            </a:r>
+            <a:endParaRPr lang="en-US" sz="4400" b="0" i="0" u="none" strike="noStrike" cap="none" dirty="0">
+              <a:solidFill>
+                <a:schemeClr val="dk1"/>
+              </a:solidFill>
+              <a:latin typeface="Calibri"/>
+              <a:ea typeface="Calibri"/>
+              <a:cs typeface="Calibri"/>
+              <a:sym typeface="Calibri"/>
+            </a:endParaRPr>
+          </a:p>
+        </p:txBody>
+      </p:sp>
+      <p:sp>
+        <p:nvSpPr>
+          <p:cNvPr id="91" name="Shape 91"/>
+          <p:cNvSpPr txBox="1">
+            <a:spLocks noGrp="1"/>
+          </p:cNvSpPr>
+          <p:nvPr>
+            <p:ph type="body" idx="1"/>
+          </p:nvPr>
+        </p:nvSpPr>
+        <p:spPr>
+          <a:xfrm>
+            <a:off x="838200" y="1825625"/>
+            <a:ext cx="10515599" cy="4723221"/>
+          </a:xfrm>
+          <a:prstGeom prst="rect">
+            <a:avLst/>
+          </a:prstGeom>
+          <a:noFill/>
+          <a:ln>
+            <a:noFill/>
+          </a:ln>
+        </p:spPr>
+        <p:txBody>
+          <a:bodyPr lIns="91425" tIns="45700" rIns="91425" bIns="45700" anchor="t" anchorCtr="0">
+            <a:noAutofit/>
+          </a:bodyPr>
+          <a:lstStyle/>
+          <a:p>
+            <a:pPr marL="0" lvl="0" indent="0">
+              <a:spcBef>
+                <a:spcPts val="0"/>
+              </a:spcBef>
+              <a:buSzPct val="25000"/>
+              <a:buNone/>
+            </a:pPr>
+            <a:r>
+              <a:rPr lang="en-US" sz="5400" b="1" dirty="0"/>
+              <a:t>Exceptions </a:t>
+            </a:r>
+            <a:endParaRPr lang="en-US" sz="2000" b="0" i="0" u="none" strike="noStrike" cap="none" dirty="0">
+              <a:solidFill>
+                <a:schemeClr val="dk1"/>
+              </a:solidFill>
+              <a:latin typeface="Calibri"/>
+              <a:ea typeface="Calibri"/>
+              <a:cs typeface="Calibri"/>
+              <a:sym typeface="Calibri"/>
+            </a:endParaRPr>
+          </a:p>
+        </p:txBody>
+      </p:sp>
+    </p:spTree>
+    <p:extLst>
+      <p:ext uri="{BB962C8B-B14F-4D97-AF65-F5344CB8AC3E}">
+        <p14:creationId xmlns:p14="http://schemas.microsoft.com/office/powerpoint/2010/main" val="1721712592"/>
+      </p:ext>
+    </p:extLst>
+  </p:cSld>
+  <p:clrMapOvr>
+    <a:masterClrMapping/>
+  </p:clrMapOvr>
+</p:sld>
+</file>
+
+<file path=ppt/slides/slide51.xml><?xml version="1.0" encoding="utf-8"?>
+<p:sld xmlns:a="http://schemas.openxmlformats.org/drawingml/2006/main" xmlns:r="http://schemas.openxmlformats.org/officeDocument/2006/relationships" xmlns:p="http://schemas.openxmlformats.org/presentationml/2006/main">
+  <p:cSld>
+    <p:spTree>
+      <p:nvGrpSpPr>
+        <p:cNvPr id="1" name="Shape 89"/>
+        <p:cNvGrpSpPr/>
+        <p:nvPr/>
+      </p:nvGrpSpPr>
+      <p:grpSpPr>
+        <a:xfrm>
+          <a:off x="0" y="0"/>
+          <a:ext cx="0" cy="0"/>
+          <a:chOff x="0" y="0"/>
+          <a:chExt cx="0" cy="0"/>
+        </a:xfrm>
+      </p:grpSpPr>
+      <p:sp>
+        <p:nvSpPr>
+          <p:cNvPr id="90" name="Shape 90"/>
+          <p:cNvSpPr txBox="1">
+            <a:spLocks noGrp="1"/>
+          </p:cNvSpPr>
+          <p:nvPr>
+            <p:ph type="title"/>
+          </p:nvPr>
+        </p:nvSpPr>
+        <p:spPr>
+          <a:xfrm>
+            <a:off x="838200" y="365125"/>
+            <a:ext cx="10515599" cy="1325562"/>
+          </a:xfrm>
+          <a:prstGeom prst="rect">
+            <a:avLst/>
+          </a:prstGeom>
+          <a:noFill/>
+          <a:ln>
+            <a:noFill/>
+          </a:ln>
+        </p:spPr>
+        <p:txBody>
+          <a:bodyPr lIns="91425" tIns="45700" rIns="91425" bIns="45700" anchor="ctr" anchorCtr="0">
+            <a:noAutofit/>
+          </a:bodyPr>
+          <a:lstStyle/>
+          <a:p>
+            <a:pPr marL="0" marR="0" lvl="0" indent="0" algn="r" rtl="0">
+              <a:lnSpc>
+                <a:spcPct val="90000"/>
+              </a:lnSpc>
+              <a:spcBef>
+                <a:spcPts val="0"/>
+              </a:spcBef>
+              <a:buClr>
+                <a:schemeClr val="dk1"/>
+              </a:buClr>
+              <a:buSzPct val="25000"/>
+              <a:buFont typeface="Calibri"/>
+              <a:buNone/>
+            </a:pPr>
+            <a:r>
+              <a:rPr lang="en-US" sz="4400" b="0" i="0" u="none" strike="noStrike" cap="none" dirty="0">
+                <a:solidFill>
+                  <a:schemeClr val="dk1"/>
+                </a:solidFill>
+                <a:latin typeface="Calibri"/>
+                <a:ea typeface="Calibri"/>
+                <a:cs typeface="Calibri"/>
+                <a:sym typeface="Calibri"/>
+              </a:rPr>
+              <a:t>C H A P T E R </a:t>
+            </a:r>
+            <a:r>
+              <a:rPr lang="en-US" dirty="0" smtClean="0"/>
+              <a:t>10</a:t>
+            </a:r>
+            <a:endParaRPr lang="en-US" sz="4400" b="0" i="0" u="none" strike="noStrike" cap="none" dirty="0">
+              <a:solidFill>
+                <a:schemeClr val="dk1"/>
+              </a:solidFill>
+              <a:latin typeface="Calibri"/>
+              <a:ea typeface="Calibri"/>
+              <a:cs typeface="Calibri"/>
+              <a:sym typeface="Calibri"/>
+            </a:endParaRPr>
+          </a:p>
+        </p:txBody>
+      </p:sp>
+      <p:sp>
+        <p:nvSpPr>
+          <p:cNvPr id="91" name="Shape 91"/>
+          <p:cNvSpPr txBox="1">
+            <a:spLocks noGrp="1"/>
+          </p:cNvSpPr>
+          <p:nvPr>
+            <p:ph type="body" idx="1"/>
+          </p:nvPr>
+        </p:nvSpPr>
+        <p:spPr>
+          <a:xfrm>
+            <a:off x="838200" y="1825625"/>
+            <a:ext cx="10515599" cy="4723221"/>
+          </a:xfrm>
+          <a:prstGeom prst="rect">
+            <a:avLst/>
+          </a:prstGeom>
+          <a:noFill/>
+          <a:ln>
+            <a:noFill/>
+          </a:ln>
+        </p:spPr>
+        <p:txBody>
+          <a:bodyPr lIns="91425" tIns="45700" rIns="91425" bIns="45700" anchor="t" anchorCtr="0">
+            <a:noAutofit/>
+          </a:bodyPr>
+          <a:lstStyle/>
+          <a:p>
+            <a:pPr marL="0" lvl="0" indent="0">
+              <a:spcBef>
+                <a:spcPts val="0"/>
+              </a:spcBef>
+              <a:buSzPct val="25000"/>
+              <a:buNone/>
+            </a:pPr>
+            <a:r>
+              <a:rPr lang="en-US" sz="5400" b="1" dirty="0" smtClean="0"/>
+              <a:t>Concurrency</a:t>
+            </a:r>
+            <a:endParaRPr lang="en-US" sz="2000" b="0" i="0" u="none" strike="noStrike" cap="none" dirty="0">
+              <a:solidFill>
+                <a:schemeClr val="dk1"/>
+              </a:solidFill>
+              <a:latin typeface="Calibri"/>
+              <a:ea typeface="Calibri"/>
+              <a:cs typeface="Calibri"/>
+              <a:sym typeface="Calibri"/>
+            </a:endParaRPr>
+          </a:p>
+        </p:txBody>
+      </p:sp>
+    </p:spTree>
+    <p:extLst>
+      <p:ext uri="{BB962C8B-B14F-4D97-AF65-F5344CB8AC3E}">
+        <p14:creationId xmlns:p14="http://schemas.microsoft.com/office/powerpoint/2010/main" val="1367158289"/>
+      </p:ext>
+    </p:extLst>
+  </p:cSld>
+  <p:clrMapOvr>
+    <a:masterClrMapping/>
+  </p:clrMapOvr>
+</p:sld>
+</file>
+
+<file path=ppt/slides/slide52.xml><?xml version="1.0" encoding="utf-8"?>
+<p:sld xmlns:a="http://schemas.openxmlformats.org/drawingml/2006/main" xmlns:r="http://schemas.openxmlformats.org/officeDocument/2006/relationships" xmlns:p="http://schemas.openxmlformats.org/presentationml/2006/main">
+  <p:cSld>
+    <p:spTree>
+      <p:nvGrpSpPr>
+        <p:cNvPr id="1" name="Shape 89"/>
+        <p:cNvGrpSpPr/>
+        <p:nvPr/>
+      </p:nvGrpSpPr>
+      <p:grpSpPr>
+        <a:xfrm>
+          <a:off x="0" y="0"/>
+          <a:ext cx="0" cy="0"/>
+          <a:chOff x="0" y="0"/>
+          <a:chExt cx="0" cy="0"/>
+        </a:xfrm>
+      </p:grpSpPr>
+      <p:sp>
+        <p:nvSpPr>
+          <p:cNvPr id="90" name="Shape 90"/>
+          <p:cNvSpPr txBox="1">
+            <a:spLocks noGrp="1"/>
+          </p:cNvSpPr>
+          <p:nvPr>
+            <p:ph type="title"/>
+          </p:nvPr>
+        </p:nvSpPr>
+        <p:spPr>
+          <a:xfrm>
+            <a:off x="838200" y="365125"/>
+            <a:ext cx="10515599" cy="1325562"/>
+          </a:xfrm>
+          <a:prstGeom prst="rect">
+            <a:avLst/>
+          </a:prstGeom>
+          <a:noFill/>
+          <a:ln>
+            <a:noFill/>
+          </a:ln>
+        </p:spPr>
+        <p:txBody>
+          <a:bodyPr lIns="91425" tIns="45700" rIns="91425" bIns="45700" anchor="ctr" anchorCtr="0">
+            <a:noAutofit/>
+          </a:bodyPr>
+          <a:lstStyle/>
+          <a:p>
+            <a:pPr marL="0" marR="0" lvl="0" indent="0" algn="r" rtl="0">
+              <a:lnSpc>
+                <a:spcPct val="90000"/>
+              </a:lnSpc>
+              <a:spcBef>
+                <a:spcPts val="0"/>
+              </a:spcBef>
+              <a:buClr>
+                <a:schemeClr val="dk1"/>
+              </a:buClr>
+              <a:buSzPct val="25000"/>
+              <a:buFont typeface="Calibri"/>
+              <a:buNone/>
+            </a:pPr>
+            <a:r>
+              <a:rPr lang="en-US" sz="4400" b="0" i="0" u="none" strike="noStrike" cap="none" dirty="0">
+                <a:solidFill>
+                  <a:schemeClr val="dk1"/>
+                </a:solidFill>
+                <a:latin typeface="Calibri"/>
+                <a:ea typeface="Calibri"/>
+                <a:cs typeface="Calibri"/>
+                <a:sym typeface="Calibri"/>
+              </a:rPr>
+              <a:t>C H A P T E R </a:t>
+            </a:r>
+            <a:r>
+              <a:rPr lang="en-US" dirty="0" smtClean="0"/>
+              <a:t>11</a:t>
+            </a:r>
+            <a:endParaRPr lang="en-US" sz="4400" b="0" i="0" u="none" strike="noStrike" cap="none" dirty="0">
+              <a:solidFill>
+                <a:schemeClr val="dk1"/>
+              </a:solidFill>
+              <a:latin typeface="Calibri"/>
+              <a:ea typeface="Calibri"/>
+              <a:cs typeface="Calibri"/>
+              <a:sym typeface="Calibri"/>
+            </a:endParaRPr>
+          </a:p>
+        </p:txBody>
+      </p:sp>
+      <p:sp>
+        <p:nvSpPr>
+          <p:cNvPr id="91" name="Shape 91"/>
+          <p:cNvSpPr txBox="1">
+            <a:spLocks noGrp="1"/>
+          </p:cNvSpPr>
+          <p:nvPr>
+            <p:ph type="body" idx="1"/>
+          </p:nvPr>
+        </p:nvSpPr>
+        <p:spPr>
+          <a:xfrm>
+            <a:off x="838200" y="1825625"/>
+            <a:ext cx="10515599" cy="4723221"/>
+          </a:xfrm>
+          <a:prstGeom prst="rect">
+            <a:avLst/>
+          </a:prstGeom>
+          <a:noFill/>
+          <a:ln>
+            <a:noFill/>
+          </a:ln>
+        </p:spPr>
+        <p:txBody>
+          <a:bodyPr lIns="91425" tIns="45700" rIns="91425" bIns="45700" anchor="t" anchorCtr="0">
+            <a:noAutofit/>
+          </a:bodyPr>
+          <a:lstStyle/>
+          <a:p>
+            <a:pPr marL="0" lvl="0" indent="0">
+              <a:spcBef>
+                <a:spcPts val="0"/>
+              </a:spcBef>
+              <a:buSzPct val="25000"/>
+              <a:buNone/>
+            </a:pPr>
+            <a:r>
+              <a:rPr lang="en-US" sz="5400" b="1" dirty="0" smtClean="0"/>
+              <a:t>Serialization</a:t>
+            </a:r>
+            <a:endParaRPr lang="en-US" sz="2000" b="0" i="0" u="none" strike="noStrike" cap="none" dirty="0">
+              <a:solidFill>
+                <a:schemeClr val="dk1"/>
+              </a:solidFill>
+              <a:latin typeface="Calibri"/>
+              <a:ea typeface="Calibri"/>
+              <a:cs typeface="Calibri"/>
+              <a:sym typeface="Calibri"/>
+            </a:endParaRPr>
+          </a:p>
+        </p:txBody>
+      </p:sp>
+    </p:spTree>
+    <p:extLst>
+      <p:ext uri="{BB962C8B-B14F-4D97-AF65-F5344CB8AC3E}">
+        <p14:creationId xmlns:p14="http://schemas.microsoft.com/office/powerpoint/2010/main" val="631272735"/>
       </p:ext>
     </p:extLst>
   </p:cSld>

--- a/Study of Effective Java™.pptx
+++ b/Study of Effective Java™.pptx
@@ -17209,7 +17209,6 @@
               <a:rPr lang="en-US" dirty="0"/>
               <a:t>used to export constants.</a:t>
             </a:r>
-            <a:endParaRPr lang="en-US" dirty="0"/>
           </a:p>
         </p:txBody>
       </p:sp>
@@ -17320,7 +17319,6 @@
               <a:rPr lang="en-US" dirty="0"/>
               <a:t>field, consider refactoring it into a hierarchy.</a:t>
             </a:r>
-            <a:endParaRPr lang="en-US" dirty="0"/>
           </a:p>
         </p:txBody>
       </p:sp>
@@ -17454,7 +17452,6 @@
               <a:rPr lang="en-US" dirty="0"/>
               <a:t>static final field whose type is the strategy interface.</a:t>
             </a:r>
-            <a:endParaRPr lang="en-US" dirty="0"/>
           </a:p>
         </p:txBody>
       </p:sp>
@@ -18730,7 +18727,6 @@
               <a:rPr lang="en-US" dirty="0"/>
               <a:t>your best to eliminate these warnings</a:t>
             </a:r>
-            <a:endParaRPr lang="en-US" dirty="0"/>
           </a:p>
         </p:txBody>
       </p:sp>
@@ -18783,7 +18779,6 @@
               <a:rPr lang="en-US" dirty="0"/>
               <a:t>Item 25: Prefer lists to arrays</a:t>
             </a:r>
-            <a:endParaRPr lang="en-US" dirty="0"/>
           </a:p>
         </p:txBody>
       </p:sp>
@@ -18802,6 +18797,104 @@
           <a:bodyPr/>
           <a:lstStyle/>
           <a:p>
+            <a:pPr marL="177800" indent="0">
+              <a:buNone/>
+            </a:pPr>
+            <a:r>
+              <a:rPr lang="en-US" dirty="0"/>
+              <a:t>A</a:t>
+            </a:r>
+            <a:r>
+              <a:rPr lang="en-US" dirty="0" smtClean="0"/>
+              <a:t>rrays </a:t>
+            </a:r>
+            <a:r>
+              <a:rPr lang="en-US" dirty="0"/>
+              <a:t>and generics have very different type rules. </a:t>
+            </a:r>
+            <a:endParaRPr lang="en-US" dirty="0" smtClean="0"/>
+          </a:p>
+          <a:p>
+            <a:pPr marL="177800" indent="0">
+              <a:buNone/>
+            </a:pPr>
+            <a:r>
+              <a:rPr lang="en-US" dirty="0"/>
+              <a:t>	</a:t>
+            </a:r>
+            <a:r>
+              <a:rPr lang="en-US" dirty="0" smtClean="0"/>
+              <a:t>Arrays are covariant </a:t>
+            </a:r>
+            <a:r>
+              <a:rPr lang="en-US" dirty="0"/>
+              <a:t>and reified; generics are invariant and erased. </a:t>
+            </a:r>
+            <a:endParaRPr lang="en-US" dirty="0" smtClean="0"/>
+          </a:p>
+          <a:p>
+            <a:pPr marL="177800" indent="0">
+              <a:buNone/>
+            </a:pPr>
+            <a:r>
+              <a:rPr lang="en-US" dirty="0" smtClean="0"/>
+              <a:t>As </a:t>
+            </a:r>
+            <a:r>
+              <a:rPr lang="en-US" dirty="0"/>
+              <a:t>a consequence, </a:t>
+            </a:r>
+            <a:r>
+              <a:rPr lang="en-US" dirty="0" smtClean="0"/>
+              <a:t>arrays provide </a:t>
+            </a:r>
+            <a:r>
+              <a:rPr lang="en-US" dirty="0"/>
+              <a:t>runtime type safety but not compile-time type safety and vice versa </a:t>
+            </a:r>
+            <a:r>
+              <a:rPr lang="en-US" dirty="0" smtClean="0"/>
+              <a:t>for generics</a:t>
+            </a:r>
+            <a:r>
+              <a:rPr lang="en-US" dirty="0"/>
+              <a:t>. </a:t>
+            </a:r>
+            <a:endParaRPr lang="en-US" dirty="0" smtClean="0"/>
+          </a:p>
+          <a:p>
+            <a:pPr marL="177800" indent="0">
+              <a:buNone/>
+            </a:pPr>
+            <a:r>
+              <a:rPr lang="en-US" dirty="0" smtClean="0"/>
+              <a:t>Generally </a:t>
+            </a:r>
+            <a:r>
+              <a:rPr lang="en-US" dirty="0"/>
+              <a:t>speaking, arrays and generics don’t mix well. If you find</a:t>
+            </a:r>
+          </a:p>
+          <a:p>
+            <a:pPr marL="177800" indent="0">
+              <a:buNone/>
+            </a:pPr>
+            <a:r>
+              <a:rPr lang="en-US" dirty="0" smtClean="0"/>
+              <a:t> yourself </a:t>
+            </a:r>
+            <a:r>
+              <a:rPr lang="en-US" dirty="0"/>
+              <a:t>mixing them and getting compile-time errors or warnings, your </a:t>
+            </a:r>
+            <a:r>
+              <a:rPr lang="en-US" dirty="0" smtClean="0"/>
+              <a:t>first impulse </a:t>
+            </a:r>
+            <a:r>
+              <a:rPr lang="en-US" dirty="0"/>
+              <a:t>should be to replace the arrays with lists</a:t>
+            </a:r>
             <a:endParaRPr lang="en-US" dirty="0"/>
           </a:p>
         </p:txBody>
@@ -18878,7 +18971,78 @@
           <a:bodyPr/>
           <a:lstStyle/>
           <a:p>
-            <a:endParaRPr lang="en-US"/>
+            <a:pPr marL="177800" indent="0">
+              <a:buNone/>
+            </a:pPr>
+            <a:r>
+              <a:rPr lang="en-US" dirty="0"/>
+              <a:t>G</a:t>
+            </a:r>
+            <a:r>
+              <a:rPr lang="en-US" dirty="0" smtClean="0"/>
+              <a:t>eneric </a:t>
+            </a:r>
+            <a:r>
+              <a:rPr lang="en-US" dirty="0"/>
+              <a:t>types are safer and easier to use than types that </a:t>
+            </a:r>
+            <a:r>
+              <a:rPr lang="en-US" dirty="0" smtClean="0"/>
+              <a:t>require casts </a:t>
+            </a:r>
+            <a:r>
+              <a:rPr lang="en-US" dirty="0"/>
+              <a:t>in client code. When you design new types, make sure that they can be </a:t>
+            </a:r>
+            <a:r>
+              <a:rPr lang="en-US" dirty="0" smtClean="0"/>
+              <a:t>used without </a:t>
+            </a:r>
+            <a:r>
+              <a:rPr lang="en-US" dirty="0"/>
+              <a:t>such casts. </a:t>
+            </a:r>
+            <a:endParaRPr lang="en-US" dirty="0" smtClean="0"/>
+          </a:p>
+          <a:p>
+            <a:pPr marL="177800" indent="0">
+              <a:buNone/>
+            </a:pPr>
+            <a:r>
+              <a:rPr lang="en-US" dirty="0" smtClean="0"/>
+              <a:t>This </a:t>
+            </a:r>
+            <a:r>
+              <a:rPr lang="en-US" dirty="0"/>
+              <a:t>will often mean making the types generic. </a:t>
+            </a:r>
+            <a:endParaRPr lang="en-US" dirty="0" smtClean="0"/>
+          </a:p>
+          <a:p>
+            <a:pPr marL="177800" indent="0">
+              <a:buNone/>
+            </a:pPr>
+            <a:r>
+              <a:rPr lang="en-US" dirty="0" smtClean="0"/>
+              <a:t>Generify your existing </a:t>
+            </a:r>
+            <a:r>
+              <a:rPr lang="en-US" dirty="0"/>
+              <a:t>types as time permits. This will make life easier for new users of </a:t>
+            </a:r>
+            <a:r>
+              <a:rPr lang="en-US" dirty="0" smtClean="0"/>
+              <a:t>these types </a:t>
+            </a:r>
+            <a:r>
+              <a:rPr lang="en-US" dirty="0"/>
+              <a:t>without breaking existing </a:t>
+            </a:r>
+            <a:r>
+              <a:rPr lang="en-US" dirty="0" smtClean="0"/>
+              <a:t>clients (Item 23)</a:t>
+            </a:r>
+            <a:endParaRPr lang="en-US" dirty="0"/>
           </a:p>
         </p:txBody>
       </p:sp>
@@ -18931,7 +19095,6 @@
               <a:rPr lang="en-US" dirty="0"/>
               <a:t>Item 27: Favor generic methods</a:t>
             </a:r>
-            <a:endParaRPr lang="en-US" dirty="0"/>
           </a:p>
         </p:txBody>
       </p:sp>
@@ -18950,7 +19113,63 @@
           <a:bodyPr/>
           <a:lstStyle/>
           <a:p>
-            <a:endParaRPr lang="en-US"/>
+            <a:pPr marL="177800" indent="0">
+              <a:buNone/>
+            </a:pPr>
+            <a:r>
+              <a:rPr lang="en-US" dirty="0"/>
+              <a:t>G</a:t>
+            </a:r>
+            <a:r>
+              <a:rPr lang="en-US" dirty="0" smtClean="0"/>
+              <a:t>eneric </a:t>
+            </a:r>
+            <a:r>
+              <a:rPr lang="en-US" dirty="0"/>
+              <a:t>methods, like generic types, are safer and easier to </a:t>
+            </a:r>
+            <a:r>
+              <a:rPr lang="en-US" dirty="0" smtClean="0"/>
+              <a:t>use than </a:t>
+            </a:r>
+            <a:r>
+              <a:rPr lang="en-US" dirty="0"/>
+              <a:t>methods that require their clients to cast input parameters and return values.</a:t>
+            </a:r>
+          </a:p>
+          <a:p>
+            <a:pPr marL="177800" indent="0">
+              <a:buNone/>
+            </a:pPr>
+            <a:r>
+              <a:rPr lang="en-US" dirty="0"/>
+              <a:t>Like types, you should make sure that your new methods can be used </a:t>
+            </a:r>
+            <a:r>
+              <a:rPr lang="en-US" dirty="0" smtClean="0"/>
+              <a:t>without casts</a:t>
+            </a:r>
+            <a:r>
+              <a:rPr lang="en-US" dirty="0"/>
+              <a:t>, which will often mean making them generic. And like types, you </a:t>
+            </a:r>
+            <a:r>
+              <a:rPr lang="en-US" dirty="0" smtClean="0"/>
+              <a:t>should generify </a:t>
+            </a:r>
+            <a:r>
+              <a:rPr lang="en-US" dirty="0"/>
+              <a:t>your existing methods to make life easier for new users without </a:t>
+            </a:r>
+            <a:r>
+              <a:rPr lang="en-US" dirty="0" smtClean="0"/>
+              <a:t>breaking existing </a:t>
+            </a:r>
+            <a:r>
+              <a:rPr lang="en-US" dirty="0"/>
+              <a:t>clients (Item 23).</a:t>
+            </a:r>
+            <a:endParaRPr lang="en-US" dirty="0"/>
           </a:p>
         </p:txBody>
       </p:sp>
@@ -19087,7 +19306,6 @@
               <a:rPr lang="en-US" dirty="0"/>
               <a:t> heterogeneous containers</a:t>
             </a:r>
-            <a:endParaRPr lang="en-US" dirty="0"/>
           </a:p>
         </p:txBody>
       </p:sp>
@@ -19682,7 +19900,6 @@
               <a:rPr lang="en-US" dirty="0"/>
               <a:t>Item 31: Use instance fields instead of ordinals</a:t>
             </a:r>
-            <a:endParaRPr lang="en-US" dirty="0"/>
           </a:p>
         </p:txBody>
       </p:sp>
@@ -19762,7 +19979,6 @@
               <a:rPr lang="en-US" dirty="0"/>
               <a:t> instead of bit fields</a:t>
             </a:r>
-            <a:endParaRPr lang="en-US" dirty="0"/>
           </a:p>
         </p:txBody>
       </p:sp>
@@ -19926,7 +20142,6 @@
               <a:rPr lang="en-US" dirty="0"/>
               <a:t> with interfaces</a:t>
             </a:r>
-            <a:endParaRPr lang="en-US" dirty="0"/>
           </a:p>
         </p:txBody>
       </p:sp>
@@ -19998,7 +20213,6 @@
               <a:rPr lang="en-US" dirty="0"/>
               <a:t>Item 35: Prefer annotations to naming patterns</a:t>
             </a:r>
-            <a:endParaRPr lang="en-US" dirty="0"/>
           </a:p>
         </p:txBody>
       </p:sp>
@@ -20146,7 +20360,6 @@
               <a:rPr lang="en-US" dirty="0"/>
               <a:t>Item 37: Use marker interfaces to define types</a:t>
             </a:r>
-            <a:endParaRPr lang="en-US" dirty="0"/>
           </a:p>
         </p:txBody>
       </p:sp>

--- a/Study of Effective Java™.pptx
+++ b/Study of Effective Java™.pptx
@@ -5,7 +5,7 @@
     <p:sldMasterId id="2147483659" r:id="rId1"/>
   </p:sldMasterIdLst>
   <p:notesMasterIdLst>
-    <p:notesMasterId r:id="rId54"/>
+    <p:notesMasterId r:id="rId74"/>
   </p:notesMasterIdLst>
   <p:sldIdLst>
     <p:sldId id="256" r:id="rId2"/>
@@ -45,21 +45,41 @@
     <p:sldId id="296" r:id="rId36"/>
     <p:sldId id="297" r:id="rId37"/>
     <p:sldId id="298" r:id="rId38"/>
-    <p:sldId id="299" r:id="rId39"/>
-    <p:sldId id="287" r:id="rId40"/>
-    <p:sldId id="300" r:id="rId41"/>
-    <p:sldId id="301" r:id="rId42"/>
-    <p:sldId id="302" r:id="rId43"/>
-    <p:sldId id="303" r:id="rId44"/>
-    <p:sldId id="304" r:id="rId45"/>
-    <p:sldId id="305" r:id="rId46"/>
-    <p:sldId id="306" r:id="rId47"/>
-    <p:sldId id="307" r:id="rId48"/>
-    <p:sldId id="288" r:id="rId49"/>
-    <p:sldId id="289" r:id="rId50"/>
-    <p:sldId id="290" r:id="rId51"/>
-    <p:sldId id="291" r:id="rId52"/>
-    <p:sldId id="292" r:id="rId53"/>
+    <p:sldId id="308" r:id="rId39"/>
+    <p:sldId id="299" r:id="rId40"/>
+    <p:sldId id="287" r:id="rId41"/>
+    <p:sldId id="300" r:id="rId42"/>
+    <p:sldId id="301" r:id="rId43"/>
+    <p:sldId id="302" r:id="rId44"/>
+    <p:sldId id="303" r:id="rId45"/>
+    <p:sldId id="304" r:id="rId46"/>
+    <p:sldId id="305" r:id="rId47"/>
+    <p:sldId id="306" r:id="rId48"/>
+    <p:sldId id="307" r:id="rId49"/>
+    <p:sldId id="288" r:id="rId50"/>
+    <p:sldId id="289" r:id="rId51"/>
+    <p:sldId id="290" r:id="rId52"/>
+    <p:sldId id="291" r:id="rId53"/>
+    <p:sldId id="309" r:id="rId54"/>
+    <p:sldId id="310" r:id="rId55"/>
+    <p:sldId id="316" r:id="rId56"/>
+    <p:sldId id="318" r:id="rId57"/>
+    <p:sldId id="317" r:id="rId58"/>
+    <p:sldId id="313" r:id="rId59"/>
+    <p:sldId id="319" r:id="rId60"/>
+    <p:sldId id="320" r:id="rId61"/>
+    <p:sldId id="321" r:id="rId62"/>
+    <p:sldId id="314" r:id="rId63"/>
+    <p:sldId id="322" r:id="rId64"/>
+    <p:sldId id="323" r:id="rId65"/>
+    <p:sldId id="315" r:id="rId66"/>
+    <p:sldId id="324" r:id="rId67"/>
+    <p:sldId id="292" r:id="rId68"/>
+    <p:sldId id="325" r:id="rId69"/>
+    <p:sldId id="326" r:id="rId70"/>
+    <p:sldId id="327" r:id="rId71"/>
+    <p:sldId id="328" r:id="rId72"/>
+    <p:sldId id="329" r:id="rId73"/>
   </p:sldIdLst>
   <p:sldSz cx="12192000" cy="6858000"/>
   <p:notesSz cx="6858000" cy="9144000"/>
@@ -18895,7 +18915,6 @@
               <a:rPr lang="en-US" dirty="0"/>
               <a:t>should be to replace the arrays with lists</a:t>
             </a:r>
-            <a:endParaRPr lang="en-US" dirty="0"/>
           </a:p>
         </p:txBody>
       </p:sp>
@@ -19169,7 +19188,6 @@
               <a:rPr lang="en-US" dirty="0"/>
               <a:t>clients (Item 23).</a:t>
             </a:r>
-            <a:endParaRPr lang="en-US" dirty="0"/>
           </a:p>
         </p:txBody>
       </p:sp>
@@ -19224,7 +19242,7 @@
             </a:r>
             <a:r>
               <a:rPr lang="en-US" dirty="0" smtClean="0"/>
-              <a:t>flexibility</a:t>
+              <a:t>flexibility (1)</a:t>
             </a:r>
             <a:endParaRPr lang="en-US" dirty="0"/>
           </a:p>
@@ -19240,12 +19258,301 @@
             <p:ph type="body" idx="1"/>
           </p:nvPr>
         </p:nvSpPr>
-        <p:spPr/>
+        <p:spPr>
+          <a:xfrm>
+            <a:off x="838200" y="1825624"/>
+            <a:ext cx="10515599" cy="5032375"/>
+          </a:xfrm>
+        </p:spPr>
         <p:txBody>
           <a:bodyPr/>
           <a:lstStyle/>
           <a:p>
-            <a:endParaRPr lang="en-US"/>
+            <a:pPr marL="177800" indent="0">
+              <a:buNone/>
+            </a:pPr>
+            <a:r>
+              <a:rPr lang="en-US" dirty="0"/>
+              <a:t>“</a:t>
+            </a:r>
+            <a:r>
+              <a:rPr lang="en-US" dirty="0" err="1"/>
+              <a:t>Iterable</a:t>
+            </a:r>
+            <a:r>
+              <a:rPr lang="en-US" dirty="0"/>
+              <a:t> </a:t>
+            </a:r>
+            <a:r>
+              <a:rPr lang="en-US" dirty="0" smtClean="0"/>
+              <a:t>of some </a:t>
+            </a:r>
+            <a:r>
+              <a:rPr lang="en-US" dirty="0"/>
+              <a:t>subtype of E,” and there is a wildcard type that means precisely that: </a:t>
+            </a:r>
+            <a:r>
+              <a:rPr lang="en-US" dirty="0" err="1"/>
+              <a:t>Iterable</a:t>
+            </a:r>
+            <a:r>
+              <a:rPr lang="en-US" dirty="0" smtClean="0"/>
+              <a:t>&lt;? extends </a:t>
+            </a:r>
+            <a:r>
+              <a:rPr lang="en-US" dirty="0"/>
+              <a:t>E</a:t>
+            </a:r>
+            <a:r>
+              <a:rPr lang="en-US" dirty="0" smtClean="0"/>
+              <a:t>&gt;</a:t>
+            </a:r>
+          </a:p>
+          <a:p>
+            <a:pPr marL="177800" indent="0">
+              <a:buNone/>
+            </a:pPr>
+            <a:r>
+              <a:rPr lang="en-US" sz="1600" b="1" dirty="0" smtClean="0"/>
+              <a:t>	// </a:t>
+            </a:r>
+            <a:r>
+              <a:rPr lang="en-US" sz="1600" b="1" dirty="0"/>
+              <a:t>Wildcard type for parameter that serves as an E </a:t>
+            </a:r>
+            <a:r>
+              <a:rPr lang="en-US" sz="1600" b="1" dirty="0">
+                <a:solidFill>
+                  <a:srgbClr val="FF0000"/>
+                </a:solidFill>
+              </a:rPr>
+              <a:t>producer</a:t>
+            </a:r>
+          </a:p>
+          <a:p>
+            <a:pPr marL="177800" indent="0">
+              <a:buNone/>
+            </a:pPr>
+            <a:r>
+              <a:rPr lang="en-US" sz="1600" dirty="0" smtClean="0"/>
+              <a:t>	public </a:t>
+            </a:r>
+            <a:r>
+              <a:rPr lang="en-US" sz="1600" dirty="0"/>
+              <a:t>void </a:t>
+            </a:r>
+            <a:r>
+              <a:rPr lang="en-US" sz="1600" dirty="0" err="1"/>
+              <a:t>pushAll</a:t>
+            </a:r>
+            <a:r>
+              <a:rPr lang="en-US" sz="1600" dirty="0"/>
+              <a:t>(</a:t>
+            </a:r>
+            <a:r>
+              <a:rPr lang="en-US" sz="1600" b="1" dirty="0" err="1"/>
+              <a:t>Iterable</a:t>
+            </a:r>
+            <a:r>
+              <a:rPr lang="en-US" sz="1600" b="1" dirty="0"/>
+              <a:t>&lt;? extends E&gt; </a:t>
+            </a:r>
+            <a:r>
+              <a:rPr lang="en-US" sz="1600" dirty="0" err="1"/>
+              <a:t>src</a:t>
+            </a:r>
+            <a:r>
+              <a:rPr lang="en-US" sz="1600" dirty="0"/>
+              <a:t>) {</a:t>
+            </a:r>
+          </a:p>
+          <a:p>
+            <a:pPr marL="177800" indent="0">
+              <a:buNone/>
+            </a:pPr>
+            <a:r>
+              <a:rPr lang="en-US" sz="1600" dirty="0" smtClean="0"/>
+              <a:t>	for </a:t>
+            </a:r>
+            <a:r>
+              <a:rPr lang="en-US" sz="1600" dirty="0"/>
+              <a:t>(E </a:t>
+            </a:r>
+            <a:r>
+              <a:rPr lang="en-US" sz="1600" dirty="0" err="1"/>
+              <a:t>e</a:t>
+            </a:r>
+            <a:r>
+              <a:rPr lang="en-US" sz="1600" dirty="0"/>
+              <a:t> : </a:t>
+            </a:r>
+            <a:r>
+              <a:rPr lang="en-US" sz="1600" dirty="0" err="1"/>
+              <a:t>src</a:t>
+            </a:r>
+            <a:r>
+              <a:rPr lang="en-US" sz="1600" dirty="0"/>
+              <a:t>)</a:t>
+            </a:r>
+          </a:p>
+          <a:p>
+            <a:pPr marL="177800" indent="0">
+              <a:buNone/>
+            </a:pPr>
+            <a:r>
+              <a:rPr lang="en-US" sz="1600" dirty="0" smtClean="0"/>
+              <a:t>		push(e); }</a:t>
+            </a:r>
+          </a:p>
+          <a:p>
+            <a:pPr marL="177800" indent="0">
+              <a:buNone/>
+            </a:pPr>
+            <a:r>
+              <a:rPr lang="en-US" dirty="0" smtClean="0"/>
+              <a:t>“Collection </a:t>
+            </a:r>
+            <a:r>
+              <a:rPr lang="en-US" dirty="0"/>
+              <a:t>of some </a:t>
+            </a:r>
+            <a:r>
+              <a:rPr lang="en-US" dirty="0" err="1"/>
+              <a:t>supertype</a:t>
+            </a:r>
+            <a:r>
+              <a:rPr lang="en-US" dirty="0"/>
+              <a:t> of E” (</a:t>
+            </a:r>
+            <a:r>
+              <a:rPr lang="en-US" dirty="0" smtClean="0"/>
+              <a:t>where </a:t>
+            </a:r>
+            <a:r>
+              <a:rPr lang="en-US" dirty="0" err="1" smtClean="0"/>
+              <a:t>supertype</a:t>
+            </a:r>
+            <a:r>
+              <a:rPr lang="en-US" dirty="0" smtClean="0"/>
+              <a:t> </a:t>
+            </a:r>
+            <a:r>
+              <a:rPr lang="en-US" dirty="0"/>
+              <a:t>is defined such that E is a </a:t>
+            </a:r>
+            <a:r>
+              <a:rPr lang="en-US" dirty="0" err="1"/>
+              <a:t>supertype</a:t>
+            </a:r>
+            <a:r>
+              <a:rPr lang="en-US" dirty="0"/>
+              <a:t> of itself [JLS, 4.10]). Again, there </a:t>
+            </a:r>
+            <a:r>
+              <a:rPr lang="en-US" dirty="0" smtClean="0"/>
+              <a:t>is a </a:t>
+            </a:r>
+            <a:r>
+              <a:rPr lang="en-US" dirty="0"/>
+              <a:t>wildcard type that means precisely that: Collection&lt;? super E</a:t>
+            </a:r>
+            <a:r>
+              <a:rPr lang="en-US" dirty="0" smtClean="0"/>
+              <a:t>&gt;</a:t>
+            </a:r>
+          </a:p>
+          <a:p>
+            <a:pPr marL="177800" indent="0">
+              <a:buNone/>
+            </a:pPr>
+            <a:r>
+              <a:rPr lang="en-US" sz="1600" b="1" dirty="0" smtClean="0"/>
+              <a:t>	// </a:t>
+            </a:r>
+            <a:r>
+              <a:rPr lang="en-US" sz="1600" b="1" dirty="0"/>
+              <a:t>Wildcard type for parameter that serves as an E </a:t>
+            </a:r>
+            <a:r>
+              <a:rPr lang="en-US" sz="1600" b="1" dirty="0">
+                <a:solidFill>
+                  <a:srgbClr val="FF0000"/>
+                </a:solidFill>
+              </a:rPr>
+              <a:t>consumer</a:t>
+            </a:r>
+          </a:p>
+          <a:p>
+            <a:pPr marL="177800" indent="0">
+              <a:buNone/>
+            </a:pPr>
+            <a:r>
+              <a:rPr lang="en-US" sz="1600" dirty="0" smtClean="0"/>
+              <a:t>	public </a:t>
+            </a:r>
+            <a:r>
+              <a:rPr lang="en-US" sz="1600" dirty="0"/>
+              <a:t>void </a:t>
+            </a:r>
+            <a:r>
+              <a:rPr lang="en-US" sz="1600" dirty="0" err="1"/>
+              <a:t>popAll</a:t>
+            </a:r>
+            <a:r>
+              <a:rPr lang="en-US" sz="1600" dirty="0"/>
+              <a:t>(</a:t>
+            </a:r>
+            <a:r>
+              <a:rPr lang="en-US" sz="1600" b="1" dirty="0"/>
+              <a:t>Collection&lt;? super E&gt; </a:t>
+            </a:r>
+            <a:r>
+              <a:rPr lang="en-US" sz="1600" dirty="0" err="1"/>
+              <a:t>dst</a:t>
+            </a:r>
+            <a:r>
+              <a:rPr lang="en-US" sz="1600" dirty="0"/>
+              <a:t>) {</a:t>
+            </a:r>
+          </a:p>
+          <a:p>
+            <a:pPr marL="177800" indent="0">
+              <a:buNone/>
+            </a:pPr>
+            <a:r>
+              <a:rPr lang="en-US" sz="1600" dirty="0" smtClean="0"/>
+              <a:t>	while </a:t>
+            </a:r>
+            <a:r>
+              <a:rPr lang="en-US" sz="1600" dirty="0"/>
+              <a:t>(!</a:t>
+            </a:r>
+            <a:r>
+              <a:rPr lang="en-US" sz="1600" dirty="0" err="1"/>
+              <a:t>isEmpty</a:t>
+            </a:r>
+            <a:r>
+              <a:rPr lang="en-US" sz="1600" dirty="0"/>
+              <a:t>())</a:t>
+            </a:r>
+          </a:p>
+          <a:p>
+            <a:pPr marL="177800" indent="0">
+              <a:buNone/>
+            </a:pPr>
+            <a:r>
+              <a:rPr lang="en-US" sz="1600" dirty="0" smtClean="0"/>
+              <a:t>		</a:t>
+            </a:r>
+            <a:r>
+              <a:rPr lang="en-US" sz="1600" dirty="0" err="1" smtClean="0"/>
+              <a:t>dst.add</a:t>
+            </a:r>
+            <a:r>
+              <a:rPr lang="en-US" sz="1600" dirty="0" smtClean="0"/>
+              <a:t>(pop()); }</a:t>
+            </a:r>
+            <a:endParaRPr lang="en-US" sz="1600" dirty="0"/>
           </a:p>
         </p:txBody>
       </p:sp>
@@ -19296,16 +19603,13 @@
           <a:p>
             <a:r>
               <a:rPr lang="en-US" dirty="0"/>
-              <a:t>Item 29: Consider </a:t>
-            </a:r>
-            <a:r>
-              <a:rPr lang="en-US" dirty="0" err="1"/>
-              <a:t>typesafe</a:t>
-            </a:r>
-            <a:r>
-              <a:rPr lang="en-US" dirty="0"/>
-              <a:t> heterogeneous containers</a:t>
-            </a:r>
+              <a:t>Item 28: Use bounded wildcards to increase API </a:t>
+            </a:r>
+            <a:r>
+              <a:rPr lang="en-US" dirty="0" smtClean="0"/>
+              <a:t>flexibility (2)</a:t>
+            </a:r>
+            <a:endParaRPr lang="en-US" dirty="0"/>
           </a:p>
         </p:txBody>
       </p:sp>
@@ -19324,14 +19628,113 @@
           <a:bodyPr/>
           <a:lstStyle/>
           <a:p>
-            <a:endParaRPr lang="en-US"/>
+            <a:pPr marL="177800" indent="0">
+              <a:buNone/>
+            </a:pPr>
+            <a:r>
+              <a:rPr lang="en-US" b="1" dirty="0"/>
+              <a:t>For maximum flexibility, use wildcard types on </a:t>
+            </a:r>
+            <a:r>
+              <a:rPr lang="en-US" b="1" dirty="0" smtClean="0"/>
+              <a:t>input parameters </a:t>
+            </a:r>
+            <a:r>
+              <a:rPr lang="en-US" b="1" dirty="0"/>
+              <a:t>that </a:t>
+            </a:r>
+            <a:r>
+              <a:rPr lang="en-US" b="1" dirty="0" smtClean="0"/>
+              <a:t>represent</a:t>
+            </a:r>
+          </a:p>
+          <a:p>
+            <a:pPr marL="177800" indent="0">
+              <a:buNone/>
+            </a:pPr>
+            <a:r>
+              <a:rPr lang="en-US" dirty="0"/>
+              <a:t>H</a:t>
+            </a:r>
+            <a:r>
+              <a:rPr lang="en-US" dirty="0" smtClean="0"/>
+              <a:t>elp </a:t>
+            </a:r>
+            <a:r>
+              <a:rPr lang="en-US" dirty="0"/>
+              <a:t>you remember which wildcard type to use:</a:t>
+            </a:r>
+          </a:p>
+          <a:p>
+            <a:pPr marL="177800" indent="0">
+              <a:buNone/>
+            </a:pPr>
+            <a:r>
+              <a:rPr lang="en-US" b="1" dirty="0"/>
+              <a:t>PECS stands for producer-extends, consumer-super.</a:t>
+            </a:r>
+            <a:r>
+              <a:rPr lang="en-US" b="1" dirty="0" smtClean="0"/>
+              <a:t> </a:t>
+            </a:r>
+            <a:r>
+              <a:rPr lang="en-US" b="1" dirty="0"/>
+              <a:t>producers or </a:t>
+            </a:r>
+            <a:r>
+              <a:rPr lang="en-US" b="1" dirty="0" smtClean="0"/>
+              <a:t>consumers</a:t>
+            </a:r>
+          </a:p>
+          <a:p>
+            <a:pPr marL="177800" indent="0">
+              <a:buNone/>
+            </a:pPr>
+            <a:r>
+              <a:rPr lang="en-US" dirty="0"/>
+              <a:t>if a parameterized type represents a T producer, use &lt;? extends T</a:t>
+            </a:r>
+            <a:r>
+              <a:rPr lang="en-US" dirty="0" smtClean="0"/>
+              <a:t>&gt;;</a:t>
+            </a:r>
+          </a:p>
+          <a:p>
+            <a:pPr marL="177800" indent="0">
+              <a:buNone/>
+            </a:pPr>
+            <a:r>
+              <a:rPr lang="en-US" dirty="0" smtClean="0"/>
+              <a:t>If a parameter </a:t>
+            </a:r>
+            <a:r>
+              <a:rPr lang="en-US" dirty="0"/>
+              <a:t>consumes E </a:t>
+            </a:r>
+            <a:r>
+              <a:rPr lang="en-US" dirty="0" smtClean="0"/>
+              <a:t>instances from, </a:t>
+            </a:r>
+            <a:r>
+              <a:rPr lang="en-US" dirty="0"/>
+              <a:t>so the appropriate type for </a:t>
+            </a:r>
+            <a:r>
+              <a:rPr lang="en-US" dirty="0" err="1"/>
+              <a:t>dst</a:t>
+            </a:r>
+            <a:r>
+              <a:rPr lang="en-US" dirty="0"/>
+              <a:t> is Collection&lt;? super E&gt;</a:t>
+            </a:r>
+            <a:endParaRPr lang="en-US" dirty="0"/>
           </a:p>
         </p:txBody>
       </p:sp>
     </p:spTree>
     <p:extLst>
       <p:ext uri="{BB962C8B-B14F-4D97-AF65-F5344CB8AC3E}">
-        <p14:creationId xmlns:p14="http://schemas.microsoft.com/office/powerpoint/2010/main" val="1741777670"/>
+        <p14:creationId xmlns:p14="http://schemas.microsoft.com/office/powerpoint/2010/main" val="3990370138"/>
       </p:ext>
     </p:extLst>
   </p:cSld>
@@ -19346,7 +19749,7 @@
   <p:cSld>
     <p:spTree>
       <p:nvGrpSpPr>
-        <p:cNvPr id="1" name="Shape 89"/>
+        <p:cNvPr id="1" name=""/>
         <p:cNvGrpSpPr/>
         <p:nvPr/>
       </p:nvGrpSpPr>
@@ -19360,139 +19763,57 @@
       </p:grpSpPr>
       <p:sp>
         <p:nvSpPr>
-          <p:cNvPr id="90" name="Shape 90"/>
-          <p:cNvSpPr txBox="1">
+          <p:cNvPr id="2" name="Title 1"/>
+          <p:cNvSpPr>
             <a:spLocks noGrp="1"/>
           </p:cNvSpPr>
           <p:nvPr>
             <p:ph type="title"/>
           </p:nvPr>
         </p:nvSpPr>
-        <p:spPr>
-          <a:xfrm>
-            <a:off x="838200" y="365125"/>
-            <a:ext cx="10515599" cy="1325562"/>
-          </a:xfrm>
-          <a:prstGeom prst="rect">
-            <a:avLst/>
-          </a:prstGeom>
-          <a:noFill/>
-          <a:ln>
-            <a:noFill/>
-          </a:ln>
-        </p:spPr>
+        <p:spPr/>
         <p:txBody>
-          <a:bodyPr lIns="91425" tIns="45700" rIns="91425" bIns="45700" anchor="ctr" anchorCtr="0">
-            <a:noAutofit/>
-          </a:bodyPr>
+          <a:bodyPr/>
           <a:lstStyle/>
           <a:p>
-            <a:pPr marL="0" marR="0" lvl="0" indent="0" algn="r" rtl="0">
-              <a:lnSpc>
-                <a:spcPct val="90000"/>
-              </a:lnSpc>
-              <a:spcBef>
-                <a:spcPts val="0"/>
-              </a:spcBef>
-              <a:buClr>
-                <a:schemeClr val="dk1"/>
-              </a:buClr>
-              <a:buSzPct val="25000"/>
-              <a:buFont typeface="Calibri"/>
-              <a:buNone/>
-            </a:pPr>
-            <a:r>
-              <a:rPr lang="en-US" sz="4400" b="0" i="0" u="none" strike="noStrike" cap="none" dirty="0">
-                <a:solidFill>
-                  <a:schemeClr val="dk1"/>
-                </a:solidFill>
-                <a:latin typeface="Calibri"/>
-                <a:ea typeface="Calibri"/>
-                <a:cs typeface="Calibri"/>
-                <a:sym typeface="Calibri"/>
-              </a:rPr>
-              <a:t>C H A P T E R </a:t>
-            </a:r>
-            <a:r>
-              <a:rPr lang="en-US" dirty="0" smtClean="0"/>
-              <a:t>6</a:t>
-            </a:r>
-            <a:endParaRPr lang="en-US" sz="4400" b="0" i="0" u="none" strike="noStrike" cap="none" dirty="0">
-              <a:solidFill>
-                <a:schemeClr val="dk1"/>
-              </a:solidFill>
-              <a:latin typeface="Calibri"/>
-              <a:ea typeface="Calibri"/>
-              <a:cs typeface="Calibri"/>
-              <a:sym typeface="Calibri"/>
-            </a:endParaRPr>
+            <a:r>
+              <a:rPr lang="en-US" dirty="0"/>
+              <a:t>Item 29: Consider </a:t>
+            </a:r>
+            <a:r>
+              <a:rPr lang="en-US" dirty="0" err="1"/>
+              <a:t>typesafe</a:t>
+            </a:r>
+            <a:r>
+              <a:rPr lang="en-US" dirty="0"/>
+              <a:t> heterogeneous containers</a:t>
+            </a:r>
           </a:p>
         </p:txBody>
       </p:sp>
       <p:sp>
         <p:nvSpPr>
-          <p:cNvPr id="91" name="Shape 91"/>
-          <p:cNvSpPr txBox="1">
+          <p:cNvPr id="3" name="Text Placeholder 2"/>
+          <p:cNvSpPr>
             <a:spLocks noGrp="1"/>
           </p:cNvSpPr>
           <p:nvPr>
             <p:ph type="body" idx="1"/>
           </p:nvPr>
         </p:nvSpPr>
-        <p:spPr>
-          <a:xfrm>
-            <a:off x="838200" y="1825625"/>
-            <a:ext cx="10515599" cy="4723221"/>
-          </a:xfrm>
-          <a:prstGeom prst="rect">
-            <a:avLst/>
-          </a:prstGeom>
-          <a:noFill/>
-          <a:ln>
-            <a:noFill/>
-          </a:ln>
-        </p:spPr>
+        <p:spPr/>
         <p:txBody>
-          <a:bodyPr lIns="91425" tIns="45700" rIns="91425" bIns="45700" anchor="t" anchorCtr="0">
-            <a:noAutofit/>
-          </a:bodyPr>
+          <a:bodyPr/>
           <a:lstStyle/>
           <a:p>
-            <a:pPr marL="0" lvl="0" indent="0">
-              <a:spcBef>
-                <a:spcPts val="0"/>
-              </a:spcBef>
-              <a:buSzPct val="25000"/>
-              <a:buNone/>
-            </a:pPr>
-            <a:r>
-              <a:rPr lang="en-US" sz="5400" b="1" dirty="0" err="1"/>
-              <a:t>Enums</a:t>
-            </a:r>
-            <a:r>
-              <a:rPr lang="en-US" sz="5400" b="1" dirty="0"/>
-              <a:t> and </a:t>
-            </a:r>
-            <a:r>
-              <a:rPr lang="en-US" sz="5400" b="1" dirty="0" smtClean="0"/>
-              <a:t>Annotations</a:t>
-            </a:r>
-            <a:endParaRPr lang="en-US" sz="2000" b="0" i="0" u="none" strike="noStrike" cap="none" dirty="0">
-              <a:solidFill>
-                <a:schemeClr val="dk1"/>
-              </a:solidFill>
-              <a:latin typeface="Calibri"/>
-              <a:ea typeface="Calibri"/>
-              <a:cs typeface="Calibri"/>
-              <a:sym typeface="Calibri"/>
-            </a:endParaRPr>
+            <a:endParaRPr lang="en-US" dirty="0"/>
           </a:p>
         </p:txBody>
       </p:sp>
     </p:spTree>
     <p:extLst>
       <p:ext uri="{BB962C8B-B14F-4D97-AF65-F5344CB8AC3E}">
-        <p14:creationId xmlns:p14="http://schemas.microsoft.com/office/powerpoint/2010/main" val="676294108"/>
+        <p14:creationId xmlns:p14="http://schemas.microsoft.com/office/powerpoint/2010/main" val="1741777670"/>
       </p:ext>
     </p:extLst>
   </p:cSld>
@@ -19777,7 +20098,7 @@
   <p:cSld>
     <p:spTree>
       <p:nvGrpSpPr>
-        <p:cNvPr id="1" name=""/>
+        <p:cNvPr id="1" name="Shape 89"/>
         <p:cNvGrpSpPr/>
         <p:nvPr/>
       </p:nvGrpSpPr>
@@ -19791,70 +20112,139 @@
       </p:grpSpPr>
       <p:sp>
         <p:nvSpPr>
-          <p:cNvPr id="2" name="Title 1"/>
-          <p:cNvSpPr>
+          <p:cNvPr id="90" name="Shape 90"/>
+          <p:cNvSpPr txBox="1">
             <a:spLocks noGrp="1"/>
           </p:cNvSpPr>
           <p:nvPr>
             <p:ph type="title"/>
           </p:nvPr>
         </p:nvSpPr>
-        <p:spPr/>
+        <p:spPr>
+          <a:xfrm>
+            <a:off x="838200" y="365125"/>
+            <a:ext cx="10515599" cy="1325562"/>
+          </a:xfrm>
+          <a:prstGeom prst="rect">
+            <a:avLst/>
+          </a:prstGeom>
+          <a:noFill/>
+          <a:ln>
+            <a:noFill/>
+          </a:ln>
+        </p:spPr>
         <p:txBody>
-          <a:bodyPr/>
+          <a:bodyPr lIns="91425" tIns="45700" rIns="91425" bIns="45700" anchor="ctr" anchorCtr="0">
+            <a:noAutofit/>
+          </a:bodyPr>
           <a:lstStyle/>
           <a:p>
-            <a:r>
-              <a:rPr lang="en-US" dirty="0"/>
-              <a:t>Item 30: Use </a:t>
-            </a:r>
-            <a:r>
-              <a:rPr lang="en-US" dirty="0" err="1"/>
-              <a:t>enums</a:t>
-            </a:r>
-            <a:r>
-              <a:rPr lang="en-US" dirty="0"/>
-              <a:t> instead of </a:t>
-            </a:r>
-            <a:r>
-              <a:rPr lang="en-US" dirty="0" err="1"/>
-              <a:t>int</a:t>
-            </a:r>
-            <a:r>
-              <a:rPr lang="en-US" dirty="0"/>
-              <a:t> </a:t>
+            <a:pPr marL="0" marR="0" lvl="0" indent="0" algn="r" rtl="0">
+              <a:lnSpc>
+                <a:spcPct val="90000"/>
+              </a:lnSpc>
+              <a:spcBef>
+                <a:spcPts val="0"/>
+              </a:spcBef>
+              <a:buClr>
+                <a:schemeClr val="dk1"/>
+              </a:buClr>
+              <a:buSzPct val="25000"/>
+              <a:buFont typeface="Calibri"/>
+              <a:buNone/>
+            </a:pPr>
+            <a:r>
+              <a:rPr lang="en-US" sz="4400" b="0" i="0" u="none" strike="noStrike" cap="none" dirty="0">
+                <a:solidFill>
+                  <a:schemeClr val="dk1"/>
+                </a:solidFill>
+                <a:latin typeface="Calibri"/>
+                <a:ea typeface="Calibri"/>
+                <a:cs typeface="Calibri"/>
+                <a:sym typeface="Calibri"/>
+              </a:rPr>
+              <a:t>C H A P T E R </a:t>
             </a:r>
             <a:r>
               <a:rPr lang="en-US" dirty="0" smtClean="0"/>
-              <a:t>constants</a:t>
-            </a:r>
-            <a:endParaRPr lang="en-US" dirty="0"/>
+              <a:t>6</a:t>
+            </a:r>
+            <a:endParaRPr lang="en-US" sz="4400" b="0" i="0" u="none" strike="noStrike" cap="none" dirty="0">
+              <a:solidFill>
+                <a:schemeClr val="dk1"/>
+              </a:solidFill>
+              <a:latin typeface="Calibri"/>
+              <a:ea typeface="Calibri"/>
+              <a:cs typeface="Calibri"/>
+              <a:sym typeface="Calibri"/>
+            </a:endParaRPr>
           </a:p>
         </p:txBody>
       </p:sp>
       <p:sp>
         <p:nvSpPr>
-          <p:cNvPr id="3" name="Text Placeholder 2"/>
-          <p:cNvSpPr>
+          <p:cNvPr id="91" name="Shape 91"/>
+          <p:cNvSpPr txBox="1">
             <a:spLocks noGrp="1"/>
           </p:cNvSpPr>
           <p:nvPr>
             <p:ph type="body" idx="1"/>
           </p:nvPr>
         </p:nvSpPr>
-        <p:spPr/>
+        <p:spPr>
+          <a:xfrm>
+            <a:off x="838200" y="1825625"/>
+            <a:ext cx="10515599" cy="4723221"/>
+          </a:xfrm>
+          <a:prstGeom prst="rect">
+            <a:avLst/>
+          </a:prstGeom>
+          <a:noFill/>
+          <a:ln>
+            <a:noFill/>
+          </a:ln>
+        </p:spPr>
         <p:txBody>
-          <a:bodyPr/>
+          <a:bodyPr lIns="91425" tIns="45700" rIns="91425" bIns="45700" anchor="t" anchorCtr="0">
+            <a:noAutofit/>
+          </a:bodyPr>
           <a:lstStyle/>
           <a:p>
-            <a:endParaRPr lang="en-US"/>
+            <a:pPr marL="0" lvl="0" indent="0">
+              <a:spcBef>
+                <a:spcPts val="0"/>
+              </a:spcBef>
+              <a:buSzPct val="25000"/>
+              <a:buNone/>
+            </a:pPr>
+            <a:r>
+              <a:rPr lang="en-US" sz="5400" b="1" dirty="0" err="1"/>
+              <a:t>Enums</a:t>
+            </a:r>
+            <a:r>
+              <a:rPr lang="en-US" sz="5400" b="1" dirty="0"/>
+              <a:t> and </a:t>
+            </a:r>
+            <a:r>
+              <a:rPr lang="en-US" sz="5400" b="1" dirty="0" smtClean="0"/>
+              <a:t>Annotations</a:t>
+            </a:r>
+            <a:endParaRPr lang="en-US" sz="2000" b="0" i="0" u="none" strike="noStrike" cap="none" dirty="0">
+              <a:solidFill>
+                <a:schemeClr val="dk1"/>
+              </a:solidFill>
+              <a:latin typeface="Calibri"/>
+              <a:ea typeface="Calibri"/>
+              <a:cs typeface="Calibri"/>
+              <a:sym typeface="Calibri"/>
+            </a:endParaRPr>
           </a:p>
         </p:txBody>
       </p:sp>
     </p:spTree>
     <p:extLst>
       <p:ext uri="{BB962C8B-B14F-4D97-AF65-F5344CB8AC3E}">
-        <p14:creationId xmlns:p14="http://schemas.microsoft.com/office/powerpoint/2010/main" val="2980106016"/>
+        <p14:creationId xmlns:p14="http://schemas.microsoft.com/office/powerpoint/2010/main" val="676294108"/>
       </p:ext>
     </p:extLst>
   </p:cSld>
@@ -19898,8 +20288,29 @@
           <a:p>
             <a:r>
               <a:rPr lang="en-US" dirty="0"/>
-              <a:t>Item 31: Use instance fields instead of ordinals</a:t>
-            </a:r>
+              <a:t>Item 30: Use </a:t>
+            </a:r>
+            <a:r>
+              <a:rPr lang="en-US" dirty="0" err="1"/>
+              <a:t>enums</a:t>
+            </a:r>
+            <a:r>
+              <a:rPr lang="en-US" dirty="0"/>
+              <a:t> instead of </a:t>
+            </a:r>
+            <a:r>
+              <a:rPr lang="en-US" dirty="0" err="1"/>
+              <a:t>int</a:t>
+            </a:r>
+            <a:r>
+              <a:rPr lang="en-US" dirty="0"/>
+              <a:t> </a:t>
+            </a:r>
+            <a:r>
+              <a:rPr lang="en-US" dirty="0" smtClean="0"/>
+              <a:t>constants</a:t>
+            </a:r>
+            <a:endParaRPr lang="en-US" dirty="0"/>
           </a:p>
         </p:txBody>
       </p:sp>
@@ -19925,7 +20336,7 @@
     </p:spTree>
     <p:extLst>
       <p:ext uri="{BB962C8B-B14F-4D97-AF65-F5344CB8AC3E}">
-        <p14:creationId xmlns:p14="http://schemas.microsoft.com/office/powerpoint/2010/main" val="3338768838"/>
+        <p14:creationId xmlns:p14="http://schemas.microsoft.com/office/powerpoint/2010/main" val="2980106016"/>
       </p:ext>
     </p:extLst>
   </p:cSld>
@@ -19969,15 +20380,7 @@
           <a:p>
             <a:r>
               <a:rPr lang="en-US" dirty="0"/>
-              <a:t>Item 32: Use </a:t>
-            </a:r>
-            <a:r>
-              <a:rPr lang="en-US" dirty="0" err="1"/>
-              <a:t>EnumSet</a:t>
-            </a:r>
-            <a:r>
-              <a:rPr lang="en-US" dirty="0"/>
-              <a:t> instead of bit fields</a:t>
+              <a:t>Item 31: Use instance fields instead of ordinals</a:t>
             </a:r>
           </a:p>
         </p:txBody>
@@ -20004,7 +20407,7 @@
     </p:spTree>
     <p:extLst>
       <p:ext uri="{BB962C8B-B14F-4D97-AF65-F5344CB8AC3E}">
-        <p14:creationId xmlns:p14="http://schemas.microsoft.com/office/powerpoint/2010/main" val="4170478601"/>
+        <p14:creationId xmlns:p14="http://schemas.microsoft.com/office/powerpoint/2010/main" val="3338768838"/>
       </p:ext>
     </p:extLst>
   </p:cSld>
@@ -20048,21 +20451,16 @@
           <a:p>
             <a:r>
               <a:rPr lang="en-US" dirty="0"/>
-              <a:t>Item 33: Use </a:t>
+              <a:t>Item 32: Use </a:t>
             </a:r>
             <a:r>
               <a:rPr lang="en-US" dirty="0" err="1"/>
-              <a:t>EnumMap</a:t>
+              <a:t>EnumSet</a:t>
             </a:r>
             <a:r>
               <a:rPr lang="en-US" dirty="0"/>
-              <a:t> instead of ordinal </a:t>
-            </a:r>
-            <a:r>
-              <a:rPr lang="en-US" dirty="0" smtClean="0"/>
-              <a:t>indexing</a:t>
-            </a:r>
-            <a:endParaRPr lang="en-US" dirty="0"/>
+              <a:t> instead of bit fields</a:t>
+            </a:r>
           </a:p>
         </p:txBody>
       </p:sp>
@@ -20088,7 +20486,7 @@
     </p:spTree>
     <p:extLst>
       <p:ext uri="{BB962C8B-B14F-4D97-AF65-F5344CB8AC3E}">
-        <p14:creationId xmlns:p14="http://schemas.microsoft.com/office/powerpoint/2010/main" val="4225000691"/>
+        <p14:creationId xmlns:p14="http://schemas.microsoft.com/office/powerpoint/2010/main" val="4170478601"/>
       </p:ext>
     </p:extLst>
   </p:cSld>
@@ -20132,16 +20530,21 @@
           <a:p>
             <a:r>
               <a:rPr lang="en-US" dirty="0"/>
-              <a:t>Item 34: Emulate extensible </a:t>
+              <a:t>Item 33: Use </a:t>
             </a:r>
             <a:r>
               <a:rPr lang="en-US" dirty="0" err="1"/>
-              <a:t>enums</a:t>
+              <a:t>EnumMap</a:t>
             </a:r>
             <a:r>
               <a:rPr lang="en-US" dirty="0"/>
-              <a:t> with interfaces</a:t>
-            </a:r>
+              <a:t> instead of ordinal </a:t>
+            </a:r>
+            <a:r>
+              <a:rPr lang="en-US" dirty="0" smtClean="0"/>
+              <a:t>indexing</a:t>
+            </a:r>
+            <a:endParaRPr lang="en-US" dirty="0"/>
           </a:p>
         </p:txBody>
       </p:sp>
@@ -20167,7 +20570,7 @@
     </p:spTree>
     <p:extLst>
       <p:ext uri="{BB962C8B-B14F-4D97-AF65-F5344CB8AC3E}">
-        <p14:creationId xmlns:p14="http://schemas.microsoft.com/office/powerpoint/2010/main" val="4261766108"/>
+        <p14:creationId xmlns:p14="http://schemas.microsoft.com/office/powerpoint/2010/main" val="4225000691"/>
       </p:ext>
     </p:extLst>
   </p:cSld>
@@ -20211,7 +20614,15 @@
           <a:p>
             <a:r>
               <a:rPr lang="en-US" dirty="0"/>
-              <a:t>Item 35: Prefer annotations to naming patterns</a:t>
+              <a:t>Item 34: Emulate extensible </a:t>
+            </a:r>
+            <a:r>
+              <a:rPr lang="en-US" dirty="0" err="1"/>
+              <a:t>enums</a:t>
+            </a:r>
+            <a:r>
+              <a:rPr lang="en-US" dirty="0"/>
+              <a:t> with interfaces</a:t>
             </a:r>
           </a:p>
         </p:txBody>
@@ -20238,7 +20649,7 @@
     </p:spTree>
     <p:extLst>
       <p:ext uri="{BB962C8B-B14F-4D97-AF65-F5344CB8AC3E}">
-        <p14:creationId xmlns:p14="http://schemas.microsoft.com/office/powerpoint/2010/main" val="1665738936"/>
+        <p14:creationId xmlns:p14="http://schemas.microsoft.com/office/powerpoint/2010/main" val="4261766108"/>
       </p:ext>
     </p:extLst>
   </p:cSld>
@@ -20282,13 +20693,8 @@
           <a:p>
             <a:r>
               <a:rPr lang="en-US" dirty="0"/>
-              <a:t>Item 36: Consistently use the Override </a:t>
-            </a:r>
-            <a:r>
-              <a:rPr lang="en-US" dirty="0" smtClean="0"/>
-              <a:t>annotation</a:t>
-            </a:r>
-            <a:endParaRPr lang="en-US" dirty="0"/>
+              <a:t>Item 35: Prefer annotations to naming patterns</a:t>
+            </a:r>
           </a:p>
         </p:txBody>
       </p:sp>
@@ -20314,7 +20720,7 @@
     </p:spTree>
     <p:extLst>
       <p:ext uri="{BB962C8B-B14F-4D97-AF65-F5344CB8AC3E}">
-        <p14:creationId xmlns:p14="http://schemas.microsoft.com/office/powerpoint/2010/main" val="312285261"/>
+        <p14:creationId xmlns:p14="http://schemas.microsoft.com/office/powerpoint/2010/main" val="1665738936"/>
       </p:ext>
     </p:extLst>
   </p:cSld>
@@ -20358,8 +20764,13 @@
           <a:p>
             <a:r>
               <a:rPr lang="en-US" dirty="0"/>
-              <a:t>Item 37: Use marker interfaces to define types</a:t>
-            </a:r>
+              <a:t>Item 36: Consistently use the Override </a:t>
+            </a:r>
+            <a:r>
+              <a:rPr lang="en-US" dirty="0" smtClean="0"/>
+              <a:t>annotation</a:t>
+            </a:r>
+            <a:endParaRPr lang="en-US" dirty="0"/>
           </a:p>
         </p:txBody>
       </p:sp>
@@ -20385,7 +20796,7 @@
     </p:spTree>
     <p:extLst>
       <p:ext uri="{BB962C8B-B14F-4D97-AF65-F5344CB8AC3E}">
-        <p14:creationId xmlns:p14="http://schemas.microsoft.com/office/powerpoint/2010/main" val="1625613959"/>
+        <p14:creationId xmlns:p14="http://schemas.microsoft.com/office/powerpoint/2010/main" val="312285261"/>
       </p:ext>
     </p:extLst>
   </p:cSld>
@@ -20400,7 +20811,7 @@
   <p:cSld>
     <p:spTree>
       <p:nvGrpSpPr>
-        <p:cNvPr id="1" name="Shape 89"/>
+        <p:cNvPr id="1" name=""/>
         <p:cNvGrpSpPr/>
         <p:nvPr/>
       </p:nvGrpSpPr>
@@ -20414,131 +20825,49 @@
       </p:grpSpPr>
       <p:sp>
         <p:nvSpPr>
-          <p:cNvPr id="90" name="Shape 90"/>
-          <p:cNvSpPr txBox="1">
+          <p:cNvPr id="2" name="Title 1"/>
+          <p:cNvSpPr>
             <a:spLocks noGrp="1"/>
           </p:cNvSpPr>
           <p:nvPr>
             <p:ph type="title"/>
           </p:nvPr>
         </p:nvSpPr>
-        <p:spPr>
-          <a:xfrm>
-            <a:off x="838200" y="365125"/>
-            <a:ext cx="10515599" cy="1325562"/>
-          </a:xfrm>
-          <a:prstGeom prst="rect">
-            <a:avLst/>
-          </a:prstGeom>
-          <a:noFill/>
-          <a:ln>
-            <a:noFill/>
-          </a:ln>
-        </p:spPr>
+        <p:spPr/>
         <p:txBody>
-          <a:bodyPr lIns="91425" tIns="45700" rIns="91425" bIns="45700" anchor="ctr" anchorCtr="0">
-            <a:noAutofit/>
-          </a:bodyPr>
+          <a:bodyPr/>
           <a:lstStyle/>
           <a:p>
-            <a:pPr marL="0" marR="0" lvl="0" indent="0" algn="r" rtl="0">
-              <a:lnSpc>
-                <a:spcPct val="90000"/>
-              </a:lnSpc>
-              <a:spcBef>
-                <a:spcPts val="0"/>
-              </a:spcBef>
-              <a:buClr>
-                <a:schemeClr val="dk1"/>
-              </a:buClr>
-              <a:buSzPct val="25000"/>
-              <a:buFont typeface="Calibri"/>
-              <a:buNone/>
-            </a:pPr>
-            <a:r>
-              <a:rPr lang="en-US" sz="4400" b="0" i="0" u="none" strike="noStrike" cap="none" dirty="0">
-                <a:solidFill>
-                  <a:schemeClr val="dk1"/>
-                </a:solidFill>
-                <a:latin typeface="Calibri"/>
-                <a:ea typeface="Calibri"/>
-                <a:cs typeface="Calibri"/>
-                <a:sym typeface="Calibri"/>
-              </a:rPr>
-              <a:t>C H A P T E R </a:t>
-            </a:r>
-            <a:r>
-              <a:rPr lang="en-US" dirty="0" smtClean="0"/>
-              <a:t>7</a:t>
-            </a:r>
-            <a:endParaRPr lang="en-US" sz="4400" b="0" i="0" u="none" strike="noStrike" cap="none" dirty="0">
-              <a:solidFill>
-                <a:schemeClr val="dk1"/>
-              </a:solidFill>
-              <a:latin typeface="Calibri"/>
-              <a:ea typeface="Calibri"/>
-              <a:cs typeface="Calibri"/>
-              <a:sym typeface="Calibri"/>
-            </a:endParaRPr>
+            <a:r>
+              <a:rPr lang="en-US" dirty="0"/>
+              <a:t>Item 37: Use marker interfaces to define types</a:t>
+            </a:r>
           </a:p>
         </p:txBody>
       </p:sp>
       <p:sp>
         <p:nvSpPr>
-          <p:cNvPr id="91" name="Shape 91"/>
-          <p:cNvSpPr txBox="1">
+          <p:cNvPr id="3" name="Text Placeholder 2"/>
+          <p:cNvSpPr>
             <a:spLocks noGrp="1"/>
           </p:cNvSpPr>
           <p:nvPr>
             <p:ph type="body" idx="1"/>
           </p:nvPr>
         </p:nvSpPr>
-        <p:spPr>
-          <a:xfrm>
-            <a:off x="838200" y="1825625"/>
-            <a:ext cx="10515599" cy="4723221"/>
-          </a:xfrm>
-          <a:prstGeom prst="rect">
-            <a:avLst/>
-          </a:prstGeom>
-          <a:noFill/>
-          <a:ln>
-            <a:noFill/>
-          </a:ln>
-        </p:spPr>
+        <p:spPr/>
         <p:txBody>
-          <a:bodyPr lIns="91425" tIns="45700" rIns="91425" bIns="45700" anchor="t" anchorCtr="0">
-            <a:noAutofit/>
-          </a:bodyPr>
+          <a:bodyPr/>
           <a:lstStyle/>
           <a:p>
-            <a:pPr marL="0" lvl="0" indent="0">
-              <a:spcBef>
-                <a:spcPts val="0"/>
-              </a:spcBef>
-              <a:buSzPct val="25000"/>
-              <a:buNone/>
-            </a:pPr>
-            <a:r>
-              <a:rPr lang="en-US" sz="5400" b="1" dirty="0"/>
-              <a:t>Methods</a:t>
-            </a:r>
-            <a:endParaRPr lang="en-US" sz="2000" b="0" i="0" u="none" strike="noStrike" cap="none" dirty="0">
-              <a:solidFill>
-                <a:schemeClr val="dk1"/>
-              </a:solidFill>
-              <a:latin typeface="Calibri"/>
-              <a:ea typeface="Calibri"/>
-              <a:cs typeface="Calibri"/>
-              <a:sym typeface="Calibri"/>
-            </a:endParaRPr>
+            <a:endParaRPr lang="en-US"/>
           </a:p>
         </p:txBody>
       </p:sp>
     </p:spTree>
     <p:extLst>
       <p:ext uri="{BB962C8B-B14F-4D97-AF65-F5344CB8AC3E}">
-        <p14:creationId xmlns:p14="http://schemas.microsoft.com/office/powerpoint/2010/main" val="1097271654"/>
+        <p14:creationId xmlns:p14="http://schemas.microsoft.com/office/powerpoint/2010/main" val="1625613959"/>
       </p:ext>
     </p:extLst>
   </p:cSld>
@@ -20621,8 +20950,8 @@
               <a:t>C H A P T E R </a:t>
             </a:r>
             <a:r>
-              <a:rPr lang="en-US" dirty="0"/>
-              <a:t>8</a:t>
+              <a:rPr lang="en-US" dirty="0" smtClean="0"/>
+              <a:t>7</a:t>
             </a:r>
             <a:endParaRPr lang="en-US" sz="4400" b="0" i="0" u="none" strike="noStrike" cap="none" dirty="0">
               <a:solidFill>
@@ -20674,7 +21003,7 @@
             </a:pPr>
             <a:r>
               <a:rPr lang="en-US" sz="5400" b="1" dirty="0"/>
-              <a:t>General Programming </a:t>
+              <a:t>Methods</a:t>
             </a:r>
             <a:endParaRPr lang="en-US" sz="2000" b="0" i="0" u="none" strike="noStrike" cap="none" dirty="0">
               <a:solidFill>
@@ -20691,7 +21020,7 @@
     </p:spTree>
     <p:extLst>
       <p:ext uri="{BB962C8B-B14F-4D97-AF65-F5344CB8AC3E}">
-        <p14:creationId xmlns:p14="http://schemas.microsoft.com/office/powerpoint/2010/main" val="2530650110"/>
+        <p14:creationId xmlns:p14="http://schemas.microsoft.com/office/powerpoint/2010/main" val="1097271654"/>
       </p:ext>
     </p:extLst>
   </p:cSld>
@@ -21167,7 +21496,7 @@
             </a:r>
             <a:r>
               <a:rPr lang="en-US" dirty="0"/>
-              <a:t>9</a:t>
+              <a:t>8</a:t>
             </a:r>
             <a:endParaRPr lang="en-US" sz="4400" b="0" i="0" u="none" strike="noStrike" cap="none" dirty="0">
               <a:solidFill>
@@ -21219,7 +21548,7 @@
             </a:pPr>
             <a:r>
               <a:rPr lang="en-US" sz="5400" b="1" dirty="0"/>
-              <a:t>Exceptions </a:t>
+              <a:t>General Programming </a:t>
             </a:r>
             <a:endParaRPr lang="en-US" sz="2000" b="0" i="0" u="none" strike="noStrike" cap="none" dirty="0">
               <a:solidFill>
@@ -21236,7 +21565,7 @@
     </p:spTree>
     <p:extLst>
       <p:ext uri="{BB962C8B-B14F-4D97-AF65-F5344CB8AC3E}">
-        <p14:creationId xmlns:p14="http://schemas.microsoft.com/office/powerpoint/2010/main" val="1721712592"/>
+        <p14:creationId xmlns:p14="http://schemas.microsoft.com/office/powerpoint/2010/main" val="2530650110"/>
       </p:ext>
     </p:extLst>
   </p:cSld>
@@ -21319,8 +21648,8 @@
               <a:t>C H A P T E R </a:t>
             </a:r>
             <a:r>
-              <a:rPr lang="en-US" dirty="0" smtClean="0"/>
-              <a:t>10</a:t>
+              <a:rPr lang="en-US" dirty="0"/>
+              <a:t>9</a:t>
             </a:r>
             <a:endParaRPr lang="en-US" sz="4400" b="0" i="0" u="none" strike="noStrike" cap="none" dirty="0">
               <a:solidFill>
@@ -21371,8 +21700,8 @@
               <a:buNone/>
             </a:pPr>
             <a:r>
-              <a:rPr lang="en-US" sz="5400" b="1" dirty="0" smtClean="0"/>
-              <a:t>Concurrency</a:t>
+              <a:rPr lang="en-US" sz="5400" b="1" dirty="0"/>
+              <a:t>Exceptions </a:t>
             </a:r>
             <a:endParaRPr lang="en-US" sz="2000" b="0" i="0" u="none" strike="noStrike" cap="none" dirty="0">
               <a:solidFill>
@@ -21389,7 +21718,7 @@
     </p:spTree>
     <p:extLst>
       <p:ext uri="{BB962C8B-B14F-4D97-AF65-F5344CB8AC3E}">
-        <p14:creationId xmlns:p14="http://schemas.microsoft.com/office/powerpoint/2010/main" val="1367158289"/>
+        <p14:creationId xmlns:p14="http://schemas.microsoft.com/office/powerpoint/2010/main" val="1721712592"/>
       </p:ext>
     </p:extLst>
   </p:cSld>
@@ -21473,7 +21802,7 @@
             </a:r>
             <a:r>
               <a:rPr lang="en-US" dirty="0" smtClean="0"/>
-              <a:t>11</a:t>
+              <a:t>10</a:t>
             </a:r>
             <a:endParaRPr lang="en-US" sz="4400" b="0" i="0" u="none" strike="noStrike" cap="none" dirty="0">
               <a:solidFill>
@@ -21525,7 +21854,7 @@
             </a:pPr>
             <a:r>
               <a:rPr lang="en-US" sz="5400" b="1" dirty="0" smtClean="0"/>
-              <a:t>Serialization</a:t>
+              <a:t>Concurrency</a:t>
             </a:r>
             <a:endParaRPr lang="en-US" sz="2000" b="0" i="0" u="none" strike="noStrike" cap="none" dirty="0">
               <a:solidFill>
@@ -21542,7 +21871,1444 @@
     </p:spTree>
     <p:extLst>
       <p:ext uri="{BB962C8B-B14F-4D97-AF65-F5344CB8AC3E}">
-        <p14:creationId xmlns:p14="http://schemas.microsoft.com/office/powerpoint/2010/main" val="631272735"/>
+        <p14:creationId xmlns:p14="http://schemas.microsoft.com/office/powerpoint/2010/main" val="1367158289"/>
+      </p:ext>
+    </p:extLst>
+  </p:cSld>
+  <p:clrMapOvr>
+    <a:masterClrMapping/>
+  </p:clrMapOvr>
+</p:sld>
+</file>
+
+<file path=ppt/slides/slide53.xml><?xml version="1.0" encoding="utf-8"?>
+<p:sld xmlns:a="http://schemas.openxmlformats.org/drawingml/2006/main" xmlns:r="http://schemas.openxmlformats.org/officeDocument/2006/relationships" xmlns:p="http://schemas.openxmlformats.org/presentationml/2006/main">
+  <p:cSld>
+    <p:spTree>
+      <p:nvGrpSpPr>
+        <p:cNvPr id="1" name=""/>
+        <p:cNvGrpSpPr/>
+        <p:nvPr/>
+      </p:nvGrpSpPr>
+      <p:grpSpPr>
+        <a:xfrm>
+          <a:off x="0" y="0"/>
+          <a:ext cx="0" cy="0"/>
+          <a:chOff x="0" y="0"/>
+          <a:chExt cx="0" cy="0"/>
+        </a:xfrm>
+      </p:grpSpPr>
+      <p:sp>
+        <p:nvSpPr>
+          <p:cNvPr id="2" name="Title 1"/>
+          <p:cNvSpPr>
+            <a:spLocks noGrp="1"/>
+          </p:cNvSpPr>
+          <p:nvPr>
+            <p:ph type="title"/>
+          </p:nvPr>
+        </p:nvSpPr>
+        <p:spPr/>
+        <p:txBody>
+          <a:bodyPr/>
+          <a:lstStyle/>
+          <a:p>
+            <a:r>
+              <a:rPr lang="en-US" b="1" dirty="0"/>
+              <a:t>Item 66: Synchronize access to shared mutable data</a:t>
+            </a:r>
+            <a:endParaRPr lang="en-US" dirty="0"/>
+          </a:p>
+        </p:txBody>
+      </p:sp>
+      <p:sp>
+        <p:nvSpPr>
+          <p:cNvPr id="3" name="Text Placeholder 2"/>
+          <p:cNvSpPr>
+            <a:spLocks noGrp="1"/>
+          </p:cNvSpPr>
+          <p:nvPr>
+            <p:ph type="body" idx="1"/>
+          </p:nvPr>
+        </p:nvSpPr>
+        <p:spPr>
+          <a:xfrm>
+            <a:off x="838200" y="1825624"/>
+            <a:ext cx="10515599" cy="4738013"/>
+          </a:xfrm>
+        </p:spPr>
+        <p:txBody>
+          <a:bodyPr/>
+          <a:lstStyle/>
+          <a:p>
+            <a:pPr marL="177800" indent="0">
+              <a:buNone/>
+            </a:pPr>
+            <a:r>
+              <a:rPr lang="en-US" b="1" dirty="0"/>
+              <a:t>W</a:t>
+            </a:r>
+            <a:r>
+              <a:rPr lang="en-US" b="1" dirty="0" smtClean="0"/>
+              <a:t>hen </a:t>
+            </a:r>
+            <a:r>
+              <a:rPr lang="en-US" b="1" dirty="0"/>
+              <a:t>multiple threads share mutable data, each thread </a:t>
+            </a:r>
+            <a:r>
+              <a:rPr lang="en-US" b="1" dirty="0" smtClean="0"/>
+              <a:t>that reads </a:t>
+            </a:r>
+            <a:r>
+              <a:rPr lang="en-US" b="1" dirty="0"/>
+              <a:t>or writes the data must perform synchronization. </a:t>
+            </a:r>
+            <a:r>
+              <a:rPr lang="en-US" dirty="0"/>
+              <a:t>Without </a:t>
+            </a:r>
+            <a:r>
+              <a:rPr lang="en-US" dirty="0" smtClean="0"/>
+              <a:t>synchronization, there </a:t>
+            </a:r>
+            <a:r>
+              <a:rPr lang="en-US" dirty="0"/>
+              <a:t>is no guarantee that one thread’s changes will be visible to another. </a:t>
+            </a:r>
+            <a:endParaRPr lang="en-US" dirty="0" smtClean="0"/>
+          </a:p>
+          <a:p>
+            <a:pPr marL="177800" indent="0">
+              <a:buNone/>
+            </a:pPr>
+            <a:r>
+              <a:rPr lang="en-US" dirty="0" smtClean="0"/>
+              <a:t>The penalties </a:t>
+            </a:r>
+            <a:r>
+              <a:rPr lang="en-US" dirty="0"/>
+              <a:t>for failing to synchronize shared mutable data are liveness and </a:t>
+            </a:r>
+            <a:r>
+              <a:rPr lang="en-US" dirty="0" smtClean="0"/>
+              <a:t>safety failures</a:t>
+            </a:r>
+            <a:r>
+              <a:rPr lang="en-US" dirty="0"/>
+              <a:t>. These failures are among the most difficult to debug. They can be </a:t>
+            </a:r>
+            <a:r>
+              <a:rPr lang="en-US" dirty="0" smtClean="0"/>
+              <a:t>intermittent and </a:t>
+            </a:r>
+            <a:r>
+              <a:rPr lang="en-US" dirty="0"/>
+              <a:t>timing-dependent, and program behavior can vary radically from </a:t>
+            </a:r>
+            <a:r>
+              <a:rPr lang="en-US" dirty="0" smtClean="0"/>
+              <a:t>one VM </a:t>
+            </a:r>
+            <a:r>
+              <a:rPr lang="en-US" dirty="0"/>
+              <a:t>to another. </a:t>
+            </a:r>
+            <a:endParaRPr lang="en-US" dirty="0" smtClean="0"/>
+          </a:p>
+          <a:p>
+            <a:pPr marL="177800" indent="0">
+              <a:buNone/>
+            </a:pPr>
+            <a:r>
+              <a:rPr lang="en-US" dirty="0" smtClean="0"/>
+              <a:t>If </a:t>
+            </a:r>
+            <a:r>
+              <a:rPr lang="en-US" dirty="0"/>
+              <a:t>you need only inter-thread communication, and not </a:t>
+            </a:r>
+            <a:r>
+              <a:rPr lang="en-US" dirty="0" smtClean="0"/>
+              <a:t>mutual exclusion</a:t>
+            </a:r>
+            <a:r>
+              <a:rPr lang="en-US" dirty="0"/>
+              <a:t>, the volatile modifier is an acceptable form of synchronization, but </a:t>
+            </a:r>
+            <a:r>
+              <a:rPr lang="en-US" dirty="0" smtClean="0"/>
+              <a:t>it can </a:t>
+            </a:r>
+            <a:r>
+              <a:rPr lang="en-US" dirty="0"/>
+              <a:t>be tricky to use correctly.</a:t>
+            </a:r>
+            <a:endParaRPr lang="en-US" dirty="0"/>
+          </a:p>
+        </p:txBody>
+      </p:sp>
+    </p:spTree>
+    <p:extLst>
+      <p:ext uri="{BB962C8B-B14F-4D97-AF65-F5344CB8AC3E}">
+        <p14:creationId xmlns:p14="http://schemas.microsoft.com/office/powerpoint/2010/main" val="3495942946"/>
+      </p:ext>
+    </p:extLst>
+  </p:cSld>
+  <p:clrMapOvr>
+    <a:masterClrMapping/>
+  </p:clrMapOvr>
+</p:sld>
+</file>
+
+<file path=ppt/slides/slide54.xml><?xml version="1.0" encoding="utf-8"?>
+<p:sld xmlns:a="http://schemas.openxmlformats.org/drawingml/2006/main" xmlns:r="http://schemas.openxmlformats.org/officeDocument/2006/relationships" xmlns:p="http://schemas.openxmlformats.org/presentationml/2006/main">
+  <p:cSld>
+    <p:spTree>
+      <p:nvGrpSpPr>
+        <p:cNvPr id="1" name=""/>
+        <p:cNvGrpSpPr/>
+        <p:nvPr/>
+      </p:nvGrpSpPr>
+      <p:grpSpPr>
+        <a:xfrm>
+          <a:off x="0" y="0"/>
+          <a:ext cx="0" cy="0"/>
+          <a:chOff x="0" y="0"/>
+          <a:chExt cx="0" cy="0"/>
+        </a:xfrm>
+      </p:grpSpPr>
+      <p:sp>
+        <p:nvSpPr>
+          <p:cNvPr id="2" name="Title 1"/>
+          <p:cNvSpPr>
+            <a:spLocks noGrp="1"/>
+          </p:cNvSpPr>
+          <p:nvPr>
+            <p:ph type="title"/>
+          </p:nvPr>
+        </p:nvSpPr>
+        <p:spPr/>
+        <p:txBody>
+          <a:bodyPr/>
+          <a:lstStyle/>
+          <a:p>
+            <a:r>
+              <a:rPr lang="en-US" b="1" dirty="0"/>
+              <a:t>Item 67: Avoid excessive synchronization</a:t>
+            </a:r>
+            <a:endParaRPr lang="en-US" dirty="0"/>
+          </a:p>
+        </p:txBody>
+      </p:sp>
+      <p:sp>
+        <p:nvSpPr>
+          <p:cNvPr id="3" name="Text Placeholder 2"/>
+          <p:cNvSpPr>
+            <a:spLocks noGrp="1"/>
+          </p:cNvSpPr>
+          <p:nvPr>
+            <p:ph type="body" idx="1"/>
+          </p:nvPr>
+        </p:nvSpPr>
+        <p:spPr/>
+        <p:txBody>
+          <a:bodyPr/>
+          <a:lstStyle/>
+          <a:p>
+            <a:pPr marL="177800" indent="0">
+              <a:buNone/>
+            </a:pPr>
+            <a:r>
+              <a:rPr lang="en-US" dirty="0"/>
+              <a:t>A</a:t>
+            </a:r>
+            <a:r>
+              <a:rPr lang="en-US" dirty="0" smtClean="0"/>
+              <a:t>void </a:t>
+            </a:r>
+            <a:r>
+              <a:rPr lang="en-US" dirty="0"/>
+              <a:t>deadlock and data corruption, never call an alien </a:t>
+            </a:r>
+            <a:r>
+              <a:rPr lang="en-US" dirty="0" smtClean="0"/>
+              <a:t>method from </a:t>
+            </a:r>
+            <a:r>
+              <a:rPr lang="en-US" dirty="0"/>
+              <a:t>within a synchronized region. More generally, try to limit the amount </a:t>
+            </a:r>
+            <a:r>
+              <a:rPr lang="en-US" dirty="0" smtClean="0"/>
+              <a:t>of work </a:t>
+            </a:r>
+            <a:r>
+              <a:rPr lang="en-US" dirty="0"/>
+              <a:t>that you do from within synchronized regions. </a:t>
+            </a:r>
+            <a:endParaRPr lang="en-US" dirty="0" smtClean="0"/>
+          </a:p>
+          <a:p>
+            <a:pPr marL="177800" indent="0">
+              <a:buNone/>
+            </a:pPr>
+            <a:r>
+              <a:rPr lang="en-US" dirty="0" smtClean="0"/>
+              <a:t>When </a:t>
+            </a:r>
+            <a:r>
+              <a:rPr lang="en-US" dirty="0"/>
+              <a:t>you are designing </a:t>
+            </a:r>
+            <a:r>
+              <a:rPr lang="en-US" dirty="0" smtClean="0"/>
+              <a:t>a mutable </a:t>
+            </a:r>
+            <a:r>
+              <a:rPr lang="en-US" dirty="0"/>
+              <a:t>class, think about whether it should do its own synchronization. </a:t>
+            </a:r>
+            <a:endParaRPr lang="en-US" dirty="0" smtClean="0"/>
+          </a:p>
+          <a:p>
+            <a:pPr marL="177800" indent="0">
+              <a:buNone/>
+            </a:pPr>
+            <a:r>
+              <a:rPr lang="en-US" dirty="0" smtClean="0"/>
+              <a:t>In the modern </a:t>
+            </a:r>
+            <a:r>
+              <a:rPr lang="en-US" dirty="0"/>
+              <a:t>multicore era, it is more important than ever not to synchronize </a:t>
+            </a:r>
+            <a:r>
+              <a:rPr lang="en-US" dirty="0" smtClean="0"/>
+              <a:t>excessively. </a:t>
+            </a:r>
+          </a:p>
+          <a:p>
+            <a:pPr marL="177800" indent="0">
+              <a:buNone/>
+            </a:pPr>
+            <a:r>
+              <a:rPr lang="en-US" dirty="0" smtClean="0"/>
+              <a:t>Synchronize </a:t>
+            </a:r>
+            <a:r>
+              <a:rPr lang="en-US" dirty="0"/>
+              <a:t>your class internally only if there is a good reason to do </a:t>
+            </a:r>
+            <a:r>
+              <a:rPr lang="en-US" dirty="0" smtClean="0"/>
+              <a:t>so, and </a:t>
+            </a:r>
+            <a:r>
+              <a:rPr lang="en-US" dirty="0"/>
+              <a:t>document your decision clearly</a:t>
+            </a:r>
+            <a:endParaRPr lang="en-US" dirty="0"/>
+          </a:p>
+        </p:txBody>
+      </p:sp>
+    </p:spTree>
+    <p:extLst>
+      <p:ext uri="{BB962C8B-B14F-4D97-AF65-F5344CB8AC3E}">
+        <p14:creationId xmlns:p14="http://schemas.microsoft.com/office/powerpoint/2010/main" val="632284796"/>
+      </p:ext>
+    </p:extLst>
+  </p:cSld>
+  <p:clrMapOvr>
+    <a:masterClrMapping/>
+  </p:clrMapOvr>
+</p:sld>
+</file>
+
+<file path=ppt/slides/slide55.xml><?xml version="1.0" encoding="utf-8"?>
+<p:sld xmlns:a="http://schemas.openxmlformats.org/drawingml/2006/main" xmlns:r="http://schemas.openxmlformats.org/officeDocument/2006/relationships" xmlns:p="http://schemas.openxmlformats.org/presentationml/2006/main">
+  <p:cSld>
+    <p:spTree>
+      <p:nvGrpSpPr>
+        <p:cNvPr id="1" name=""/>
+        <p:cNvGrpSpPr/>
+        <p:nvPr/>
+      </p:nvGrpSpPr>
+      <p:grpSpPr>
+        <a:xfrm>
+          <a:off x="0" y="0"/>
+          <a:ext cx="0" cy="0"/>
+          <a:chOff x="0" y="0"/>
+          <a:chExt cx="0" cy="0"/>
+        </a:xfrm>
+      </p:grpSpPr>
+      <p:sp>
+        <p:nvSpPr>
+          <p:cNvPr id="2" name="Title 1"/>
+          <p:cNvSpPr>
+            <a:spLocks noGrp="1"/>
+          </p:cNvSpPr>
+          <p:nvPr>
+            <p:ph type="title"/>
+          </p:nvPr>
+        </p:nvSpPr>
+        <p:spPr/>
+        <p:txBody>
+          <a:bodyPr/>
+          <a:lstStyle/>
+          <a:p>
+            <a:r>
+              <a:rPr lang="en-US" b="1" dirty="0"/>
+              <a:t>Item 68: Prefer executors and tasks to threads</a:t>
+            </a:r>
+            <a:endParaRPr lang="en-US" dirty="0"/>
+          </a:p>
+        </p:txBody>
+      </p:sp>
+      <p:sp>
+        <p:nvSpPr>
+          <p:cNvPr id="3" name="Text Placeholder 2"/>
+          <p:cNvSpPr>
+            <a:spLocks noGrp="1"/>
+          </p:cNvSpPr>
+          <p:nvPr>
+            <p:ph type="body" idx="1"/>
+          </p:nvPr>
+        </p:nvSpPr>
+        <p:spPr/>
+        <p:txBody>
+          <a:bodyPr/>
+          <a:lstStyle/>
+          <a:p>
+            <a:pPr marL="177800" indent="0">
+              <a:buNone/>
+            </a:pPr>
+            <a:r>
+              <a:rPr lang="en-US" dirty="0" smtClean="0"/>
+              <a:t>If you’re </a:t>
+            </a:r>
+            <a:r>
+              <a:rPr lang="en-US" dirty="0"/>
+              <a:t>writing a small program, or a lightly loaded server, using </a:t>
+            </a:r>
+            <a:r>
+              <a:rPr lang="en-US" dirty="0" err="1" smtClean="0"/>
+              <a:t>Executors.new-CachedThreadPool</a:t>
+            </a:r>
+            <a:r>
+              <a:rPr lang="en-US" dirty="0" smtClean="0"/>
+              <a:t> </a:t>
+            </a:r>
+            <a:r>
+              <a:rPr lang="en-US" dirty="0"/>
+              <a:t>is generally a good choice, as it demands no </a:t>
+            </a:r>
+            <a:r>
+              <a:rPr lang="en-US" dirty="0" smtClean="0"/>
+              <a:t>configuration and </a:t>
+            </a:r>
+            <a:r>
+              <a:rPr lang="en-US" dirty="0"/>
+              <a:t>generally “does the right thing</a:t>
+            </a:r>
+            <a:r>
+              <a:rPr lang="en-US" dirty="0" smtClean="0"/>
+              <a:t>.”</a:t>
+            </a:r>
+          </a:p>
+          <a:p>
+            <a:pPr marL="177800" indent="0">
+              <a:buNone/>
+            </a:pPr>
+            <a:r>
+              <a:rPr lang="en-US" dirty="0"/>
+              <a:t>I</a:t>
+            </a:r>
+            <a:r>
+              <a:rPr lang="en-US" dirty="0" smtClean="0"/>
+              <a:t>n </a:t>
+            </a:r>
+            <a:r>
+              <a:rPr lang="en-US" dirty="0"/>
+              <a:t>a heavily loaded production </a:t>
+            </a:r>
+            <a:r>
+              <a:rPr lang="en-US" dirty="0" smtClean="0"/>
+              <a:t>server, using </a:t>
+            </a:r>
+            <a:r>
+              <a:rPr lang="en-US" dirty="0" err="1"/>
+              <a:t>Executors.newFixedThreadPool</a:t>
+            </a:r>
+            <a:r>
+              <a:rPr lang="en-US" dirty="0"/>
+              <a:t>, which gives </a:t>
+            </a:r>
+            <a:r>
+              <a:rPr lang="en-US" dirty="0" smtClean="0"/>
+              <a:t>you a </a:t>
+            </a:r>
+            <a:r>
+              <a:rPr lang="en-US" dirty="0"/>
+              <a:t>pool with a fixed number of threads, or using the </a:t>
+            </a:r>
+            <a:r>
+              <a:rPr lang="en-US" dirty="0" err="1"/>
+              <a:t>ThreadPoolExecutor</a:t>
+            </a:r>
+            <a:r>
+              <a:rPr lang="en-US" dirty="0"/>
+              <a:t> </a:t>
+            </a:r>
+            <a:r>
+              <a:rPr lang="en-US" dirty="0" smtClean="0"/>
+              <a:t>class directly</a:t>
+            </a:r>
+            <a:r>
+              <a:rPr lang="en-US" dirty="0"/>
+              <a:t>, for maximum control</a:t>
+            </a:r>
+            <a:r>
+              <a:rPr lang="en-US" dirty="0" smtClean="0"/>
+              <a:t>.</a:t>
+            </a:r>
+          </a:p>
+          <a:p>
+            <a:pPr marL="177800" indent="0">
+              <a:buNone/>
+            </a:pPr>
+            <a:r>
+              <a:rPr lang="en-US" dirty="0"/>
+              <a:t>There are two kinds of tasks: </a:t>
+            </a:r>
+            <a:r>
+              <a:rPr lang="en-US" dirty="0" smtClean="0"/>
+              <a:t>Runnable and </a:t>
+            </a:r>
+            <a:r>
+              <a:rPr lang="en-US" dirty="0"/>
+              <a:t>its close cousin, Callable (which is like Runnable, except that </a:t>
+            </a:r>
+            <a:r>
+              <a:rPr lang="en-US" dirty="0" smtClean="0"/>
+              <a:t>it returns </a:t>
+            </a:r>
+            <a:r>
+              <a:rPr lang="en-US" dirty="0"/>
+              <a:t>a value).</a:t>
+            </a:r>
+            <a:endParaRPr lang="en-US" dirty="0"/>
+          </a:p>
+        </p:txBody>
+      </p:sp>
+    </p:spTree>
+    <p:extLst>
+      <p:ext uri="{BB962C8B-B14F-4D97-AF65-F5344CB8AC3E}">
+        <p14:creationId xmlns:p14="http://schemas.microsoft.com/office/powerpoint/2010/main" val="4041128464"/>
+      </p:ext>
+    </p:extLst>
+  </p:cSld>
+  <p:clrMapOvr>
+    <a:masterClrMapping/>
+  </p:clrMapOvr>
+</p:sld>
+</file>
+
+<file path=ppt/slides/slide56.xml><?xml version="1.0" encoding="utf-8"?>
+<p:sld xmlns:a="http://schemas.openxmlformats.org/drawingml/2006/main" xmlns:r="http://schemas.openxmlformats.org/officeDocument/2006/relationships" xmlns:p="http://schemas.openxmlformats.org/presentationml/2006/main">
+  <p:cSld>
+    <p:spTree>
+      <p:nvGrpSpPr>
+        <p:cNvPr id="1" name=""/>
+        <p:cNvGrpSpPr/>
+        <p:nvPr/>
+      </p:nvGrpSpPr>
+      <p:grpSpPr>
+        <a:xfrm>
+          <a:off x="0" y="0"/>
+          <a:ext cx="0" cy="0"/>
+          <a:chOff x="0" y="0"/>
+          <a:chExt cx="0" cy="0"/>
+        </a:xfrm>
+      </p:grpSpPr>
+      <p:sp>
+        <p:nvSpPr>
+          <p:cNvPr id="2" name="Title 1"/>
+          <p:cNvSpPr>
+            <a:spLocks noGrp="1"/>
+          </p:cNvSpPr>
+          <p:nvPr>
+            <p:ph type="title"/>
+          </p:nvPr>
+        </p:nvSpPr>
+        <p:spPr/>
+        <p:txBody>
+          <a:bodyPr/>
+          <a:lstStyle/>
+          <a:p>
+            <a:r>
+              <a:rPr lang="en-US" b="1" dirty="0"/>
+              <a:t>higher-level </a:t>
+            </a:r>
+            <a:r>
+              <a:rPr lang="en-US" b="1" dirty="0" smtClean="0"/>
+              <a:t>Concurrency Utilities</a:t>
+            </a:r>
+            <a:endParaRPr lang="en-US" b="1" dirty="0"/>
+          </a:p>
+        </p:txBody>
+      </p:sp>
+      <p:sp>
+        <p:nvSpPr>
+          <p:cNvPr id="3" name="Text Placeholder 2"/>
+          <p:cNvSpPr>
+            <a:spLocks noGrp="1"/>
+          </p:cNvSpPr>
+          <p:nvPr>
+            <p:ph type="body" idx="1"/>
+          </p:nvPr>
+        </p:nvSpPr>
+        <p:spPr/>
+        <p:txBody>
+          <a:bodyPr/>
+          <a:lstStyle/>
+          <a:p>
+            <a:pPr marL="177800" indent="0">
+              <a:buNone/>
+            </a:pPr>
+            <a:r>
+              <a:rPr lang="en-US" b="1" dirty="0"/>
+              <a:t>Given the difficulty of using wait </a:t>
+            </a:r>
+            <a:r>
+              <a:rPr lang="en-US" b="1" dirty="0" smtClean="0"/>
+              <a:t>and notify </a:t>
+            </a:r>
+            <a:r>
+              <a:rPr lang="en-US" b="1" dirty="0"/>
+              <a:t>correctly, you should use the higher-level concurrency utilities instead.</a:t>
+            </a:r>
+          </a:p>
+          <a:p>
+            <a:pPr marL="177800" indent="0">
+              <a:buNone/>
+            </a:pPr>
+            <a:r>
+              <a:rPr lang="en-US" dirty="0"/>
+              <a:t>The higher-level utilities in </a:t>
+            </a:r>
+            <a:r>
+              <a:rPr lang="en-US" dirty="0" err="1"/>
+              <a:t>java.util.concurrent</a:t>
+            </a:r>
+            <a:r>
+              <a:rPr lang="en-US" dirty="0"/>
+              <a:t> fall into three categories:</a:t>
+            </a:r>
+          </a:p>
+          <a:p>
+            <a:pPr marL="692150" indent="-514350">
+              <a:buFont typeface="+mj-lt"/>
+              <a:buAutoNum type="arabicPeriod"/>
+            </a:pPr>
+            <a:r>
+              <a:rPr lang="en-US" dirty="0" smtClean="0"/>
+              <a:t>	Executor </a:t>
+            </a:r>
+            <a:r>
+              <a:rPr lang="en-US" dirty="0"/>
+              <a:t>Framework, which was covered only briefly in Item 68; </a:t>
+            </a:r>
+            <a:endParaRPr lang="en-US" dirty="0" smtClean="0"/>
+          </a:p>
+          <a:p>
+            <a:pPr marL="692150" indent="-514350">
+              <a:buFont typeface="+mj-lt"/>
+              <a:buAutoNum type="arabicPeriod"/>
+            </a:pPr>
+            <a:r>
+              <a:rPr lang="en-US" dirty="0"/>
+              <a:t>	</a:t>
+            </a:r>
+            <a:r>
+              <a:rPr lang="en-US" dirty="0" smtClean="0"/>
+              <a:t>concurrent</a:t>
+            </a:r>
+            <a:r>
+              <a:rPr lang="en-US" dirty="0"/>
+              <a:t> </a:t>
+            </a:r>
+            <a:r>
+              <a:rPr lang="en-US" dirty="0" smtClean="0"/>
+              <a:t>collections</a:t>
+            </a:r>
+          </a:p>
+          <a:p>
+            <a:pPr marL="692150" indent="-514350">
+              <a:buFont typeface="+mj-lt"/>
+              <a:buAutoNum type="arabicPeriod"/>
+            </a:pPr>
+            <a:r>
+              <a:rPr lang="en-US" dirty="0"/>
+              <a:t>	</a:t>
+            </a:r>
+            <a:r>
+              <a:rPr lang="en-US" dirty="0" smtClean="0"/>
+              <a:t>synchronizers</a:t>
+            </a:r>
+            <a:endParaRPr lang="en-US" dirty="0"/>
+          </a:p>
+        </p:txBody>
+      </p:sp>
+    </p:spTree>
+    <p:extLst>
+      <p:ext uri="{BB962C8B-B14F-4D97-AF65-F5344CB8AC3E}">
+        <p14:creationId xmlns:p14="http://schemas.microsoft.com/office/powerpoint/2010/main" val="2065224787"/>
+      </p:ext>
+    </p:extLst>
+  </p:cSld>
+  <p:clrMapOvr>
+    <a:masterClrMapping/>
+  </p:clrMapOvr>
+</p:sld>
+</file>
+
+<file path=ppt/slides/slide57.xml><?xml version="1.0" encoding="utf-8"?>
+<p:sld xmlns:a="http://schemas.openxmlformats.org/drawingml/2006/main" xmlns:r="http://schemas.openxmlformats.org/officeDocument/2006/relationships" xmlns:p="http://schemas.openxmlformats.org/presentationml/2006/main">
+  <p:cSld>
+    <p:spTree>
+      <p:nvGrpSpPr>
+        <p:cNvPr id="1" name=""/>
+        <p:cNvGrpSpPr/>
+        <p:nvPr/>
+      </p:nvGrpSpPr>
+      <p:grpSpPr>
+        <a:xfrm>
+          <a:off x="0" y="0"/>
+          <a:ext cx="0" cy="0"/>
+          <a:chOff x="0" y="0"/>
+          <a:chExt cx="0" cy="0"/>
+        </a:xfrm>
+      </p:grpSpPr>
+      <p:sp>
+        <p:nvSpPr>
+          <p:cNvPr id="2" name="Title 1"/>
+          <p:cNvSpPr>
+            <a:spLocks noGrp="1"/>
+          </p:cNvSpPr>
+          <p:nvPr>
+            <p:ph type="title"/>
+          </p:nvPr>
+        </p:nvSpPr>
+        <p:spPr/>
+        <p:txBody>
+          <a:bodyPr/>
+          <a:lstStyle/>
+          <a:p>
+            <a:r>
+              <a:rPr lang="en-US" b="1" dirty="0"/>
+              <a:t>Item 69: Prefer concurrency utilities to wait and notify</a:t>
+            </a:r>
+            <a:endParaRPr lang="en-US" dirty="0"/>
+          </a:p>
+        </p:txBody>
+      </p:sp>
+      <p:sp>
+        <p:nvSpPr>
+          <p:cNvPr id="3" name="Text Placeholder 2"/>
+          <p:cNvSpPr>
+            <a:spLocks noGrp="1"/>
+          </p:cNvSpPr>
+          <p:nvPr>
+            <p:ph type="body" idx="1"/>
+          </p:nvPr>
+        </p:nvSpPr>
+        <p:spPr/>
+        <p:txBody>
+          <a:bodyPr/>
+          <a:lstStyle/>
+          <a:p>
+            <a:r>
+              <a:rPr lang="en-US" dirty="0"/>
+              <a:t>Unless you have a compelling </a:t>
+            </a:r>
+            <a:r>
+              <a:rPr lang="en-US" dirty="0" smtClean="0"/>
+              <a:t>reason to </a:t>
+            </a:r>
+            <a:r>
+              <a:rPr lang="en-US" dirty="0"/>
+              <a:t>do otherwise, </a:t>
+            </a:r>
+            <a:r>
+              <a:rPr lang="en-US" b="1" dirty="0"/>
+              <a:t>use </a:t>
+            </a:r>
+            <a:r>
+              <a:rPr lang="en-US" b="1" dirty="0" err="1"/>
+              <a:t>ConcurrentHashMap</a:t>
+            </a:r>
+            <a:r>
+              <a:rPr lang="en-US" b="1" dirty="0"/>
+              <a:t> in preference to </a:t>
+            </a:r>
+            <a:r>
+              <a:rPr lang="en-US" b="1" dirty="0" err="1" smtClean="0"/>
+              <a:t>Collections.synchronizedMap</a:t>
+            </a:r>
+            <a:r>
+              <a:rPr lang="en-US" b="1" dirty="0"/>
+              <a:t> </a:t>
+            </a:r>
+            <a:r>
+              <a:rPr lang="en-US" b="1" dirty="0" smtClean="0"/>
+              <a:t>or </a:t>
+            </a:r>
+            <a:r>
+              <a:rPr lang="en-US" b="1" dirty="0" err="1" smtClean="0"/>
+              <a:t>Hashtable</a:t>
+            </a:r>
+            <a:endParaRPr lang="en-US" b="1" dirty="0"/>
+          </a:p>
+          <a:p>
+            <a:r>
+              <a:rPr lang="en-US" b="1" dirty="0"/>
+              <a:t>For </a:t>
+            </a:r>
+            <a:r>
+              <a:rPr lang="en-US" b="1" dirty="0" smtClean="0"/>
+              <a:t>interval timing</a:t>
+            </a:r>
+            <a:r>
+              <a:rPr lang="en-US" b="1" dirty="0"/>
+              <a:t>, always use </a:t>
+            </a:r>
+            <a:r>
+              <a:rPr lang="en-US" b="1" dirty="0" err="1"/>
+              <a:t>System.nanoTime</a:t>
+            </a:r>
+            <a:r>
+              <a:rPr lang="en-US" b="1" dirty="0"/>
+              <a:t> in preference to </a:t>
+            </a:r>
+            <a:r>
+              <a:rPr lang="en-US" b="1" dirty="0" err="1" smtClean="0"/>
+              <a:t>System.currentTime</a:t>
+            </a:r>
+            <a:r>
+              <a:rPr lang="en-US" b="1" dirty="0" smtClean="0"/>
+              <a:t>-Millis.</a:t>
+            </a:r>
+          </a:p>
+          <a:p>
+            <a:pPr marL="177800" indent="0">
+              <a:buNone/>
+            </a:pPr>
+            <a:r>
+              <a:rPr lang="en-US" b="1" dirty="0" smtClean="0"/>
+              <a:t>Always </a:t>
+            </a:r>
+            <a:r>
+              <a:rPr lang="en-US" b="1" dirty="0"/>
+              <a:t>use the wait loop idiom to invoke the wait method; never invoke </a:t>
+            </a:r>
+            <a:r>
+              <a:rPr lang="en-US" b="1" dirty="0" smtClean="0"/>
+              <a:t>it outside </a:t>
+            </a:r>
+            <a:r>
+              <a:rPr lang="en-US" b="1" dirty="0"/>
+              <a:t>of a </a:t>
+            </a:r>
+            <a:r>
+              <a:rPr lang="en-US" b="1" dirty="0" smtClean="0"/>
+              <a:t>loop</a:t>
+            </a:r>
+          </a:p>
+          <a:p>
+            <a:pPr marL="177800" indent="0">
+              <a:buNone/>
+            </a:pPr>
+            <a:r>
+              <a:rPr lang="en-US" dirty="0"/>
+              <a:t>S</a:t>
+            </a:r>
+            <a:r>
+              <a:rPr lang="en-US" dirty="0" smtClean="0"/>
+              <a:t>hould </a:t>
+            </a:r>
+            <a:r>
+              <a:rPr lang="en-US" i="1" dirty="0"/>
+              <a:t>always </a:t>
+            </a:r>
+            <a:r>
+              <a:rPr lang="en-US" dirty="0"/>
+              <a:t>use </a:t>
+            </a:r>
+            <a:r>
+              <a:rPr lang="en-US" dirty="0" err="1"/>
+              <a:t>notifyAll</a:t>
+            </a:r>
+            <a:r>
+              <a:rPr lang="en-US" dirty="0"/>
+              <a:t>.</a:t>
+            </a:r>
+            <a:endParaRPr lang="en-US" dirty="0"/>
+          </a:p>
+        </p:txBody>
+      </p:sp>
+    </p:spTree>
+    <p:extLst>
+      <p:ext uri="{BB962C8B-B14F-4D97-AF65-F5344CB8AC3E}">
+        <p14:creationId xmlns:p14="http://schemas.microsoft.com/office/powerpoint/2010/main" val="2381154387"/>
+      </p:ext>
+    </p:extLst>
+  </p:cSld>
+  <p:clrMapOvr>
+    <a:masterClrMapping/>
+  </p:clrMapOvr>
+</p:sld>
+</file>
+
+<file path=ppt/slides/slide58.xml><?xml version="1.0" encoding="utf-8"?>
+<p:sld xmlns:a="http://schemas.openxmlformats.org/drawingml/2006/main" xmlns:r="http://schemas.openxmlformats.org/officeDocument/2006/relationships" xmlns:p="http://schemas.openxmlformats.org/presentationml/2006/main">
+  <p:cSld>
+    <p:spTree>
+      <p:nvGrpSpPr>
+        <p:cNvPr id="1" name=""/>
+        <p:cNvGrpSpPr/>
+        <p:nvPr/>
+      </p:nvGrpSpPr>
+      <p:grpSpPr>
+        <a:xfrm>
+          <a:off x="0" y="0"/>
+          <a:ext cx="0" cy="0"/>
+          <a:chOff x="0" y="0"/>
+          <a:chExt cx="0" cy="0"/>
+        </a:xfrm>
+      </p:grpSpPr>
+      <p:sp>
+        <p:nvSpPr>
+          <p:cNvPr id="2" name="Title 1"/>
+          <p:cNvSpPr>
+            <a:spLocks noGrp="1"/>
+          </p:cNvSpPr>
+          <p:nvPr>
+            <p:ph type="title"/>
+          </p:nvPr>
+        </p:nvSpPr>
+        <p:spPr/>
+        <p:txBody>
+          <a:bodyPr/>
+          <a:lstStyle/>
+          <a:p>
+            <a:r>
+              <a:rPr lang="en-US" b="1" dirty="0"/>
+              <a:t>Item 70: Document thread </a:t>
+            </a:r>
+            <a:r>
+              <a:rPr lang="en-US" b="1" dirty="0" smtClean="0"/>
+              <a:t>safety (1)</a:t>
+            </a:r>
+            <a:endParaRPr lang="en-US" dirty="0"/>
+          </a:p>
+        </p:txBody>
+      </p:sp>
+      <p:sp>
+        <p:nvSpPr>
+          <p:cNvPr id="3" name="Text Placeholder 2"/>
+          <p:cNvSpPr>
+            <a:spLocks noGrp="1"/>
+          </p:cNvSpPr>
+          <p:nvPr>
+            <p:ph type="body" idx="1"/>
+          </p:nvPr>
+        </p:nvSpPr>
+        <p:spPr>
+          <a:xfrm>
+            <a:off x="838200" y="1377862"/>
+            <a:ext cx="10515599" cy="5480137"/>
+          </a:xfrm>
+        </p:spPr>
+        <p:txBody>
+          <a:bodyPr/>
+          <a:lstStyle/>
+          <a:p>
+            <a:pPr marL="177800" indent="0">
+              <a:buNone/>
+            </a:pPr>
+            <a:r>
+              <a:rPr lang="en-US" sz="2000" b="1" dirty="0" smtClean="0"/>
+              <a:t>immutable</a:t>
+            </a:r>
+            <a:r>
+              <a:rPr lang="en-US" sz="2000" dirty="0" smtClean="0"/>
+              <a:t>—Instances </a:t>
+            </a:r>
+            <a:r>
+              <a:rPr lang="en-US" sz="2000" dirty="0"/>
+              <a:t>of this class appear constant. No external </a:t>
+            </a:r>
+            <a:r>
+              <a:rPr lang="en-US" sz="2000" dirty="0" smtClean="0"/>
+              <a:t>synchronization is </a:t>
+            </a:r>
+            <a:r>
+              <a:rPr lang="en-US" sz="2000" dirty="0"/>
+              <a:t>necessary. </a:t>
+            </a:r>
+            <a:r>
+              <a:rPr lang="en-US" sz="2000" dirty="0" smtClean="0"/>
+              <a:t>Examples include String, Long, and </a:t>
+            </a:r>
+            <a:r>
+              <a:rPr lang="en-US" sz="2000" dirty="0" err="1" smtClean="0"/>
+              <a:t>BigInteger</a:t>
+            </a:r>
+            <a:r>
+              <a:rPr lang="en-US" sz="2000" dirty="0" smtClean="0"/>
+              <a:t> (Item 15).</a:t>
+            </a:r>
+            <a:endParaRPr lang="en-US" sz="2000" dirty="0"/>
+          </a:p>
+          <a:p>
+            <a:pPr marL="177800" indent="0">
+              <a:buNone/>
+            </a:pPr>
+            <a:r>
+              <a:rPr lang="en-US" sz="2000" b="1" dirty="0" smtClean="0"/>
+              <a:t>unconditionally </a:t>
+            </a:r>
+            <a:r>
+              <a:rPr lang="en-US" sz="2000" b="1" dirty="0"/>
+              <a:t>thread-safe</a:t>
+            </a:r>
+            <a:r>
+              <a:rPr lang="en-US" sz="2000" dirty="0"/>
+              <a:t>—Instances of this class are mutable, but </a:t>
+            </a:r>
+            <a:r>
+              <a:rPr lang="en-US" sz="2000" dirty="0" smtClean="0"/>
+              <a:t>the class </a:t>
+            </a:r>
+            <a:r>
+              <a:rPr lang="en-US" sz="2000" dirty="0"/>
+              <a:t>has sufficient internal synchronization that its instances can be </a:t>
+            </a:r>
+            <a:r>
+              <a:rPr lang="en-US" sz="2000" dirty="0" smtClean="0"/>
+              <a:t>used concurrently </a:t>
+            </a:r>
+            <a:r>
+              <a:rPr lang="en-US" sz="2000" dirty="0"/>
+              <a:t>without the need for any external synchronization. </a:t>
+            </a:r>
+            <a:r>
+              <a:rPr lang="en-US" sz="2000" dirty="0" smtClean="0"/>
+              <a:t>Examples include </a:t>
+            </a:r>
+            <a:r>
+              <a:rPr lang="en-US" sz="2000" dirty="0"/>
+              <a:t>Random and </a:t>
+            </a:r>
+            <a:r>
+              <a:rPr lang="en-US" sz="2000" dirty="0" err="1"/>
+              <a:t>ConcurrentHashMap</a:t>
+            </a:r>
+            <a:r>
+              <a:rPr lang="en-US" sz="2000" dirty="0"/>
+              <a:t>.</a:t>
+            </a:r>
+          </a:p>
+          <a:p>
+            <a:pPr marL="177800" indent="0">
+              <a:buNone/>
+            </a:pPr>
+            <a:r>
+              <a:rPr lang="en-US" sz="2000" b="1" dirty="0" smtClean="0"/>
+              <a:t>conditionally </a:t>
+            </a:r>
+            <a:r>
+              <a:rPr lang="en-US" sz="2000" b="1" dirty="0"/>
+              <a:t>thread-safe</a:t>
+            </a:r>
+            <a:r>
+              <a:rPr lang="en-US" sz="2000" dirty="0"/>
+              <a:t>—Like unconditionally thread-safe, except </a:t>
+            </a:r>
+            <a:r>
+              <a:rPr lang="en-US" sz="2000" dirty="0" smtClean="0"/>
+              <a:t>that some </a:t>
+            </a:r>
+            <a:r>
+              <a:rPr lang="en-US" sz="2000" dirty="0"/>
+              <a:t>methods require external synchronization for safe concurrent </a:t>
+            </a:r>
+            <a:r>
+              <a:rPr lang="en-US" sz="2000" dirty="0" smtClean="0"/>
+              <a:t>use. Examples </a:t>
+            </a:r>
+            <a:r>
+              <a:rPr lang="en-US" sz="2000" dirty="0"/>
+              <a:t>include the collections returned by the </a:t>
+            </a:r>
+            <a:r>
+              <a:rPr lang="en-US" sz="2000" dirty="0" err="1" smtClean="0"/>
+              <a:t>Collections.synchronized</a:t>
+            </a:r>
+            <a:r>
+              <a:rPr lang="en-US" sz="2000" dirty="0"/>
+              <a:t> </a:t>
+            </a:r>
+            <a:r>
+              <a:rPr lang="en-US" sz="2000" dirty="0" smtClean="0"/>
+              <a:t>wrappers</a:t>
+            </a:r>
+            <a:r>
+              <a:rPr lang="en-US" sz="2000" dirty="0"/>
+              <a:t>, whose iterators require external synchronization.</a:t>
+            </a:r>
+          </a:p>
+          <a:p>
+            <a:pPr marL="177800" indent="0">
+              <a:buNone/>
+            </a:pPr>
+            <a:r>
+              <a:rPr lang="en-US" sz="2000" b="1" dirty="0" smtClean="0"/>
+              <a:t>not thread-safe</a:t>
+            </a:r>
+            <a:r>
+              <a:rPr lang="en-US" sz="2000" dirty="0" smtClean="0"/>
+              <a:t>—Instances of this class are mutable. To use them concurrently, clients must surround each method invocation (or invocation sequence) with external synchronization of the clients’ choosing. Examples include the  general-purpose </a:t>
+            </a:r>
+            <a:r>
+              <a:rPr lang="en-US" sz="2000" dirty="0"/>
+              <a:t>collection implementations, such as </a:t>
+            </a:r>
+            <a:r>
+              <a:rPr lang="en-US" sz="2000" dirty="0" err="1"/>
+              <a:t>ArrayList</a:t>
+            </a:r>
+            <a:r>
+              <a:rPr lang="en-US" sz="2000" dirty="0"/>
+              <a:t> and </a:t>
+            </a:r>
+            <a:r>
+              <a:rPr lang="en-US" sz="2000" dirty="0" err="1"/>
+              <a:t>HashMap</a:t>
+            </a:r>
+            <a:r>
+              <a:rPr lang="en-US" sz="2000" dirty="0"/>
+              <a:t>.</a:t>
+            </a:r>
+          </a:p>
+          <a:p>
+            <a:pPr marL="177800" indent="0">
+              <a:buNone/>
+            </a:pPr>
+            <a:r>
+              <a:rPr lang="en-US" sz="2000" b="1" dirty="0" smtClean="0"/>
+              <a:t>thread-hostile—</a:t>
+            </a:r>
+            <a:r>
+              <a:rPr lang="en-US" sz="2000" dirty="0" smtClean="0"/>
+              <a:t>This </a:t>
+            </a:r>
+            <a:r>
+              <a:rPr lang="en-US" sz="2000" dirty="0"/>
+              <a:t>class is not safe for concurrent use even if all method </a:t>
+            </a:r>
+            <a:r>
+              <a:rPr lang="en-US" sz="2000" dirty="0" smtClean="0"/>
+              <a:t>invocations are </a:t>
+            </a:r>
+            <a:r>
+              <a:rPr lang="en-US" sz="2000" dirty="0"/>
+              <a:t>surrounded by external synchronization. Thread hostility </a:t>
+            </a:r>
+            <a:r>
+              <a:rPr lang="en-US" sz="2000" dirty="0" err="1" smtClean="0"/>
+              <a:t>usuall</a:t>
+            </a:r>
+            <a:r>
+              <a:rPr lang="en-US" sz="2000" dirty="0" smtClean="0"/>
+              <a:t> results </a:t>
+            </a:r>
+            <a:r>
+              <a:rPr lang="en-US" sz="2000" dirty="0"/>
+              <a:t>from modifying static data without synchronization. No one writes </a:t>
+            </a:r>
+            <a:r>
+              <a:rPr lang="en-US" sz="2000" dirty="0"/>
+              <a:t> </a:t>
+            </a:r>
+            <a:r>
+              <a:rPr lang="en-US" sz="2000" dirty="0" smtClean="0"/>
+              <a:t>thread-hostile </a:t>
+            </a:r>
+            <a:r>
+              <a:rPr lang="en-US" sz="2000" dirty="0"/>
+              <a:t>class on purpose; such classes result from the failure to </a:t>
+            </a:r>
+            <a:r>
+              <a:rPr lang="en-US" sz="2000" dirty="0" smtClean="0"/>
+              <a:t>consider concurrency</a:t>
+            </a:r>
+            <a:r>
+              <a:rPr lang="en-US" sz="2000" dirty="0"/>
+              <a:t>. Luckily, there are very few thread-hostile classes or methods </a:t>
+            </a:r>
+            <a:r>
+              <a:rPr lang="en-US" sz="2000" dirty="0" smtClean="0"/>
+              <a:t>in the </a:t>
+            </a:r>
+            <a:r>
+              <a:rPr lang="en-US" sz="2000" dirty="0"/>
+              <a:t>Java libraries. The </a:t>
+            </a:r>
+            <a:r>
+              <a:rPr lang="en-US" sz="2000" dirty="0" err="1"/>
+              <a:t>System.runFinalizersOnExit</a:t>
+            </a:r>
+            <a:r>
+              <a:rPr lang="en-US" sz="2000" dirty="0"/>
+              <a:t> method is </a:t>
+            </a:r>
+            <a:r>
+              <a:rPr lang="en-US" sz="2000" dirty="0" smtClean="0"/>
+              <a:t>thread-hostile and </a:t>
+            </a:r>
+            <a:r>
+              <a:rPr lang="en-US" sz="2000" dirty="0"/>
+              <a:t>has been deprecated.</a:t>
+            </a:r>
+            <a:endParaRPr lang="en-US" sz="2000" dirty="0"/>
+          </a:p>
+        </p:txBody>
+      </p:sp>
+    </p:spTree>
+    <p:extLst>
+      <p:ext uri="{BB962C8B-B14F-4D97-AF65-F5344CB8AC3E}">
+        <p14:creationId xmlns:p14="http://schemas.microsoft.com/office/powerpoint/2010/main" val="4070974464"/>
+      </p:ext>
+    </p:extLst>
+  </p:cSld>
+  <p:clrMapOvr>
+    <a:masterClrMapping/>
+  </p:clrMapOvr>
+</p:sld>
+</file>
+
+<file path=ppt/slides/slide59.xml><?xml version="1.0" encoding="utf-8"?>
+<p:sld xmlns:a="http://schemas.openxmlformats.org/drawingml/2006/main" xmlns:r="http://schemas.openxmlformats.org/officeDocument/2006/relationships" xmlns:p="http://schemas.openxmlformats.org/presentationml/2006/main">
+  <p:cSld>
+    <p:spTree>
+      <p:nvGrpSpPr>
+        <p:cNvPr id="1" name=""/>
+        <p:cNvGrpSpPr/>
+        <p:nvPr/>
+      </p:nvGrpSpPr>
+      <p:grpSpPr>
+        <a:xfrm>
+          <a:off x="0" y="0"/>
+          <a:ext cx="0" cy="0"/>
+          <a:chOff x="0" y="0"/>
+          <a:chExt cx="0" cy="0"/>
+        </a:xfrm>
+      </p:grpSpPr>
+      <p:sp>
+        <p:nvSpPr>
+          <p:cNvPr id="2" name="Title 1"/>
+          <p:cNvSpPr>
+            <a:spLocks noGrp="1"/>
+          </p:cNvSpPr>
+          <p:nvPr>
+            <p:ph type="title"/>
+          </p:nvPr>
+        </p:nvSpPr>
+        <p:spPr/>
+        <p:txBody>
+          <a:bodyPr/>
+          <a:lstStyle/>
+          <a:p>
+            <a:r>
+              <a:rPr lang="en-US" dirty="0"/>
+              <a:t>For example, the documentation</a:t>
+            </a:r>
+            <a:br>
+              <a:rPr lang="en-US" dirty="0"/>
+            </a:br>
+            <a:r>
+              <a:rPr lang="en-US" dirty="0"/>
+              <a:t>for </a:t>
+            </a:r>
+            <a:r>
+              <a:rPr lang="en-US" dirty="0" err="1"/>
+              <a:t>Collections.synchronizedMap</a:t>
+            </a:r>
+            <a:r>
+              <a:rPr lang="en-US" dirty="0"/>
+              <a:t> says this</a:t>
+            </a:r>
+            <a:endParaRPr lang="en-US" dirty="0"/>
+          </a:p>
+        </p:txBody>
+      </p:sp>
+      <p:sp>
+        <p:nvSpPr>
+          <p:cNvPr id="3" name="Text Placeholder 2"/>
+          <p:cNvSpPr>
+            <a:spLocks noGrp="1"/>
+          </p:cNvSpPr>
+          <p:nvPr>
+            <p:ph type="body" idx="1"/>
+          </p:nvPr>
+        </p:nvSpPr>
+        <p:spPr/>
+        <p:txBody>
+          <a:bodyPr/>
+          <a:lstStyle/>
+          <a:p>
+            <a:pPr marL="177800" indent="0">
+              <a:buNone/>
+            </a:pPr>
+            <a:r>
+              <a:rPr lang="en-US" dirty="0"/>
+              <a:t>It is imperative that the user manually synchronize on the returned map </a:t>
+            </a:r>
+            <a:r>
+              <a:rPr lang="en-US" dirty="0" smtClean="0"/>
+              <a:t>when iterating </a:t>
+            </a:r>
+            <a:r>
+              <a:rPr lang="en-US" dirty="0"/>
+              <a:t>over any of its collection views:</a:t>
+            </a:r>
+          </a:p>
+          <a:p>
+            <a:pPr marL="177800" indent="0">
+              <a:buNone/>
+            </a:pPr>
+            <a:r>
+              <a:rPr lang="en-US" sz="1600" dirty="0"/>
+              <a:t>Map&lt;K, V&gt; m = </a:t>
+            </a:r>
+            <a:r>
+              <a:rPr lang="en-US" sz="1600" dirty="0" err="1"/>
+              <a:t>Collections.synchronizedMap</a:t>
+            </a:r>
+            <a:r>
+              <a:rPr lang="en-US" sz="1600" dirty="0"/>
+              <a:t>(new </a:t>
+            </a:r>
+            <a:r>
+              <a:rPr lang="en-US" sz="1600" dirty="0" err="1"/>
+              <a:t>HashMap</a:t>
+            </a:r>
+            <a:r>
+              <a:rPr lang="en-US" sz="1600" dirty="0"/>
+              <a:t>&lt;K, V&gt;());</a:t>
+            </a:r>
+          </a:p>
+          <a:p>
+            <a:pPr marL="177800" indent="0">
+              <a:buNone/>
+            </a:pPr>
+            <a:r>
+              <a:rPr lang="en-US" sz="1600" dirty="0"/>
+              <a:t>...</a:t>
+            </a:r>
+          </a:p>
+          <a:p>
+            <a:pPr marL="177800" indent="0">
+              <a:buNone/>
+            </a:pPr>
+            <a:r>
+              <a:rPr lang="en-US" sz="1600" dirty="0"/>
+              <a:t>Set&lt;K&gt; s = </a:t>
+            </a:r>
+            <a:r>
+              <a:rPr lang="en-US" sz="1600" dirty="0" err="1"/>
+              <a:t>m.keySet</a:t>
+            </a:r>
+            <a:r>
+              <a:rPr lang="en-US" sz="1600" dirty="0"/>
+              <a:t>(); // Needn't be in synchronized block</a:t>
+            </a:r>
+          </a:p>
+          <a:p>
+            <a:pPr marL="177800" indent="0">
+              <a:buNone/>
+            </a:pPr>
+            <a:r>
+              <a:rPr lang="en-US" sz="1600" dirty="0"/>
+              <a:t>...</a:t>
+            </a:r>
+          </a:p>
+          <a:p>
+            <a:pPr marL="177800" indent="0">
+              <a:buNone/>
+            </a:pPr>
+            <a:r>
+              <a:rPr lang="en-US" sz="1600" dirty="0"/>
+              <a:t>synchronized(m) { // Synchronizing on m, not s!</a:t>
+            </a:r>
+          </a:p>
+          <a:p>
+            <a:pPr marL="177800" indent="0">
+              <a:buNone/>
+            </a:pPr>
+            <a:r>
+              <a:rPr lang="en-US" sz="1600" dirty="0" smtClean="0"/>
+              <a:t>	for </a:t>
+            </a:r>
+            <a:r>
+              <a:rPr lang="en-US" sz="1600" dirty="0"/>
+              <a:t>(K key : s)</a:t>
+            </a:r>
+          </a:p>
+          <a:p>
+            <a:pPr marL="177800" indent="0">
+              <a:buNone/>
+            </a:pPr>
+            <a:r>
+              <a:rPr lang="en-US" sz="1600" dirty="0" smtClean="0"/>
+              <a:t>	</a:t>
+            </a:r>
+            <a:r>
+              <a:rPr lang="en-US" sz="1600" dirty="0" err="1" smtClean="0"/>
+              <a:t>key.f</a:t>
+            </a:r>
+            <a:r>
+              <a:rPr lang="en-US" sz="1600" dirty="0"/>
+              <a:t>();</a:t>
+            </a:r>
+          </a:p>
+          <a:p>
+            <a:pPr marL="177800" indent="0">
+              <a:buNone/>
+            </a:pPr>
+            <a:r>
+              <a:rPr lang="en-US" sz="1600" dirty="0"/>
+              <a:t>}</a:t>
+            </a:r>
+          </a:p>
+          <a:p>
+            <a:pPr marL="177800" indent="0">
+              <a:buNone/>
+            </a:pPr>
+            <a:r>
+              <a:rPr lang="en-US" dirty="0"/>
+              <a:t>Failure to follow this advice may result in non-deterministic behavior</a:t>
+            </a:r>
+            <a:endParaRPr lang="en-US" dirty="0"/>
+          </a:p>
+        </p:txBody>
+      </p:sp>
+    </p:spTree>
+    <p:extLst>
+      <p:ext uri="{BB962C8B-B14F-4D97-AF65-F5344CB8AC3E}">
+        <p14:creationId xmlns:p14="http://schemas.microsoft.com/office/powerpoint/2010/main" val="987165720"/>
       </p:ext>
     </p:extLst>
   </p:cSld>
@@ -22001,6 +23767,1798 @@
 </p:sld>
 </file>
 
+<file path=ppt/slides/slide60.xml><?xml version="1.0" encoding="utf-8"?>
+<p:sld xmlns:a="http://schemas.openxmlformats.org/drawingml/2006/main" xmlns:r="http://schemas.openxmlformats.org/officeDocument/2006/relationships" xmlns:p="http://schemas.openxmlformats.org/presentationml/2006/main">
+  <p:cSld>
+    <p:spTree>
+      <p:nvGrpSpPr>
+        <p:cNvPr id="1" name=""/>
+        <p:cNvGrpSpPr/>
+        <p:nvPr/>
+      </p:nvGrpSpPr>
+      <p:grpSpPr>
+        <a:xfrm>
+          <a:off x="0" y="0"/>
+          <a:ext cx="0" cy="0"/>
+          <a:chOff x="0" y="0"/>
+          <a:chExt cx="0" cy="0"/>
+        </a:xfrm>
+      </p:grpSpPr>
+      <p:sp>
+        <p:nvSpPr>
+          <p:cNvPr id="2" name="Title 1"/>
+          <p:cNvSpPr>
+            <a:spLocks noGrp="1"/>
+          </p:cNvSpPr>
+          <p:nvPr>
+            <p:ph type="title"/>
+          </p:nvPr>
+        </p:nvSpPr>
+        <p:spPr/>
+        <p:txBody>
+          <a:bodyPr/>
+          <a:lstStyle/>
+          <a:p>
+            <a:r>
+              <a:rPr lang="en-US" i="1" dirty="0" smtClean="0"/>
+              <a:t>private lock object</a:t>
+            </a:r>
+            <a:endParaRPr lang="en-US" dirty="0"/>
+          </a:p>
+        </p:txBody>
+      </p:sp>
+      <p:sp>
+        <p:nvSpPr>
+          <p:cNvPr id="3" name="Text Placeholder 2"/>
+          <p:cNvSpPr>
+            <a:spLocks noGrp="1"/>
+          </p:cNvSpPr>
+          <p:nvPr>
+            <p:ph type="body" idx="1"/>
+          </p:nvPr>
+        </p:nvSpPr>
+        <p:spPr>
+          <a:xfrm>
+            <a:off x="588724" y="1825624"/>
+            <a:ext cx="10765076" cy="5032375"/>
+          </a:xfrm>
+        </p:spPr>
+        <p:txBody>
+          <a:bodyPr/>
+          <a:lstStyle/>
+          <a:p>
+            <a:pPr marL="177800" indent="0">
+              <a:buNone/>
+            </a:pPr>
+            <a:r>
+              <a:rPr lang="en-US" dirty="0"/>
+              <a:t>To prevent this </a:t>
+            </a:r>
+            <a:r>
+              <a:rPr lang="en-US" dirty="0" smtClean="0"/>
+              <a:t>denial-of-service </a:t>
+            </a:r>
+            <a:r>
+              <a:rPr lang="en-US" dirty="0"/>
+              <a:t>attack, you can use a </a:t>
+            </a:r>
+            <a:r>
+              <a:rPr lang="en-US" i="1" dirty="0"/>
+              <a:t>private lock </a:t>
+            </a:r>
+            <a:r>
+              <a:rPr lang="en-US" i="1" dirty="0" smtClean="0"/>
+              <a:t>object </a:t>
+            </a:r>
+            <a:r>
+              <a:rPr lang="en-US" dirty="0" smtClean="0"/>
+              <a:t>instead </a:t>
+            </a:r>
+            <a:r>
+              <a:rPr lang="en-US" dirty="0"/>
+              <a:t>of using synchronized methods (which imply a publicly accessible lock):</a:t>
+            </a:r>
+          </a:p>
+          <a:p>
+            <a:pPr marL="177800" indent="0">
+              <a:buNone/>
+            </a:pPr>
+            <a:r>
+              <a:rPr lang="en-US" sz="2000" b="1" dirty="0"/>
+              <a:t>// Private lock object idiom - thwarts denial-of-service attack</a:t>
+            </a:r>
+          </a:p>
+          <a:p>
+            <a:pPr marL="177800" indent="0">
+              <a:buNone/>
+            </a:pPr>
+            <a:r>
+              <a:rPr lang="en-US" sz="2000" dirty="0"/>
+              <a:t>private final Object lock = new Object();</a:t>
+            </a:r>
+          </a:p>
+          <a:p>
+            <a:pPr marL="177800" indent="0">
+              <a:buNone/>
+            </a:pPr>
+            <a:r>
+              <a:rPr lang="en-US" sz="2000" dirty="0"/>
+              <a:t>public void foo() {</a:t>
+            </a:r>
+          </a:p>
+          <a:p>
+            <a:pPr marL="177800" indent="0">
+              <a:buNone/>
+            </a:pPr>
+            <a:r>
+              <a:rPr lang="en-US" sz="2000" dirty="0" smtClean="0"/>
+              <a:t>	synchronized(lock</a:t>
+            </a:r>
+            <a:r>
+              <a:rPr lang="en-US" sz="2000" dirty="0"/>
+              <a:t>) {</a:t>
+            </a:r>
+          </a:p>
+          <a:p>
+            <a:pPr marL="177800" indent="0">
+              <a:buNone/>
+            </a:pPr>
+            <a:r>
+              <a:rPr lang="en-US" sz="2000" dirty="0"/>
+              <a:t>...</a:t>
+            </a:r>
+          </a:p>
+          <a:p>
+            <a:pPr marL="177800" indent="0">
+              <a:buNone/>
+            </a:pPr>
+            <a:r>
+              <a:rPr lang="en-US" sz="2000" dirty="0" smtClean="0"/>
+              <a:t>	}</a:t>
+            </a:r>
+            <a:endParaRPr lang="en-US" sz="2000" dirty="0"/>
+          </a:p>
+          <a:p>
+            <a:pPr marL="177800" indent="0">
+              <a:buNone/>
+            </a:pPr>
+            <a:r>
+              <a:rPr lang="en-US" sz="2000" dirty="0" smtClean="0"/>
+              <a:t>}</a:t>
+            </a:r>
+          </a:p>
+          <a:p>
+            <a:pPr marL="177800" indent="0">
+              <a:buNone/>
+            </a:pPr>
+            <a:r>
+              <a:rPr lang="en-US" dirty="0"/>
+              <a:t>T</a:t>
+            </a:r>
+            <a:r>
+              <a:rPr lang="en-US" dirty="0" smtClean="0"/>
+              <a:t>he </a:t>
+            </a:r>
+            <a:r>
+              <a:rPr lang="en-US" dirty="0"/>
+              <a:t>private lock object is inaccessible to clients of the class, it is </a:t>
+            </a:r>
+            <a:r>
+              <a:rPr lang="en-US" dirty="0" smtClean="0"/>
+              <a:t>impossible for </a:t>
+            </a:r>
+            <a:r>
+              <a:rPr lang="en-US" dirty="0"/>
+              <a:t>them to interfere with the object’s synchronization</a:t>
+            </a:r>
+            <a:endParaRPr lang="en-US" dirty="0"/>
+          </a:p>
+        </p:txBody>
+      </p:sp>
+    </p:spTree>
+    <p:extLst>
+      <p:ext uri="{BB962C8B-B14F-4D97-AF65-F5344CB8AC3E}">
+        <p14:creationId xmlns:p14="http://schemas.microsoft.com/office/powerpoint/2010/main" val="89697434"/>
+      </p:ext>
+    </p:extLst>
+  </p:cSld>
+  <p:clrMapOvr>
+    <a:masterClrMapping/>
+  </p:clrMapOvr>
+</p:sld>
+</file>
+
+<file path=ppt/slides/slide61.xml><?xml version="1.0" encoding="utf-8"?>
+<p:sld xmlns:a="http://schemas.openxmlformats.org/drawingml/2006/main" xmlns:r="http://schemas.openxmlformats.org/officeDocument/2006/relationships" xmlns:p="http://schemas.openxmlformats.org/presentationml/2006/main">
+  <p:cSld>
+    <p:spTree>
+      <p:nvGrpSpPr>
+        <p:cNvPr id="1" name=""/>
+        <p:cNvGrpSpPr/>
+        <p:nvPr/>
+      </p:nvGrpSpPr>
+      <p:grpSpPr>
+        <a:xfrm>
+          <a:off x="0" y="0"/>
+          <a:ext cx="0" cy="0"/>
+          <a:chOff x="0" y="0"/>
+          <a:chExt cx="0" cy="0"/>
+        </a:xfrm>
+      </p:grpSpPr>
+      <p:sp>
+        <p:nvSpPr>
+          <p:cNvPr id="2" name="Title 1"/>
+          <p:cNvSpPr>
+            <a:spLocks noGrp="1"/>
+          </p:cNvSpPr>
+          <p:nvPr>
+            <p:ph type="title"/>
+          </p:nvPr>
+        </p:nvSpPr>
+        <p:spPr/>
+        <p:txBody>
+          <a:bodyPr/>
+          <a:lstStyle/>
+          <a:p>
+            <a:r>
+              <a:rPr lang="en-US" b="1" dirty="0"/>
+              <a:t>Item 70: Document thread </a:t>
+            </a:r>
+            <a:r>
+              <a:rPr lang="en-US" b="1" dirty="0" smtClean="0"/>
+              <a:t>safety (2)</a:t>
+            </a:r>
+            <a:endParaRPr lang="en-US" dirty="0"/>
+          </a:p>
+        </p:txBody>
+      </p:sp>
+      <p:sp>
+        <p:nvSpPr>
+          <p:cNvPr id="3" name="Text Placeholder 2"/>
+          <p:cNvSpPr>
+            <a:spLocks noGrp="1"/>
+          </p:cNvSpPr>
+          <p:nvPr>
+            <p:ph type="body" idx="1"/>
+          </p:nvPr>
+        </p:nvSpPr>
+        <p:spPr/>
+        <p:txBody>
+          <a:bodyPr/>
+          <a:lstStyle/>
+          <a:p>
+            <a:pPr marL="177800" indent="0">
+              <a:buNone/>
+            </a:pPr>
+            <a:r>
+              <a:rPr lang="en-US" dirty="0"/>
+              <a:t>E</a:t>
+            </a:r>
+            <a:r>
+              <a:rPr lang="en-US" dirty="0" smtClean="0"/>
+              <a:t>very </a:t>
+            </a:r>
+            <a:r>
+              <a:rPr lang="en-US" dirty="0"/>
+              <a:t>class should clearly document its thread safety </a:t>
+            </a:r>
+            <a:r>
+              <a:rPr lang="en-US" dirty="0" smtClean="0"/>
+              <a:t>properties with </a:t>
+            </a:r>
+            <a:r>
+              <a:rPr lang="en-US" dirty="0"/>
+              <a:t>a carefully worded prose description or a thread safety annotation. </a:t>
+            </a:r>
+            <a:r>
+              <a:rPr lang="en-US" dirty="0" smtClean="0"/>
+              <a:t>The synchronized </a:t>
+            </a:r>
+            <a:r>
+              <a:rPr lang="en-US" dirty="0"/>
+              <a:t>modifier plays no part in this documentation. </a:t>
+            </a:r>
+            <a:r>
+              <a:rPr lang="en-US" dirty="0" smtClean="0"/>
+              <a:t>Conditionally thread-safe </a:t>
+            </a:r>
+            <a:r>
+              <a:rPr lang="en-US" dirty="0"/>
+              <a:t>classes must document which method invocation sequences </a:t>
+            </a:r>
+            <a:r>
+              <a:rPr lang="en-US" dirty="0" smtClean="0"/>
+              <a:t>require external </a:t>
+            </a:r>
+            <a:r>
+              <a:rPr lang="en-US" dirty="0"/>
+              <a:t>synchronization, and which lock to acquire when executing </a:t>
+            </a:r>
+            <a:r>
+              <a:rPr lang="en-US" dirty="0" smtClean="0"/>
+              <a:t>these sequences</a:t>
+            </a:r>
+            <a:r>
+              <a:rPr lang="en-US" dirty="0"/>
+              <a:t>. </a:t>
+            </a:r>
+            <a:endParaRPr lang="en-US" dirty="0" smtClean="0"/>
+          </a:p>
+          <a:p>
+            <a:pPr marL="177800" indent="0">
+              <a:buNone/>
+            </a:pPr>
+            <a:r>
+              <a:rPr lang="en-US" dirty="0" smtClean="0"/>
+              <a:t>If </a:t>
+            </a:r>
+            <a:r>
+              <a:rPr lang="en-US" dirty="0"/>
+              <a:t>you write an unconditionally thread-safe class, consider using a </a:t>
+            </a:r>
+            <a:r>
+              <a:rPr lang="en-US" dirty="0" smtClean="0"/>
+              <a:t>private lock </a:t>
+            </a:r>
+            <a:r>
+              <a:rPr lang="en-US" dirty="0"/>
+              <a:t>object in place of synchronized methods. This protects you against </a:t>
+            </a:r>
+            <a:r>
+              <a:rPr lang="en-US" dirty="0" smtClean="0"/>
+              <a:t>synchronization interference </a:t>
+            </a:r>
+            <a:r>
+              <a:rPr lang="en-US" dirty="0"/>
+              <a:t>by clients and subclasses and gives you the flexibility </a:t>
+            </a:r>
+            <a:r>
+              <a:rPr lang="en-US" dirty="0" smtClean="0"/>
+              <a:t>to adopt </a:t>
+            </a:r>
+            <a:r>
+              <a:rPr lang="en-US" dirty="0"/>
+              <a:t>a more sophisticated approach to concurrency control in a later release</a:t>
+            </a:r>
+            <a:endParaRPr lang="en-US" dirty="0"/>
+          </a:p>
+        </p:txBody>
+      </p:sp>
+    </p:spTree>
+    <p:extLst>
+      <p:ext uri="{BB962C8B-B14F-4D97-AF65-F5344CB8AC3E}">
+        <p14:creationId xmlns:p14="http://schemas.microsoft.com/office/powerpoint/2010/main" val="2899031704"/>
+      </p:ext>
+    </p:extLst>
+  </p:cSld>
+  <p:clrMapOvr>
+    <a:masterClrMapping/>
+  </p:clrMapOvr>
+</p:sld>
+</file>
+
+<file path=ppt/slides/slide62.xml><?xml version="1.0" encoding="utf-8"?>
+<p:sld xmlns:a="http://schemas.openxmlformats.org/drawingml/2006/main" xmlns:r="http://schemas.openxmlformats.org/officeDocument/2006/relationships" xmlns:p="http://schemas.openxmlformats.org/presentationml/2006/main">
+  <p:cSld>
+    <p:spTree>
+      <p:nvGrpSpPr>
+        <p:cNvPr id="1" name=""/>
+        <p:cNvGrpSpPr/>
+        <p:nvPr/>
+      </p:nvGrpSpPr>
+      <p:grpSpPr>
+        <a:xfrm>
+          <a:off x="0" y="0"/>
+          <a:ext cx="0" cy="0"/>
+          <a:chOff x="0" y="0"/>
+          <a:chExt cx="0" cy="0"/>
+        </a:xfrm>
+      </p:grpSpPr>
+      <p:sp>
+        <p:nvSpPr>
+          <p:cNvPr id="2" name="Title 1"/>
+          <p:cNvSpPr>
+            <a:spLocks noGrp="1"/>
+          </p:cNvSpPr>
+          <p:nvPr>
+            <p:ph type="title"/>
+          </p:nvPr>
+        </p:nvSpPr>
+        <p:spPr/>
+        <p:txBody>
+          <a:bodyPr/>
+          <a:lstStyle/>
+          <a:p>
+            <a:r>
+              <a:rPr lang="en-US" b="1" dirty="0"/>
+              <a:t>Item 71: Use lazy initialization judiciously</a:t>
+            </a:r>
+            <a:endParaRPr lang="en-US" dirty="0"/>
+          </a:p>
+        </p:txBody>
+      </p:sp>
+      <p:sp>
+        <p:nvSpPr>
+          <p:cNvPr id="3" name="Text Placeholder 2"/>
+          <p:cNvSpPr>
+            <a:spLocks noGrp="1"/>
+          </p:cNvSpPr>
+          <p:nvPr>
+            <p:ph type="body" idx="1"/>
+          </p:nvPr>
+        </p:nvSpPr>
+        <p:spPr/>
+        <p:txBody>
+          <a:bodyPr/>
+          <a:lstStyle/>
+          <a:p>
+            <a:pPr marL="177800" indent="0">
+              <a:buNone/>
+            </a:pPr>
+            <a:r>
+              <a:rPr lang="en-US" i="1" dirty="0"/>
+              <a:t>Lazy initialization </a:t>
+            </a:r>
+            <a:r>
+              <a:rPr lang="en-US" dirty="0"/>
+              <a:t>is the act of delaying the initialization of a field until </a:t>
+            </a:r>
+            <a:r>
+              <a:rPr lang="en-US" dirty="0" smtClean="0"/>
+              <a:t>its value </a:t>
+            </a:r>
+            <a:r>
+              <a:rPr lang="en-US" dirty="0"/>
+              <a:t>is </a:t>
+            </a:r>
+            <a:r>
+              <a:rPr lang="en-US" dirty="0" smtClean="0"/>
+              <a:t>needed</a:t>
+            </a:r>
+          </a:p>
+          <a:p>
+            <a:pPr marL="177800" indent="0">
+              <a:buNone/>
+            </a:pPr>
+            <a:r>
+              <a:rPr lang="en-US" b="1" dirty="0"/>
+              <a:t>// Lazy initialization holder class idiom for static fields</a:t>
+            </a:r>
+          </a:p>
+          <a:p>
+            <a:pPr marL="177800" indent="0">
+              <a:buNone/>
+            </a:pPr>
+            <a:r>
+              <a:rPr lang="en-US" dirty="0" smtClean="0"/>
+              <a:t> private </a:t>
+            </a:r>
+            <a:r>
+              <a:rPr lang="en-US" dirty="0"/>
+              <a:t>static class </a:t>
+            </a:r>
+            <a:r>
+              <a:rPr lang="en-US" dirty="0" err="1"/>
+              <a:t>FieldHolder</a:t>
+            </a:r>
+            <a:r>
+              <a:rPr lang="en-US" dirty="0"/>
+              <a:t> {</a:t>
+            </a:r>
+          </a:p>
+          <a:p>
+            <a:pPr marL="177800" indent="0">
+              <a:buNone/>
+            </a:pPr>
+            <a:r>
+              <a:rPr lang="en-US" dirty="0" smtClean="0"/>
+              <a:t> static </a:t>
+            </a:r>
+            <a:r>
+              <a:rPr lang="en-US" dirty="0"/>
+              <a:t>final </a:t>
+            </a:r>
+            <a:r>
+              <a:rPr lang="en-US" dirty="0" err="1"/>
+              <a:t>FieldType</a:t>
+            </a:r>
+            <a:r>
+              <a:rPr lang="en-US" dirty="0"/>
+              <a:t> field = </a:t>
+            </a:r>
+            <a:r>
+              <a:rPr lang="en-US" dirty="0" err="1"/>
+              <a:t>computeFieldValue</a:t>
+            </a:r>
+            <a:r>
+              <a:rPr lang="en-US" dirty="0"/>
+              <a:t>();</a:t>
+            </a:r>
+          </a:p>
+          <a:p>
+            <a:pPr marL="177800" indent="0">
+              <a:buNone/>
+            </a:pPr>
+            <a:r>
+              <a:rPr lang="en-US" dirty="0" smtClean="0"/>
+              <a:t> }</a:t>
+            </a:r>
+            <a:endParaRPr lang="en-US" dirty="0"/>
+          </a:p>
+          <a:p>
+            <a:pPr marL="177800" indent="0">
+              <a:buNone/>
+            </a:pPr>
+            <a:r>
+              <a:rPr lang="en-US" dirty="0" smtClean="0"/>
+              <a:t> static </a:t>
+            </a:r>
+            <a:r>
+              <a:rPr lang="en-US" dirty="0" err="1"/>
+              <a:t>FieldType</a:t>
+            </a:r>
+            <a:r>
+              <a:rPr lang="en-US" dirty="0"/>
+              <a:t> </a:t>
+            </a:r>
+            <a:r>
+              <a:rPr lang="en-US" dirty="0" err="1"/>
+              <a:t>getField</a:t>
+            </a:r>
+            <a:r>
+              <a:rPr lang="en-US" dirty="0"/>
+              <a:t>() { return </a:t>
+            </a:r>
+            <a:r>
+              <a:rPr lang="en-US" dirty="0" err="1"/>
+              <a:t>FieldHolder.field</a:t>
+            </a:r>
+            <a:r>
+              <a:rPr lang="en-US" dirty="0"/>
+              <a:t>; }</a:t>
+            </a:r>
+            <a:endParaRPr lang="en-US" dirty="0"/>
+          </a:p>
+        </p:txBody>
+      </p:sp>
+    </p:spTree>
+    <p:extLst>
+      <p:ext uri="{BB962C8B-B14F-4D97-AF65-F5344CB8AC3E}">
+        <p14:creationId xmlns:p14="http://schemas.microsoft.com/office/powerpoint/2010/main" val="3155785705"/>
+      </p:ext>
+    </p:extLst>
+  </p:cSld>
+  <p:clrMapOvr>
+    <a:masterClrMapping/>
+  </p:clrMapOvr>
+</p:sld>
+</file>
+
+<file path=ppt/slides/slide63.xml><?xml version="1.0" encoding="utf-8"?>
+<p:sld xmlns:a="http://schemas.openxmlformats.org/drawingml/2006/main" xmlns:r="http://schemas.openxmlformats.org/officeDocument/2006/relationships" xmlns:p="http://schemas.openxmlformats.org/presentationml/2006/main">
+  <p:cSld>
+    <p:spTree>
+      <p:nvGrpSpPr>
+        <p:cNvPr id="1" name=""/>
+        <p:cNvGrpSpPr/>
+        <p:nvPr/>
+      </p:nvGrpSpPr>
+      <p:grpSpPr>
+        <a:xfrm>
+          <a:off x="0" y="0"/>
+          <a:ext cx="0" cy="0"/>
+          <a:chOff x="0" y="0"/>
+          <a:chExt cx="0" cy="0"/>
+        </a:xfrm>
+      </p:grpSpPr>
+      <p:sp>
+        <p:nvSpPr>
+          <p:cNvPr id="2" name="Title 1"/>
+          <p:cNvSpPr>
+            <a:spLocks noGrp="1"/>
+          </p:cNvSpPr>
+          <p:nvPr>
+            <p:ph type="title"/>
+          </p:nvPr>
+        </p:nvSpPr>
+        <p:spPr/>
+        <p:txBody>
+          <a:bodyPr/>
+          <a:lstStyle/>
+          <a:p>
+            <a:r>
+              <a:rPr lang="en-US" b="1" i="1" dirty="0"/>
+              <a:t>double-check </a:t>
+            </a:r>
+            <a:r>
+              <a:rPr lang="en-US" b="1" i="1" dirty="0" smtClean="0"/>
+              <a:t>idiom</a:t>
+            </a:r>
+            <a:endParaRPr lang="en-US" dirty="0"/>
+          </a:p>
+        </p:txBody>
+      </p:sp>
+      <p:sp>
+        <p:nvSpPr>
+          <p:cNvPr id="3" name="Text Placeholder 2"/>
+          <p:cNvSpPr>
+            <a:spLocks noGrp="1"/>
+          </p:cNvSpPr>
+          <p:nvPr>
+            <p:ph type="body" idx="1"/>
+          </p:nvPr>
+        </p:nvSpPr>
+        <p:spPr>
+          <a:xfrm>
+            <a:off x="838200" y="1825624"/>
+            <a:ext cx="10515599" cy="5032375"/>
+          </a:xfrm>
+        </p:spPr>
+        <p:txBody>
+          <a:bodyPr/>
+          <a:lstStyle/>
+          <a:p>
+            <a:pPr marL="177800" indent="0">
+              <a:buNone/>
+            </a:pPr>
+            <a:r>
+              <a:rPr lang="en-US" b="1" dirty="0"/>
+              <a:t>If you need to use lazy initialization for performance on an instance </a:t>
+            </a:r>
+            <a:r>
+              <a:rPr lang="en-US" b="1" dirty="0" smtClean="0"/>
+              <a:t>field, use </a:t>
+            </a:r>
+            <a:r>
+              <a:rPr lang="en-US" b="1" dirty="0"/>
+              <a:t>the </a:t>
+            </a:r>
+            <a:r>
+              <a:rPr lang="en-US" b="1" i="1" dirty="0"/>
+              <a:t>double-check </a:t>
+            </a:r>
+            <a:r>
+              <a:rPr lang="en-US" b="1" i="1" dirty="0" smtClean="0"/>
+              <a:t>idiom</a:t>
+            </a:r>
+          </a:p>
+          <a:p>
+            <a:pPr marL="177800" indent="0">
+              <a:buNone/>
+            </a:pPr>
+            <a:r>
+              <a:rPr lang="en-US" sz="1800" b="1" dirty="0"/>
+              <a:t>// Double-check idiom for lazy initialization of instance fields</a:t>
+            </a:r>
+          </a:p>
+          <a:p>
+            <a:pPr marL="177800" indent="0">
+              <a:buNone/>
+            </a:pPr>
+            <a:r>
+              <a:rPr lang="en-US" sz="1800" dirty="0"/>
+              <a:t>private </a:t>
+            </a:r>
+            <a:r>
+              <a:rPr lang="en-US" sz="1800" b="1" dirty="0"/>
+              <a:t>volatile </a:t>
+            </a:r>
+            <a:r>
+              <a:rPr lang="en-US" sz="1800" dirty="0" err="1"/>
+              <a:t>FieldType</a:t>
+            </a:r>
+            <a:r>
+              <a:rPr lang="en-US" sz="1800" dirty="0"/>
+              <a:t> field;</a:t>
+            </a:r>
+          </a:p>
+          <a:p>
+            <a:pPr marL="177800" indent="0">
+              <a:buNone/>
+            </a:pPr>
+            <a:r>
+              <a:rPr lang="en-US" sz="1800" dirty="0" err="1"/>
+              <a:t>FieldType</a:t>
+            </a:r>
+            <a:r>
+              <a:rPr lang="en-US" sz="1800" dirty="0"/>
+              <a:t> </a:t>
+            </a:r>
+            <a:r>
+              <a:rPr lang="en-US" sz="1800" dirty="0" err="1"/>
+              <a:t>getField</a:t>
+            </a:r>
+            <a:r>
+              <a:rPr lang="en-US" sz="1800" dirty="0"/>
+              <a:t>() {</a:t>
+            </a:r>
+          </a:p>
+          <a:p>
+            <a:pPr marL="177800" indent="0">
+              <a:buNone/>
+            </a:pPr>
+            <a:r>
+              <a:rPr lang="en-US" sz="1800" dirty="0" err="1"/>
+              <a:t>FieldType</a:t>
+            </a:r>
+            <a:r>
+              <a:rPr lang="en-US" sz="1800" dirty="0"/>
+              <a:t> result = field;</a:t>
+            </a:r>
+          </a:p>
+          <a:p>
+            <a:pPr marL="177800" indent="0">
+              <a:buNone/>
+            </a:pPr>
+            <a:r>
+              <a:rPr lang="en-US" sz="1800" dirty="0"/>
+              <a:t>if (result == null) { // First check (no locking)</a:t>
+            </a:r>
+          </a:p>
+          <a:p>
+            <a:pPr marL="177800" indent="0">
+              <a:buNone/>
+            </a:pPr>
+            <a:r>
+              <a:rPr lang="en-US" sz="1800" dirty="0" smtClean="0"/>
+              <a:t>	synchronized(this</a:t>
+            </a:r>
+            <a:r>
+              <a:rPr lang="en-US" sz="1800" dirty="0"/>
+              <a:t>) {</a:t>
+            </a:r>
+          </a:p>
+          <a:p>
+            <a:pPr marL="177800" indent="0">
+              <a:buNone/>
+            </a:pPr>
+            <a:r>
+              <a:rPr lang="en-US" sz="1800" dirty="0" smtClean="0"/>
+              <a:t>		result </a:t>
+            </a:r>
+            <a:r>
+              <a:rPr lang="en-US" sz="1800" dirty="0"/>
+              <a:t>= field;</a:t>
+            </a:r>
+          </a:p>
+          <a:p>
+            <a:pPr marL="177800" indent="0">
+              <a:buNone/>
+            </a:pPr>
+            <a:r>
+              <a:rPr lang="en-US" sz="1800" dirty="0" smtClean="0"/>
+              <a:t>	if </a:t>
+            </a:r>
+            <a:r>
+              <a:rPr lang="en-US" sz="1800" dirty="0"/>
+              <a:t>(result == null) // Second check (with locking)</a:t>
+            </a:r>
+          </a:p>
+          <a:p>
+            <a:pPr marL="177800" indent="0">
+              <a:buNone/>
+            </a:pPr>
+            <a:r>
+              <a:rPr lang="en-US" sz="1800" dirty="0" smtClean="0"/>
+              <a:t>		field </a:t>
+            </a:r>
+            <a:r>
+              <a:rPr lang="en-US" sz="1800" dirty="0"/>
+              <a:t>= result = </a:t>
+            </a:r>
+            <a:r>
+              <a:rPr lang="en-US" sz="1800" dirty="0" err="1"/>
+              <a:t>computeFieldValue</a:t>
+            </a:r>
+            <a:r>
+              <a:rPr lang="en-US" sz="1800" dirty="0" smtClean="0"/>
+              <a:t>(); }</a:t>
+            </a:r>
+            <a:r>
+              <a:rPr lang="en-US" sz="1800" dirty="0"/>
+              <a:t> </a:t>
+            </a:r>
+            <a:r>
+              <a:rPr lang="en-US" sz="1800" dirty="0" smtClean="0"/>
+              <a:t>}</a:t>
+            </a:r>
+            <a:endParaRPr lang="en-US" sz="1800" dirty="0"/>
+          </a:p>
+          <a:p>
+            <a:pPr marL="177800" indent="0">
+              <a:buNone/>
+            </a:pPr>
+            <a:r>
+              <a:rPr lang="en-US" sz="1800" dirty="0" smtClean="0"/>
+              <a:t>	return </a:t>
+            </a:r>
+            <a:r>
+              <a:rPr lang="en-US" sz="1800" dirty="0"/>
+              <a:t>result</a:t>
+            </a:r>
+            <a:r>
+              <a:rPr lang="en-US" sz="1800" dirty="0" smtClean="0"/>
+              <a:t>; }</a:t>
+            </a:r>
+            <a:endParaRPr lang="en-US" sz="1800" dirty="0"/>
+          </a:p>
+        </p:txBody>
+      </p:sp>
+    </p:spTree>
+    <p:extLst>
+      <p:ext uri="{BB962C8B-B14F-4D97-AF65-F5344CB8AC3E}">
+        <p14:creationId xmlns:p14="http://schemas.microsoft.com/office/powerpoint/2010/main" val="1319765789"/>
+      </p:ext>
+    </p:extLst>
+  </p:cSld>
+  <p:clrMapOvr>
+    <a:masterClrMapping/>
+  </p:clrMapOvr>
+</p:sld>
+</file>
+
+<file path=ppt/slides/slide64.xml><?xml version="1.0" encoding="utf-8"?>
+<p:sld xmlns:a="http://schemas.openxmlformats.org/drawingml/2006/main" xmlns:r="http://schemas.openxmlformats.org/officeDocument/2006/relationships" xmlns:p="http://schemas.openxmlformats.org/presentationml/2006/main">
+  <p:cSld>
+    <p:spTree>
+      <p:nvGrpSpPr>
+        <p:cNvPr id="1" name=""/>
+        <p:cNvGrpSpPr/>
+        <p:nvPr/>
+      </p:nvGrpSpPr>
+      <p:grpSpPr>
+        <a:xfrm>
+          <a:off x="0" y="0"/>
+          <a:ext cx="0" cy="0"/>
+          <a:chOff x="0" y="0"/>
+          <a:chExt cx="0" cy="0"/>
+        </a:xfrm>
+      </p:grpSpPr>
+      <p:sp>
+        <p:nvSpPr>
+          <p:cNvPr id="2" name="Title 1"/>
+          <p:cNvSpPr>
+            <a:spLocks noGrp="1"/>
+          </p:cNvSpPr>
+          <p:nvPr>
+            <p:ph type="title"/>
+          </p:nvPr>
+        </p:nvSpPr>
+        <p:spPr/>
+        <p:txBody>
+          <a:bodyPr/>
+          <a:lstStyle/>
+          <a:p>
+            <a:r>
+              <a:rPr lang="en-US" b="1" dirty="0"/>
+              <a:t>Single-check idiom</a:t>
+            </a:r>
+            <a:endParaRPr lang="en-US" dirty="0"/>
+          </a:p>
+        </p:txBody>
+      </p:sp>
+      <p:sp>
+        <p:nvSpPr>
+          <p:cNvPr id="3" name="Text Placeholder 2"/>
+          <p:cNvSpPr>
+            <a:spLocks noGrp="1"/>
+          </p:cNvSpPr>
+          <p:nvPr>
+            <p:ph type="body" idx="1"/>
+          </p:nvPr>
+        </p:nvSpPr>
+        <p:spPr/>
+        <p:txBody>
+          <a:bodyPr/>
+          <a:lstStyle/>
+          <a:p>
+            <a:pPr marL="177800" indent="0">
+              <a:buNone/>
+            </a:pPr>
+            <a:r>
+              <a:rPr lang="en-US" b="1" dirty="0"/>
+              <a:t>// Single-check idiom - can cause repeated initialization!</a:t>
+            </a:r>
+          </a:p>
+          <a:p>
+            <a:pPr marL="177800" indent="0">
+              <a:buNone/>
+            </a:pPr>
+            <a:r>
+              <a:rPr lang="en-US" dirty="0"/>
+              <a:t>private </a:t>
+            </a:r>
+            <a:r>
+              <a:rPr lang="en-US" b="1" dirty="0"/>
+              <a:t>volatile </a:t>
+            </a:r>
+            <a:r>
+              <a:rPr lang="en-US" dirty="0" err="1"/>
+              <a:t>FieldType</a:t>
+            </a:r>
+            <a:r>
+              <a:rPr lang="en-US" dirty="0"/>
+              <a:t> field;</a:t>
+            </a:r>
+          </a:p>
+          <a:p>
+            <a:pPr marL="177800" indent="0">
+              <a:buNone/>
+            </a:pPr>
+            <a:r>
+              <a:rPr lang="en-US" dirty="0"/>
+              <a:t>private </a:t>
+            </a:r>
+            <a:r>
+              <a:rPr lang="en-US" dirty="0" err="1"/>
+              <a:t>FieldType</a:t>
+            </a:r>
+            <a:r>
+              <a:rPr lang="en-US" dirty="0"/>
+              <a:t> </a:t>
+            </a:r>
+            <a:r>
+              <a:rPr lang="en-US" dirty="0" err="1"/>
+              <a:t>getField</a:t>
+            </a:r>
+            <a:r>
+              <a:rPr lang="en-US" dirty="0"/>
+              <a:t>() {</a:t>
+            </a:r>
+          </a:p>
+          <a:p>
+            <a:pPr marL="177800" indent="0">
+              <a:buNone/>
+            </a:pPr>
+            <a:r>
+              <a:rPr lang="en-US" dirty="0" smtClean="0"/>
+              <a:t>	</a:t>
+            </a:r>
+            <a:r>
+              <a:rPr lang="en-US" dirty="0" err="1" smtClean="0"/>
+              <a:t>FieldType</a:t>
+            </a:r>
+            <a:r>
+              <a:rPr lang="en-US" dirty="0" smtClean="0"/>
+              <a:t> </a:t>
+            </a:r>
+            <a:r>
+              <a:rPr lang="en-US" dirty="0"/>
+              <a:t>result = field;</a:t>
+            </a:r>
+          </a:p>
+          <a:p>
+            <a:pPr marL="177800" indent="0">
+              <a:buNone/>
+            </a:pPr>
+            <a:r>
+              <a:rPr lang="en-US" dirty="0" smtClean="0"/>
+              <a:t>	if </a:t>
+            </a:r>
+            <a:r>
+              <a:rPr lang="en-US" dirty="0"/>
+              <a:t>(result == null)</a:t>
+            </a:r>
+          </a:p>
+          <a:p>
+            <a:pPr marL="177800" indent="0">
+              <a:buNone/>
+            </a:pPr>
+            <a:r>
+              <a:rPr lang="en-US" dirty="0" smtClean="0"/>
+              <a:t>		field </a:t>
+            </a:r>
+            <a:r>
+              <a:rPr lang="en-US" dirty="0"/>
+              <a:t>= result = </a:t>
+            </a:r>
+            <a:r>
+              <a:rPr lang="en-US" dirty="0" err="1"/>
+              <a:t>computeFieldValue</a:t>
+            </a:r>
+            <a:r>
+              <a:rPr lang="en-US" dirty="0"/>
+              <a:t>();</a:t>
+            </a:r>
+          </a:p>
+          <a:p>
+            <a:pPr marL="177800" indent="0">
+              <a:buNone/>
+            </a:pPr>
+            <a:r>
+              <a:rPr lang="en-US" dirty="0" smtClean="0"/>
+              <a:t>	return </a:t>
+            </a:r>
+            <a:r>
+              <a:rPr lang="en-US" dirty="0"/>
+              <a:t>result;</a:t>
+            </a:r>
+          </a:p>
+          <a:p>
+            <a:pPr marL="177800" indent="0">
+              <a:buNone/>
+            </a:pPr>
+            <a:r>
+              <a:rPr lang="en-US" dirty="0" smtClean="0"/>
+              <a:t>}</a:t>
+            </a:r>
+            <a:endParaRPr lang="en-US" dirty="0"/>
+          </a:p>
+        </p:txBody>
+      </p:sp>
+    </p:spTree>
+    <p:extLst>
+      <p:ext uri="{BB962C8B-B14F-4D97-AF65-F5344CB8AC3E}">
+        <p14:creationId xmlns:p14="http://schemas.microsoft.com/office/powerpoint/2010/main" val="2626959853"/>
+      </p:ext>
+    </p:extLst>
+  </p:cSld>
+  <p:clrMapOvr>
+    <a:masterClrMapping/>
+  </p:clrMapOvr>
+</p:sld>
+</file>
+
+<file path=ppt/slides/slide65.xml><?xml version="1.0" encoding="utf-8"?>
+<p:sld xmlns:a="http://schemas.openxmlformats.org/drawingml/2006/main" xmlns:r="http://schemas.openxmlformats.org/officeDocument/2006/relationships" xmlns:p="http://schemas.openxmlformats.org/presentationml/2006/main">
+  <p:cSld>
+    <p:spTree>
+      <p:nvGrpSpPr>
+        <p:cNvPr id="1" name=""/>
+        <p:cNvGrpSpPr/>
+        <p:nvPr/>
+      </p:nvGrpSpPr>
+      <p:grpSpPr>
+        <a:xfrm>
+          <a:off x="0" y="0"/>
+          <a:ext cx="0" cy="0"/>
+          <a:chOff x="0" y="0"/>
+          <a:chExt cx="0" cy="0"/>
+        </a:xfrm>
+      </p:grpSpPr>
+      <p:sp>
+        <p:nvSpPr>
+          <p:cNvPr id="2" name="Title 1"/>
+          <p:cNvSpPr>
+            <a:spLocks noGrp="1"/>
+          </p:cNvSpPr>
+          <p:nvPr>
+            <p:ph type="title"/>
+          </p:nvPr>
+        </p:nvSpPr>
+        <p:spPr/>
+        <p:txBody>
+          <a:bodyPr/>
+          <a:lstStyle/>
+          <a:p>
+            <a:r>
+              <a:rPr lang="en-US" b="1" dirty="0"/>
+              <a:t>Item 72: Don’t depend on the thread scheduler</a:t>
+            </a:r>
+            <a:endParaRPr lang="en-US" dirty="0"/>
+          </a:p>
+        </p:txBody>
+      </p:sp>
+      <p:sp>
+        <p:nvSpPr>
+          <p:cNvPr id="3" name="Text Placeholder 2"/>
+          <p:cNvSpPr>
+            <a:spLocks noGrp="1"/>
+          </p:cNvSpPr>
+          <p:nvPr>
+            <p:ph type="body" idx="1"/>
+          </p:nvPr>
+        </p:nvSpPr>
+        <p:spPr>
+          <a:xfrm>
+            <a:off x="838200" y="1690687"/>
+            <a:ext cx="10515599" cy="4351338"/>
+          </a:xfrm>
+        </p:spPr>
+        <p:txBody>
+          <a:bodyPr/>
+          <a:lstStyle/>
+          <a:p>
+            <a:pPr marL="177800" indent="0">
+              <a:buNone/>
+            </a:pPr>
+            <a:r>
+              <a:rPr lang="en-US" b="1" dirty="0" smtClean="0"/>
+              <a:t>Any </a:t>
+            </a:r>
+            <a:r>
+              <a:rPr lang="en-US" b="1" dirty="0"/>
+              <a:t>program that relies on </a:t>
+            </a:r>
+            <a:r>
+              <a:rPr lang="en-US" b="1" dirty="0" smtClean="0"/>
+              <a:t>the thread </a:t>
+            </a:r>
+            <a:r>
+              <a:rPr lang="en-US" b="1" dirty="0"/>
+              <a:t>scheduler for correctness or performance is likely to be </a:t>
+            </a:r>
+            <a:r>
+              <a:rPr lang="en-US" b="1" dirty="0" err="1" smtClean="0"/>
+              <a:t>nonportable</a:t>
+            </a:r>
+            <a:endParaRPr lang="en-US" b="1" dirty="0" smtClean="0"/>
+          </a:p>
+          <a:p>
+            <a:pPr marL="177800" indent="0">
+              <a:buNone/>
+            </a:pPr>
+            <a:r>
+              <a:rPr lang="en-US" dirty="0" smtClean="0"/>
+              <a:t>	</a:t>
+            </a:r>
+            <a:r>
+              <a:rPr lang="en-US" sz="2000" dirty="0" smtClean="0"/>
+              <a:t>The </a:t>
+            </a:r>
+            <a:r>
+              <a:rPr lang="en-US" sz="2000" dirty="0"/>
+              <a:t>best way to write a robust, responsive, portable program is to ensure </a:t>
+            </a:r>
+            <a:r>
+              <a:rPr lang="en-US" sz="2000" dirty="0" smtClean="0"/>
+              <a:t>that the </a:t>
+            </a:r>
+            <a:r>
+              <a:rPr lang="en-US" sz="2000" dirty="0"/>
+              <a:t>average number of </a:t>
+            </a:r>
+            <a:r>
+              <a:rPr lang="en-US" sz="2000" i="1" dirty="0"/>
+              <a:t>runnable </a:t>
+            </a:r>
+            <a:r>
+              <a:rPr lang="en-US" sz="2000" dirty="0"/>
+              <a:t>threads is not significantly greater than </a:t>
+            </a:r>
+            <a:r>
+              <a:rPr lang="en-US" sz="2000" dirty="0" smtClean="0"/>
+              <a:t>the number of processors</a:t>
+            </a:r>
+          </a:p>
+          <a:p>
+            <a:pPr marL="177800" indent="0">
+              <a:buNone/>
+            </a:pPr>
+            <a:endParaRPr lang="en-US" sz="2000" dirty="0"/>
+          </a:p>
+          <a:p>
+            <a:pPr marL="177800" indent="0">
+              <a:buNone/>
+            </a:pPr>
+            <a:r>
+              <a:rPr lang="en-US" dirty="0" smtClean="0"/>
+              <a:t>Do </a:t>
+            </a:r>
+            <a:r>
+              <a:rPr lang="en-US" dirty="0"/>
+              <a:t>not depend on the thread scheduler for the correctness of </a:t>
+            </a:r>
+            <a:r>
+              <a:rPr lang="en-US" dirty="0" smtClean="0"/>
+              <a:t>your program</a:t>
+            </a:r>
+            <a:r>
+              <a:rPr lang="en-US" dirty="0"/>
+              <a:t>. The resulting program will be neither robust nor portable</a:t>
+            </a:r>
+            <a:r>
+              <a:rPr lang="en-US" sz="2000" dirty="0"/>
+              <a:t>.</a:t>
+            </a:r>
+            <a:endParaRPr lang="en-US" sz="2000" dirty="0"/>
+          </a:p>
+        </p:txBody>
+      </p:sp>
+    </p:spTree>
+    <p:extLst>
+      <p:ext uri="{BB962C8B-B14F-4D97-AF65-F5344CB8AC3E}">
+        <p14:creationId xmlns:p14="http://schemas.microsoft.com/office/powerpoint/2010/main" val="2060647433"/>
+      </p:ext>
+    </p:extLst>
+  </p:cSld>
+  <p:clrMapOvr>
+    <a:masterClrMapping/>
+  </p:clrMapOvr>
+</p:sld>
+</file>
+
+<file path=ppt/slides/slide66.xml><?xml version="1.0" encoding="utf-8"?>
+<p:sld xmlns:a="http://schemas.openxmlformats.org/drawingml/2006/main" xmlns:r="http://schemas.openxmlformats.org/officeDocument/2006/relationships" xmlns:p="http://schemas.openxmlformats.org/presentationml/2006/main">
+  <p:cSld>
+    <p:spTree>
+      <p:nvGrpSpPr>
+        <p:cNvPr id="1" name=""/>
+        <p:cNvGrpSpPr/>
+        <p:nvPr/>
+      </p:nvGrpSpPr>
+      <p:grpSpPr>
+        <a:xfrm>
+          <a:off x="0" y="0"/>
+          <a:ext cx="0" cy="0"/>
+          <a:chOff x="0" y="0"/>
+          <a:chExt cx="0" cy="0"/>
+        </a:xfrm>
+      </p:grpSpPr>
+      <p:sp>
+        <p:nvSpPr>
+          <p:cNvPr id="2" name="Title 1"/>
+          <p:cNvSpPr>
+            <a:spLocks noGrp="1"/>
+          </p:cNvSpPr>
+          <p:nvPr>
+            <p:ph type="title"/>
+          </p:nvPr>
+        </p:nvSpPr>
+        <p:spPr/>
+        <p:txBody>
+          <a:bodyPr/>
+          <a:lstStyle/>
+          <a:p>
+            <a:r>
+              <a:rPr lang="en-US" b="1" dirty="0"/>
+              <a:t>Item 73: Avoid thread groups</a:t>
+            </a:r>
+            <a:endParaRPr lang="en-US" dirty="0"/>
+          </a:p>
+        </p:txBody>
+      </p:sp>
+      <p:sp>
+        <p:nvSpPr>
+          <p:cNvPr id="3" name="Text Placeholder 2"/>
+          <p:cNvSpPr>
+            <a:spLocks noGrp="1"/>
+          </p:cNvSpPr>
+          <p:nvPr>
+            <p:ph type="body" idx="1"/>
+          </p:nvPr>
+        </p:nvSpPr>
+        <p:spPr/>
+        <p:txBody>
+          <a:bodyPr/>
+          <a:lstStyle/>
+          <a:p>
+            <a:pPr marL="177800" indent="0">
+              <a:buNone/>
+            </a:pPr>
+            <a:r>
+              <a:rPr lang="en-US" dirty="0"/>
+              <a:t>T</a:t>
+            </a:r>
+            <a:r>
+              <a:rPr lang="en-US" dirty="0" smtClean="0"/>
+              <a:t>hread </a:t>
+            </a:r>
+            <a:r>
+              <a:rPr lang="en-US" dirty="0"/>
+              <a:t>groups don’t provide much in the way of useful </a:t>
+            </a:r>
+            <a:r>
+              <a:rPr lang="en-US" dirty="0" smtClean="0"/>
+              <a:t>functionality, and </a:t>
+            </a:r>
+            <a:r>
+              <a:rPr lang="en-US" dirty="0"/>
+              <a:t>much of the functionality they do provide is flawed. Thread </a:t>
+            </a:r>
+            <a:r>
+              <a:rPr lang="en-US" dirty="0" smtClean="0"/>
+              <a:t>groups are </a:t>
+            </a:r>
+            <a:r>
+              <a:rPr lang="en-US" dirty="0"/>
+              <a:t>best viewed as an unsuccessful experiment, and you should simply ignore </a:t>
+            </a:r>
+            <a:r>
+              <a:rPr lang="en-US" dirty="0" smtClean="0"/>
+              <a:t>their existence</a:t>
+            </a:r>
+            <a:r>
+              <a:rPr lang="en-US" dirty="0"/>
+              <a:t>. If you design a class that deals with logical groups of threads, </a:t>
+            </a:r>
+            <a:r>
+              <a:rPr lang="en-US" dirty="0" smtClean="0"/>
+              <a:t>you should </a:t>
+            </a:r>
+            <a:r>
+              <a:rPr lang="en-US" dirty="0"/>
+              <a:t>probably use thread pool executors (Item 68).</a:t>
+            </a:r>
+            <a:endParaRPr lang="en-US" dirty="0"/>
+          </a:p>
+        </p:txBody>
+      </p:sp>
+    </p:spTree>
+    <p:extLst>
+      <p:ext uri="{BB962C8B-B14F-4D97-AF65-F5344CB8AC3E}">
+        <p14:creationId xmlns:p14="http://schemas.microsoft.com/office/powerpoint/2010/main" val="1076215067"/>
+      </p:ext>
+    </p:extLst>
+  </p:cSld>
+  <p:clrMapOvr>
+    <a:masterClrMapping/>
+  </p:clrMapOvr>
+</p:sld>
+</file>
+
+<file path=ppt/slides/slide67.xml><?xml version="1.0" encoding="utf-8"?>
+<p:sld xmlns:a="http://schemas.openxmlformats.org/drawingml/2006/main" xmlns:r="http://schemas.openxmlformats.org/officeDocument/2006/relationships" xmlns:p="http://schemas.openxmlformats.org/presentationml/2006/main">
+  <p:cSld>
+    <p:spTree>
+      <p:nvGrpSpPr>
+        <p:cNvPr id="1" name="Shape 89"/>
+        <p:cNvGrpSpPr/>
+        <p:nvPr/>
+      </p:nvGrpSpPr>
+      <p:grpSpPr>
+        <a:xfrm>
+          <a:off x="0" y="0"/>
+          <a:ext cx="0" cy="0"/>
+          <a:chOff x="0" y="0"/>
+          <a:chExt cx="0" cy="0"/>
+        </a:xfrm>
+      </p:grpSpPr>
+      <p:sp>
+        <p:nvSpPr>
+          <p:cNvPr id="90" name="Shape 90"/>
+          <p:cNvSpPr txBox="1">
+            <a:spLocks noGrp="1"/>
+          </p:cNvSpPr>
+          <p:nvPr>
+            <p:ph type="title"/>
+          </p:nvPr>
+        </p:nvSpPr>
+        <p:spPr>
+          <a:xfrm>
+            <a:off x="838200" y="365125"/>
+            <a:ext cx="10515599" cy="1325562"/>
+          </a:xfrm>
+          <a:prstGeom prst="rect">
+            <a:avLst/>
+          </a:prstGeom>
+          <a:noFill/>
+          <a:ln>
+            <a:noFill/>
+          </a:ln>
+        </p:spPr>
+        <p:txBody>
+          <a:bodyPr lIns="91425" tIns="45700" rIns="91425" bIns="45700" anchor="ctr" anchorCtr="0">
+            <a:noAutofit/>
+          </a:bodyPr>
+          <a:lstStyle/>
+          <a:p>
+            <a:pPr marL="0" marR="0" lvl="0" indent="0" algn="r" rtl="0">
+              <a:lnSpc>
+                <a:spcPct val="90000"/>
+              </a:lnSpc>
+              <a:spcBef>
+                <a:spcPts val="0"/>
+              </a:spcBef>
+              <a:buClr>
+                <a:schemeClr val="dk1"/>
+              </a:buClr>
+              <a:buSzPct val="25000"/>
+              <a:buFont typeface="Calibri"/>
+              <a:buNone/>
+            </a:pPr>
+            <a:r>
+              <a:rPr lang="en-US" sz="4400" b="0" i="0" u="none" strike="noStrike" cap="none" dirty="0">
+                <a:solidFill>
+                  <a:schemeClr val="dk1"/>
+                </a:solidFill>
+                <a:latin typeface="Calibri"/>
+                <a:ea typeface="Calibri"/>
+                <a:cs typeface="Calibri"/>
+                <a:sym typeface="Calibri"/>
+              </a:rPr>
+              <a:t>C H A P T E R </a:t>
+            </a:r>
+            <a:r>
+              <a:rPr lang="en-US" dirty="0" smtClean="0"/>
+              <a:t>11</a:t>
+            </a:r>
+            <a:endParaRPr lang="en-US" sz="4400" b="0" i="0" u="none" strike="noStrike" cap="none" dirty="0">
+              <a:solidFill>
+                <a:schemeClr val="dk1"/>
+              </a:solidFill>
+              <a:latin typeface="Calibri"/>
+              <a:ea typeface="Calibri"/>
+              <a:cs typeface="Calibri"/>
+              <a:sym typeface="Calibri"/>
+            </a:endParaRPr>
+          </a:p>
+        </p:txBody>
+      </p:sp>
+      <p:sp>
+        <p:nvSpPr>
+          <p:cNvPr id="91" name="Shape 91"/>
+          <p:cNvSpPr txBox="1">
+            <a:spLocks noGrp="1"/>
+          </p:cNvSpPr>
+          <p:nvPr>
+            <p:ph type="body" idx="1"/>
+          </p:nvPr>
+        </p:nvSpPr>
+        <p:spPr>
+          <a:xfrm>
+            <a:off x="838200" y="1825625"/>
+            <a:ext cx="10515599" cy="4723221"/>
+          </a:xfrm>
+          <a:prstGeom prst="rect">
+            <a:avLst/>
+          </a:prstGeom>
+          <a:noFill/>
+          <a:ln>
+            <a:noFill/>
+          </a:ln>
+        </p:spPr>
+        <p:txBody>
+          <a:bodyPr lIns="91425" tIns="45700" rIns="91425" bIns="45700" anchor="t" anchorCtr="0">
+            <a:noAutofit/>
+          </a:bodyPr>
+          <a:lstStyle/>
+          <a:p>
+            <a:pPr marL="0" lvl="0" indent="0">
+              <a:spcBef>
+                <a:spcPts val="0"/>
+              </a:spcBef>
+              <a:buSzPct val="25000"/>
+              <a:buNone/>
+            </a:pPr>
+            <a:r>
+              <a:rPr lang="en-US" sz="5400" b="1" dirty="0" smtClean="0"/>
+              <a:t>Serialization</a:t>
+            </a:r>
+          </a:p>
+          <a:p>
+            <a:pPr marL="177800" indent="0">
+              <a:buNone/>
+            </a:pPr>
+            <a:r>
+              <a:rPr lang="en-US" dirty="0"/>
+              <a:t>Encoding an object as a byte stream is known as </a:t>
+            </a:r>
+            <a:r>
+              <a:rPr lang="en-US" i="1" dirty="0" smtClean="0"/>
+              <a:t>serializing </a:t>
+            </a:r>
+            <a:r>
+              <a:rPr lang="en-US" dirty="0" smtClean="0"/>
+              <a:t>the </a:t>
+            </a:r>
+            <a:r>
+              <a:rPr lang="en-US" dirty="0"/>
+              <a:t>object; </a:t>
+            </a:r>
+            <a:r>
+              <a:rPr lang="en-US" dirty="0" smtClean="0"/>
+              <a:t>the </a:t>
+            </a:r>
+            <a:r>
+              <a:rPr lang="en-US" dirty="0"/>
+              <a:t>reverse process is known as </a:t>
+            </a:r>
+            <a:r>
+              <a:rPr lang="en-US" i="1" dirty="0" err="1"/>
+              <a:t>deserializing</a:t>
+            </a:r>
+            <a:r>
+              <a:rPr lang="en-US" i="1" dirty="0"/>
+              <a:t> </a:t>
+            </a:r>
+            <a:r>
+              <a:rPr lang="en-US" dirty="0"/>
+              <a:t>it</a:t>
+            </a:r>
+            <a:r>
+              <a:rPr lang="en-US" dirty="0" smtClean="0"/>
+              <a:t>.</a:t>
+            </a:r>
+          </a:p>
+          <a:p>
+            <a:pPr marL="177800" indent="0">
+              <a:buNone/>
+            </a:pPr>
+            <a:r>
+              <a:rPr lang="en-US" dirty="0"/>
+              <a:t>Once an object </a:t>
+            </a:r>
+            <a:r>
+              <a:rPr lang="en-US" dirty="0" smtClean="0"/>
+              <a:t>has been </a:t>
+            </a:r>
+            <a:r>
+              <a:rPr lang="en-US" dirty="0"/>
+              <a:t>serialized, its encoding can be transmitted from one running virtual </a:t>
+            </a:r>
+            <a:r>
+              <a:rPr lang="en-US" dirty="0" smtClean="0"/>
+              <a:t>machine to </a:t>
+            </a:r>
+            <a:r>
+              <a:rPr lang="en-US" dirty="0"/>
+              <a:t>another or stored on disk for later deserialization.</a:t>
+            </a:r>
+            <a:endParaRPr lang="en-US" b="0" i="0" u="none" strike="noStrike" cap="none" dirty="0">
+              <a:solidFill>
+                <a:schemeClr val="dk1"/>
+              </a:solidFill>
+              <a:sym typeface="Calibri"/>
+            </a:endParaRPr>
+          </a:p>
+        </p:txBody>
+      </p:sp>
+    </p:spTree>
+    <p:extLst>
+      <p:ext uri="{BB962C8B-B14F-4D97-AF65-F5344CB8AC3E}">
+        <p14:creationId xmlns:p14="http://schemas.microsoft.com/office/powerpoint/2010/main" val="631272735"/>
+      </p:ext>
+    </p:extLst>
+  </p:cSld>
+  <p:clrMapOvr>
+    <a:masterClrMapping/>
+  </p:clrMapOvr>
+</p:sld>
+</file>
+
+<file path=ppt/slides/slide68.xml><?xml version="1.0" encoding="utf-8"?>
+<p:sld xmlns:a="http://schemas.openxmlformats.org/drawingml/2006/main" xmlns:r="http://schemas.openxmlformats.org/officeDocument/2006/relationships" xmlns:p="http://schemas.openxmlformats.org/presentationml/2006/main">
+  <p:cSld>
+    <p:spTree>
+      <p:nvGrpSpPr>
+        <p:cNvPr id="1" name=""/>
+        <p:cNvGrpSpPr/>
+        <p:nvPr/>
+      </p:nvGrpSpPr>
+      <p:grpSpPr>
+        <a:xfrm>
+          <a:off x="0" y="0"/>
+          <a:ext cx="0" cy="0"/>
+          <a:chOff x="0" y="0"/>
+          <a:chExt cx="0" cy="0"/>
+        </a:xfrm>
+      </p:grpSpPr>
+      <p:sp>
+        <p:nvSpPr>
+          <p:cNvPr id="2" name="Title 1"/>
+          <p:cNvSpPr>
+            <a:spLocks noGrp="1"/>
+          </p:cNvSpPr>
+          <p:nvPr>
+            <p:ph type="title"/>
+          </p:nvPr>
+        </p:nvSpPr>
+        <p:spPr/>
+        <p:txBody>
+          <a:bodyPr/>
+          <a:lstStyle/>
+          <a:p>
+            <a:r>
+              <a:rPr lang="en-US" b="1" dirty="0"/>
+              <a:t>Item 74: Implement Serializable judiciously</a:t>
+            </a:r>
+            <a:endParaRPr lang="en-US" dirty="0"/>
+          </a:p>
+        </p:txBody>
+      </p:sp>
+      <p:sp>
+        <p:nvSpPr>
+          <p:cNvPr id="3" name="Text Placeholder 2"/>
+          <p:cNvSpPr>
+            <a:spLocks noGrp="1"/>
+          </p:cNvSpPr>
+          <p:nvPr>
+            <p:ph type="body" idx="1"/>
+          </p:nvPr>
+        </p:nvSpPr>
+        <p:spPr/>
+        <p:txBody>
+          <a:bodyPr/>
+          <a:lstStyle/>
+          <a:p>
+            <a:pPr marL="177800" indent="0">
+              <a:buNone/>
+            </a:pPr>
+            <a:r>
+              <a:rPr lang="en-US" b="1" dirty="0"/>
+              <a:t>A major cost of implementing Serializable is that it decreases the </a:t>
+            </a:r>
+            <a:r>
+              <a:rPr lang="en-US" b="1" dirty="0" smtClean="0"/>
+              <a:t>flexibility to </a:t>
+            </a:r>
+            <a:r>
+              <a:rPr lang="en-US" b="1" dirty="0"/>
+              <a:t>change a class’s implementation once it has been </a:t>
+            </a:r>
+            <a:r>
+              <a:rPr lang="en-US" b="1" dirty="0" smtClean="0"/>
+              <a:t>released</a:t>
+            </a:r>
+          </a:p>
+          <a:p>
+            <a:pPr marL="177800" indent="0">
+              <a:buNone/>
+            </a:pPr>
+            <a:r>
+              <a:rPr lang="en-US" b="1" dirty="0"/>
+              <a:t>A second cost of implementing Serializable is that it increases the </a:t>
+            </a:r>
+            <a:r>
+              <a:rPr lang="en-US" b="1" dirty="0" smtClean="0"/>
+              <a:t>likelihood of </a:t>
+            </a:r>
+            <a:r>
+              <a:rPr lang="en-US" b="1" dirty="0"/>
+              <a:t>bugs and security holes</a:t>
+            </a:r>
+            <a:r>
+              <a:rPr lang="en-US" b="1" dirty="0" smtClean="0"/>
+              <a:t>.</a:t>
+            </a:r>
+          </a:p>
+          <a:p>
+            <a:pPr marL="177800" indent="0">
+              <a:buNone/>
+            </a:pPr>
+            <a:r>
+              <a:rPr lang="en-US" b="1" dirty="0"/>
+              <a:t>A third cost of implementing Serializable is that it increases the </a:t>
+            </a:r>
+            <a:r>
+              <a:rPr lang="en-US" b="1" dirty="0" smtClean="0"/>
+              <a:t>testing burden </a:t>
+            </a:r>
+            <a:r>
+              <a:rPr lang="en-US" b="1" dirty="0"/>
+              <a:t>associated with releasing a new version of a class</a:t>
+            </a:r>
+            <a:endParaRPr lang="en-US" dirty="0"/>
+          </a:p>
+        </p:txBody>
+      </p:sp>
+    </p:spTree>
+    <p:extLst>
+      <p:ext uri="{BB962C8B-B14F-4D97-AF65-F5344CB8AC3E}">
+        <p14:creationId xmlns:p14="http://schemas.microsoft.com/office/powerpoint/2010/main" val="1547380155"/>
+      </p:ext>
+    </p:extLst>
+  </p:cSld>
+  <p:clrMapOvr>
+    <a:masterClrMapping/>
+  </p:clrMapOvr>
+</p:sld>
+</file>
+
+<file path=ppt/slides/slide69.xml><?xml version="1.0" encoding="utf-8"?>
+<p:sld xmlns:a="http://schemas.openxmlformats.org/drawingml/2006/main" xmlns:r="http://schemas.openxmlformats.org/officeDocument/2006/relationships" xmlns:p="http://schemas.openxmlformats.org/presentationml/2006/main">
+  <p:cSld>
+    <p:spTree>
+      <p:nvGrpSpPr>
+        <p:cNvPr id="1" name=""/>
+        <p:cNvGrpSpPr/>
+        <p:nvPr/>
+      </p:nvGrpSpPr>
+      <p:grpSpPr>
+        <a:xfrm>
+          <a:off x="0" y="0"/>
+          <a:ext cx="0" cy="0"/>
+          <a:chOff x="0" y="0"/>
+          <a:chExt cx="0" cy="0"/>
+        </a:xfrm>
+      </p:grpSpPr>
+      <p:sp>
+        <p:nvSpPr>
+          <p:cNvPr id="2" name="Title 1"/>
+          <p:cNvSpPr>
+            <a:spLocks noGrp="1"/>
+          </p:cNvSpPr>
+          <p:nvPr>
+            <p:ph type="title"/>
+          </p:nvPr>
+        </p:nvSpPr>
+        <p:spPr/>
+        <p:txBody>
+          <a:bodyPr/>
+          <a:lstStyle/>
+          <a:p>
+            <a:r>
+              <a:rPr lang="en-US" b="1" dirty="0"/>
+              <a:t>Item 75: Consider using a custom serialized form</a:t>
+            </a:r>
+            <a:endParaRPr lang="en-US" dirty="0"/>
+          </a:p>
+        </p:txBody>
+      </p:sp>
+      <p:sp>
+        <p:nvSpPr>
+          <p:cNvPr id="3" name="Text Placeholder 2"/>
+          <p:cNvSpPr>
+            <a:spLocks noGrp="1"/>
+          </p:cNvSpPr>
+          <p:nvPr>
+            <p:ph type="body" idx="1"/>
+          </p:nvPr>
+        </p:nvSpPr>
+        <p:spPr/>
+        <p:txBody>
+          <a:bodyPr/>
+          <a:lstStyle/>
+          <a:p>
+            <a:pPr marL="177800" indent="0">
+              <a:buNone/>
+            </a:pPr>
+            <a:r>
+              <a:rPr lang="en-US" b="1" dirty="0" smtClean="0"/>
+              <a:t>Do </a:t>
+            </a:r>
+            <a:r>
+              <a:rPr lang="en-US" b="1" dirty="0"/>
+              <a:t>not accept the default serialized form without first </a:t>
+            </a:r>
+            <a:r>
+              <a:rPr lang="en-US" b="1" dirty="0" smtClean="0"/>
+              <a:t>considering whether </a:t>
+            </a:r>
+            <a:r>
+              <a:rPr lang="en-US" b="1" dirty="0"/>
+              <a:t>it is </a:t>
+            </a:r>
+            <a:r>
+              <a:rPr lang="en-US" b="1" dirty="0" smtClean="0"/>
+              <a:t>appropriate</a:t>
+            </a:r>
+          </a:p>
+          <a:p>
+            <a:pPr marL="177800" indent="0">
+              <a:buNone/>
+            </a:pPr>
+            <a:r>
+              <a:rPr lang="en-US" b="1" dirty="0"/>
+              <a:t>Even if you decide that the default serialized form is appropriate, </a:t>
+            </a:r>
+            <a:r>
+              <a:rPr lang="en-US" b="1" dirty="0" smtClean="0"/>
+              <a:t>you often </a:t>
+            </a:r>
+            <a:r>
+              <a:rPr lang="en-US" b="1" dirty="0"/>
+              <a:t>must provide a </a:t>
+            </a:r>
+            <a:r>
+              <a:rPr lang="en-US" b="1" dirty="0" err="1"/>
+              <a:t>readObject</a:t>
+            </a:r>
+            <a:r>
+              <a:rPr lang="en-US" b="1" dirty="0"/>
+              <a:t> method to ensure invariants and security</a:t>
+            </a:r>
+            <a:endParaRPr lang="en-US" b="1" dirty="0" smtClean="0"/>
+          </a:p>
+          <a:p>
+            <a:endParaRPr lang="en-US" dirty="0"/>
+          </a:p>
+        </p:txBody>
+      </p:sp>
+    </p:spTree>
+    <p:extLst>
+      <p:ext uri="{BB962C8B-B14F-4D97-AF65-F5344CB8AC3E}">
+        <p14:creationId xmlns:p14="http://schemas.microsoft.com/office/powerpoint/2010/main" val="2281940226"/>
+      </p:ext>
+    </p:extLst>
+  </p:cSld>
+  <p:clrMapOvr>
+    <a:masterClrMapping/>
+  </p:clrMapOvr>
+</p:sld>
+</file>
+
 <file path=ppt/slides/slide7.xml><?xml version="1.0" encoding="utf-8"?>
 <p:sld xmlns:a="http://schemas.openxmlformats.org/drawingml/2006/main" xmlns:r="http://schemas.openxmlformats.org/officeDocument/2006/relationships" xmlns:p="http://schemas.openxmlformats.org/presentationml/2006/main">
   <p:cSld>
@@ -22224,6 +25782,246 @@
     <p:extLst>
       <p:ext uri="{BB962C8B-B14F-4D97-AF65-F5344CB8AC3E}">
         <p14:creationId xmlns:p14="http://schemas.microsoft.com/office/powerpoint/2010/main" val="1079280353"/>
+      </p:ext>
+    </p:extLst>
+  </p:cSld>
+  <p:clrMapOvr>
+    <a:masterClrMapping/>
+  </p:clrMapOvr>
+</p:sld>
+</file>
+
+<file path=ppt/slides/slide70.xml><?xml version="1.0" encoding="utf-8"?>
+<p:sld xmlns:a="http://schemas.openxmlformats.org/drawingml/2006/main" xmlns:r="http://schemas.openxmlformats.org/officeDocument/2006/relationships" xmlns:p="http://schemas.openxmlformats.org/presentationml/2006/main">
+  <p:cSld>
+    <p:spTree>
+      <p:nvGrpSpPr>
+        <p:cNvPr id="1" name=""/>
+        <p:cNvGrpSpPr/>
+        <p:nvPr/>
+      </p:nvGrpSpPr>
+      <p:grpSpPr>
+        <a:xfrm>
+          <a:off x="0" y="0"/>
+          <a:ext cx="0" cy="0"/>
+          <a:chOff x="0" y="0"/>
+          <a:chExt cx="0" cy="0"/>
+        </a:xfrm>
+      </p:grpSpPr>
+      <p:sp>
+        <p:nvSpPr>
+          <p:cNvPr id="2" name="Title 1"/>
+          <p:cNvSpPr>
+            <a:spLocks noGrp="1"/>
+          </p:cNvSpPr>
+          <p:nvPr>
+            <p:ph type="title"/>
+          </p:nvPr>
+        </p:nvSpPr>
+        <p:spPr/>
+        <p:txBody>
+          <a:bodyPr/>
+          <a:lstStyle/>
+          <a:p>
+            <a:r>
+              <a:rPr lang="en-US" b="1" dirty="0"/>
+              <a:t>Item 76: Write </a:t>
+            </a:r>
+            <a:r>
+              <a:rPr lang="en-US" b="1" dirty="0" err="1"/>
+              <a:t>readObject</a:t>
+            </a:r>
+            <a:r>
+              <a:rPr lang="en-US" b="1" dirty="0"/>
+              <a:t> methods defensively</a:t>
+            </a:r>
+            <a:endParaRPr lang="en-US" dirty="0"/>
+          </a:p>
+        </p:txBody>
+      </p:sp>
+      <p:sp>
+        <p:nvSpPr>
+          <p:cNvPr id="3" name="Text Placeholder 2"/>
+          <p:cNvSpPr>
+            <a:spLocks noGrp="1"/>
+          </p:cNvSpPr>
+          <p:nvPr>
+            <p:ph type="body" idx="1"/>
+          </p:nvPr>
+        </p:nvSpPr>
+        <p:spPr/>
+        <p:txBody>
+          <a:bodyPr/>
+          <a:lstStyle/>
+          <a:p>
+            <a:endParaRPr lang="en-US"/>
+          </a:p>
+        </p:txBody>
+      </p:sp>
+    </p:spTree>
+    <p:extLst>
+      <p:ext uri="{BB962C8B-B14F-4D97-AF65-F5344CB8AC3E}">
+        <p14:creationId xmlns:p14="http://schemas.microsoft.com/office/powerpoint/2010/main" val="1196375527"/>
+      </p:ext>
+    </p:extLst>
+  </p:cSld>
+  <p:clrMapOvr>
+    <a:masterClrMapping/>
+  </p:clrMapOvr>
+</p:sld>
+</file>
+
+<file path=ppt/slides/slide71.xml><?xml version="1.0" encoding="utf-8"?>
+<p:sld xmlns:a="http://schemas.openxmlformats.org/drawingml/2006/main" xmlns:r="http://schemas.openxmlformats.org/officeDocument/2006/relationships" xmlns:p="http://schemas.openxmlformats.org/presentationml/2006/main">
+  <p:cSld>
+    <p:spTree>
+      <p:nvGrpSpPr>
+        <p:cNvPr id="1" name=""/>
+        <p:cNvGrpSpPr/>
+        <p:nvPr/>
+      </p:nvGrpSpPr>
+      <p:grpSpPr>
+        <a:xfrm>
+          <a:off x="0" y="0"/>
+          <a:ext cx="0" cy="0"/>
+          <a:chOff x="0" y="0"/>
+          <a:chExt cx="0" cy="0"/>
+        </a:xfrm>
+      </p:grpSpPr>
+      <p:sp>
+        <p:nvSpPr>
+          <p:cNvPr id="2" name="Title 1"/>
+          <p:cNvSpPr>
+            <a:spLocks noGrp="1"/>
+          </p:cNvSpPr>
+          <p:nvPr>
+            <p:ph type="title"/>
+          </p:nvPr>
+        </p:nvSpPr>
+        <p:spPr/>
+        <p:txBody>
+          <a:bodyPr/>
+          <a:lstStyle/>
+          <a:p>
+            <a:r>
+              <a:rPr lang="en-US" b="1" dirty="0"/>
+              <a:t>Item 77: For instance control, prefer </a:t>
+            </a:r>
+            <a:r>
+              <a:rPr lang="en-US" b="1" dirty="0" err="1"/>
+              <a:t>enum</a:t>
+            </a:r>
+            <a:r>
+              <a:rPr lang="en-US" b="1" dirty="0"/>
+              <a:t> types to </a:t>
+            </a:r>
+            <a:r>
+              <a:rPr lang="en-US" b="1" dirty="0" err="1"/>
+              <a:t>readResolve</a:t>
+            </a:r>
+            <a:endParaRPr lang="en-US" dirty="0"/>
+          </a:p>
+        </p:txBody>
+      </p:sp>
+      <p:sp>
+        <p:nvSpPr>
+          <p:cNvPr id="3" name="Text Placeholder 2"/>
+          <p:cNvSpPr>
+            <a:spLocks noGrp="1"/>
+          </p:cNvSpPr>
+          <p:nvPr>
+            <p:ph type="body" idx="1"/>
+          </p:nvPr>
+        </p:nvSpPr>
+        <p:spPr/>
+        <p:txBody>
+          <a:bodyPr/>
+          <a:lstStyle/>
+          <a:p>
+            <a:endParaRPr lang="en-US"/>
+          </a:p>
+        </p:txBody>
+      </p:sp>
+    </p:spTree>
+    <p:extLst>
+      <p:ext uri="{BB962C8B-B14F-4D97-AF65-F5344CB8AC3E}">
+        <p14:creationId xmlns:p14="http://schemas.microsoft.com/office/powerpoint/2010/main" val="304360747"/>
+      </p:ext>
+    </p:extLst>
+  </p:cSld>
+  <p:clrMapOvr>
+    <a:masterClrMapping/>
+  </p:clrMapOvr>
+</p:sld>
+</file>
+
+<file path=ppt/slides/slide72.xml><?xml version="1.0" encoding="utf-8"?>
+<p:sld xmlns:a="http://schemas.openxmlformats.org/drawingml/2006/main" xmlns:r="http://schemas.openxmlformats.org/officeDocument/2006/relationships" xmlns:p="http://schemas.openxmlformats.org/presentationml/2006/main">
+  <p:cSld>
+    <p:spTree>
+      <p:nvGrpSpPr>
+        <p:cNvPr id="1" name=""/>
+        <p:cNvGrpSpPr/>
+        <p:nvPr/>
+      </p:nvGrpSpPr>
+      <p:grpSpPr>
+        <a:xfrm>
+          <a:off x="0" y="0"/>
+          <a:ext cx="0" cy="0"/>
+          <a:chOff x="0" y="0"/>
+          <a:chExt cx="0" cy="0"/>
+        </a:xfrm>
+      </p:grpSpPr>
+      <p:sp>
+        <p:nvSpPr>
+          <p:cNvPr id="2" name="Title 1"/>
+          <p:cNvSpPr>
+            <a:spLocks noGrp="1"/>
+          </p:cNvSpPr>
+          <p:nvPr>
+            <p:ph type="title"/>
+          </p:nvPr>
+        </p:nvSpPr>
+        <p:spPr/>
+        <p:txBody>
+          <a:bodyPr/>
+          <a:lstStyle/>
+          <a:p>
+            <a:r>
+              <a:rPr lang="en-US" b="1" dirty="0"/>
+              <a:t>Item 78: Consider serialization proxies instead of </a:t>
+            </a:r>
+            <a:r>
+              <a:rPr lang="en-US" b="1" dirty="0" smtClean="0"/>
+              <a:t>serialized instances</a:t>
+            </a:r>
+            <a:endParaRPr lang="en-US" dirty="0"/>
+          </a:p>
+        </p:txBody>
+      </p:sp>
+      <p:sp>
+        <p:nvSpPr>
+          <p:cNvPr id="3" name="Text Placeholder 2"/>
+          <p:cNvSpPr>
+            <a:spLocks noGrp="1"/>
+          </p:cNvSpPr>
+          <p:nvPr>
+            <p:ph type="body" idx="1"/>
+          </p:nvPr>
+        </p:nvSpPr>
+        <p:spPr/>
+        <p:txBody>
+          <a:bodyPr/>
+          <a:lstStyle/>
+          <a:p>
+            <a:endParaRPr lang="en-US" dirty="0"/>
+          </a:p>
+        </p:txBody>
+      </p:sp>
+    </p:spTree>
+    <p:extLst>
+      <p:ext uri="{BB962C8B-B14F-4D97-AF65-F5344CB8AC3E}">
+        <p14:creationId xmlns:p14="http://schemas.microsoft.com/office/powerpoint/2010/main" val="531745612"/>
       </p:ext>
     </p:extLst>
   </p:cSld>

--- a/Study of Effective Java™.pptx
+++ b/Study of Effective Java™.pptx
@@ -5,7 +5,7 @@
     <p:sldMasterId id="2147483659" r:id="rId1"/>
   </p:sldMasterIdLst>
   <p:notesMasterIdLst>
-    <p:notesMasterId r:id="rId74"/>
+    <p:notesMasterId r:id="rId76"/>
   </p:notesMasterIdLst>
   <p:sldIdLst>
     <p:sldId id="256" r:id="rId2"/>
@@ -80,6 +80,8 @@
     <p:sldId id="327" r:id="rId71"/>
     <p:sldId id="328" r:id="rId72"/>
     <p:sldId id="329" r:id="rId73"/>
+    <p:sldId id="330" r:id="rId74"/>
+    <p:sldId id="331" r:id="rId75"/>
   </p:sldIdLst>
   <p:sldSz cx="12192000" cy="6858000"/>
   <p:notesSz cx="6858000" cy="9144000"/>
@@ -19727,7 +19729,6 @@
               <a:rPr lang="en-US" dirty="0"/>
               <a:t> is Collection&lt;? super E&gt;</a:t>
             </a:r>
-            <a:endParaRPr lang="en-US" dirty="0"/>
           </a:p>
         </p:txBody>
       </p:sp>
@@ -22044,7 +22045,6 @@
               <a:rPr lang="en-US" dirty="0"/>
               <a:t>be tricky to use correctly.</a:t>
             </a:r>
-            <a:endParaRPr lang="en-US" dirty="0"/>
           </a:p>
         </p:txBody>
       </p:sp>
@@ -22208,7 +22208,6 @@
               <a:rPr lang="en-US" dirty="0"/>
               <a:t>document your decision clearly</a:t>
             </a:r>
-            <a:endParaRPr lang="en-US" dirty="0"/>
           </a:p>
         </p:txBody>
       </p:sp>
@@ -22397,7 +22396,6 @@
               <a:rPr lang="en-US" dirty="0"/>
               <a:t>a value).</a:t>
             </a:r>
-            <a:endParaRPr lang="en-US" dirty="0"/>
           </a:p>
         </p:txBody>
       </p:sp>
@@ -22753,7 +22751,6 @@
               <a:rPr lang="en-US" dirty="0"/>
               <a:t>.</a:t>
             </a:r>
-            <a:endParaRPr lang="en-US" dirty="0"/>
           </a:p>
         </p:txBody>
       </p:sp>
@@ -23036,11 +23033,7 @@
             </a:r>
             <a:r>
               <a:rPr lang="en-US" sz="2000" dirty="0"/>
-              <a:t>from modifying static data without synchronization. No one writes </a:t>
-            </a:r>
-            <a:r>
-              <a:rPr lang="en-US" sz="2000" dirty="0"/>
-              <a:t> </a:t>
+              <a:t>from modifying static data without synchronization. No one writes  </a:t>
             </a:r>
             <a:r>
               <a:rPr lang="en-US" sz="2000" dirty="0" smtClean="0"/>
@@ -23082,7 +23075,6 @@
               <a:rPr lang="en-US" sz="2000" dirty="0"/>
               <a:t>has been deprecated.</a:t>
             </a:r>
-            <a:endParaRPr lang="en-US" sz="2000" dirty="0"/>
           </a:p>
         </p:txBody>
       </p:sp>
@@ -23150,7 +23142,6 @@
               <a:rPr lang="en-US" dirty="0"/>
               <a:t> says this</a:t>
             </a:r>
-            <a:endParaRPr lang="en-US" dirty="0"/>
           </a:p>
         </p:txBody>
       </p:sp>
@@ -23301,7 +23292,6 @@
               <a:rPr lang="en-US" dirty="0"/>
               <a:t>Failure to follow this advice may result in non-deterministic behavior</a:t>
             </a:r>
-            <a:endParaRPr lang="en-US" dirty="0"/>
           </a:p>
         </p:txBody>
       </p:sp>
@@ -23951,7 +23941,6 @@
               <a:rPr lang="en-US" dirty="0"/>
               <a:t>them to interfere with the object’s synchronization</a:t>
             </a:r>
-            <a:endParaRPr lang="en-US" dirty="0"/>
           </a:p>
         </p:txBody>
       </p:sp>
@@ -24120,7 +24109,6 @@
               <a:rPr lang="en-US" dirty="0"/>
               <a:t>a more sophisticated approach to concurrency control in a later release</a:t>
             </a:r>
-            <a:endParaRPr lang="en-US" dirty="0"/>
           </a:p>
         </p:txBody>
       </p:sp>
@@ -24317,7 +24305,6 @@
               <a:rPr lang="en-US" dirty="0"/>
               <a:t>; }</a:t>
             </a:r>
-            <a:endParaRPr lang="en-US" dirty="0"/>
           </a:p>
         </p:txBody>
       </p:sp>
@@ -24951,7 +24938,6 @@
               <a:rPr lang="en-US" sz="2000" dirty="0"/>
               <a:t>.</a:t>
             </a:r>
-            <a:endParaRPr lang="en-US" sz="2000" dirty="0"/>
           </a:p>
         </p:txBody>
       </p:sp>
@@ -25070,7 +25056,6 @@
               <a:rPr lang="en-US" dirty="0"/>
               <a:t>probably use thread pool executors (Item 68).</a:t>
             </a:r>
-            <a:endParaRPr lang="en-US" dirty="0"/>
           </a:p>
         </p:txBody>
       </p:sp>
@@ -25849,12 +25834,160 @@
             <p:ph type="body" idx="1"/>
           </p:nvPr>
         </p:nvSpPr>
-        <p:spPr/>
+        <p:spPr>
+          <a:xfrm>
+            <a:off x="838200" y="1825625"/>
+            <a:ext cx="10515599" cy="4566466"/>
+          </a:xfrm>
+        </p:spPr>
         <p:txBody>
           <a:bodyPr/>
           <a:lstStyle/>
           <a:p>
-            <a:endParaRPr lang="en-US"/>
+            <a:pPr marL="177800" indent="0">
+              <a:buNone/>
+            </a:pPr>
+            <a:r>
+              <a:rPr lang="en-US" dirty="0" smtClean="0"/>
+              <a:t>Guidelines</a:t>
+            </a:r>
+            <a:r>
+              <a:rPr lang="en-US" dirty="0"/>
+              <a:t> </a:t>
+            </a:r>
+            <a:r>
+              <a:rPr lang="en-US" dirty="0" smtClean="0"/>
+              <a:t>for </a:t>
+            </a:r>
+            <a:r>
+              <a:rPr lang="en-US" dirty="0"/>
+              <a:t>writing a bulletproof </a:t>
+            </a:r>
+            <a:r>
+              <a:rPr lang="en-US" dirty="0" err="1"/>
+              <a:t>readObject</a:t>
+            </a:r>
+            <a:r>
+              <a:rPr lang="en-US" dirty="0"/>
+              <a:t> method:</a:t>
+            </a:r>
+          </a:p>
+          <a:p>
+            <a:pPr marL="177800" indent="0">
+              <a:buNone/>
+            </a:pPr>
+            <a:r>
+              <a:rPr lang="en-US" dirty="0" smtClean="0"/>
+              <a:t>For </a:t>
+            </a:r>
+            <a:r>
+              <a:rPr lang="en-US" dirty="0"/>
+              <a:t>classes with object reference fields that must remain private, </a:t>
+            </a:r>
+            <a:r>
+              <a:rPr lang="en-US" dirty="0" smtClean="0"/>
+              <a:t>defensively copy </a:t>
+            </a:r>
+            <a:r>
+              <a:rPr lang="en-US" dirty="0"/>
+              <a:t>each object in such a field. Mutable components of immutable classes </a:t>
+            </a:r>
+            <a:r>
+              <a:rPr lang="en-US" dirty="0" smtClean="0"/>
+              <a:t>fall into </a:t>
+            </a:r>
+            <a:r>
+              <a:rPr lang="en-US" dirty="0"/>
+              <a:t>this category.</a:t>
+            </a:r>
+          </a:p>
+          <a:p>
+            <a:pPr marL="177800" indent="0">
+              <a:buNone/>
+            </a:pPr>
+            <a:r>
+              <a:rPr lang="en-US" dirty="0" smtClean="0"/>
+              <a:t>Check </a:t>
+            </a:r>
+            <a:r>
+              <a:rPr lang="en-US" dirty="0"/>
+              <a:t>any invariants and throw an </a:t>
+            </a:r>
+            <a:r>
+              <a:rPr lang="en-US" dirty="0" err="1"/>
+              <a:t>InvalidObjectException</a:t>
+            </a:r>
+            <a:r>
+              <a:rPr lang="en-US" dirty="0"/>
+              <a:t> if a check </a:t>
+            </a:r>
+            <a:r>
+              <a:rPr lang="en-US" dirty="0" smtClean="0"/>
+              <a:t>fails. The </a:t>
+            </a:r>
+            <a:r>
+              <a:rPr lang="en-US" dirty="0"/>
+              <a:t>checks should follow any defensive copying.</a:t>
+            </a:r>
+          </a:p>
+          <a:p>
+            <a:pPr marL="177800" indent="0">
+              <a:buNone/>
+            </a:pPr>
+            <a:r>
+              <a:rPr lang="en-US" dirty="0" smtClean="0"/>
+              <a:t>If </a:t>
+            </a:r>
+            <a:r>
+              <a:rPr lang="en-US" dirty="0"/>
+              <a:t>an entire object graph must be validated after it is </a:t>
+            </a:r>
+            <a:r>
+              <a:rPr lang="en-US" dirty="0" err="1"/>
+              <a:t>deserialized</a:t>
+            </a:r>
+            <a:r>
+              <a:rPr lang="en-US" dirty="0"/>
+              <a:t>, use </a:t>
+            </a:r>
+            <a:r>
+              <a:rPr lang="en-US" dirty="0" smtClean="0"/>
+              <a:t>the </a:t>
+            </a:r>
+            <a:r>
+              <a:rPr lang="en-US" dirty="0" err="1" smtClean="0"/>
+              <a:t>ObjectInputValidation</a:t>
+            </a:r>
+            <a:r>
+              <a:rPr lang="en-US" dirty="0" smtClean="0"/>
+              <a:t> </a:t>
+            </a:r>
+            <a:r>
+              <a:rPr lang="en-US" dirty="0"/>
+              <a:t>interface [JavaSE6, Serialization].</a:t>
+            </a:r>
+          </a:p>
+          <a:p>
+            <a:pPr marL="177800" indent="0">
+              <a:buNone/>
+            </a:pPr>
+            <a:r>
+              <a:rPr lang="en-US" dirty="0" smtClean="0"/>
+              <a:t>Do </a:t>
+            </a:r>
+            <a:r>
+              <a:rPr lang="en-US" dirty="0"/>
+              <a:t>not invoke any </a:t>
+            </a:r>
+            <a:r>
+              <a:rPr lang="en-US" dirty="0" err="1"/>
+              <a:t>overridable</a:t>
+            </a:r>
+            <a:r>
+              <a:rPr lang="en-US" dirty="0"/>
+              <a:t> methods in the class, directly or indirectly</a:t>
+            </a:r>
+            <a:endParaRPr lang="en-US" dirty="0"/>
           </a:p>
         </p:txBody>
       </p:sp>
@@ -26022,6 +26155,477 @@
     <p:extLst>
       <p:ext uri="{BB962C8B-B14F-4D97-AF65-F5344CB8AC3E}">
         <p14:creationId xmlns:p14="http://schemas.microsoft.com/office/powerpoint/2010/main" val="531745612"/>
+      </p:ext>
+    </p:extLst>
+  </p:cSld>
+  <p:clrMapOvr>
+    <a:masterClrMapping/>
+  </p:clrMapOvr>
+</p:sld>
+</file>
+
+<file path=ppt/slides/slide73.xml><?xml version="1.0" encoding="utf-8"?>
+<p:sld xmlns:a="http://schemas.openxmlformats.org/drawingml/2006/main" xmlns:r="http://schemas.openxmlformats.org/officeDocument/2006/relationships" xmlns:p="http://schemas.openxmlformats.org/presentationml/2006/main">
+  <p:cSld>
+    <p:spTree>
+      <p:nvGrpSpPr>
+        <p:cNvPr id="1" name=""/>
+        <p:cNvGrpSpPr/>
+        <p:nvPr/>
+      </p:nvGrpSpPr>
+      <p:grpSpPr>
+        <a:xfrm>
+          <a:off x="0" y="0"/>
+          <a:ext cx="0" cy="0"/>
+          <a:chOff x="0" y="0"/>
+          <a:chExt cx="0" cy="0"/>
+        </a:xfrm>
+      </p:grpSpPr>
+      <p:sp>
+        <p:nvSpPr>
+          <p:cNvPr id="2" name="Title 1"/>
+          <p:cNvSpPr>
+            <a:spLocks noGrp="1"/>
+          </p:cNvSpPr>
+          <p:nvPr>
+            <p:ph type="title"/>
+          </p:nvPr>
+        </p:nvSpPr>
+        <p:spPr/>
+        <p:txBody>
+          <a:bodyPr/>
+          <a:lstStyle/>
+          <a:p>
+            <a:r>
+              <a:rPr lang="en-US" dirty="0"/>
+              <a:t>Serialization </a:t>
+            </a:r>
+            <a:r>
+              <a:rPr lang="en-US" dirty="0" smtClean="0"/>
+              <a:t>Interface</a:t>
+            </a:r>
+            <a:endParaRPr lang="en-US" dirty="0"/>
+          </a:p>
+        </p:txBody>
+      </p:sp>
+      <p:sp>
+        <p:nvSpPr>
+          <p:cNvPr id="3" name="Text Placeholder 2"/>
+          <p:cNvSpPr>
+            <a:spLocks noGrp="1"/>
+          </p:cNvSpPr>
+          <p:nvPr>
+            <p:ph type="body" idx="1"/>
+          </p:nvPr>
+        </p:nvSpPr>
+        <p:spPr>
+          <a:xfrm>
+            <a:off x="838200" y="1690687"/>
+            <a:ext cx="10515599" cy="4486276"/>
+          </a:xfrm>
+        </p:spPr>
+        <p:txBody>
+          <a:bodyPr/>
+          <a:lstStyle/>
+          <a:p>
+            <a:pPr marL="177800" indent="0">
+              <a:buNone/>
+            </a:pPr>
+            <a:r>
+              <a:rPr lang="en-US" sz="2400" b="1" dirty="0"/>
+              <a:t>What is serializable? I/O file/directory</a:t>
+            </a:r>
+          </a:p>
+          <a:p>
+            <a:pPr marL="177800" indent="0">
+              <a:buNone/>
+            </a:pPr>
+            <a:r>
+              <a:rPr lang="en-US" sz="2400" dirty="0" smtClean="0"/>
+              <a:t>	</a:t>
+            </a:r>
+            <a:r>
+              <a:rPr lang="en-US" sz="2000" dirty="0" smtClean="0"/>
+              <a:t>The </a:t>
+            </a:r>
+            <a:r>
+              <a:rPr lang="en-US" sz="2000" dirty="0"/>
+              <a:t>serialization is a kind of mechanism that make a class or a bean persistence by having </a:t>
+            </a:r>
+            <a:r>
+              <a:rPr lang="en-US" sz="2000" b="1" dirty="0"/>
+              <a:t>its properties or fields and state information saved and restored to and from storage</a:t>
+            </a:r>
+            <a:r>
+              <a:rPr lang="en-US" sz="2000" b="1" dirty="0" smtClean="0"/>
+              <a:t>.</a:t>
+            </a:r>
+            <a:endParaRPr lang="en-US" sz="2000" b="1" dirty="0"/>
+          </a:p>
+          <a:p>
+            <a:pPr marL="177800" indent="0">
+              <a:buNone/>
+            </a:pPr>
+            <a:r>
+              <a:rPr lang="en-US" sz="2400" b="1" dirty="0" smtClean="0"/>
+              <a:t>How </a:t>
+            </a:r>
+            <a:r>
+              <a:rPr lang="en-US" sz="2400" b="1" dirty="0"/>
+              <a:t>to make a class or a bean serializable?</a:t>
+            </a:r>
+          </a:p>
+          <a:p>
+            <a:pPr marL="177800" indent="0">
+              <a:buNone/>
+            </a:pPr>
+            <a:r>
+              <a:rPr lang="en-US" sz="2000" dirty="0" smtClean="0"/>
+              <a:t>	By </a:t>
+            </a:r>
+            <a:r>
+              <a:rPr lang="en-US" sz="2000" dirty="0"/>
+              <a:t>implementing either the </a:t>
+            </a:r>
+            <a:r>
+              <a:rPr lang="en-US" sz="2000" dirty="0" err="1"/>
+              <a:t>java.io.Serializable</a:t>
+            </a:r>
+            <a:r>
+              <a:rPr lang="en-US" sz="2000" dirty="0"/>
+              <a:t> interface, or the </a:t>
+            </a:r>
+            <a:r>
+              <a:rPr lang="en-US" sz="2000" dirty="0" err="1"/>
+              <a:t>java.io.Externalizable</a:t>
+            </a:r>
+            <a:r>
+              <a:rPr lang="en-US" sz="2000" dirty="0"/>
+              <a:t> interface as long as one class in a class' inheritance hierarchy implements Serializable or </a:t>
+            </a:r>
+            <a:r>
+              <a:rPr lang="en-US" sz="2000" dirty="0" err="1"/>
+              <a:t>Externalizable</a:t>
+            </a:r>
+            <a:r>
+              <a:rPr lang="en-US" sz="2000" dirty="0"/>
+              <a:t>, that class is serializable</a:t>
+            </a:r>
+            <a:r>
+              <a:rPr lang="en-US" sz="2000" dirty="0" smtClean="0"/>
+              <a:t>.</a:t>
+            </a:r>
+            <a:endParaRPr lang="en-US" sz="2000" dirty="0"/>
+          </a:p>
+          <a:p>
+            <a:pPr marL="177800" indent="0">
+              <a:buNone/>
+            </a:pPr>
+            <a:r>
+              <a:rPr lang="en-US" sz="2400" b="1" dirty="0" smtClean="0"/>
+              <a:t>How </a:t>
+            </a:r>
+            <a:r>
+              <a:rPr lang="en-US" sz="2400" b="1" dirty="0"/>
+              <a:t>many methods are in the Serializable interface ?</a:t>
+            </a:r>
+          </a:p>
+          <a:p>
+            <a:pPr marL="177800" indent="0">
+              <a:buNone/>
+            </a:pPr>
+            <a:r>
+              <a:rPr lang="en-US" sz="2000" dirty="0" smtClean="0"/>
+              <a:t>	There </a:t>
+            </a:r>
+            <a:r>
+              <a:rPr lang="en-US" sz="2000" dirty="0"/>
+              <a:t>is no method in the Serializable interface</a:t>
+            </a:r>
+          </a:p>
+          <a:p>
+            <a:pPr marL="177800" indent="0">
+              <a:buNone/>
+            </a:pPr>
+            <a:r>
+              <a:rPr lang="en-US" sz="2000" dirty="0" smtClean="0"/>
+              <a:t>	The </a:t>
+            </a:r>
+            <a:r>
+              <a:rPr lang="en-US" sz="2000" dirty="0"/>
+              <a:t>serializable interface acts as a maker, telling the object </a:t>
+            </a:r>
+            <a:r>
+              <a:rPr lang="en-US" sz="2000" dirty="0" err="1"/>
+              <a:t>serilizatioin</a:t>
+            </a:r>
+            <a:r>
+              <a:rPr lang="en-US" sz="2000" dirty="0"/>
+              <a:t> tools that your class is serializable</a:t>
+            </a:r>
+          </a:p>
+          <a:p>
+            <a:endParaRPr lang="en-US" dirty="0"/>
+          </a:p>
+        </p:txBody>
+      </p:sp>
+    </p:spTree>
+    <p:extLst>
+      <p:ext uri="{BB962C8B-B14F-4D97-AF65-F5344CB8AC3E}">
+        <p14:creationId xmlns:p14="http://schemas.microsoft.com/office/powerpoint/2010/main" val="2571888804"/>
+      </p:ext>
+    </p:extLst>
+  </p:cSld>
+  <p:clrMapOvr>
+    <a:masterClrMapping/>
+  </p:clrMapOvr>
+</p:sld>
+</file>
+
+<file path=ppt/slides/slide74.xml><?xml version="1.0" encoding="utf-8"?>
+<p:sld xmlns:a="http://schemas.openxmlformats.org/drawingml/2006/main" xmlns:r="http://schemas.openxmlformats.org/officeDocument/2006/relationships" xmlns:p="http://schemas.openxmlformats.org/presentationml/2006/main">
+  <p:cSld>
+    <p:spTree>
+      <p:nvGrpSpPr>
+        <p:cNvPr id="1" name=""/>
+        <p:cNvGrpSpPr/>
+        <p:nvPr/>
+      </p:nvGrpSpPr>
+      <p:grpSpPr>
+        <a:xfrm>
+          <a:off x="0" y="0"/>
+          <a:ext cx="0" cy="0"/>
+          <a:chOff x="0" y="0"/>
+          <a:chExt cx="0" cy="0"/>
+        </a:xfrm>
+      </p:grpSpPr>
+      <p:sp>
+        <p:nvSpPr>
+          <p:cNvPr id="2" name="Title 1"/>
+          <p:cNvSpPr>
+            <a:spLocks noGrp="1"/>
+          </p:cNvSpPr>
+          <p:nvPr>
+            <p:ph type="title"/>
+          </p:nvPr>
+        </p:nvSpPr>
+        <p:spPr/>
+        <p:txBody>
+          <a:bodyPr/>
+          <a:lstStyle/>
+          <a:p>
+            <a:r>
+              <a:rPr lang="en-US" dirty="0" err="1"/>
+              <a:t>Externalizable</a:t>
+            </a:r>
+            <a:r>
+              <a:rPr lang="en-US" dirty="0"/>
+              <a:t> </a:t>
+            </a:r>
+            <a:r>
+              <a:rPr lang="en-US" dirty="0" smtClean="0"/>
+              <a:t>Interface</a:t>
+            </a:r>
+            <a:endParaRPr lang="en-US" dirty="0"/>
+          </a:p>
+        </p:txBody>
+      </p:sp>
+      <p:sp>
+        <p:nvSpPr>
+          <p:cNvPr id="3" name="Text Placeholder 2"/>
+          <p:cNvSpPr>
+            <a:spLocks noGrp="1"/>
+          </p:cNvSpPr>
+          <p:nvPr>
+            <p:ph type="body" idx="1"/>
+          </p:nvPr>
+        </p:nvSpPr>
+        <p:spPr/>
+        <p:txBody>
+          <a:bodyPr/>
+          <a:lstStyle/>
+          <a:p>
+            <a:pPr marL="177800" indent="0">
+              <a:buNone/>
+            </a:pPr>
+            <a:r>
+              <a:rPr lang="en-US" sz="2400" b="1" dirty="0"/>
+              <a:t>How many methods are in the </a:t>
+            </a:r>
+            <a:r>
+              <a:rPr lang="en-US" sz="2400" b="1" dirty="0" err="1"/>
+              <a:t>Externalizable</a:t>
+            </a:r>
+            <a:r>
+              <a:rPr lang="en-US" sz="2400" b="1" dirty="0"/>
+              <a:t> interface ?</a:t>
+            </a:r>
+          </a:p>
+          <a:p>
+            <a:pPr marL="177800" indent="0">
+              <a:buNone/>
+            </a:pPr>
+            <a:r>
+              <a:rPr lang="en-US" sz="2400" dirty="0" smtClean="0"/>
+              <a:t>	</a:t>
+            </a:r>
+            <a:r>
+              <a:rPr lang="en-US" sz="2000" dirty="0" smtClean="0"/>
+              <a:t>There </a:t>
+            </a:r>
+            <a:r>
+              <a:rPr lang="en-US" sz="2000" dirty="0"/>
+              <a:t>are two methods in the </a:t>
+            </a:r>
+            <a:r>
+              <a:rPr lang="en-US" sz="2000" dirty="0" err="1"/>
+              <a:t>Externalizable</a:t>
+            </a:r>
+            <a:r>
+              <a:rPr lang="en-US" sz="2000" dirty="0"/>
+              <a:t> interface You have to implement these two methods in order to make your class </a:t>
+            </a:r>
+            <a:r>
+              <a:rPr lang="en-US" sz="2000" dirty="0" err="1"/>
+              <a:t>Externalizable</a:t>
+            </a:r>
+            <a:endParaRPr lang="en-US" sz="2000" dirty="0"/>
+          </a:p>
+          <a:p>
+            <a:pPr marL="177800" indent="0">
+              <a:buNone/>
+            </a:pPr>
+            <a:r>
+              <a:rPr lang="en-US" sz="2400" dirty="0" smtClean="0"/>
+              <a:t>	These </a:t>
+            </a:r>
+            <a:r>
+              <a:rPr lang="en-US" sz="2400" dirty="0"/>
+              <a:t>two methods are </a:t>
+            </a:r>
+            <a:r>
+              <a:rPr lang="en-US" sz="2400" dirty="0" err="1"/>
+              <a:t>readExternal</a:t>
+            </a:r>
+            <a:r>
+              <a:rPr lang="en-US" sz="2400" dirty="0"/>
+              <a:t>() and </a:t>
+            </a:r>
+            <a:r>
+              <a:rPr lang="en-US" sz="2400" dirty="0" err="1"/>
+              <a:t>writeExternal</a:t>
+            </a:r>
+            <a:r>
+              <a:rPr lang="en-US" sz="2400" dirty="0" smtClean="0"/>
+              <a:t>() </a:t>
+            </a:r>
+            <a:endParaRPr lang="en-US" sz="2400" dirty="0"/>
+          </a:p>
+          <a:p>
+            <a:pPr marL="177800" indent="0">
+              <a:buNone/>
+            </a:pPr>
+            <a:r>
+              <a:rPr lang="en-US" sz="2400" b="1" dirty="0" smtClean="0"/>
+              <a:t>What </a:t>
+            </a:r>
+            <a:r>
+              <a:rPr lang="en-US" sz="2400" b="1" dirty="0"/>
+              <a:t>is the difference between Serializable and </a:t>
+            </a:r>
+            <a:r>
+              <a:rPr lang="en-US" sz="2400" b="1" dirty="0" err="1"/>
+              <a:t>Externalizable</a:t>
+            </a:r>
+            <a:r>
+              <a:rPr lang="en-US" sz="2400" b="1" dirty="0"/>
+              <a:t> interface?</a:t>
+            </a:r>
+          </a:p>
+          <a:p>
+            <a:pPr marL="177800" indent="0">
+              <a:buNone/>
+            </a:pPr>
+            <a:r>
+              <a:rPr lang="en-US" sz="2400" dirty="0" smtClean="0"/>
+              <a:t>	</a:t>
+            </a:r>
+            <a:r>
+              <a:rPr lang="en-US" sz="2000" dirty="0" smtClean="0"/>
+              <a:t>When </a:t>
+            </a:r>
+            <a:r>
+              <a:rPr lang="en-US" sz="2000" dirty="0"/>
+              <a:t>you use Serializable interface, your class is serialized automatically by default</a:t>
+            </a:r>
+          </a:p>
+          <a:p>
+            <a:pPr marL="177800" indent="0">
+              <a:buNone/>
+            </a:pPr>
+            <a:r>
+              <a:rPr lang="en-US" sz="2000" dirty="0" smtClean="0"/>
+              <a:t>	But </a:t>
+            </a:r>
+            <a:r>
+              <a:rPr lang="en-US" sz="2000" dirty="0"/>
+              <a:t>you can override </a:t>
+            </a:r>
+            <a:r>
+              <a:rPr lang="en-US" sz="2000" dirty="0" err="1"/>
+              <a:t>writeObject</a:t>
+            </a:r>
+            <a:r>
+              <a:rPr lang="en-US" sz="2000" dirty="0"/>
+              <a:t>() and </a:t>
+            </a:r>
+            <a:r>
+              <a:rPr lang="en-US" sz="2000" dirty="0" err="1"/>
+              <a:t>readObject</a:t>
+            </a:r>
+            <a:r>
+              <a:rPr lang="en-US" sz="2000" dirty="0"/>
+              <a:t>() two methods to control more complex objects </a:t>
+            </a:r>
+            <a:r>
+              <a:rPr lang="en-US" sz="2000" dirty="0" err="1"/>
+              <a:t>serailizable</a:t>
+            </a:r>
+            <a:r>
+              <a:rPr lang="en-US" sz="2000" dirty="0"/>
+              <a:t> process</a:t>
+            </a:r>
+          </a:p>
+          <a:p>
+            <a:pPr marL="177800" indent="0">
+              <a:buNone/>
+            </a:pPr>
+            <a:r>
+              <a:rPr lang="en-US" sz="2000" dirty="0" smtClean="0"/>
+              <a:t>	While </a:t>
+            </a:r>
+            <a:r>
+              <a:rPr lang="en-US" sz="2000" dirty="0"/>
+              <a:t>you use </a:t>
+            </a:r>
+            <a:r>
+              <a:rPr lang="en-US" sz="2000" dirty="0" err="1"/>
+              <a:t>Externalizable</a:t>
+            </a:r>
+            <a:r>
+              <a:rPr lang="en-US" sz="2000" dirty="0"/>
+              <a:t> interface, you have a complete control over your class' serialization process</a:t>
+            </a:r>
+          </a:p>
+          <a:p>
+            <a:endParaRPr lang="en-US" sz="2400" dirty="0"/>
+          </a:p>
+        </p:txBody>
+      </p:sp>
+    </p:spTree>
+    <p:extLst>
+      <p:ext uri="{BB962C8B-B14F-4D97-AF65-F5344CB8AC3E}">
+        <p14:creationId xmlns:p14="http://schemas.microsoft.com/office/powerpoint/2010/main" val="941056373"/>
       </p:ext>
     </p:extLst>
   </p:cSld>

--- a/Study of Effective Java™.pptx
+++ b/Study of Effective Java™.pptx
@@ -19807,6 +19807,99 @@
           <a:bodyPr/>
           <a:lstStyle/>
           <a:p>
+            <a:pPr marL="177800" indent="0">
+              <a:buNone/>
+            </a:pPr>
+            <a:r>
+              <a:rPr lang="en-US" dirty="0"/>
+              <a:t>T</a:t>
+            </a:r>
+            <a:r>
+              <a:rPr lang="en-US" dirty="0" smtClean="0"/>
+              <a:t>he </a:t>
+            </a:r>
+            <a:r>
+              <a:rPr lang="en-US" dirty="0"/>
+              <a:t>normal use of generics, exemplified by the collections </a:t>
+            </a:r>
+            <a:r>
+              <a:rPr lang="en-US" dirty="0" smtClean="0"/>
+              <a:t>APIs, restricts </a:t>
+            </a:r>
+            <a:r>
+              <a:rPr lang="en-US" dirty="0"/>
+              <a:t>you to a fixed number of type parameters per container. You can </a:t>
+            </a:r>
+            <a:r>
+              <a:rPr lang="en-US" dirty="0" smtClean="0"/>
+              <a:t>get around </a:t>
+            </a:r>
+            <a:r>
+              <a:rPr lang="en-US" dirty="0"/>
+              <a:t>this restriction by placing the type parameter on the key rather than </a:t>
+            </a:r>
+            <a:r>
+              <a:rPr lang="en-US" dirty="0" smtClean="0"/>
+              <a:t>the container</a:t>
+            </a:r>
+            <a:r>
+              <a:rPr lang="en-US" dirty="0"/>
+              <a:t>. </a:t>
+            </a:r>
+            <a:endParaRPr lang="en-US" dirty="0" smtClean="0"/>
+          </a:p>
+          <a:p>
+            <a:pPr marL="177800" indent="0">
+              <a:buNone/>
+            </a:pPr>
+            <a:r>
+              <a:rPr lang="en-US" dirty="0" smtClean="0"/>
+              <a:t>You </a:t>
+            </a:r>
+            <a:r>
+              <a:rPr lang="en-US" dirty="0"/>
+              <a:t>can use Class objects as keys for such </a:t>
+            </a:r>
+            <a:r>
+              <a:rPr lang="en-US" dirty="0" err="1"/>
+              <a:t>typesafe</a:t>
+            </a:r>
+            <a:r>
+              <a:rPr lang="en-US" dirty="0"/>
+              <a:t> </a:t>
+            </a:r>
+            <a:r>
+              <a:rPr lang="en-US" dirty="0" smtClean="0"/>
+              <a:t>heterogeneous containers</a:t>
+            </a:r>
+            <a:r>
+              <a:rPr lang="en-US" dirty="0"/>
+              <a:t>. A Class object used in this fashion is called a type token. You can </a:t>
+            </a:r>
+            <a:r>
+              <a:rPr lang="en-US" dirty="0" smtClean="0"/>
+              <a:t>also use </a:t>
+            </a:r>
+            <a:r>
+              <a:rPr lang="en-US" dirty="0"/>
+              <a:t>a custom key type. For example, you could have a </a:t>
+            </a:r>
+            <a:r>
+              <a:rPr lang="en-US" dirty="0" err="1"/>
+              <a:t>DatabaseRow</a:t>
+            </a:r>
+            <a:r>
+              <a:rPr lang="en-US" dirty="0"/>
+              <a:t> type </a:t>
+            </a:r>
+            <a:r>
+              <a:rPr lang="en-US" dirty="0" smtClean="0"/>
+              <a:t>representing a </a:t>
+            </a:r>
+            <a:r>
+              <a:rPr lang="en-US" dirty="0"/>
+              <a:t>database row (the container), and a generic type Column&lt;T&gt; as its key</a:t>
+            </a:r>
             <a:endParaRPr lang="en-US" dirty="0"/>
           </a:p>
         </p:txBody>
@@ -20330,7 +20423,143 @@
           <a:bodyPr/>
           <a:lstStyle/>
           <a:p>
-            <a:endParaRPr lang="en-US"/>
+            <a:pPr marL="177800" indent="0">
+              <a:buNone/>
+            </a:pPr>
+            <a:r>
+              <a:rPr lang="en-US" dirty="0"/>
+              <a:t>T</a:t>
+            </a:r>
+            <a:r>
+              <a:rPr lang="en-US" dirty="0" smtClean="0"/>
+              <a:t>he </a:t>
+            </a:r>
+            <a:r>
+              <a:rPr lang="en-US" dirty="0"/>
+              <a:t>advantages of </a:t>
+            </a:r>
+            <a:r>
+              <a:rPr lang="en-US" dirty="0" err="1"/>
+              <a:t>enum</a:t>
+            </a:r>
+            <a:r>
+              <a:rPr lang="en-US" dirty="0"/>
+              <a:t> types over </a:t>
+            </a:r>
+            <a:r>
+              <a:rPr lang="en-US" dirty="0" err="1"/>
+              <a:t>int</a:t>
+            </a:r>
+            <a:r>
+              <a:rPr lang="en-US" dirty="0"/>
+              <a:t> constants are </a:t>
+            </a:r>
+            <a:r>
+              <a:rPr lang="en-US" dirty="0" smtClean="0"/>
+              <a:t>compelling. </a:t>
+            </a:r>
+            <a:r>
+              <a:rPr lang="en-US" dirty="0" err="1" smtClean="0"/>
+              <a:t>Enums</a:t>
+            </a:r>
+            <a:r>
+              <a:rPr lang="en-US" dirty="0" smtClean="0"/>
+              <a:t> </a:t>
+            </a:r>
+            <a:r>
+              <a:rPr lang="en-US" dirty="0"/>
+              <a:t>are far more readable, safer, and more powerful. Many </a:t>
+            </a:r>
+            <a:r>
+              <a:rPr lang="en-US" dirty="0" err="1"/>
+              <a:t>enums</a:t>
+            </a:r>
+            <a:r>
+              <a:rPr lang="en-US" dirty="0"/>
+              <a:t> require </a:t>
+            </a:r>
+            <a:r>
+              <a:rPr lang="en-US" dirty="0" smtClean="0"/>
+              <a:t>no explicit </a:t>
+            </a:r>
+            <a:r>
+              <a:rPr lang="en-US" dirty="0"/>
+              <a:t>constructors or members, but many others benefit from associating </a:t>
+            </a:r>
+            <a:r>
+              <a:rPr lang="en-US" dirty="0" smtClean="0"/>
+              <a:t>data with </a:t>
+            </a:r>
+            <a:r>
+              <a:rPr lang="en-US" dirty="0"/>
+              <a:t>each constant and providing methods whose behavior is affected by this data.</a:t>
+            </a:r>
+          </a:p>
+          <a:p>
+            <a:pPr marL="177800" indent="0">
+              <a:buNone/>
+            </a:pPr>
+            <a:r>
+              <a:rPr lang="en-US" dirty="0"/>
+              <a:t>Far fewer </a:t>
+            </a:r>
+            <a:r>
+              <a:rPr lang="en-US" dirty="0" err="1"/>
+              <a:t>enums</a:t>
+            </a:r>
+            <a:r>
+              <a:rPr lang="en-US" dirty="0"/>
+              <a:t> benefit from associating multiple behaviors with a </a:t>
+            </a:r>
+            <a:r>
+              <a:rPr lang="en-US" dirty="0" smtClean="0"/>
+              <a:t>single method</a:t>
+            </a:r>
+            <a:r>
+              <a:rPr lang="en-US" dirty="0"/>
+              <a:t>. In this relatively rare case, prefer constant-specific methods to </a:t>
+            </a:r>
+            <a:r>
+              <a:rPr lang="en-US" dirty="0" err="1"/>
+              <a:t>enums</a:t>
+            </a:r>
+            <a:r>
+              <a:rPr lang="en-US" dirty="0"/>
+              <a:t> </a:t>
+            </a:r>
+            <a:r>
+              <a:rPr lang="en-US" dirty="0" smtClean="0"/>
+              <a:t>that switch </a:t>
+            </a:r>
+            <a:r>
+              <a:rPr lang="en-US" dirty="0"/>
+              <a:t>on their own values. Consider the strategy </a:t>
+            </a:r>
+            <a:r>
+              <a:rPr lang="en-US" dirty="0" err="1"/>
+              <a:t>enum</a:t>
+            </a:r>
+            <a:r>
+              <a:rPr lang="en-US" dirty="0"/>
+              <a:t> pattern if multiple </a:t>
+            </a:r>
+            <a:r>
+              <a:rPr lang="en-US" dirty="0" err="1" smtClean="0"/>
+              <a:t>enum</a:t>
+            </a:r>
+            <a:r>
+              <a:rPr lang="en-US" dirty="0"/>
+              <a:t> </a:t>
+            </a:r>
+            <a:r>
+              <a:rPr lang="en-US" dirty="0" smtClean="0"/>
+              <a:t>constants </a:t>
+            </a:r>
+            <a:r>
+              <a:rPr lang="en-US" dirty="0"/>
+              <a:t>share common behaviors</a:t>
+            </a:r>
+            <a:endParaRPr lang="en-US" dirty="0"/>
           </a:p>
         </p:txBody>
       </p:sp>
@@ -20401,7 +20630,161 @@
           <a:bodyPr/>
           <a:lstStyle/>
           <a:p>
-            <a:endParaRPr lang="en-US"/>
+            <a:pPr marL="177800" indent="0">
+              <a:buNone/>
+            </a:pPr>
+            <a:r>
+              <a:rPr lang="en-US" dirty="0"/>
+              <a:t>public </a:t>
+            </a:r>
+            <a:r>
+              <a:rPr lang="en-US" dirty="0" err="1"/>
+              <a:t>enum</a:t>
+            </a:r>
+            <a:r>
+              <a:rPr lang="en-US" dirty="0"/>
+              <a:t> Ensemble {</a:t>
+            </a:r>
+          </a:p>
+          <a:p>
+            <a:pPr marL="177800" indent="0">
+              <a:buNone/>
+            </a:pPr>
+            <a:r>
+              <a:rPr lang="it-IT" dirty="0" smtClean="0"/>
+              <a:t>	SOLO(1</a:t>
+            </a:r>
+            <a:r>
+              <a:rPr lang="it-IT" dirty="0"/>
+              <a:t>), DUET(2), TRIO(3), QUARTET(4), QUINTET(5),</a:t>
+            </a:r>
+          </a:p>
+          <a:p>
+            <a:pPr marL="177800" indent="0">
+              <a:buNone/>
+            </a:pPr>
+            <a:r>
+              <a:rPr lang="en-US" dirty="0" smtClean="0"/>
+              <a:t>	SEXTET(6</a:t>
+            </a:r>
+            <a:r>
+              <a:rPr lang="en-US" dirty="0"/>
+              <a:t>), SEPTET(7), OCTET(8), DOUBLE_QUARTET(8),</a:t>
+            </a:r>
+          </a:p>
+          <a:p>
+            <a:pPr marL="177800" indent="0">
+              <a:buNone/>
+            </a:pPr>
+            <a:r>
+              <a:rPr lang="en-US" dirty="0" smtClean="0"/>
+              <a:t>	NONET(9</a:t>
+            </a:r>
+            <a:r>
+              <a:rPr lang="en-US" dirty="0"/>
+              <a:t>), DECTET(10), TRIPLE_QUARTET(12);</a:t>
+            </a:r>
+          </a:p>
+          <a:p>
+            <a:pPr marL="177800" indent="0">
+              <a:buNone/>
+            </a:pPr>
+            <a:r>
+              <a:rPr lang="en-US" dirty="0" smtClean="0"/>
+              <a:t>	private </a:t>
+            </a:r>
+            <a:r>
+              <a:rPr lang="en-US" dirty="0"/>
+              <a:t>final </a:t>
+            </a:r>
+            <a:r>
+              <a:rPr lang="en-US" dirty="0" err="1"/>
+              <a:t>int</a:t>
+            </a:r>
+            <a:r>
+              <a:rPr lang="en-US" dirty="0"/>
+              <a:t> </a:t>
+            </a:r>
+            <a:r>
+              <a:rPr lang="en-US" dirty="0" err="1"/>
+              <a:t>numberOfMusicians</a:t>
+            </a:r>
+            <a:r>
+              <a:rPr lang="en-US" dirty="0"/>
+              <a:t>;</a:t>
+            </a:r>
+          </a:p>
+          <a:p>
+            <a:pPr marL="177800" indent="0">
+              <a:buNone/>
+            </a:pPr>
+            <a:r>
+              <a:rPr lang="en-US" dirty="0" smtClean="0"/>
+              <a:t>	Ensemble(</a:t>
+            </a:r>
+            <a:r>
+              <a:rPr lang="en-US" dirty="0" err="1" smtClean="0"/>
+              <a:t>int</a:t>
+            </a:r>
+            <a:r>
+              <a:rPr lang="en-US" dirty="0" smtClean="0"/>
+              <a:t> </a:t>
+            </a:r>
+            <a:r>
+              <a:rPr lang="en-US" dirty="0"/>
+              <a:t>size) { </a:t>
+            </a:r>
+            <a:r>
+              <a:rPr lang="en-US" dirty="0" err="1"/>
+              <a:t>this.numberOfMusicians</a:t>
+            </a:r>
+            <a:r>
+              <a:rPr lang="en-US" dirty="0"/>
+              <a:t> = size; }</a:t>
+            </a:r>
+          </a:p>
+          <a:p>
+            <a:pPr marL="177800" indent="0">
+              <a:buNone/>
+            </a:pPr>
+            <a:r>
+              <a:rPr lang="en-US" dirty="0" smtClean="0"/>
+              <a:t>		public </a:t>
+            </a:r>
+            <a:r>
+              <a:rPr lang="en-US" dirty="0" err="1"/>
+              <a:t>int</a:t>
+            </a:r>
+            <a:r>
+              <a:rPr lang="en-US" dirty="0"/>
+              <a:t> </a:t>
+            </a:r>
+            <a:r>
+              <a:rPr lang="en-US" dirty="0" err="1"/>
+              <a:t>numberOfMusicians</a:t>
+            </a:r>
+            <a:r>
+              <a:rPr lang="en-US" dirty="0"/>
+              <a:t>() { return </a:t>
+            </a:r>
+            <a:r>
+              <a:rPr lang="en-US" dirty="0" err="1"/>
+              <a:t>numberOfMusicians</a:t>
+            </a:r>
+            <a:r>
+              <a:rPr lang="en-US" dirty="0"/>
+              <a:t>; }</a:t>
+            </a:r>
+          </a:p>
+          <a:p>
+            <a:pPr marL="177800" indent="0">
+              <a:buNone/>
+            </a:pPr>
+            <a:r>
+              <a:rPr lang="en-US" dirty="0"/>
+              <a:t>}</a:t>
+            </a:r>
+            <a:endParaRPr lang="en-US" dirty="0"/>
           </a:p>
         </p:txBody>
       </p:sp>
@@ -20480,7 +20863,110 @@
           <a:bodyPr/>
           <a:lstStyle/>
           <a:p>
-            <a:endParaRPr lang="en-US"/>
+            <a:pPr marL="177800" indent="0">
+              <a:buNone/>
+            </a:pPr>
+            <a:r>
+              <a:rPr lang="en-US" b="1" dirty="0" smtClean="0"/>
+              <a:t>Just </a:t>
+            </a:r>
+            <a:r>
+              <a:rPr lang="en-US" b="1" dirty="0"/>
+              <a:t>because an enumerated type will be used in sets, there </a:t>
+            </a:r>
+            <a:r>
+              <a:rPr lang="en-US" b="1" dirty="0" smtClean="0"/>
+              <a:t>is no </a:t>
+            </a:r>
+            <a:r>
+              <a:rPr lang="en-US" b="1" dirty="0"/>
+              <a:t>reason to represent it with bit fields</a:t>
+            </a:r>
+            <a:r>
+              <a:rPr lang="en-US" dirty="0"/>
+              <a:t>. The </a:t>
+            </a:r>
+            <a:r>
+              <a:rPr lang="en-US" dirty="0" err="1"/>
+              <a:t>EnumSet</a:t>
+            </a:r>
+            <a:r>
+              <a:rPr lang="en-US" dirty="0"/>
+              <a:t> class combines the </a:t>
+            </a:r>
+            <a:r>
+              <a:rPr lang="en-US" dirty="0" smtClean="0"/>
+              <a:t>conciseness and </a:t>
+            </a:r>
+            <a:r>
+              <a:rPr lang="en-US" dirty="0"/>
+              <a:t>performance of bit fields with all the many advantages of </a:t>
+            </a:r>
+            <a:r>
+              <a:rPr lang="en-US" dirty="0" err="1"/>
+              <a:t>enum</a:t>
+            </a:r>
+            <a:r>
+              <a:rPr lang="en-US" dirty="0"/>
+              <a:t> </a:t>
+            </a:r>
+            <a:r>
+              <a:rPr lang="en-US" dirty="0" smtClean="0"/>
+              <a:t>types described </a:t>
+            </a:r>
+            <a:r>
+              <a:rPr lang="en-US" dirty="0"/>
+              <a:t>in Item 30. The one real disadvantage of </a:t>
+            </a:r>
+            <a:r>
+              <a:rPr lang="en-US" dirty="0" err="1"/>
+              <a:t>EnumSet</a:t>
+            </a:r>
+            <a:r>
+              <a:rPr lang="en-US" dirty="0"/>
+              <a:t> is that it is not, as </a:t>
+            </a:r>
+            <a:r>
+              <a:rPr lang="en-US" dirty="0" smtClean="0"/>
+              <a:t>of release </a:t>
+            </a:r>
+            <a:r>
+              <a:rPr lang="en-US" dirty="0"/>
+              <a:t>1.6, possible to create an immutable </a:t>
+            </a:r>
+            <a:r>
+              <a:rPr lang="en-US" dirty="0" err="1"/>
+              <a:t>EnumSet</a:t>
+            </a:r>
+            <a:r>
+              <a:rPr lang="en-US" dirty="0"/>
+              <a:t>, but this will likely be </a:t>
+            </a:r>
+            <a:r>
+              <a:rPr lang="en-US" dirty="0" smtClean="0"/>
+              <a:t>remedied in </a:t>
+            </a:r>
+            <a:r>
+              <a:rPr lang="en-US" dirty="0"/>
+              <a:t>an upcoming release. In the meantime, you can wrap an </a:t>
+            </a:r>
+            <a:r>
+              <a:rPr lang="en-US" dirty="0" err="1"/>
+              <a:t>EnumSet</a:t>
+            </a:r>
+            <a:r>
+              <a:rPr lang="en-US"/>
+              <a:t> </a:t>
+            </a:r>
+            <a:r>
+              <a:rPr lang="en-US" smtClean="0"/>
+              <a:t>with Collections.unmodifiableSet</a:t>
+            </a:r>
+            <a:r>
+              <a:rPr lang="en-US" dirty="0"/>
+              <a:t>, but conciseness and performance will suffer.</a:t>
+            </a:r>
+            <a:endParaRPr lang="en-US" dirty="0"/>
           </a:p>
         </p:txBody>
       </p:sp>
@@ -25987,7 +26473,6 @@
               <a:rPr lang="en-US" dirty="0"/>
               <a:t> methods in the class, directly or indirectly</a:t>
             </a:r>
-            <a:endParaRPr lang="en-US" dirty="0"/>
           </a:p>
         </p:txBody>
       </p:sp>
